--- a/Customer Churn/Customer Churn Presentation.pptx
+++ b/Customer Churn/Customer Churn Presentation.pptx
@@ -13,25 +13,42 @@
     <p:sldId id="261" r:id="rId11"/>
     <p:sldId id="262" r:id="rId12"/>
     <p:sldId id="263" r:id="rId13"/>
+    <p:sldId id="264" r:id="rId14"/>
+    <p:sldId id="265" r:id="rId15"/>
+    <p:sldId id="266" r:id="rId16"/>
+    <p:sldId id="267" r:id="rId17"/>
+    <p:sldId id="268" r:id="rId18"/>
+    <p:sldId id="269" r:id="rId19"/>
+    <p:sldId id="270" r:id="rId20"/>
+    <p:sldId id="271" r:id="rId21"/>
+    <p:sldId id="272" r:id="rId22"/>
   </p:sldIdLst>
   <p:sldSz cx="18288000" cy="10287000"/>
   <p:notesSz cx="6858000" cy="9144000"/>
   <p:embeddedFontLst>
     <p:embeddedFont>
       <p:font typeface="Muli Bold" charset="1" panose="00000800000000000000"/>
-      <p:regular r:id="rId14"/>
+      <p:regular r:id="rId23"/>
     </p:embeddedFont>
     <p:embeddedFont>
       <p:font typeface="Inknut Antiqua Medium" charset="1" panose="00000600000000000000"/>
-      <p:regular r:id="rId15"/>
+      <p:regular r:id="rId24"/>
     </p:embeddedFont>
     <p:embeddedFont>
       <p:font typeface="Berthold Block" charset="1" panose="02000506040000020004"/>
-      <p:regular r:id="rId16"/>
+      <p:regular r:id="rId25"/>
     </p:embeddedFont>
     <p:embeddedFont>
       <p:font typeface="Muli Regular Bold" charset="1" panose="00000700000000000000"/>
-      <p:regular r:id="rId17"/>
+      <p:regular r:id="rId26"/>
+    </p:embeddedFont>
+    <p:embeddedFont>
+      <p:font typeface="Space Mono" charset="1" panose="02000509040000020004"/>
+      <p:regular r:id="rId27"/>
+    </p:embeddedFont>
+    <p:embeddedFont>
+      <p:font typeface="Muli Regular" charset="1" panose="00000500000000000000"/>
+      <p:regular r:id="rId28"/>
     </p:embeddedFont>
   </p:embeddedFontLst>
   <p:defaultTextStyle>
@@ -3091,61 +3108,9 @@
           <a:chExt cx="0" cy="0"/>
         </a:xfrm>
       </p:grpSpPr>
-      <p:sp>
-        <p:nvSpPr>
-          <p:cNvPr name="Freeform 2" id="2"/>
-          <p:cNvSpPr/>
-          <p:nvPr/>
-        </p:nvSpPr>
-        <p:spPr>
-          <a:xfrm flipH="false" flipV="false" rot="0">
-            <a:off x="14689434" y="2605862"/>
-            <a:ext cx="2151110" cy="2000532"/>
-          </a:xfrm>
-          <a:custGeom>
-            <a:avLst/>
-            <a:gdLst/>
-            <a:ahLst/>
-            <a:cxnLst/>
-            <a:rect r="r" b="b" t="t" l="l"/>
-            <a:pathLst>
-              <a:path h="2000532" w="2151110">
-                <a:moveTo>
-                  <a:pt x="0" y="0"/>
-                </a:moveTo>
-                <a:lnTo>
-                  <a:pt x="2151110" y="0"/>
-                </a:lnTo>
-                <a:lnTo>
-                  <a:pt x="2151110" y="2000533"/>
-                </a:lnTo>
-                <a:lnTo>
-                  <a:pt x="0" y="2000533"/>
-                </a:lnTo>
-                <a:lnTo>
-                  <a:pt x="0" y="0"/>
-                </a:lnTo>
-                <a:close/>
-              </a:path>
-            </a:pathLst>
-          </a:custGeom>
-          <a:blipFill>
-            <a:blip r:embed="rId2">
-              <a:extLst>
-                <a:ext uri="{96DAC541-7B7A-43D3-8B79-37D633B846F1}">
-                  <asvg:svgBlip xmlns:asvg="http://schemas.microsoft.com/office/drawing/2016/SVG/main" r:embed="rId3"/>
-                </a:ext>
-              </a:extLst>
-            </a:blip>
-            <a:stretch>
-              <a:fillRect l="0" t="0" r="0" b="0"/>
-            </a:stretch>
-          </a:blipFill>
-        </p:spPr>
-      </p:sp>
       <p:grpSp>
         <p:nvGrpSpPr>
-          <p:cNvPr name="Group 3" id="3"/>
+          <p:cNvPr name="Group 2" id="2"/>
           <p:cNvGrpSpPr/>
           <p:nvPr/>
         </p:nvGrpSpPr>
@@ -3159,7 +3124,7 @@
         </p:grpSpPr>
         <p:sp>
           <p:nvSpPr>
-            <p:cNvPr name="Freeform 4" id="4"/>
+            <p:cNvPr name="Freeform 3" id="3"/>
             <p:cNvSpPr/>
             <p:nvPr/>
           </p:nvSpPr>
@@ -3223,7 +3188,7 @@
       </p:grpSp>
       <p:grpSp>
         <p:nvGrpSpPr>
-          <p:cNvPr name="Group 5" id="5"/>
+          <p:cNvPr name="Group 4" id="4"/>
           <p:cNvGrpSpPr/>
           <p:nvPr/>
         </p:nvGrpSpPr>
@@ -3237,7 +3202,7 @@
         </p:grpSpPr>
         <p:sp>
           <p:nvSpPr>
-            <p:cNvPr name="Freeform 6" id="6"/>
+            <p:cNvPr name="Freeform 5" id="5"/>
             <p:cNvSpPr/>
             <p:nvPr/>
           </p:nvSpPr>
@@ -3301,7 +3266,7 @@
       </p:grpSp>
       <p:sp>
         <p:nvSpPr>
-          <p:cNvPr name="Freeform 7" id="7"/>
+          <p:cNvPr name="Freeform 6" id="6"/>
           <p:cNvSpPr/>
           <p:nvPr/>
         </p:nvSpPr>
@@ -3329,6 +3294,106 @@
                 </a:lnTo>
                 <a:lnTo>
                   <a:pt x="0" y="1027974"/>
+                </a:lnTo>
+                <a:lnTo>
+                  <a:pt x="0" y="0"/>
+                </a:lnTo>
+                <a:close/>
+              </a:path>
+            </a:pathLst>
+          </a:custGeom>
+          <a:blipFill>
+            <a:blip r:embed="rId2">
+              <a:extLst>
+                <a:ext uri="{96DAC541-7B7A-43D3-8B79-37D633B846F1}">
+                  <asvg:svgBlip xmlns:asvg="http://schemas.microsoft.com/office/drawing/2016/SVG/main" r:embed="rId3"/>
+                </a:ext>
+              </a:extLst>
+            </a:blip>
+            <a:stretch>
+              <a:fillRect l="0" t="0" r="0" b="0"/>
+            </a:stretch>
+          </a:blipFill>
+        </p:spPr>
+      </p:sp>
+      <p:sp>
+        <p:nvSpPr>
+          <p:cNvPr name="TextBox 7" id="7"/>
+          <p:cNvSpPr txBox="true"/>
+          <p:nvPr/>
+        </p:nvSpPr>
+        <p:spPr>
+          <a:xfrm rot="0">
+            <a:off x="1028700" y="1218257"/>
+            <a:ext cx="7981837" cy="4317476"/>
+          </a:xfrm>
+          <a:prstGeom prst="rect">
+            <a:avLst/>
+          </a:prstGeom>
+        </p:spPr>
+        <p:txBody>
+          <a:bodyPr anchor="t" rtlCol="false" tIns="0" lIns="0" bIns="0" rIns="0">
+            <a:spAutoFit/>
+          </a:bodyPr>
+          <a:lstStyle/>
+          <a:p>
+            <a:pPr algn="l">
+              <a:lnSpc>
+                <a:spcPts val="11251"/>
+              </a:lnSpc>
+            </a:pPr>
+            <a:r>
+              <a:rPr lang="en-US" sz="10228" spc="-102">
+                <a:solidFill>
+                  <a:srgbClr val="FFFFFF"/>
+                </a:solidFill>
+                <a:latin typeface="Muli Bold"/>
+                <a:ea typeface="Muli Bold"/>
+                <a:cs typeface="Muli Bold"/>
+                <a:sym typeface="Muli Bold"/>
+              </a:rPr>
+              <a:t>Customer Churn EDA</a:t>
+            </a:r>
+          </a:p>
+          <a:p>
+            <a:pPr algn="l">
+              <a:lnSpc>
+                <a:spcPts val="11251"/>
+              </a:lnSpc>
+            </a:pPr>
+          </a:p>
+        </p:txBody>
+      </p:sp>
+      <p:sp>
+        <p:nvSpPr>
+          <p:cNvPr name="Freeform 8" id="8"/>
+          <p:cNvSpPr/>
+          <p:nvPr/>
+        </p:nvSpPr>
+        <p:spPr>
+          <a:xfrm flipH="false" flipV="false" rot="0">
+            <a:off x="10029537" y="4863689"/>
+            <a:ext cx="7778072" cy="4394611"/>
+          </a:xfrm>
+          <a:custGeom>
+            <a:avLst/>
+            <a:gdLst/>
+            <a:ahLst/>
+            <a:cxnLst/>
+            <a:rect r="r" b="b" t="t" l="l"/>
+            <a:pathLst>
+              <a:path h="4394611" w="7778072">
+                <a:moveTo>
+                  <a:pt x="0" y="0"/>
+                </a:moveTo>
+                <a:lnTo>
+                  <a:pt x="7778072" y="0"/>
+                </a:lnTo>
+                <a:lnTo>
+                  <a:pt x="7778072" y="4394611"/>
+                </a:lnTo>
+                <a:lnTo>
+                  <a:pt x="0" y="4394611"/>
                 </a:lnTo>
                 <a:lnTo>
                   <a:pt x="0" y="0"/>
@@ -3351,16 +3416,179 @@
           </a:blipFill>
         </p:spPr>
       </p:sp>
-      <p:sp>
-        <p:nvSpPr>
-          <p:cNvPr name="TextBox 8" id="8"/>
+    </p:spTree>
+  </p:cSld>
+  <p:clrMapOvr>
+    <a:masterClrMapping/>
+  </p:clrMapOvr>
+</p:sld>
+</file>
+
+<file path=ppt/slides/slide10.xml><?xml version="1.0" encoding="utf-8"?>
+<p:sld xmlns:p="http://schemas.openxmlformats.org/presentationml/2006/main" xmlns:a="http://schemas.openxmlformats.org/drawingml/2006/main" xmlns:r="http://schemas.openxmlformats.org/officeDocument/2006/relationships">
+  <p:cSld>
+    <p:bg>
+      <p:bgPr>
+        <a:solidFill>
+          <a:srgbClr val="0048CD"/>
+        </a:solidFill>
+      </p:bgPr>
+    </p:bg>
+    <p:spTree>
+      <p:nvGrpSpPr>
+        <p:cNvPr id="1" name=""/>
+        <p:cNvGrpSpPr/>
+        <p:nvPr/>
+      </p:nvGrpSpPr>
+      <p:grpSpPr>
+        <a:xfrm>
+          <a:off x="0" y="0"/>
+          <a:ext cx="0" cy="0"/>
+          <a:chOff x="0" y="0"/>
+          <a:chExt cx="0" cy="0"/>
+        </a:xfrm>
+      </p:grpSpPr>
+      <p:sp>
+        <p:nvSpPr>
+          <p:cNvPr name="Freeform 2" id="2"/>
+          <p:cNvSpPr/>
+          <p:nvPr/>
+        </p:nvSpPr>
+        <p:spPr>
+          <a:xfrm flipH="false" flipV="false" rot="0">
+            <a:off x="8259728" y="2442292"/>
+            <a:ext cx="10028272" cy="6059770"/>
+          </a:xfrm>
+          <a:custGeom>
+            <a:avLst/>
+            <a:gdLst/>
+            <a:ahLst/>
+            <a:cxnLst/>
+            <a:rect r="r" b="b" t="t" l="l"/>
+            <a:pathLst>
+              <a:path h="6059770" w="10028272">
+                <a:moveTo>
+                  <a:pt x="0" y="0"/>
+                </a:moveTo>
+                <a:lnTo>
+                  <a:pt x="10028272" y="0"/>
+                </a:lnTo>
+                <a:lnTo>
+                  <a:pt x="10028272" y="6059770"/>
+                </a:lnTo>
+                <a:lnTo>
+                  <a:pt x="0" y="6059770"/>
+                </a:lnTo>
+                <a:lnTo>
+                  <a:pt x="0" y="0"/>
+                </a:lnTo>
+                <a:close/>
+              </a:path>
+            </a:pathLst>
+          </a:custGeom>
+          <a:blipFill>
+            <a:blip r:embed="rId2"/>
+            <a:stretch>
+              <a:fillRect l="-123" t="0" r="-1387" b="0"/>
+            </a:stretch>
+          </a:blipFill>
+        </p:spPr>
+      </p:sp>
+      <p:grpSp>
+        <p:nvGrpSpPr>
+          <p:cNvPr name="Group 3" id="3"/>
+          <p:cNvGrpSpPr/>
+          <p:nvPr/>
+        </p:nvGrpSpPr>
+        <p:grpSpPr>
+          <a:xfrm rot="0">
+            <a:off x="1028700" y="1028700"/>
+            <a:ext cx="10135560" cy="2321124"/>
+            <a:chOff x="0" y="0"/>
+            <a:chExt cx="13514080" cy="3094832"/>
+          </a:xfrm>
+        </p:grpSpPr>
+        <p:sp>
+          <p:nvSpPr>
+            <p:cNvPr name="TextBox 4" id="4"/>
+            <p:cNvSpPr txBox="true"/>
+            <p:nvPr/>
+          </p:nvSpPr>
+          <p:spPr>
+            <a:xfrm rot="0">
+              <a:off x="0" y="76200"/>
+              <a:ext cx="13514080" cy="1552151"/>
+            </a:xfrm>
+            <a:prstGeom prst="rect">
+              <a:avLst/>
+            </a:prstGeom>
+          </p:spPr>
+          <p:txBody>
+            <a:bodyPr anchor="t" rtlCol="false" tIns="0" lIns="0" bIns="0" rIns="0">
+              <a:spAutoFit/>
+            </a:bodyPr>
+            <a:lstStyle/>
+            <a:p>
+              <a:pPr algn="l">
+                <a:lnSpc>
+                  <a:spcPts val="8816"/>
+                </a:lnSpc>
+              </a:pPr>
+              <a:r>
+                <a:rPr lang="en-US" sz="8015" spc="-80">
+                  <a:solidFill>
+                    <a:srgbClr val="FFFFFF"/>
+                  </a:solidFill>
+                  <a:latin typeface="Muli Bold"/>
+                  <a:ea typeface="Muli Bold"/>
+                  <a:cs typeface="Muli Bold"/>
+                  <a:sym typeface="Muli Bold"/>
+                </a:rPr>
+                <a:t>Contract Length</a:t>
+              </a:r>
+            </a:p>
+          </p:txBody>
+        </p:sp>
+        <p:sp>
+          <p:nvSpPr>
+            <p:cNvPr name="TextBox 5" id="5"/>
+            <p:cNvSpPr txBox="true"/>
+            <p:nvPr/>
+          </p:nvSpPr>
+          <p:spPr>
+            <a:xfrm rot="0">
+              <a:off x="0" y="2408064"/>
+              <a:ext cx="12154737" cy="686768"/>
+            </a:xfrm>
+            <a:prstGeom prst="rect">
+              <a:avLst/>
+            </a:prstGeom>
+          </p:spPr>
+          <p:txBody>
+            <a:bodyPr anchor="t" rtlCol="false" tIns="0" lIns="0" bIns="0" rIns="0">
+              <a:spAutoFit/>
+            </a:bodyPr>
+            <a:lstStyle/>
+            <a:p>
+              <a:pPr algn="l">
+                <a:lnSpc>
+                  <a:spcPts val="4363"/>
+                </a:lnSpc>
+              </a:pPr>
+            </a:p>
+          </p:txBody>
+        </p:sp>
+      </p:grpSp>
+      <p:sp>
+        <p:nvSpPr>
+          <p:cNvPr name="TextBox 6" id="6"/>
           <p:cNvSpPr txBox="true"/>
           <p:nvPr/>
         </p:nvSpPr>
         <p:spPr>
           <a:xfrm rot="0">
-            <a:off x="1028700" y="1218257"/>
-            <a:ext cx="7981837" cy="4317476"/>
+            <a:off x="1300059" y="3019298"/>
+            <a:ext cx="5401937" cy="4829558"/>
           </a:xfrm>
           <a:prstGeom prst="rect">
             <a:avLst/>
@@ -3372,43 +3600,64 @@
           </a:bodyPr>
           <a:lstStyle/>
           <a:p>
-            <a:pPr algn="l">
+            <a:pPr algn="ctr" marL="0" indent="0" lvl="0">
               <a:lnSpc>
-                <a:spcPts val="11251"/>
+                <a:spcPts val="5474"/>
               </a:lnSpc>
+              <a:spcBef>
+                <a:spcPct val="0"/>
+              </a:spcBef>
             </a:pPr>
             <a:r>
-              <a:rPr lang="en-US" sz="10228" spc="-102">
+              <a:rPr lang="en-US" sz="3910" strike="noStrike" u="none">
                 <a:solidFill>
                   <a:srgbClr val="FFFFFF"/>
                 </a:solidFill>
-                <a:latin typeface="Muli Bold"/>
-                <a:ea typeface="Muli Bold"/>
-                <a:cs typeface="Muli Bold"/>
-                <a:sym typeface="Muli Bold"/>
+                <a:latin typeface="Muli Regular Bold"/>
+                <a:ea typeface="Muli Regular Bold"/>
+                <a:cs typeface="Muli Regular Bold"/>
+                <a:sym typeface="Muli Regular Bold"/>
               </a:rPr>
-              <a:t>Customer Churn EDA</a:t>
-            </a:r>
-          </a:p>
-          <a:p>
-            <a:pPr algn="l">
-              <a:lnSpc>
-                <a:spcPts val="11251"/>
-              </a:lnSpc>
-            </a:pPr>
+              <a:t>Almost half of customers with annual and quarterly contracts churn, but customers with monthly contracts all churn</a:t>
+            </a:r>
           </a:p>
         </p:txBody>
       </p:sp>
-      <p:sp>
-        <p:nvSpPr>
-          <p:cNvPr name="Freeform 9" id="9"/>
+    </p:spTree>
+  </p:cSld>
+  <p:clrMapOvr>
+    <a:masterClrMapping/>
+  </p:clrMapOvr>
+</p:sld>
+</file>
+
+<file path=ppt/slides/slide11.xml><?xml version="1.0" encoding="utf-8"?>
+<p:sld xmlns:p="http://schemas.openxmlformats.org/presentationml/2006/main" xmlns:a="http://schemas.openxmlformats.org/drawingml/2006/main" xmlns:r="http://schemas.openxmlformats.org/officeDocument/2006/relationships">
+  <p:cSld>
+    <p:spTree>
+      <p:nvGrpSpPr>
+        <p:cNvPr id="1" name=""/>
+        <p:cNvGrpSpPr/>
+        <p:nvPr/>
+      </p:nvGrpSpPr>
+      <p:grpSpPr>
+        <a:xfrm>
+          <a:off x="0" y="0"/>
+          <a:ext cx="0" cy="0"/>
+          <a:chOff x="0" y="0"/>
+          <a:chExt cx="0" cy="0"/>
+        </a:xfrm>
+      </p:grpSpPr>
+      <p:sp>
+        <p:nvSpPr>
+          <p:cNvPr name="Freeform 2" id="2"/>
           <p:cNvSpPr/>
           <p:nvPr/>
         </p:nvSpPr>
         <p:spPr>
           <a:xfrm flipH="false" flipV="false" rot="0">
-            <a:off x="9144000" y="8752134"/>
-            <a:ext cx="2151110" cy="2000532"/>
+            <a:off x="0" y="0"/>
+            <a:ext cx="18288000" cy="10287000"/>
           </a:xfrm>
           <a:custGeom>
             <a:avLst/>
@@ -3417,18 +3666,267 @@
             <a:cxnLst/>
             <a:rect r="r" b="b" t="t" l="l"/>
             <a:pathLst>
-              <a:path h="2000532" w="2151110">
+              <a:path h="10287000" w="18288000">
                 <a:moveTo>
                   <a:pt x="0" y="0"/>
                 </a:moveTo>
                 <a:lnTo>
-                  <a:pt x="2151110" y="0"/>
-                </a:lnTo>
-                <a:lnTo>
-                  <a:pt x="2151110" y="2000533"/>
-                </a:lnTo>
-                <a:lnTo>
-                  <a:pt x="0" y="2000533"/>
+                  <a:pt x="18288000" y="0"/>
+                </a:lnTo>
+                <a:lnTo>
+                  <a:pt x="18288000" y="10287000"/>
+                </a:lnTo>
+                <a:lnTo>
+                  <a:pt x="0" y="10287000"/>
+                </a:lnTo>
+                <a:lnTo>
+                  <a:pt x="0" y="0"/>
+                </a:lnTo>
+                <a:close/>
+              </a:path>
+            </a:pathLst>
+          </a:custGeom>
+          <a:blipFill>
+            <a:blip r:embed="rId2"/>
+            <a:stretch>
+              <a:fillRect l="0" t="0" r="0" b="0"/>
+            </a:stretch>
+          </a:blipFill>
+        </p:spPr>
+      </p:sp>
+      <p:grpSp>
+        <p:nvGrpSpPr>
+          <p:cNvPr name="Group 3" id="3"/>
+          <p:cNvGrpSpPr/>
+          <p:nvPr/>
+        </p:nvGrpSpPr>
+        <p:grpSpPr>
+          <a:xfrm rot="-5400000">
+            <a:off x="11585909" y="2264932"/>
+            <a:ext cx="5689479" cy="3682561"/>
+            <a:chOff x="0" y="0"/>
+            <a:chExt cx="1923367" cy="1244915"/>
+          </a:xfrm>
+        </p:grpSpPr>
+        <p:sp>
+          <p:nvSpPr>
+            <p:cNvPr name="Freeform 4" id="4"/>
+            <p:cNvSpPr/>
+            <p:nvPr/>
+          </p:nvSpPr>
+          <p:spPr>
+            <a:xfrm flipH="false" flipV="false" rot="0">
+              <a:off x="0" y="0"/>
+              <a:ext cx="1923367" cy="1244915"/>
+            </a:xfrm>
+            <a:custGeom>
+              <a:avLst/>
+              <a:gdLst/>
+              <a:ahLst/>
+              <a:cxnLst/>
+              <a:rect r="r" b="b" t="t" l="l"/>
+              <a:pathLst>
+                <a:path h="1244915" w="1923367">
+                  <a:moveTo>
+                    <a:pt x="1798906" y="1244915"/>
+                  </a:moveTo>
+                  <a:lnTo>
+                    <a:pt x="124460" y="1244915"/>
+                  </a:lnTo>
+                  <a:cubicBezTo>
+                    <a:pt x="55880" y="1244915"/>
+                    <a:pt x="0" y="1189035"/>
+                    <a:pt x="0" y="1120454"/>
+                  </a:cubicBezTo>
+                  <a:lnTo>
+                    <a:pt x="0" y="124460"/>
+                  </a:lnTo>
+                  <a:cubicBezTo>
+                    <a:pt x="0" y="55880"/>
+                    <a:pt x="55880" y="0"/>
+                    <a:pt x="124460" y="0"/>
+                  </a:cubicBezTo>
+                  <a:lnTo>
+                    <a:pt x="1798907" y="0"/>
+                  </a:lnTo>
+                  <a:cubicBezTo>
+                    <a:pt x="1867487" y="0"/>
+                    <a:pt x="1923367" y="55880"/>
+                    <a:pt x="1923367" y="124460"/>
+                  </a:cubicBezTo>
+                  <a:lnTo>
+                    <a:pt x="1923367" y="1120455"/>
+                  </a:lnTo>
+                  <a:cubicBezTo>
+                    <a:pt x="1923367" y="1189035"/>
+                    <a:pt x="1867487" y="1244915"/>
+                    <a:pt x="1798907" y="1244915"/>
+                  </a:cubicBezTo>
+                  <a:close/>
+                </a:path>
+              </a:pathLst>
+            </a:custGeom>
+            <a:solidFill>
+              <a:srgbClr val="75C7FB"/>
+            </a:solidFill>
+          </p:spPr>
+        </p:sp>
+      </p:grpSp>
+      <p:sp>
+        <p:nvSpPr>
+          <p:cNvPr name="Freeform 5" id="5"/>
+          <p:cNvSpPr/>
+          <p:nvPr/>
+        </p:nvSpPr>
+        <p:spPr>
+          <a:xfrm flipH="false" flipV="false" rot="0">
+            <a:off x="8874660" y="2229526"/>
+            <a:ext cx="7760318" cy="6712675"/>
+          </a:xfrm>
+          <a:custGeom>
+            <a:avLst/>
+            <a:gdLst/>
+            <a:ahLst/>
+            <a:cxnLst/>
+            <a:rect r="r" b="b" t="t" l="l"/>
+            <a:pathLst>
+              <a:path h="6712675" w="7760318">
+                <a:moveTo>
+                  <a:pt x="0" y="0"/>
+                </a:moveTo>
+                <a:lnTo>
+                  <a:pt x="7760318" y="0"/>
+                </a:lnTo>
+                <a:lnTo>
+                  <a:pt x="7760318" y="6712675"/>
+                </a:lnTo>
+                <a:lnTo>
+                  <a:pt x="0" y="6712675"/>
+                </a:lnTo>
+                <a:lnTo>
+                  <a:pt x="0" y="0"/>
+                </a:lnTo>
+                <a:close/>
+              </a:path>
+            </a:pathLst>
+          </a:custGeom>
+          <a:blipFill>
+            <a:blip r:embed="rId3">
+              <a:extLst>
+                <a:ext uri="{96DAC541-7B7A-43D3-8B79-37D633B846F1}">
+                  <asvg:svgBlip xmlns:asvg="http://schemas.microsoft.com/office/drawing/2016/SVG/main" r:embed="rId4"/>
+                </a:ext>
+              </a:extLst>
+            </a:blip>
+            <a:stretch>
+              <a:fillRect l="0" t="0" r="0" b="0"/>
+            </a:stretch>
+          </a:blipFill>
+        </p:spPr>
+      </p:sp>
+      <p:sp>
+        <p:nvSpPr>
+          <p:cNvPr name="TextBox 6" id="6"/>
+          <p:cNvSpPr txBox="true"/>
+          <p:nvPr/>
+        </p:nvSpPr>
+        <p:spPr>
+          <a:xfrm rot="0">
+            <a:off x="819963" y="4674918"/>
+            <a:ext cx="7845960" cy="1013364"/>
+          </a:xfrm>
+          <a:prstGeom prst="rect">
+            <a:avLst/>
+          </a:prstGeom>
+        </p:spPr>
+        <p:txBody>
+          <a:bodyPr anchor="t" rtlCol="false" tIns="0" lIns="0" bIns="0" rIns="0">
+            <a:spAutoFit/>
+          </a:bodyPr>
+          <a:lstStyle/>
+          <a:p>
+            <a:pPr algn="l">
+              <a:lnSpc>
+                <a:spcPts val="7920"/>
+              </a:lnSpc>
+            </a:pPr>
+            <a:r>
+              <a:rPr lang="en-US" sz="7200" spc="-72">
+                <a:solidFill>
+                  <a:srgbClr val="0048CD"/>
+                </a:solidFill>
+                <a:latin typeface="Muli Bold"/>
+                <a:ea typeface="Muli Bold"/>
+                <a:cs typeface="Muli Bold"/>
+                <a:sym typeface="Muli Bold"/>
+              </a:rPr>
+              <a:t>Recommendaions</a:t>
+            </a:r>
+          </a:p>
+        </p:txBody>
+      </p:sp>
+    </p:spTree>
+  </p:cSld>
+  <p:clrMapOvr>
+    <a:masterClrMapping/>
+  </p:clrMapOvr>
+</p:sld>
+</file>
+
+<file path=ppt/slides/slide12.xml><?xml version="1.0" encoding="utf-8"?>
+<p:sld xmlns:p="http://schemas.openxmlformats.org/presentationml/2006/main" xmlns:a="http://schemas.openxmlformats.org/drawingml/2006/main" xmlns:r="http://schemas.openxmlformats.org/officeDocument/2006/relationships">
+  <p:cSld>
+    <p:bg>
+      <p:bgPr>
+        <a:solidFill>
+          <a:srgbClr val="0048CD"/>
+        </a:solidFill>
+      </p:bgPr>
+    </p:bg>
+    <p:spTree>
+      <p:nvGrpSpPr>
+        <p:cNvPr id="1" name=""/>
+        <p:cNvGrpSpPr/>
+        <p:nvPr/>
+      </p:nvGrpSpPr>
+      <p:grpSpPr>
+        <a:xfrm>
+          <a:off x="0" y="0"/>
+          <a:ext cx="0" cy="0"/>
+          <a:chOff x="0" y="0"/>
+          <a:chExt cx="0" cy="0"/>
+        </a:xfrm>
+      </p:grpSpPr>
+      <p:sp>
+        <p:nvSpPr>
+          <p:cNvPr name="Freeform 2" id="2"/>
+          <p:cNvSpPr/>
+          <p:nvPr/>
+        </p:nvSpPr>
+        <p:spPr>
+          <a:xfrm flipH="false" flipV="false" rot="0">
+            <a:off x="1028700" y="7108868"/>
+            <a:ext cx="1821325" cy="1693833"/>
+          </a:xfrm>
+          <a:custGeom>
+            <a:avLst/>
+            <a:gdLst/>
+            <a:ahLst/>
+            <a:cxnLst/>
+            <a:rect r="r" b="b" t="t" l="l"/>
+            <a:pathLst>
+              <a:path h="1693833" w="1821325">
+                <a:moveTo>
+                  <a:pt x="0" y="0"/>
+                </a:moveTo>
+                <a:lnTo>
+                  <a:pt x="1821325" y="0"/>
+                </a:lnTo>
+                <a:lnTo>
+                  <a:pt x="1821325" y="1693833"/>
+                </a:lnTo>
+                <a:lnTo>
+                  <a:pt x="0" y="1693833"/>
                 </a:lnTo>
                 <a:lnTo>
                   <a:pt x="0" y="0"/>
@@ -3451,16 +3949,172 @@
           </a:blipFill>
         </p:spPr>
       </p:sp>
-      <p:sp>
-        <p:nvSpPr>
-          <p:cNvPr name="Freeform 10" id="10"/>
+      <p:grpSp>
+        <p:nvGrpSpPr>
+          <p:cNvPr name="Group 3" id="3"/>
+          <p:cNvGrpSpPr/>
+          <p:nvPr/>
+        </p:nvGrpSpPr>
+        <p:grpSpPr>
+          <a:xfrm rot="0">
+            <a:off x="1939363" y="1115600"/>
+            <a:ext cx="4829934" cy="6840184"/>
+            <a:chOff x="0" y="0"/>
+            <a:chExt cx="3098198" cy="4387689"/>
+          </a:xfrm>
+        </p:grpSpPr>
+        <p:sp>
+          <p:nvSpPr>
+            <p:cNvPr name="Freeform 4" id="4"/>
+            <p:cNvSpPr/>
+            <p:nvPr/>
+          </p:nvSpPr>
+          <p:spPr>
+            <a:xfrm flipH="false" flipV="false" rot="0">
+              <a:off x="0" y="0"/>
+              <a:ext cx="3098198" cy="4387689"/>
+            </a:xfrm>
+            <a:custGeom>
+              <a:avLst/>
+              <a:gdLst/>
+              <a:ahLst/>
+              <a:cxnLst/>
+              <a:rect r="r" b="b" t="t" l="l"/>
+              <a:pathLst>
+                <a:path h="4387689" w="3098198">
+                  <a:moveTo>
+                    <a:pt x="2973738" y="4387688"/>
+                  </a:moveTo>
+                  <a:lnTo>
+                    <a:pt x="124460" y="4387688"/>
+                  </a:lnTo>
+                  <a:cubicBezTo>
+                    <a:pt x="55880" y="4387688"/>
+                    <a:pt x="0" y="4331808"/>
+                    <a:pt x="0" y="4263229"/>
+                  </a:cubicBezTo>
+                  <a:lnTo>
+                    <a:pt x="0" y="124460"/>
+                  </a:lnTo>
+                  <a:cubicBezTo>
+                    <a:pt x="0" y="55880"/>
+                    <a:pt x="55880" y="0"/>
+                    <a:pt x="124460" y="0"/>
+                  </a:cubicBezTo>
+                  <a:lnTo>
+                    <a:pt x="2973738" y="0"/>
+                  </a:lnTo>
+                  <a:cubicBezTo>
+                    <a:pt x="3042318" y="0"/>
+                    <a:pt x="3098198" y="55880"/>
+                    <a:pt x="3098198" y="124460"/>
+                  </a:cubicBezTo>
+                  <a:lnTo>
+                    <a:pt x="3098198" y="4263229"/>
+                  </a:lnTo>
+                  <a:cubicBezTo>
+                    <a:pt x="3098198" y="4331808"/>
+                    <a:pt x="3042318" y="4387689"/>
+                    <a:pt x="2973738" y="4387689"/>
+                  </a:cubicBezTo>
+                  <a:close/>
+                </a:path>
+              </a:pathLst>
+            </a:custGeom>
+            <a:solidFill>
+              <a:srgbClr val="75C7FB"/>
+            </a:solidFill>
+          </p:spPr>
+        </p:sp>
+      </p:grpSp>
+      <p:grpSp>
+        <p:nvGrpSpPr>
+          <p:cNvPr name="Group 5" id="5"/>
+          <p:cNvGrpSpPr/>
+          <p:nvPr/>
+        </p:nvGrpSpPr>
+        <p:grpSpPr>
+          <a:xfrm rot="0">
+            <a:off x="1561234" y="5803331"/>
+            <a:ext cx="8468472" cy="1574304"/>
+            <a:chOff x="0" y="0"/>
+            <a:chExt cx="5432166" cy="1009849"/>
+          </a:xfrm>
+        </p:grpSpPr>
+        <p:sp>
+          <p:nvSpPr>
+            <p:cNvPr name="Freeform 6" id="6"/>
+            <p:cNvSpPr/>
+            <p:nvPr/>
+          </p:nvSpPr>
+          <p:spPr>
+            <a:xfrm flipH="false" flipV="false" rot="0">
+              <a:off x="0" y="0"/>
+              <a:ext cx="5432166" cy="1009850"/>
+            </a:xfrm>
+            <a:custGeom>
+              <a:avLst/>
+              <a:gdLst/>
+              <a:ahLst/>
+              <a:cxnLst/>
+              <a:rect r="r" b="b" t="t" l="l"/>
+              <a:pathLst>
+                <a:path h="1009850" w="5432166">
+                  <a:moveTo>
+                    <a:pt x="5307706" y="1009849"/>
+                  </a:moveTo>
+                  <a:lnTo>
+                    <a:pt x="124460" y="1009849"/>
+                  </a:lnTo>
+                  <a:cubicBezTo>
+                    <a:pt x="55880" y="1009849"/>
+                    <a:pt x="0" y="953969"/>
+                    <a:pt x="0" y="885389"/>
+                  </a:cubicBezTo>
+                  <a:lnTo>
+                    <a:pt x="0" y="124460"/>
+                  </a:lnTo>
+                  <a:cubicBezTo>
+                    <a:pt x="0" y="55880"/>
+                    <a:pt x="55880" y="0"/>
+                    <a:pt x="124460" y="0"/>
+                  </a:cubicBezTo>
+                  <a:lnTo>
+                    <a:pt x="5307706" y="0"/>
+                  </a:lnTo>
+                  <a:cubicBezTo>
+                    <a:pt x="5376286" y="0"/>
+                    <a:pt x="5432166" y="55880"/>
+                    <a:pt x="5432166" y="124460"/>
+                  </a:cubicBezTo>
+                  <a:lnTo>
+                    <a:pt x="5432166" y="885389"/>
+                  </a:lnTo>
+                  <a:cubicBezTo>
+                    <a:pt x="5432166" y="953969"/>
+                    <a:pt x="5376286" y="1009850"/>
+                    <a:pt x="5307706" y="1009850"/>
+                  </a:cubicBezTo>
+                  <a:close/>
+                </a:path>
+              </a:pathLst>
+            </a:custGeom>
+            <a:solidFill>
+              <a:srgbClr val="FFFFFF"/>
+            </a:solidFill>
+          </p:spPr>
+        </p:sp>
+      </p:grpSp>
+      <p:sp>
+        <p:nvSpPr>
+          <p:cNvPr name="Freeform 7" id="7"/>
           <p:cNvSpPr/>
           <p:nvPr/>
         </p:nvSpPr>
         <p:spPr>
           <a:xfrm flipH="false" flipV="false" rot="0">
-            <a:off x="10029537" y="4863689"/>
-            <a:ext cx="7778072" cy="4394611"/>
+            <a:off x="772306" y="5801555"/>
+            <a:ext cx="1577856" cy="1577856"/>
           </a:xfrm>
           <a:custGeom>
             <a:avLst/>
@@ -3469,18 +4123,330 @@
             <a:cxnLst/>
             <a:rect r="r" b="b" t="t" l="l"/>
             <a:pathLst>
-              <a:path h="4394611" w="7778072">
+              <a:path h="1577856" w="1577856">
                 <a:moveTo>
                   <a:pt x="0" y="0"/>
                 </a:moveTo>
                 <a:lnTo>
-                  <a:pt x="7778072" y="0"/>
-                </a:lnTo>
-                <a:lnTo>
-                  <a:pt x="7778072" y="4394611"/>
-                </a:lnTo>
-                <a:lnTo>
-                  <a:pt x="0" y="4394611"/>
+                  <a:pt x="1577856" y="0"/>
+                </a:lnTo>
+                <a:lnTo>
+                  <a:pt x="1577856" y="1577856"/>
+                </a:lnTo>
+                <a:lnTo>
+                  <a:pt x="0" y="1577856"/>
+                </a:lnTo>
+                <a:lnTo>
+                  <a:pt x="0" y="0"/>
+                </a:lnTo>
+                <a:close/>
+              </a:path>
+            </a:pathLst>
+          </a:custGeom>
+          <a:blipFill>
+            <a:blip r:embed="rId4">
+              <a:extLst>
+                <a:ext uri="{96DAC541-7B7A-43D3-8B79-37D633B846F1}">
+                  <asvg:svgBlip xmlns:asvg="http://schemas.microsoft.com/office/drawing/2016/SVG/main" r:embed="rId5"/>
+                </a:ext>
+              </a:extLst>
+            </a:blip>
+            <a:stretch>
+              <a:fillRect l="0" t="0" r="0" b="0"/>
+            </a:stretch>
+          </a:blipFill>
+        </p:spPr>
+      </p:sp>
+      <p:grpSp>
+        <p:nvGrpSpPr>
+          <p:cNvPr name="Group 8" id="8"/>
+          <p:cNvGrpSpPr/>
+          <p:nvPr/>
+        </p:nvGrpSpPr>
+        <p:grpSpPr>
+          <a:xfrm rot="0">
+            <a:off x="1561234" y="3803149"/>
+            <a:ext cx="8468472" cy="1574304"/>
+            <a:chOff x="0" y="0"/>
+            <a:chExt cx="5432166" cy="1009849"/>
+          </a:xfrm>
+        </p:grpSpPr>
+        <p:sp>
+          <p:nvSpPr>
+            <p:cNvPr name="Freeform 9" id="9"/>
+            <p:cNvSpPr/>
+            <p:nvPr/>
+          </p:nvSpPr>
+          <p:spPr>
+            <a:xfrm flipH="false" flipV="false" rot="0">
+              <a:off x="0" y="0"/>
+              <a:ext cx="5432166" cy="1009850"/>
+            </a:xfrm>
+            <a:custGeom>
+              <a:avLst/>
+              <a:gdLst/>
+              <a:ahLst/>
+              <a:cxnLst/>
+              <a:rect r="r" b="b" t="t" l="l"/>
+              <a:pathLst>
+                <a:path h="1009850" w="5432166">
+                  <a:moveTo>
+                    <a:pt x="5307706" y="1009849"/>
+                  </a:moveTo>
+                  <a:lnTo>
+                    <a:pt x="124460" y="1009849"/>
+                  </a:lnTo>
+                  <a:cubicBezTo>
+                    <a:pt x="55880" y="1009849"/>
+                    <a:pt x="0" y="953969"/>
+                    <a:pt x="0" y="885389"/>
+                  </a:cubicBezTo>
+                  <a:lnTo>
+                    <a:pt x="0" y="124460"/>
+                  </a:lnTo>
+                  <a:cubicBezTo>
+                    <a:pt x="0" y="55880"/>
+                    <a:pt x="55880" y="0"/>
+                    <a:pt x="124460" y="0"/>
+                  </a:cubicBezTo>
+                  <a:lnTo>
+                    <a:pt x="5307706" y="0"/>
+                  </a:lnTo>
+                  <a:cubicBezTo>
+                    <a:pt x="5376286" y="0"/>
+                    <a:pt x="5432166" y="55880"/>
+                    <a:pt x="5432166" y="124460"/>
+                  </a:cubicBezTo>
+                  <a:lnTo>
+                    <a:pt x="5432166" y="885389"/>
+                  </a:lnTo>
+                  <a:cubicBezTo>
+                    <a:pt x="5432166" y="953969"/>
+                    <a:pt x="5376286" y="1009850"/>
+                    <a:pt x="5307706" y="1009850"/>
+                  </a:cubicBezTo>
+                  <a:close/>
+                </a:path>
+              </a:pathLst>
+            </a:custGeom>
+            <a:solidFill>
+              <a:srgbClr val="FFFFFF"/>
+            </a:solidFill>
+          </p:spPr>
+        </p:sp>
+      </p:grpSp>
+      <p:sp>
+        <p:nvSpPr>
+          <p:cNvPr name="Freeform 10" id="10"/>
+          <p:cNvSpPr/>
+          <p:nvPr/>
+        </p:nvSpPr>
+        <p:spPr>
+          <a:xfrm flipH="false" flipV="false" rot="0">
+            <a:off x="772306" y="3801373"/>
+            <a:ext cx="1577856" cy="1577856"/>
+          </a:xfrm>
+          <a:custGeom>
+            <a:avLst/>
+            <a:gdLst/>
+            <a:ahLst/>
+            <a:cxnLst/>
+            <a:rect r="r" b="b" t="t" l="l"/>
+            <a:pathLst>
+              <a:path h="1577856" w="1577856">
+                <a:moveTo>
+                  <a:pt x="0" y="0"/>
+                </a:moveTo>
+                <a:lnTo>
+                  <a:pt x="1577856" y="0"/>
+                </a:lnTo>
+                <a:lnTo>
+                  <a:pt x="1577856" y="1577856"/>
+                </a:lnTo>
+                <a:lnTo>
+                  <a:pt x="0" y="1577856"/>
+                </a:lnTo>
+                <a:lnTo>
+                  <a:pt x="0" y="0"/>
+                </a:lnTo>
+                <a:close/>
+              </a:path>
+            </a:pathLst>
+          </a:custGeom>
+          <a:blipFill>
+            <a:blip r:embed="rId4">
+              <a:extLst>
+                <a:ext uri="{96DAC541-7B7A-43D3-8B79-37D633B846F1}">
+                  <asvg:svgBlip xmlns:asvg="http://schemas.microsoft.com/office/drawing/2016/SVG/main" r:embed="rId5"/>
+                </a:ext>
+              </a:extLst>
+            </a:blip>
+            <a:stretch>
+              <a:fillRect l="0" t="0" r="0" b="0"/>
+            </a:stretch>
+          </a:blipFill>
+        </p:spPr>
+      </p:sp>
+      <p:grpSp>
+        <p:nvGrpSpPr>
+          <p:cNvPr name="Group 11" id="11"/>
+          <p:cNvGrpSpPr/>
+          <p:nvPr/>
+        </p:nvGrpSpPr>
+        <p:grpSpPr>
+          <a:xfrm rot="0">
+            <a:off x="1561234" y="1785625"/>
+            <a:ext cx="8468472" cy="1574304"/>
+            <a:chOff x="0" y="0"/>
+            <a:chExt cx="5432166" cy="1009849"/>
+          </a:xfrm>
+        </p:grpSpPr>
+        <p:sp>
+          <p:nvSpPr>
+            <p:cNvPr name="Freeform 12" id="12"/>
+            <p:cNvSpPr/>
+            <p:nvPr/>
+          </p:nvSpPr>
+          <p:spPr>
+            <a:xfrm flipH="false" flipV="false" rot="0">
+              <a:off x="0" y="0"/>
+              <a:ext cx="5432166" cy="1009850"/>
+            </a:xfrm>
+            <a:custGeom>
+              <a:avLst/>
+              <a:gdLst/>
+              <a:ahLst/>
+              <a:cxnLst/>
+              <a:rect r="r" b="b" t="t" l="l"/>
+              <a:pathLst>
+                <a:path h="1009850" w="5432166">
+                  <a:moveTo>
+                    <a:pt x="5307706" y="1009849"/>
+                  </a:moveTo>
+                  <a:lnTo>
+                    <a:pt x="124460" y="1009849"/>
+                  </a:lnTo>
+                  <a:cubicBezTo>
+                    <a:pt x="55880" y="1009849"/>
+                    <a:pt x="0" y="953969"/>
+                    <a:pt x="0" y="885389"/>
+                  </a:cubicBezTo>
+                  <a:lnTo>
+                    <a:pt x="0" y="124460"/>
+                  </a:lnTo>
+                  <a:cubicBezTo>
+                    <a:pt x="0" y="55880"/>
+                    <a:pt x="55880" y="0"/>
+                    <a:pt x="124460" y="0"/>
+                  </a:cubicBezTo>
+                  <a:lnTo>
+                    <a:pt x="5307706" y="0"/>
+                  </a:lnTo>
+                  <a:cubicBezTo>
+                    <a:pt x="5376286" y="0"/>
+                    <a:pt x="5432166" y="55880"/>
+                    <a:pt x="5432166" y="124460"/>
+                  </a:cubicBezTo>
+                  <a:lnTo>
+                    <a:pt x="5432166" y="885389"/>
+                  </a:lnTo>
+                  <a:cubicBezTo>
+                    <a:pt x="5432166" y="953969"/>
+                    <a:pt x="5376286" y="1009850"/>
+                    <a:pt x="5307706" y="1009850"/>
+                  </a:cubicBezTo>
+                  <a:close/>
+                </a:path>
+              </a:pathLst>
+            </a:custGeom>
+            <a:solidFill>
+              <a:srgbClr val="FFFFFF"/>
+            </a:solidFill>
+          </p:spPr>
+        </p:sp>
+      </p:grpSp>
+      <p:sp>
+        <p:nvSpPr>
+          <p:cNvPr name="Freeform 13" id="13"/>
+          <p:cNvSpPr/>
+          <p:nvPr/>
+        </p:nvSpPr>
+        <p:spPr>
+          <a:xfrm flipH="false" flipV="false" rot="0">
+            <a:off x="772306" y="1782073"/>
+            <a:ext cx="1577856" cy="1577856"/>
+          </a:xfrm>
+          <a:custGeom>
+            <a:avLst/>
+            <a:gdLst/>
+            <a:ahLst/>
+            <a:cxnLst/>
+            <a:rect r="r" b="b" t="t" l="l"/>
+            <a:pathLst>
+              <a:path h="1577856" w="1577856">
+                <a:moveTo>
+                  <a:pt x="0" y="0"/>
+                </a:moveTo>
+                <a:lnTo>
+                  <a:pt x="1577856" y="0"/>
+                </a:lnTo>
+                <a:lnTo>
+                  <a:pt x="1577856" y="1577856"/>
+                </a:lnTo>
+                <a:lnTo>
+                  <a:pt x="0" y="1577856"/>
+                </a:lnTo>
+                <a:lnTo>
+                  <a:pt x="0" y="0"/>
+                </a:lnTo>
+                <a:close/>
+              </a:path>
+            </a:pathLst>
+          </a:custGeom>
+          <a:blipFill>
+            <a:blip r:embed="rId4">
+              <a:extLst>
+                <a:ext uri="{96DAC541-7B7A-43D3-8B79-37D633B846F1}">
+                  <asvg:svgBlip xmlns:asvg="http://schemas.microsoft.com/office/drawing/2016/SVG/main" r:embed="rId5"/>
+                </a:ext>
+              </a:extLst>
+            </a:blip>
+            <a:stretch>
+              <a:fillRect l="0" t="0" r="0" b="0"/>
+            </a:stretch>
+          </a:blipFill>
+        </p:spPr>
+      </p:sp>
+      <p:sp>
+        <p:nvSpPr>
+          <p:cNvPr name="Freeform 14" id="14"/>
+          <p:cNvSpPr/>
+          <p:nvPr/>
+        </p:nvSpPr>
+        <p:spPr>
+          <a:xfrm flipH="false" flipV="false" rot="0">
+            <a:off x="6769297" y="2152841"/>
+            <a:ext cx="1481194" cy="882325"/>
+          </a:xfrm>
+          <a:custGeom>
+            <a:avLst/>
+            <a:gdLst/>
+            <a:ahLst/>
+            <a:cxnLst/>
+            <a:rect r="r" b="b" t="t" l="l"/>
+            <a:pathLst>
+              <a:path h="882325" w="1481194">
+                <a:moveTo>
+                  <a:pt x="0" y="0"/>
+                </a:moveTo>
+                <a:lnTo>
+                  <a:pt x="1481194" y="0"/>
+                </a:lnTo>
+                <a:lnTo>
+                  <a:pt x="1481194" y="882326"/>
+                </a:lnTo>
+                <a:lnTo>
+                  <a:pt x="0" y="882326"/>
                 </a:lnTo>
                 <a:lnTo>
                   <a:pt x="0" y="0"/>
@@ -3502,6 +4468,3095 @@
             </a:stretch>
           </a:blipFill>
         </p:spPr>
+      </p:sp>
+      <p:sp>
+        <p:nvSpPr>
+          <p:cNvPr name="Freeform 15" id="15"/>
+          <p:cNvSpPr/>
+          <p:nvPr/>
+        </p:nvSpPr>
+        <p:spPr>
+          <a:xfrm flipH="false" flipV="false" rot="0">
+            <a:off x="7272838" y="4039232"/>
+            <a:ext cx="474112" cy="992921"/>
+          </a:xfrm>
+          <a:custGeom>
+            <a:avLst/>
+            <a:gdLst/>
+            <a:ahLst/>
+            <a:cxnLst/>
+            <a:rect r="r" b="b" t="t" l="l"/>
+            <a:pathLst>
+              <a:path h="992921" w="474112">
+                <a:moveTo>
+                  <a:pt x="0" y="0"/>
+                </a:moveTo>
+                <a:lnTo>
+                  <a:pt x="474112" y="0"/>
+                </a:lnTo>
+                <a:lnTo>
+                  <a:pt x="474112" y="992921"/>
+                </a:lnTo>
+                <a:lnTo>
+                  <a:pt x="0" y="992921"/>
+                </a:lnTo>
+                <a:lnTo>
+                  <a:pt x="0" y="0"/>
+                </a:lnTo>
+                <a:close/>
+              </a:path>
+            </a:pathLst>
+          </a:custGeom>
+          <a:blipFill>
+            <a:blip r:embed="rId8">
+              <a:extLst>
+                <a:ext uri="{96DAC541-7B7A-43D3-8B79-37D633B846F1}">
+                  <asvg:svgBlip xmlns:asvg="http://schemas.microsoft.com/office/drawing/2016/SVG/main" r:embed="rId9"/>
+                </a:ext>
+              </a:extLst>
+            </a:blip>
+            <a:stretch>
+              <a:fillRect l="0" t="0" r="0" b="0"/>
+            </a:stretch>
+          </a:blipFill>
+        </p:spPr>
+      </p:sp>
+      <p:sp>
+        <p:nvSpPr>
+          <p:cNvPr name="TextBox 16" id="16"/>
+          <p:cNvSpPr txBox="true"/>
+          <p:nvPr/>
+        </p:nvSpPr>
+        <p:spPr>
+          <a:xfrm rot="0">
+            <a:off x="1240224" y="2136188"/>
+            <a:ext cx="642020" cy="820382"/>
+          </a:xfrm>
+          <a:prstGeom prst="rect">
+            <a:avLst/>
+          </a:prstGeom>
+        </p:spPr>
+        <p:txBody>
+          <a:bodyPr anchor="t" rtlCol="false" tIns="0" lIns="0" bIns="0" rIns="0">
+            <a:spAutoFit/>
+          </a:bodyPr>
+          <a:lstStyle/>
+          <a:p>
+            <a:pPr algn="ctr">
+              <a:lnSpc>
+                <a:spcPts val="6719"/>
+              </a:lnSpc>
+              <a:spcBef>
+                <a:spcPct val="0"/>
+              </a:spcBef>
+            </a:pPr>
+            <a:r>
+              <a:rPr lang="en-US" sz="4800">
+                <a:solidFill>
+                  <a:srgbClr val="000000"/>
+                </a:solidFill>
+                <a:latin typeface="Space Mono"/>
+                <a:ea typeface="Space Mono"/>
+                <a:cs typeface="Space Mono"/>
+                <a:sym typeface="Space Mono"/>
+              </a:rPr>
+              <a:t>1</a:t>
+            </a:r>
+          </a:p>
+        </p:txBody>
+      </p:sp>
+      <p:sp>
+        <p:nvSpPr>
+          <p:cNvPr name="TextBox 17" id="17"/>
+          <p:cNvSpPr txBox="true"/>
+          <p:nvPr/>
+        </p:nvSpPr>
+        <p:spPr>
+          <a:xfrm rot="0">
+            <a:off x="1240224" y="4132485"/>
+            <a:ext cx="642020" cy="820382"/>
+          </a:xfrm>
+          <a:prstGeom prst="rect">
+            <a:avLst/>
+          </a:prstGeom>
+        </p:spPr>
+        <p:txBody>
+          <a:bodyPr anchor="t" rtlCol="false" tIns="0" lIns="0" bIns="0" rIns="0">
+            <a:spAutoFit/>
+          </a:bodyPr>
+          <a:lstStyle/>
+          <a:p>
+            <a:pPr algn="ctr">
+              <a:lnSpc>
+                <a:spcPts val="6719"/>
+              </a:lnSpc>
+              <a:spcBef>
+                <a:spcPct val="0"/>
+              </a:spcBef>
+            </a:pPr>
+            <a:r>
+              <a:rPr lang="en-US" sz="4800">
+                <a:solidFill>
+                  <a:srgbClr val="000000"/>
+                </a:solidFill>
+                <a:latin typeface="Space Mono"/>
+                <a:ea typeface="Space Mono"/>
+                <a:cs typeface="Space Mono"/>
+                <a:sym typeface="Space Mono"/>
+              </a:rPr>
+              <a:t>2</a:t>
+            </a:r>
+          </a:p>
+        </p:txBody>
+      </p:sp>
+      <p:sp>
+        <p:nvSpPr>
+          <p:cNvPr name="TextBox 18" id="18"/>
+          <p:cNvSpPr txBox="true"/>
+          <p:nvPr/>
+        </p:nvSpPr>
+        <p:spPr>
+          <a:xfrm rot="0">
+            <a:off x="1240224" y="6132667"/>
+            <a:ext cx="642020" cy="820382"/>
+          </a:xfrm>
+          <a:prstGeom prst="rect">
+            <a:avLst/>
+          </a:prstGeom>
+        </p:spPr>
+        <p:txBody>
+          <a:bodyPr anchor="t" rtlCol="false" tIns="0" lIns="0" bIns="0" rIns="0">
+            <a:spAutoFit/>
+          </a:bodyPr>
+          <a:lstStyle/>
+          <a:p>
+            <a:pPr algn="ctr">
+              <a:lnSpc>
+                <a:spcPts val="6719"/>
+              </a:lnSpc>
+              <a:spcBef>
+                <a:spcPct val="0"/>
+              </a:spcBef>
+            </a:pPr>
+            <a:r>
+              <a:rPr lang="en-US" sz="4800">
+                <a:solidFill>
+                  <a:srgbClr val="000000"/>
+                </a:solidFill>
+                <a:latin typeface="Space Mono"/>
+                <a:ea typeface="Space Mono"/>
+                <a:cs typeface="Space Mono"/>
+                <a:sym typeface="Space Mono"/>
+              </a:rPr>
+              <a:t>3</a:t>
+            </a:r>
+          </a:p>
+        </p:txBody>
+      </p:sp>
+      <p:sp>
+        <p:nvSpPr>
+          <p:cNvPr name="TextBox 19" id="19"/>
+          <p:cNvSpPr txBox="true"/>
+          <p:nvPr/>
+        </p:nvSpPr>
+        <p:spPr>
+          <a:xfrm rot="0">
+            <a:off x="2850025" y="4274713"/>
+            <a:ext cx="5613605" cy="474334"/>
+          </a:xfrm>
+          <a:prstGeom prst="rect">
+            <a:avLst/>
+          </a:prstGeom>
+        </p:spPr>
+        <p:txBody>
+          <a:bodyPr anchor="t" rtlCol="false" tIns="0" lIns="0" bIns="0" rIns="0">
+            <a:spAutoFit/>
+          </a:bodyPr>
+          <a:lstStyle/>
+          <a:p>
+            <a:pPr algn="l">
+              <a:lnSpc>
+                <a:spcPts val="3919"/>
+              </a:lnSpc>
+              <a:spcBef>
+                <a:spcPct val="0"/>
+              </a:spcBef>
+            </a:pPr>
+            <a:r>
+              <a:rPr lang="en-US" sz="2800">
+                <a:solidFill>
+                  <a:srgbClr val="000000"/>
+                </a:solidFill>
+                <a:latin typeface="Muli Regular"/>
+                <a:ea typeface="Muli Regular"/>
+                <a:cs typeface="Muli Regular"/>
+                <a:sym typeface="Muli Regular"/>
+              </a:rPr>
+              <a:t>Female</a:t>
+            </a:r>
+          </a:p>
+        </p:txBody>
+      </p:sp>
+      <p:sp>
+        <p:nvSpPr>
+          <p:cNvPr name="TextBox 20" id="20"/>
+          <p:cNvSpPr txBox="true"/>
+          <p:nvPr/>
+        </p:nvSpPr>
+        <p:spPr>
+          <a:xfrm rot="0">
+            <a:off x="2850025" y="2333025"/>
+            <a:ext cx="5613605" cy="474334"/>
+          </a:xfrm>
+          <a:prstGeom prst="rect">
+            <a:avLst/>
+          </a:prstGeom>
+        </p:spPr>
+        <p:txBody>
+          <a:bodyPr anchor="t" rtlCol="false" tIns="0" lIns="0" bIns="0" rIns="0">
+            <a:spAutoFit/>
+          </a:bodyPr>
+          <a:lstStyle/>
+          <a:p>
+            <a:pPr algn="l">
+              <a:lnSpc>
+                <a:spcPts val="3920"/>
+              </a:lnSpc>
+              <a:spcBef>
+                <a:spcPct val="0"/>
+              </a:spcBef>
+            </a:pPr>
+            <a:r>
+              <a:rPr lang="en-US" sz="2800">
+                <a:solidFill>
+                  <a:srgbClr val="000000"/>
+                </a:solidFill>
+                <a:latin typeface="Muli Regular"/>
+                <a:ea typeface="Muli Regular"/>
+                <a:cs typeface="Muli Regular"/>
+                <a:sym typeface="Muli Regular"/>
+              </a:rPr>
+              <a:t>Young (18-29)</a:t>
+            </a:r>
+          </a:p>
+        </p:txBody>
+      </p:sp>
+      <p:sp>
+        <p:nvSpPr>
+          <p:cNvPr name="TextBox 21" id="21"/>
+          <p:cNvSpPr txBox="true"/>
+          <p:nvPr/>
+        </p:nvSpPr>
+        <p:spPr>
+          <a:xfrm rot="0">
+            <a:off x="2611013" y="5993539"/>
+            <a:ext cx="6960401" cy="972162"/>
+          </a:xfrm>
+          <a:prstGeom prst="rect">
+            <a:avLst/>
+          </a:prstGeom>
+        </p:spPr>
+        <p:txBody>
+          <a:bodyPr anchor="t" rtlCol="false" tIns="0" lIns="0" bIns="0" rIns="0">
+            <a:spAutoFit/>
+          </a:bodyPr>
+          <a:lstStyle/>
+          <a:p>
+            <a:pPr algn="l">
+              <a:lnSpc>
+                <a:spcPts val="3920"/>
+              </a:lnSpc>
+              <a:spcBef>
+                <a:spcPct val="0"/>
+              </a:spcBef>
+            </a:pPr>
+            <a:r>
+              <a:rPr lang="en-US" sz="2800">
+                <a:solidFill>
+                  <a:srgbClr val="000000"/>
+                </a:solidFill>
+                <a:latin typeface="Muli Regular"/>
+                <a:ea typeface="Muli Regular"/>
+                <a:cs typeface="Muli Regular"/>
+                <a:sym typeface="Muli Regular"/>
+              </a:rPr>
+              <a:t>Customers who use support more than 3 times have a higher percentage of churn</a:t>
+            </a:r>
+          </a:p>
+        </p:txBody>
+      </p:sp>
+      <p:grpSp>
+        <p:nvGrpSpPr>
+          <p:cNvPr name="Group 22" id="22"/>
+          <p:cNvGrpSpPr/>
+          <p:nvPr/>
+        </p:nvGrpSpPr>
+        <p:grpSpPr>
+          <a:xfrm rot="0">
+            <a:off x="11598018" y="2807358"/>
+            <a:ext cx="6309915" cy="3527474"/>
+            <a:chOff x="0" y="0"/>
+            <a:chExt cx="8413220" cy="4703298"/>
+          </a:xfrm>
+        </p:grpSpPr>
+        <p:sp>
+          <p:nvSpPr>
+            <p:cNvPr name="TextBox 23" id="23"/>
+            <p:cNvSpPr txBox="true"/>
+            <p:nvPr/>
+          </p:nvSpPr>
+          <p:spPr>
+            <a:xfrm rot="0">
+              <a:off x="0" y="85725"/>
+              <a:ext cx="8413220" cy="3632845"/>
+            </a:xfrm>
+            <a:prstGeom prst="rect">
+              <a:avLst/>
+            </a:prstGeom>
+          </p:spPr>
+          <p:txBody>
+            <a:bodyPr anchor="t" rtlCol="false" tIns="0" lIns="0" bIns="0" rIns="0">
+              <a:spAutoFit/>
+            </a:bodyPr>
+            <a:lstStyle/>
+            <a:p>
+              <a:pPr algn="l" marL="0" indent="0" lvl="0">
+                <a:lnSpc>
+                  <a:spcPts val="10560"/>
+                </a:lnSpc>
+                <a:spcBef>
+                  <a:spcPct val="0"/>
+                </a:spcBef>
+              </a:pPr>
+              <a:r>
+                <a:rPr lang="en-US" sz="9600" spc="-96" strike="noStrike" u="none">
+                  <a:solidFill>
+                    <a:srgbClr val="FFFFFF"/>
+                  </a:solidFill>
+                  <a:latin typeface="Muli Bold"/>
+                  <a:ea typeface="Muli Bold"/>
+                  <a:cs typeface="Muli Bold"/>
+                  <a:sym typeface="Muli Bold"/>
+                </a:rPr>
+                <a:t>Comming Churner</a:t>
+              </a:r>
+            </a:p>
+          </p:txBody>
+        </p:sp>
+        <p:sp>
+          <p:nvSpPr>
+            <p:cNvPr name="TextBox 24" id="24"/>
+            <p:cNvSpPr txBox="true"/>
+            <p:nvPr/>
+          </p:nvSpPr>
+          <p:spPr>
+            <a:xfrm rot="0">
+              <a:off x="0" y="4094868"/>
+              <a:ext cx="6738871" cy="608430"/>
+            </a:xfrm>
+            <a:prstGeom prst="rect">
+              <a:avLst/>
+            </a:prstGeom>
+          </p:spPr>
+          <p:txBody>
+            <a:bodyPr anchor="t" rtlCol="false" tIns="0" lIns="0" bIns="0" rIns="0">
+              <a:spAutoFit/>
+            </a:bodyPr>
+            <a:lstStyle/>
+            <a:p>
+              <a:pPr algn="l">
+                <a:lnSpc>
+                  <a:spcPts val="3919"/>
+                </a:lnSpc>
+                <a:spcBef>
+                  <a:spcPct val="0"/>
+                </a:spcBef>
+              </a:pPr>
+            </a:p>
+          </p:txBody>
+        </p:sp>
+      </p:grpSp>
+    </p:spTree>
+  </p:cSld>
+  <p:clrMapOvr>
+    <a:masterClrMapping/>
+  </p:clrMapOvr>
+</p:sld>
+</file>
+
+<file path=ppt/slides/slide13.xml><?xml version="1.0" encoding="utf-8"?>
+<p:sld xmlns:p="http://schemas.openxmlformats.org/presentationml/2006/main" xmlns:a="http://schemas.openxmlformats.org/drawingml/2006/main" xmlns:r="http://schemas.openxmlformats.org/officeDocument/2006/relationships">
+  <p:cSld>
+    <p:bg>
+      <p:bgPr>
+        <a:solidFill>
+          <a:srgbClr val="0048CD"/>
+        </a:solidFill>
+      </p:bgPr>
+    </p:bg>
+    <p:spTree>
+      <p:nvGrpSpPr>
+        <p:cNvPr id="1" name=""/>
+        <p:cNvGrpSpPr/>
+        <p:nvPr/>
+      </p:nvGrpSpPr>
+      <p:grpSpPr>
+        <a:xfrm>
+          <a:off x="0" y="0"/>
+          <a:ext cx="0" cy="0"/>
+          <a:chOff x="0" y="0"/>
+          <a:chExt cx="0" cy="0"/>
+        </a:xfrm>
+      </p:grpSpPr>
+      <p:sp>
+        <p:nvSpPr>
+          <p:cNvPr name="Freeform 2" id="2"/>
+          <p:cNvSpPr/>
+          <p:nvPr/>
+        </p:nvSpPr>
+        <p:spPr>
+          <a:xfrm flipH="false" flipV="false" rot="0">
+            <a:off x="1028700" y="7108868"/>
+            <a:ext cx="1821325" cy="1693833"/>
+          </a:xfrm>
+          <a:custGeom>
+            <a:avLst/>
+            <a:gdLst/>
+            <a:ahLst/>
+            <a:cxnLst/>
+            <a:rect r="r" b="b" t="t" l="l"/>
+            <a:pathLst>
+              <a:path h="1693833" w="1821325">
+                <a:moveTo>
+                  <a:pt x="0" y="0"/>
+                </a:moveTo>
+                <a:lnTo>
+                  <a:pt x="1821325" y="0"/>
+                </a:lnTo>
+                <a:lnTo>
+                  <a:pt x="1821325" y="1693833"/>
+                </a:lnTo>
+                <a:lnTo>
+                  <a:pt x="0" y="1693833"/>
+                </a:lnTo>
+                <a:lnTo>
+                  <a:pt x="0" y="0"/>
+                </a:lnTo>
+                <a:close/>
+              </a:path>
+            </a:pathLst>
+          </a:custGeom>
+          <a:blipFill>
+            <a:blip r:embed="rId2">
+              <a:extLst>
+                <a:ext uri="{96DAC541-7B7A-43D3-8B79-37D633B846F1}">
+                  <asvg:svgBlip xmlns:asvg="http://schemas.microsoft.com/office/drawing/2016/SVG/main" r:embed="rId3"/>
+                </a:ext>
+              </a:extLst>
+            </a:blip>
+            <a:stretch>
+              <a:fillRect l="0" t="0" r="0" b="0"/>
+            </a:stretch>
+          </a:blipFill>
+        </p:spPr>
+      </p:sp>
+      <p:grpSp>
+        <p:nvGrpSpPr>
+          <p:cNvPr name="Group 3" id="3"/>
+          <p:cNvGrpSpPr/>
+          <p:nvPr/>
+        </p:nvGrpSpPr>
+        <p:grpSpPr>
+          <a:xfrm rot="0">
+            <a:off x="1939363" y="1115600"/>
+            <a:ext cx="4829934" cy="6840184"/>
+            <a:chOff x="0" y="0"/>
+            <a:chExt cx="3098198" cy="4387689"/>
+          </a:xfrm>
+        </p:grpSpPr>
+        <p:sp>
+          <p:nvSpPr>
+            <p:cNvPr name="Freeform 4" id="4"/>
+            <p:cNvSpPr/>
+            <p:nvPr/>
+          </p:nvSpPr>
+          <p:spPr>
+            <a:xfrm flipH="false" flipV="false" rot="0">
+              <a:off x="0" y="0"/>
+              <a:ext cx="3098198" cy="4387689"/>
+            </a:xfrm>
+            <a:custGeom>
+              <a:avLst/>
+              <a:gdLst/>
+              <a:ahLst/>
+              <a:cxnLst/>
+              <a:rect r="r" b="b" t="t" l="l"/>
+              <a:pathLst>
+                <a:path h="4387689" w="3098198">
+                  <a:moveTo>
+                    <a:pt x="2973738" y="4387688"/>
+                  </a:moveTo>
+                  <a:lnTo>
+                    <a:pt x="124460" y="4387688"/>
+                  </a:lnTo>
+                  <a:cubicBezTo>
+                    <a:pt x="55880" y="4387688"/>
+                    <a:pt x="0" y="4331808"/>
+                    <a:pt x="0" y="4263229"/>
+                  </a:cubicBezTo>
+                  <a:lnTo>
+                    <a:pt x="0" y="124460"/>
+                  </a:lnTo>
+                  <a:cubicBezTo>
+                    <a:pt x="0" y="55880"/>
+                    <a:pt x="55880" y="0"/>
+                    <a:pt x="124460" y="0"/>
+                  </a:cubicBezTo>
+                  <a:lnTo>
+                    <a:pt x="2973738" y="0"/>
+                  </a:lnTo>
+                  <a:cubicBezTo>
+                    <a:pt x="3042318" y="0"/>
+                    <a:pt x="3098198" y="55880"/>
+                    <a:pt x="3098198" y="124460"/>
+                  </a:cubicBezTo>
+                  <a:lnTo>
+                    <a:pt x="3098198" y="4263229"/>
+                  </a:lnTo>
+                  <a:cubicBezTo>
+                    <a:pt x="3098198" y="4331808"/>
+                    <a:pt x="3042318" y="4387689"/>
+                    <a:pt x="2973738" y="4387689"/>
+                  </a:cubicBezTo>
+                  <a:close/>
+                </a:path>
+              </a:pathLst>
+            </a:custGeom>
+            <a:solidFill>
+              <a:srgbClr val="75C7FB"/>
+            </a:solidFill>
+          </p:spPr>
+        </p:sp>
+      </p:grpSp>
+      <p:grpSp>
+        <p:nvGrpSpPr>
+          <p:cNvPr name="Group 5" id="5"/>
+          <p:cNvGrpSpPr/>
+          <p:nvPr/>
+        </p:nvGrpSpPr>
+        <p:grpSpPr>
+          <a:xfrm rot="0">
+            <a:off x="1561234" y="3803149"/>
+            <a:ext cx="8468472" cy="1574304"/>
+            <a:chOff x="0" y="0"/>
+            <a:chExt cx="5432166" cy="1009849"/>
+          </a:xfrm>
+        </p:grpSpPr>
+        <p:sp>
+          <p:nvSpPr>
+            <p:cNvPr name="Freeform 6" id="6"/>
+            <p:cNvSpPr/>
+            <p:nvPr/>
+          </p:nvSpPr>
+          <p:spPr>
+            <a:xfrm flipH="false" flipV="false" rot="0">
+              <a:off x="0" y="0"/>
+              <a:ext cx="5432166" cy="1009850"/>
+            </a:xfrm>
+            <a:custGeom>
+              <a:avLst/>
+              <a:gdLst/>
+              <a:ahLst/>
+              <a:cxnLst/>
+              <a:rect r="r" b="b" t="t" l="l"/>
+              <a:pathLst>
+                <a:path h="1009850" w="5432166">
+                  <a:moveTo>
+                    <a:pt x="5307706" y="1009849"/>
+                  </a:moveTo>
+                  <a:lnTo>
+                    <a:pt x="124460" y="1009849"/>
+                  </a:lnTo>
+                  <a:cubicBezTo>
+                    <a:pt x="55880" y="1009849"/>
+                    <a:pt x="0" y="953969"/>
+                    <a:pt x="0" y="885389"/>
+                  </a:cubicBezTo>
+                  <a:lnTo>
+                    <a:pt x="0" y="124460"/>
+                  </a:lnTo>
+                  <a:cubicBezTo>
+                    <a:pt x="0" y="55880"/>
+                    <a:pt x="55880" y="0"/>
+                    <a:pt x="124460" y="0"/>
+                  </a:cubicBezTo>
+                  <a:lnTo>
+                    <a:pt x="5307706" y="0"/>
+                  </a:lnTo>
+                  <a:cubicBezTo>
+                    <a:pt x="5376286" y="0"/>
+                    <a:pt x="5432166" y="55880"/>
+                    <a:pt x="5432166" y="124460"/>
+                  </a:cubicBezTo>
+                  <a:lnTo>
+                    <a:pt x="5432166" y="885389"/>
+                  </a:lnTo>
+                  <a:cubicBezTo>
+                    <a:pt x="5432166" y="953969"/>
+                    <a:pt x="5376286" y="1009850"/>
+                    <a:pt x="5307706" y="1009850"/>
+                  </a:cubicBezTo>
+                  <a:close/>
+                </a:path>
+              </a:pathLst>
+            </a:custGeom>
+            <a:solidFill>
+              <a:srgbClr val="FFFFFF"/>
+            </a:solidFill>
+          </p:spPr>
+        </p:sp>
+      </p:grpSp>
+      <p:sp>
+        <p:nvSpPr>
+          <p:cNvPr name="Freeform 7" id="7"/>
+          <p:cNvSpPr/>
+          <p:nvPr/>
+        </p:nvSpPr>
+        <p:spPr>
+          <a:xfrm flipH="false" flipV="false" rot="0">
+            <a:off x="772306" y="3801373"/>
+            <a:ext cx="1577856" cy="1577856"/>
+          </a:xfrm>
+          <a:custGeom>
+            <a:avLst/>
+            <a:gdLst/>
+            <a:ahLst/>
+            <a:cxnLst/>
+            <a:rect r="r" b="b" t="t" l="l"/>
+            <a:pathLst>
+              <a:path h="1577856" w="1577856">
+                <a:moveTo>
+                  <a:pt x="0" y="0"/>
+                </a:moveTo>
+                <a:lnTo>
+                  <a:pt x="1577856" y="0"/>
+                </a:lnTo>
+                <a:lnTo>
+                  <a:pt x="1577856" y="1577856"/>
+                </a:lnTo>
+                <a:lnTo>
+                  <a:pt x="0" y="1577856"/>
+                </a:lnTo>
+                <a:lnTo>
+                  <a:pt x="0" y="0"/>
+                </a:lnTo>
+                <a:close/>
+              </a:path>
+            </a:pathLst>
+          </a:custGeom>
+          <a:blipFill>
+            <a:blip r:embed="rId4">
+              <a:extLst>
+                <a:ext uri="{96DAC541-7B7A-43D3-8B79-37D633B846F1}">
+                  <asvg:svgBlip xmlns:asvg="http://schemas.microsoft.com/office/drawing/2016/SVG/main" r:embed="rId5"/>
+                </a:ext>
+              </a:extLst>
+            </a:blip>
+            <a:stretch>
+              <a:fillRect l="0" t="0" r="0" b="0"/>
+            </a:stretch>
+          </a:blipFill>
+        </p:spPr>
+      </p:sp>
+      <p:grpSp>
+        <p:nvGrpSpPr>
+          <p:cNvPr name="Group 8" id="8"/>
+          <p:cNvGrpSpPr/>
+          <p:nvPr/>
+        </p:nvGrpSpPr>
+        <p:grpSpPr>
+          <a:xfrm rot="0">
+            <a:off x="1561234" y="1785625"/>
+            <a:ext cx="8468472" cy="1574304"/>
+            <a:chOff x="0" y="0"/>
+            <a:chExt cx="5432166" cy="1009849"/>
+          </a:xfrm>
+        </p:grpSpPr>
+        <p:sp>
+          <p:nvSpPr>
+            <p:cNvPr name="Freeform 9" id="9"/>
+            <p:cNvSpPr/>
+            <p:nvPr/>
+          </p:nvSpPr>
+          <p:spPr>
+            <a:xfrm flipH="false" flipV="false" rot="0">
+              <a:off x="0" y="0"/>
+              <a:ext cx="5432166" cy="1009850"/>
+            </a:xfrm>
+            <a:custGeom>
+              <a:avLst/>
+              <a:gdLst/>
+              <a:ahLst/>
+              <a:cxnLst/>
+              <a:rect r="r" b="b" t="t" l="l"/>
+              <a:pathLst>
+                <a:path h="1009850" w="5432166">
+                  <a:moveTo>
+                    <a:pt x="5307706" y="1009849"/>
+                  </a:moveTo>
+                  <a:lnTo>
+                    <a:pt x="124460" y="1009849"/>
+                  </a:lnTo>
+                  <a:cubicBezTo>
+                    <a:pt x="55880" y="1009849"/>
+                    <a:pt x="0" y="953969"/>
+                    <a:pt x="0" y="885389"/>
+                  </a:cubicBezTo>
+                  <a:lnTo>
+                    <a:pt x="0" y="124460"/>
+                  </a:lnTo>
+                  <a:cubicBezTo>
+                    <a:pt x="0" y="55880"/>
+                    <a:pt x="55880" y="0"/>
+                    <a:pt x="124460" y="0"/>
+                  </a:cubicBezTo>
+                  <a:lnTo>
+                    <a:pt x="5307706" y="0"/>
+                  </a:lnTo>
+                  <a:cubicBezTo>
+                    <a:pt x="5376286" y="0"/>
+                    <a:pt x="5432166" y="55880"/>
+                    <a:pt x="5432166" y="124460"/>
+                  </a:cubicBezTo>
+                  <a:lnTo>
+                    <a:pt x="5432166" y="885389"/>
+                  </a:lnTo>
+                  <a:cubicBezTo>
+                    <a:pt x="5432166" y="953969"/>
+                    <a:pt x="5376286" y="1009850"/>
+                    <a:pt x="5307706" y="1009850"/>
+                  </a:cubicBezTo>
+                  <a:close/>
+                </a:path>
+              </a:pathLst>
+            </a:custGeom>
+            <a:solidFill>
+              <a:srgbClr val="FFFFFF"/>
+            </a:solidFill>
+          </p:spPr>
+        </p:sp>
+      </p:grpSp>
+      <p:sp>
+        <p:nvSpPr>
+          <p:cNvPr name="Freeform 10" id="10"/>
+          <p:cNvSpPr/>
+          <p:nvPr/>
+        </p:nvSpPr>
+        <p:spPr>
+          <a:xfrm flipH="false" flipV="false" rot="0">
+            <a:off x="772306" y="1782073"/>
+            <a:ext cx="1577856" cy="1577856"/>
+          </a:xfrm>
+          <a:custGeom>
+            <a:avLst/>
+            <a:gdLst/>
+            <a:ahLst/>
+            <a:cxnLst/>
+            <a:rect r="r" b="b" t="t" l="l"/>
+            <a:pathLst>
+              <a:path h="1577856" w="1577856">
+                <a:moveTo>
+                  <a:pt x="0" y="0"/>
+                </a:moveTo>
+                <a:lnTo>
+                  <a:pt x="1577856" y="0"/>
+                </a:lnTo>
+                <a:lnTo>
+                  <a:pt x="1577856" y="1577856"/>
+                </a:lnTo>
+                <a:lnTo>
+                  <a:pt x="0" y="1577856"/>
+                </a:lnTo>
+                <a:lnTo>
+                  <a:pt x="0" y="0"/>
+                </a:lnTo>
+                <a:close/>
+              </a:path>
+            </a:pathLst>
+          </a:custGeom>
+          <a:blipFill>
+            <a:blip r:embed="rId4">
+              <a:extLst>
+                <a:ext uri="{96DAC541-7B7A-43D3-8B79-37D633B846F1}">
+                  <asvg:svgBlip xmlns:asvg="http://schemas.microsoft.com/office/drawing/2016/SVG/main" r:embed="rId5"/>
+                </a:ext>
+              </a:extLst>
+            </a:blip>
+            <a:stretch>
+              <a:fillRect l="0" t="0" r="0" b="0"/>
+            </a:stretch>
+          </a:blipFill>
+        </p:spPr>
+      </p:sp>
+      <p:sp>
+        <p:nvSpPr>
+          <p:cNvPr name="Freeform 11" id="11"/>
+          <p:cNvSpPr/>
+          <p:nvPr/>
+        </p:nvSpPr>
+        <p:spPr>
+          <a:xfrm flipH="false" flipV="false" rot="0">
+            <a:off x="8013217" y="2073761"/>
+            <a:ext cx="900826" cy="882809"/>
+          </a:xfrm>
+          <a:custGeom>
+            <a:avLst/>
+            <a:gdLst/>
+            <a:ahLst/>
+            <a:cxnLst/>
+            <a:rect r="r" b="b" t="t" l="l"/>
+            <a:pathLst>
+              <a:path h="882809" w="900826">
+                <a:moveTo>
+                  <a:pt x="0" y="0"/>
+                </a:moveTo>
+                <a:lnTo>
+                  <a:pt x="900826" y="0"/>
+                </a:lnTo>
+                <a:lnTo>
+                  <a:pt x="900826" y="882809"/>
+                </a:lnTo>
+                <a:lnTo>
+                  <a:pt x="0" y="882809"/>
+                </a:lnTo>
+                <a:lnTo>
+                  <a:pt x="0" y="0"/>
+                </a:lnTo>
+                <a:close/>
+              </a:path>
+            </a:pathLst>
+          </a:custGeom>
+          <a:blipFill>
+            <a:blip r:embed="rId6">
+              <a:extLst>
+                <a:ext uri="{96DAC541-7B7A-43D3-8B79-37D633B846F1}">
+                  <asvg:svgBlip xmlns:asvg="http://schemas.microsoft.com/office/drawing/2016/SVG/main" r:embed="rId7"/>
+                </a:ext>
+              </a:extLst>
+            </a:blip>
+            <a:stretch>
+              <a:fillRect l="0" t="0" r="0" b="0"/>
+            </a:stretch>
+          </a:blipFill>
+        </p:spPr>
+      </p:sp>
+      <p:sp>
+        <p:nvSpPr>
+          <p:cNvPr name="Freeform 12" id="12"/>
+          <p:cNvSpPr/>
+          <p:nvPr/>
+        </p:nvSpPr>
+        <p:spPr>
+          <a:xfrm flipH="false" flipV="false" rot="0">
+            <a:off x="8013217" y="4041696"/>
+            <a:ext cx="987992" cy="987992"/>
+          </a:xfrm>
+          <a:custGeom>
+            <a:avLst/>
+            <a:gdLst/>
+            <a:ahLst/>
+            <a:cxnLst/>
+            <a:rect r="r" b="b" t="t" l="l"/>
+            <a:pathLst>
+              <a:path h="987992" w="987992">
+                <a:moveTo>
+                  <a:pt x="0" y="0"/>
+                </a:moveTo>
+                <a:lnTo>
+                  <a:pt x="987993" y="0"/>
+                </a:lnTo>
+                <a:lnTo>
+                  <a:pt x="987993" y="987992"/>
+                </a:lnTo>
+                <a:lnTo>
+                  <a:pt x="0" y="987992"/>
+                </a:lnTo>
+                <a:lnTo>
+                  <a:pt x="0" y="0"/>
+                </a:lnTo>
+                <a:close/>
+              </a:path>
+            </a:pathLst>
+          </a:custGeom>
+          <a:blipFill>
+            <a:blip r:embed="rId8">
+              <a:extLst>
+                <a:ext uri="{96DAC541-7B7A-43D3-8B79-37D633B846F1}">
+                  <asvg:svgBlip xmlns:asvg="http://schemas.microsoft.com/office/drawing/2016/SVG/main" r:embed="rId9"/>
+                </a:ext>
+              </a:extLst>
+            </a:blip>
+            <a:stretch>
+              <a:fillRect l="0" t="0" r="0" b="0"/>
+            </a:stretch>
+          </a:blipFill>
+        </p:spPr>
+      </p:sp>
+      <p:sp>
+        <p:nvSpPr>
+          <p:cNvPr name="TextBox 13" id="13"/>
+          <p:cNvSpPr txBox="true"/>
+          <p:nvPr/>
+        </p:nvSpPr>
+        <p:spPr>
+          <a:xfrm rot="0">
+            <a:off x="1240224" y="2136188"/>
+            <a:ext cx="642020" cy="820382"/>
+          </a:xfrm>
+          <a:prstGeom prst="rect">
+            <a:avLst/>
+          </a:prstGeom>
+        </p:spPr>
+        <p:txBody>
+          <a:bodyPr anchor="t" rtlCol="false" tIns="0" lIns="0" bIns="0" rIns="0">
+            <a:spAutoFit/>
+          </a:bodyPr>
+          <a:lstStyle/>
+          <a:p>
+            <a:pPr algn="ctr">
+              <a:lnSpc>
+                <a:spcPts val="6719"/>
+              </a:lnSpc>
+              <a:spcBef>
+                <a:spcPct val="0"/>
+              </a:spcBef>
+            </a:pPr>
+            <a:r>
+              <a:rPr lang="en-US" sz="4800">
+                <a:solidFill>
+                  <a:srgbClr val="000000"/>
+                </a:solidFill>
+                <a:latin typeface="Space Mono"/>
+                <a:ea typeface="Space Mono"/>
+                <a:cs typeface="Space Mono"/>
+                <a:sym typeface="Space Mono"/>
+              </a:rPr>
+              <a:t>4</a:t>
+            </a:r>
+          </a:p>
+        </p:txBody>
+      </p:sp>
+      <p:sp>
+        <p:nvSpPr>
+          <p:cNvPr name="TextBox 14" id="14"/>
+          <p:cNvSpPr txBox="true"/>
+          <p:nvPr/>
+        </p:nvSpPr>
+        <p:spPr>
+          <a:xfrm rot="0">
+            <a:off x="1240224" y="4132485"/>
+            <a:ext cx="642020" cy="820382"/>
+          </a:xfrm>
+          <a:prstGeom prst="rect">
+            <a:avLst/>
+          </a:prstGeom>
+        </p:spPr>
+        <p:txBody>
+          <a:bodyPr anchor="t" rtlCol="false" tIns="0" lIns="0" bIns="0" rIns="0">
+            <a:spAutoFit/>
+          </a:bodyPr>
+          <a:lstStyle/>
+          <a:p>
+            <a:pPr algn="ctr">
+              <a:lnSpc>
+                <a:spcPts val="6719"/>
+              </a:lnSpc>
+              <a:spcBef>
+                <a:spcPct val="0"/>
+              </a:spcBef>
+            </a:pPr>
+            <a:r>
+              <a:rPr lang="en-US" sz="4800">
+                <a:solidFill>
+                  <a:srgbClr val="000000"/>
+                </a:solidFill>
+                <a:latin typeface="Space Mono"/>
+                <a:ea typeface="Space Mono"/>
+                <a:cs typeface="Space Mono"/>
+                <a:sym typeface="Space Mono"/>
+              </a:rPr>
+              <a:t>5</a:t>
+            </a:r>
+          </a:p>
+        </p:txBody>
+      </p:sp>
+      <p:sp>
+        <p:nvSpPr>
+          <p:cNvPr name="TextBox 15" id="15"/>
+          <p:cNvSpPr txBox="true"/>
+          <p:nvPr/>
+        </p:nvSpPr>
+        <p:spPr>
+          <a:xfrm rot="0">
+            <a:off x="2850025" y="4274713"/>
+            <a:ext cx="5613605" cy="474334"/>
+          </a:xfrm>
+          <a:prstGeom prst="rect">
+            <a:avLst/>
+          </a:prstGeom>
+        </p:spPr>
+        <p:txBody>
+          <a:bodyPr anchor="t" rtlCol="false" tIns="0" lIns="0" bIns="0" rIns="0">
+            <a:spAutoFit/>
+          </a:bodyPr>
+          <a:lstStyle/>
+          <a:p>
+            <a:pPr algn="l">
+              <a:lnSpc>
+                <a:spcPts val="3919"/>
+              </a:lnSpc>
+              <a:spcBef>
+                <a:spcPct val="0"/>
+              </a:spcBef>
+            </a:pPr>
+            <a:r>
+              <a:rPr lang="en-US" sz="2800">
+                <a:solidFill>
+                  <a:srgbClr val="000000"/>
+                </a:solidFill>
+                <a:latin typeface="Muli Regular"/>
+                <a:ea typeface="Muli Regular"/>
+                <a:cs typeface="Muli Regular"/>
+                <a:sym typeface="Muli Regular"/>
+              </a:rPr>
+              <a:t>Monthly Contract length</a:t>
+            </a:r>
+          </a:p>
+        </p:txBody>
+      </p:sp>
+      <p:sp>
+        <p:nvSpPr>
+          <p:cNvPr name="TextBox 16" id="16"/>
+          <p:cNvSpPr txBox="true"/>
+          <p:nvPr/>
+        </p:nvSpPr>
+        <p:spPr>
+          <a:xfrm rot="0">
+            <a:off x="2850025" y="2333025"/>
+            <a:ext cx="5613605" cy="474334"/>
+          </a:xfrm>
+          <a:prstGeom prst="rect">
+            <a:avLst/>
+          </a:prstGeom>
+        </p:spPr>
+        <p:txBody>
+          <a:bodyPr anchor="t" rtlCol="false" tIns="0" lIns="0" bIns="0" rIns="0">
+            <a:spAutoFit/>
+          </a:bodyPr>
+          <a:lstStyle/>
+          <a:p>
+            <a:pPr algn="l">
+              <a:lnSpc>
+                <a:spcPts val="3920"/>
+              </a:lnSpc>
+              <a:spcBef>
+                <a:spcPct val="0"/>
+              </a:spcBef>
+            </a:pPr>
+            <a:r>
+              <a:rPr lang="en-US" sz="2800">
+                <a:solidFill>
+                  <a:srgbClr val="000000"/>
+                </a:solidFill>
+                <a:latin typeface="Muli Regular"/>
+                <a:ea typeface="Muli Regular"/>
+                <a:cs typeface="Muli Regular"/>
+                <a:sym typeface="Muli Regular"/>
+              </a:rPr>
+              <a:t>Standard Subscription</a:t>
+            </a:r>
+          </a:p>
+        </p:txBody>
+      </p:sp>
+      <p:grpSp>
+        <p:nvGrpSpPr>
+          <p:cNvPr name="Group 17" id="17"/>
+          <p:cNvGrpSpPr/>
+          <p:nvPr/>
+        </p:nvGrpSpPr>
+        <p:grpSpPr>
+          <a:xfrm rot="0">
+            <a:off x="11716456" y="2807358"/>
+            <a:ext cx="6001864" cy="5400720"/>
+            <a:chOff x="0" y="0"/>
+            <a:chExt cx="8002485" cy="7200960"/>
+          </a:xfrm>
+        </p:grpSpPr>
+        <p:sp>
+          <p:nvSpPr>
+            <p:cNvPr name="TextBox 18" id="18"/>
+            <p:cNvSpPr txBox="true"/>
+            <p:nvPr/>
+          </p:nvSpPr>
+          <p:spPr>
+            <a:xfrm rot="0">
+              <a:off x="0" y="95250"/>
+              <a:ext cx="8002485" cy="3652780"/>
+            </a:xfrm>
+            <a:prstGeom prst="rect">
+              <a:avLst/>
+            </a:prstGeom>
+          </p:spPr>
+          <p:txBody>
+            <a:bodyPr anchor="t" rtlCol="false" tIns="0" lIns="0" bIns="0" rIns="0">
+              <a:spAutoFit/>
+            </a:bodyPr>
+            <a:lstStyle/>
+            <a:p>
+              <a:pPr algn="l">
+                <a:lnSpc>
+                  <a:spcPts val="10644"/>
+                </a:lnSpc>
+              </a:pPr>
+              <a:r>
+                <a:rPr lang="en-US" sz="9676" spc="-96">
+                  <a:solidFill>
+                    <a:srgbClr val="FFFFFF"/>
+                  </a:solidFill>
+                  <a:latin typeface="Muli Bold"/>
+                  <a:ea typeface="Muli Bold"/>
+                  <a:cs typeface="Muli Bold"/>
+                  <a:sym typeface="Muli Bold"/>
+                </a:rPr>
+                <a:t>Comming Churner</a:t>
+              </a:r>
+            </a:p>
+          </p:txBody>
+        </p:sp>
+        <p:sp>
+          <p:nvSpPr>
+            <p:cNvPr name="TextBox 19" id="19"/>
+            <p:cNvSpPr txBox="true"/>
+            <p:nvPr/>
+          </p:nvSpPr>
+          <p:spPr>
+            <a:xfrm rot="0">
+              <a:off x="0" y="3985714"/>
+              <a:ext cx="6409878" cy="3215246"/>
+            </a:xfrm>
+            <a:prstGeom prst="rect">
+              <a:avLst/>
+            </a:prstGeom>
+          </p:spPr>
+          <p:txBody>
+            <a:bodyPr anchor="t" rtlCol="false" tIns="0" lIns="0" bIns="0" rIns="0">
+              <a:spAutoFit/>
+            </a:bodyPr>
+            <a:lstStyle/>
+            <a:p>
+              <a:pPr algn="l">
+                <a:lnSpc>
+                  <a:spcPts val="20319"/>
+                </a:lnSpc>
+                <a:spcBef>
+                  <a:spcPct val="0"/>
+                </a:spcBef>
+              </a:pPr>
+            </a:p>
+          </p:txBody>
+        </p:sp>
+      </p:grpSp>
+    </p:spTree>
+  </p:cSld>
+  <p:clrMapOvr>
+    <a:masterClrMapping/>
+  </p:clrMapOvr>
+</p:sld>
+</file>
+
+<file path=ppt/slides/slide14.xml><?xml version="1.0" encoding="utf-8"?>
+<p:sld xmlns:p="http://schemas.openxmlformats.org/presentationml/2006/main" xmlns:a="http://schemas.openxmlformats.org/drawingml/2006/main">
+  <p:cSld>
+    <p:bg>
+      <p:bgPr>
+        <a:solidFill>
+          <a:srgbClr val="0048CD"/>
+        </a:solidFill>
+      </p:bgPr>
+    </p:bg>
+    <p:spTree>
+      <p:nvGrpSpPr>
+        <p:cNvPr id="1" name=""/>
+        <p:cNvGrpSpPr/>
+        <p:nvPr/>
+      </p:nvGrpSpPr>
+      <p:grpSpPr>
+        <a:xfrm>
+          <a:off x="0" y="0"/>
+          <a:ext cx="0" cy="0"/>
+          <a:chOff x="0" y="0"/>
+          <a:chExt cx="0" cy="0"/>
+        </a:xfrm>
+      </p:grpSpPr>
+      <p:sp>
+        <p:nvSpPr>
+          <p:cNvPr name="TextBox 2" id="2"/>
+          <p:cNvSpPr txBox="true"/>
+          <p:nvPr/>
+        </p:nvSpPr>
+        <p:spPr>
+          <a:xfrm rot="0">
+            <a:off x="1849875" y="3673629"/>
+            <a:ext cx="14857190" cy="2787343"/>
+          </a:xfrm>
+          <a:prstGeom prst="rect">
+            <a:avLst/>
+          </a:prstGeom>
+        </p:spPr>
+        <p:txBody>
+          <a:bodyPr anchor="t" rtlCol="false" tIns="0" lIns="0" bIns="0" rIns="0">
+            <a:spAutoFit/>
+          </a:bodyPr>
+          <a:lstStyle/>
+          <a:p>
+            <a:pPr algn="ctr">
+              <a:lnSpc>
+                <a:spcPts val="11216"/>
+              </a:lnSpc>
+              <a:spcBef>
+                <a:spcPct val="0"/>
+              </a:spcBef>
+            </a:pPr>
+            <a:r>
+              <a:rPr lang="en-US" sz="8012">
+                <a:solidFill>
+                  <a:srgbClr val="FFFFFF"/>
+                </a:solidFill>
+                <a:latin typeface="Muli Regular Bold"/>
+                <a:ea typeface="Muli Regular Bold"/>
+                <a:cs typeface="Muli Regular Bold"/>
+                <a:sym typeface="Muli Regular Bold"/>
+              </a:rPr>
+              <a:t>What We Can Do To Prevent Customers to Churn out</a:t>
+            </a:r>
+          </a:p>
+        </p:txBody>
+      </p:sp>
+    </p:spTree>
+  </p:cSld>
+  <p:clrMapOvr>
+    <a:masterClrMapping/>
+  </p:clrMapOvr>
+</p:sld>
+</file>
+
+<file path=ppt/slides/slide15.xml><?xml version="1.0" encoding="utf-8"?>
+<p:sld xmlns:p="http://schemas.openxmlformats.org/presentationml/2006/main" xmlns:a="http://schemas.openxmlformats.org/drawingml/2006/main" xmlns:r="http://schemas.openxmlformats.org/officeDocument/2006/relationships">
+  <p:cSld>
+    <p:spTree>
+      <p:nvGrpSpPr>
+        <p:cNvPr id="1" name=""/>
+        <p:cNvGrpSpPr/>
+        <p:nvPr/>
+      </p:nvGrpSpPr>
+      <p:grpSpPr>
+        <a:xfrm>
+          <a:off x="0" y="0"/>
+          <a:ext cx="0" cy="0"/>
+          <a:chOff x="0" y="0"/>
+          <a:chExt cx="0" cy="0"/>
+        </a:xfrm>
+      </p:grpSpPr>
+      <p:sp>
+        <p:nvSpPr>
+          <p:cNvPr name="Freeform 2" id="2"/>
+          <p:cNvSpPr/>
+          <p:nvPr/>
+        </p:nvSpPr>
+        <p:spPr>
+          <a:xfrm flipH="false" flipV="false" rot="0">
+            <a:off x="0" y="0"/>
+            <a:ext cx="18288000" cy="10287000"/>
+          </a:xfrm>
+          <a:custGeom>
+            <a:avLst/>
+            <a:gdLst/>
+            <a:ahLst/>
+            <a:cxnLst/>
+            <a:rect r="r" b="b" t="t" l="l"/>
+            <a:pathLst>
+              <a:path h="10287000" w="18288000">
+                <a:moveTo>
+                  <a:pt x="0" y="0"/>
+                </a:moveTo>
+                <a:lnTo>
+                  <a:pt x="18288000" y="0"/>
+                </a:lnTo>
+                <a:lnTo>
+                  <a:pt x="18288000" y="10287000"/>
+                </a:lnTo>
+                <a:lnTo>
+                  <a:pt x="0" y="10287000"/>
+                </a:lnTo>
+                <a:lnTo>
+                  <a:pt x="0" y="0"/>
+                </a:lnTo>
+                <a:close/>
+              </a:path>
+            </a:pathLst>
+          </a:custGeom>
+          <a:blipFill>
+            <a:blip r:embed="rId2"/>
+            <a:stretch>
+              <a:fillRect l="0" t="0" r="0" b="0"/>
+            </a:stretch>
+          </a:blipFill>
+        </p:spPr>
+      </p:sp>
+      <p:grpSp>
+        <p:nvGrpSpPr>
+          <p:cNvPr name="Group 3" id="3"/>
+          <p:cNvGrpSpPr/>
+          <p:nvPr/>
+        </p:nvGrpSpPr>
+        <p:grpSpPr>
+          <a:xfrm rot="0">
+            <a:off x="9724266" y="1202500"/>
+            <a:ext cx="7535034" cy="8055800"/>
+            <a:chOff x="0" y="0"/>
+            <a:chExt cx="4833405" cy="5167454"/>
+          </a:xfrm>
+        </p:grpSpPr>
+        <p:sp>
+          <p:nvSpPr>
+            <p:cNvPr name="Freeform 4" id="4"/>
+            <p:cNvSpPr/>
+            <p:nvPr/>
+          </p:nvSpPr>
+          <p:spPr>
+            <a:xfrm flipH="false" flipV="false" rot="0">
+              <a:off x="0" y="0"/>
+              <a:ext cx="4833405" cy="5167454"/>
+            </a:xfrm>
+            <a:custGeom>
+              <a:avLst/>
+              <a:gdLst/>
+              <a:ahLst/>
+              <a:cxnLst/>
+              <a:rect r="r" b="b" t="t" l="l"/>
+              <a:pathLst>
+                <a:path h="5167454" w="4833405">
+                  <a:moveTo>
+                    <a:pt x="4708945" y="5167454"/>
+                  </a:moveTo>
+                  <a:lnTo>
+                    <a:pt x="124460" y="5167454"/>
+                  </a:lnTo>
+                  <a:cubicBezTo>
+                    <a:pt x="55880" y="5167454"/>
+                    <a:pt x="0" y="5111574"/>
+                    <a:pt x="0" y="5042994"/>
+                  </a:cubicBezTo>
+                  <a:lnTo>
+                    <a:pt x="0" y="124460"/>
+                  </a:lnTo>
+                  <a:cubicBezTo>
+                    <a:pt x="0" y="55880"/>
+                    <a:pt x="55880" y="0"/>
+                    <a:pt x="124460" y="0"/>
+                  </a:cubicBezTo>
+                  <a:lnTo>
+                    <a:pt x="4708945" y="0"/>
+                  </a:lnTo>
+                  <a:cubicBezTo>
+                    <a:pt x="4777525" y="0"/>
+                    <a:pt x="4833405" y="55880"/>
+                    <a:pt x="4833405" y="124460"/>
+                  </a:cubicBezTo>
+                  <a:lnTo>
+                    <a:pt x="4833405" y="5042995"/>
+                  </a:lnTo>
+                  <a:cubicBezTo>
+                    <a:pt x="4833405" y="5111574"/>
+                    <a:pt x="4777525" y="5167454"/>
+                    <a:pt x="4708945" y="5167454"/>
+                  </a:cubicBezTo>
+                  <a:close/>
+                </a:path>
+              </a:pathLst>
+            </a:custGeom>
+            <a:solidFill>
+              <a:srgbClr val="75C7FB"/>
+            </a:solidFill>
+          </p:spPr>
+        </p:sp>
+      </p:grpSp>
+      <p:sp>
+        <p:nvSpPr>
+          <p:cNvPr name="TextBox 5" id="5"/>
+          <p:cNvSpPr txBox="true"/>
+          <p:nvPr/>
+        </p:nvSpPr>
+        <p:spPr>
+          <a:xfrm rot="0">
+            <a:off x="704850" y="2277188"/>
+            <a:ext cx="6784778" cy="4037629"/>
+          </a:xfrm>
+          <a:prstGeom prst="rect">
+            <a:avLst/>
+          </a:prstGeom>
+        </p:spPr>
+        <p:txBody>
+          <a:bodyPr anchor="t" rtlCol="false" tIns="0" lIns="0" bIns="0" rIns="0">
+            <a:spAutoFit/>
+          </a:bodyPr>
+          <a:lstStyle/>
+          <a:p>
+            <a:pPr algn="l">
+              <a:lnSpc>
+                <a:spcPts val="7920"/>
+              </a:lnSpc>
+            </a:pPr>
+            <a:r>
+              <a:rPr lang="en-US" sz="7200" spc="-72">
+                <a:solidFill>
+                  <a:srgbClr val="0048CD"/>
+                </a:solidFill>
+                <a:latin typeface="Muli Bold"/>
+                <a:ea typeface="Muli Bold"/>
+                <a:cs typeface="Muli Bold"/>
+                <a:sym typeface="Muli Bold"/>
+              </a:rPr>
+              <a:t>What We Can Do To Prevent Customers to Churn out</a:t>
+            </a:r>
+          </a:p>
+        </p:txBody>
+      </p:sp>
+      <p:grpSp>
+        <p:nvGrpSpPr>
+          <p:cNvPr name="Group 6" id="6"/>
+          <p:cNvGrpSpPr/>
+          <p:nvPr/>
+        </p:nvGrpSpPr>
+        <p:grpSpPr>
+          <a:xfrm rot="0">
+            <a:off x="8813603" y="5890231"/>
+            <a:ext cx="8468472" cy="1574304"/>
+            <a:chOff x="0" y="0"/>
+            <a:chExt cx="5432166" cy="1009849"/>
+          </a:xfrm>
+        </p:grpSpPr>
+        <p:sp>
+          <p:nvSpPr>
+            <p:cNvPr name="Freeform 7" id="7"/>
+            <p:cNvSpPr/>
+            <p:nvPr/>
+          </p:nvSpPr>
+          <p:spPr>
+            <a:xfrm flipH="false" flipV="false" rot="0">
+              <a:off x="0" y="0"/>
+              <a:ext cx="5432166" cy="1009850"/>
+            </a:xfrm>
+            <a:custGeom>
+              <a:avLst/>
+              <a:gdLst/>
+              <a:ahLst/>
+              <a:cxnLst/>
+              <a:rect r="r" b="b" t="t" l="l"/>
+              <a:pathLst>
+                <a:path h="1009850" w="5432166">
+                  <a:moveTo>
+                    <a:pt x="5307706" y="1009849"/>
+                  </a:moveTo>
+                  <a:lnTo>
+                    <a:pt x="124460" y="1009849"/>
+                  </a:lnTo>
+                  <a:cubicBezTo>
+                    <a:pt x="55880" y="1009849"/>
+                    <a:pt x="0" y="953969"/>
+                    <a:pt x="0" y="885389"/>
+                  </a:cubicBezTo>
+                  <a:lnTo>
+                    <a:pt x="0" y="124460"/>
+                  </a:lnTo>
+                  <a:cubicBezTo>
+                    <a:pt x="0" y="55880"/>
+                    <a:pt x="55880" y="0"/>
+                    <a:pt x="124460" y="0"/>
+                  </a:cubicBezTo>
+                  <a:lnTo>
+                    <a:pt x="5307706" y="0"/>
+                  </a:lnTo>
+                  <a:cubicBezTo>
+                    <a:pt x="5376286" y="0"/>
+                    <a:pt x="5432166" y="55880"/>
+                    <a:pt x="5432166" y="124460"/>
+                  </a:cubicBezTo>
+                  <a:lnTo>
+                    <a:pt x="5432166" y="885389"/>
+                  </a:lnTo>
+                  <a:cubicBezTo>
+                    <a:pt x="5432166" y="953969"/>
+                    <a:pt x="5376286" y="1009850"/>
+                    <a:pt x="5307706" y="1009850"/>
+                  </a:cubicBezTo>
+                  <a:close/>
+                </a:path>
+              </a:pathLst>
+            </a:custGeom>
+            <a:solidFill>
+              <a:srgbClr val="FFFFFF"/>
+            </a:solidFill>
+          </p:spPr>
+        </p:sp>
+      </p:grpSp>
+      <p:sp>
+        <p:nvSpPr>
+          <p:cNvPr name="Freeform 8" id="8"/>
+          <p:cNvSpPr/>
+          <p:nvPr/>
+        </p:nvSpPr>
+        <p:spPr>
+          <a:xfrm flipH="false" flipV="false" rot="0">
+            <a:off x="16161793" y="5888455"/>
+            <a:ext cx="1577856" cy="1577856"/>
+          </a:xfrm>
+          <a:custGeom>
+            <a:avLst/>
+            <a:gdLst/>
+            <a:ahLst/>
+            <a:cxnLst/>
+            <a:rect r="r" b="b" t="t" l="l"/>
+            <a:pathLst>
+              <a:path h="1577856" w="1577856">
+                <a:moveTo>
+                  <a:pt x="0" y="0"/>
+                </a:moveTo>
+                <a:lnTo>
+                  <a:pt x="1577856" y="0"/>
+                </a:lnTo>
+                <a:lnTo>
+                  <a:pt x="1577856" y="1577856"/>
+                </a:lnTo>
+                <a:lnTo>
+                  <a:pt x="0" y="1577856"/>
+                </a:lnTo>
+                <a:lnTo>
+                  <a:pt x="0" y="0"/>
+                </a:lnTo>
+                <a:close/>
+              </a:path>
+            </a:pathLst>
+          </a:custGeom>
+          <a:blipFill>
+            <a:blip r:embed="rId3">
+              <a:extLst>
+                <a:ext uri="{96DAC541-7B7A-43D3-8B79-37D633B846F1}">
+                  <asvg:svgBlip xmlns:asvg="http://schemas.microsoft.com/office/drawing/2016/SVG/main" r:embed="rId4"/>
+                </a:ext>
+              </a:extLst>
+            </a:blip>
+            <a:stretch>
+              <a:fillRect l="0" t="0" r="0" b="0"/>
+            </a:stretch>
+          </a:blipFill>
+        </p:spPr>
+      </p:sp>
+      <p:grpSp>
+        <p:nvGrpSpPr>
+          <p:cNvPr name="Group 9" id="9"/>
+          <p:cNvGrpSpPr/>
+          <p:nvPr/>
+        </p:nvGrpSpPr>
+        <p:grpSpPr>
+          <a:xfrm rot="0">
+            <a:off x="8813603" y="3890049"/>
+            <a:ext cx="8468472" cy="1574304"/>
+            <a:chOff x="0" y="0"/>
+            <a:chExt cx="5432166" cy="1009849"/>
+          </a:xfrm>
+        </p:grpSpPr>
+        <p:sp>
+          <p:nvSpPr>
+            <p:cNvPr name="Freeform 10" id="10"/>
+            <p:cNvSpPr/>
+            <p:nvPr/>
+          </p:nvSpPr>
+          <p:spPr>
+            <a:xfrm flipH="false" flipV="false" rot="0">
+              <a:off x="0" y="0"/>
+              <a:ext cx="5432166" cy="1009850"/>
+            </a:xfrm>
+            <a:custGeom>
+              <a:avLst/>
+              <a:gdLst/>
+              <a:ahLst/>
+              <a:cxnLst/>
+              <a:rect r="r" b="b" t="t" l="l"/>
+              <a:pathLst>
+                <a:path h="1009850" w="5432166">
+                  <a:moveTo>
+                    <a:pt x="5307706" y="1009849"/>
+                  </a:moveTo>
+                  <a:lnTo>
+                    <a:pt x="124460" y="1009849"/>
+                  </a:lnTo>
+                  <a:cubicBezTo>
+                    <a:pt x="55880" y="1009849"/>
+                    <a:pt x="0" y="953969"/>
+                    <a:pt x="0" y="885389"/>
+                  </a:cubicBezTo>
+                  <a:lnTo>
+                    <a:pt x="0" y="124460"/>
+                  </a:lnTo>
+                  <a:cubicBezTo>
+                    <a:pt x="0" y="55880"/>
+                    <a:pt x="55880" y="0"/>
+                    <a:pt x="124460" y="0"/>
+                  </a:cubicBezTo>
+                  <a:lnTo>
+                    <a:pt x="5307706" y="0"/>
+                  </a:lnTo>
+                  <a:cubicBezTo>
+                    <a:pt x="5376286" y="0"/>
+                    <a:pt x="5432166" y="55880"/>
+                    <a:pt x="5432166" y="124460"/>
+                  </a:cubicBezTo>
+                  <a:lnTo>
+                    <a:pt x="5432166" y="885389"/>
+                  </a:lnTo>
+                  <a:cubicBezTo>
+                    <a:pt x="5432166" y="953969"/>
+                    <a:pt x="5376286" y="1009850"/>
+                    <a:pt x="5307706" y="1009850"/>
+                  </a:cubicBezTo>
+                  <a:close/>
+                </a:path>
+              </a:pathLst>
+            </a:custGeom>
+            <a:solidFill>
+              <a:srgbClr val="FFFFFF"/>
+            </a:solidFill>
+          </p:spPr>
+        </p:sp>
+      </p:grpSp>
+      <p:sp>
+        <p:nvSpPr>
+          <p:cNvPr name="Freeform 11" id="11"/>
+          <p:cNvSpPr/>
+          <p:nvPr/>
+        </p:nvSpPr>
+        <p:spPr>
+          <a:xfrm flipH="false" flipV="false" rot="0">
+            <a:off x="16161793" y="3888274"/>
+            <a:ext cx="1577856" cy="1577856"/>
+          </a:xfrm>
+          <a:custGeom>
+            <a:avLst/>
+            <a:gdLst/>
+            <a:ahLst/>
+            <a:cxnLst/>
+            <a:rect r="r" b="b" t="t" l="l"/>
+            <a:pathLst>
+              <a:path h="1577856" w="1577856">
+                <a:moveTo>
+                  <a:pt x="0" y="0"/>
+                </a:moveTo>
+                <a:lnTo>
+                  <a:pt x="1577856" y="0"/>
+                </a:lnTo>
+                <a:lnTo>
+                  <a:pt x="1577856" y="1577855"/>
+                </a:lnTo>
+                <a:lnTo>
+                  <a:pt x="0" y="1577855"/>
+                </a:lnTo>
+                <a:lnTo>
+                  <a:pt x="0" y="0"/>
+                </a:lnTo>
+                <a:close/>
+              </a:path>
+            </a:pathLst>
+          </a:custGeom>
+          <a:blipFill>
+            <a:blip r:embed="rId3">
+              <a:extLst>
+                <a:ext uri="{96DAC541-7B7A-43D3-8B79-37D633B846F1}">
+                  <asvg:svgBlip xmlns:asvg="http://schemas.microsoft.com/office/drawing/2016/SVG/main" r:embed="rId4"/>
+                </a:ext>
+              </a:extLst>
+            </a:blip>
+            <a:stretch>
+              <a:fillRect l="0" t="0" r="0" b="0"/>
+            </a:stretch>
+          </a:blipFill>
+        </p:spPr>
+      </p:sp>
+      <p:grpSp>
+        <p:nvGrpSpPr>
+          <p:cNvPr name="Group 12" id="12"/>
+          <p:cNvGrpSpPr/>
+          <p:nvPr/>
+        </p:nvGrpSpPr>
+        <p:grpSpPr>
+          <a:xfrm rot="0">
+            <a:off x="8813603" y="1870749"/>
+            <a:ext cx="8468472" cy="1598424"/>
+            <a:chOff x="0" y="0"/>
+            <a:chExt cx="5432166" cy="1025321"/>
+          </a:xfrm>
+        </p:grpSpPr>
+        <p:sp>
+          <p:nvSpPr>
+            <p:cNvPr name="Freeform 13" id="13"/>
+            <p:cNvSpPr/>
+            <p:nvPr/>
+          </p:nvSpPr>
+          <p:spPr>
+            <a:xfrm flipH="false" flipV="false" rot="0">
+              <a:off x="0" y="0"/>
+              <a:ext cx="5432166" cy="1025322"/>
+            </a:xfrm>
+            <a:custGeom>
+              <a:avLst/>
+              <a:gdLst/>
+              <a:ahLst/>
+              <a:cxnLst/>
+              <a:rect r="r" b="b" t="t" l="l"/>
+              <a:pathLst>
+                <a:path h="1025322" w="5432166">
+                  <a:moveTo>
+                    <a:pt x="5307706" y="1025321"/>
+                  </a:moveTo>
+                  <a:lnTo>
+                    <a:pt x="124460" y="1025321"/>
+                  </a:lnTo>
+                  <a:cubicBezTo>
+                    <a:pt x="55880" y="1025321"/>
+                    <a:pt x="0" y="969442"/>
+                    <a:pt x="0" y="900861"/>
+                  </a:cubicBezTo>
+                  <a:lnTo>
+                    <a:pt x="0" y="124460"/>
+                  </a:lnTo>
+                  <a:cubicBezTo>
+                    <a:pt x="0" y="55880"/>
+                    <a:pt x="55880" y="0"/>
+                    <a:pt x="124460" y="0"/>
+                  </a:cubicBezTo>
+                  <a:lnTo>
+                    <a:pt x="5307706" y="0"/>
+                  </a:lnTo>
+                  <a:cubicBezTo>
+                    <a:pt x="5376286" y="0"/>
+                    <a:pt x="5432166" y="55880"/>
+                    <a:pt x="5432166" y="124460"/>
+                  </a:cubicBezTo>
+                  <a:lnTo>
+                    <a:pt x="5432166" y="900862"/>
+                  </a:lnTo>
+                  <a:cubicBezTo>
+                    <a:pt x="5432166" y="969442"/>
+                    <a:pt x="5376286" y="1025322"/>
+                    <a:pt x="5307706" y="1025322"/>
+                  </a:cubicBezTo>
+                  <a:close/>
+                </a:path>
+              </a:pathLst>
+            </a:custGeom>
+            <a:solidFill>
+              <a:srgbClr val="FFFFFF"/>
+            </a:solidFill>
+          </p:spPr>
+        </p:sp>
+      </p:grpSp>
+      <p:sp>
+        <p:nvSpPr>
+          <p:cNvPr name="Freeform 14" id="14"/>
+          <p:cNvSpPr/>
+          <p:nvPr/>
+        </p:nvSpPr>
+        <p:spPr>
+          <a:xfrm flipH="false" flipV="false" rot="0">
+            <a:off x="16161793" y="1868974"/>
+            <a:ext cx="1577856" cy="1577856"/>
+          </a:xfrm>
+          <a:custGeom>
+            <a:avLst/>
+            <a:gdLst/>
+            <a:ahLst/>
+            <a:cxnLst/>
+            <a:rect r="r" b="b" t="t" l="l"/>
+            <a:pathLst>
+              <a:path h="1577856" w="1577856">
+                <a:moveTo>
+                  <a:pt x="0" y="0"/>
+                </a:moveTo>
+                <a:lnTo>
+                  <a:pt x="1577856" y="0"/>
+                </a:lnTo>
+                <a:lnTo>
+                  <a:pt x="1577856" y="1577855"/>
+                </a:lnTo>
+                <a:lnTo>
+                  <a:pt x="0" y="1577855"/>
+                </a:lnTo>
+                <a:lnTo>
+                  <a:pt x="0" y="0"/>
+                </a:lnTo>
+                <a:close/>
+              </a:path>
+            </a:pathLst>
+          </a:custGeom>
+          <a:blipFill>
+            <a:blip r:embed="rId3">
+              <a:extLst>
+                <a:ext uri="{96DAC541-7B7A-43D3-8B79-37D633B846F1}">
+                  <asvg:svgBlip xmlns:asvg="http://schemas.microsoft.com/office/drawing/2016/SVG/main" r:embed="rId4"/>
+                </a:ext>
+              </a:extLst>
+            </a:blip>
+            <a:stretch>
+              <a:fillRect l="0" t="0" r="0" b="0"/>
+            </a:stretch>
+          </a:blipFill>
+        </p:spPr>
+      </p:sp>
+      <p:sp>
+        <p:nvSpPr>
+          <p:cNvPr name="TextBox 15" id="15"/>
+          <p:cNvSpPr txBox="true"/>
+          <p:nvPr/>
+        </p:nvSpPr>
+        <p:spPr>
+          <a:xfrm rot="0">
+            <a:off x="16629711" y="2200086"/>
+            <a:ext cx="642020" cy="820382"/>
+          </a:xfrm>
+          <a:prstGeom prst="rect">
+            <a:avLst/>
+          </a:prstGeom>
+        </p:spPr>
+        <p:txBody>
+          <a:bodyPr anchor="t" rtlCol="false" tIns="0" lIns="0" bIns="0" rIns="0">
+            <a:spAutoFit/>
+          </a:bodyPr>
+          <a:lstStyle/>
+          <a:p>
+            <a:pPr algn="ctr">
+              <a:lnSpc>
+                <a:spcPts val="6719"/>
+              </a:lnSpc>
+              <a:spcBef>
+                <a:spcPct val="0"/>
+              </a:spcBef>
+            </a:pPr>
+            <a:r>
+              <a:rPr lang="en-US" sz="4800">
+                <a:solidFill>
+                  <a:srgbClr val="F2D16A"/>
+                </a:solidFill>
+                <a:latin typeface="Space Mono"/>
+                <a:ea typeface="Space Mono"/>
+                <a:cs typeface="Space Mono"/>
+                <a:sym typeface="Space Mono"/>
+              </a:rPr>
+              <a:t>1</a:t>
+            </a:r>
+          </a:p>
+        </p:txBody>
+      </p:sp>
+      <p:sp>
+        <p:nvSpPr>
+          <p:cNvPr name="TextBox 16" id="16"/>
+          <p:cNvSpPr txBox="true"/>
+          <p:nvPr/>
+        </p:nvSpPr>
+        <p:spPr>
+          <a:xfrm rot="0">
+            <a:off x="16640056" y="4209826"/>
+            <a:ext cx="642020" cy="820382"/>
+          </a:xfrm>
+          <a:prstGeom prst="rect">
+            <a:avLst/>
+          </a:prstGeom>
+        </p:spPr>
+        <p:txBody>
+          <a:bodyPr anchor="t" rtlCol="false" tIns="0" lIns="0" bIns="0" rIns="0">
+            <a:spAutoFit/>
+          </a:bodyPr>
+          <a:lstStyle/>
+          <a:p>
+            <a:pPr algn="ctr">
+              <a:lnSpc>
+                <a:spcPts val="6719"/>
+              </a:lnSpc>
+              <a:spcBef>
+                <a:spcPct val="0"/>
+              </a:spcBef>
+            </a:pPr>
+            <a:r>
+              <a:rPr lang="en-US" sz="4800">
+                <a:solidFill>
+                  <a:srgbClr val="F2D16A"/>
+                </a:solidFill>
+                <a:latin typeface="Space Mono"/>
+                <a:ea typeface="Space Mono"/>
+                <a:cs typeface="Space Mono"/>
+                <a:sym typeface="Space Mono"/>
+              </a:rPr>
+              <a:t>2</a:t>
+            </a:r>
+          </a:p>
+        </p:txBody>
+      </p:sp>
+      <p:sp>
+        <p:nvSpPr>
+          <p:cNvPr name="TextBox 17" id="17"/>
+          <p:cNvSpPr txBox="true"/>
+          <p:nvPr/>
+        </p:nvSpPr>
+        <p:spPr>
+          <a:xfrm rot="0">
+            <a:off x="16640056" y="6219567"/>
+            <a:ext cx="642020" cy="820382"/>
+          </a:xfrm>
+          <a:prstGeom prst="rect">
+            <a:avLst/>
+          </a:prstGeom>
+        </p:spPr>
+        <p:txBody>
+          <a:bodyPr anchor="t" rtlCol="false" tIns="0" lIns="0" bIns="0" rIns="0">
+            <a:spAutoFit/>
+          </a:bodyPr>
+          <a:lstStyle/>
+          <a:p>
+            <a:pPr algn="ctr">
+              <a:lnSpc>
+                <a:spcPts val="6719"/>
+              </a:lnSpc>
+              <a:spcBef>
+                <a:spcPct val="0"/>
+              </a:spcBef>
+            </a:pPr>
+            <a:r>
+              <a:rPr lang="en-US" sz="4800">
+                <a:solidFill>
+                  <a:srgbClr val="F2D16A"/>
+                </a:solidFill>
+                <a:latin typeface="Space Mono"/>
+                <a:ea typeface="Space Mono"/>
+                <a:cs typeface="Space Mono"/>
+                <a:sym typeface="Space Mono"/>
+              </a:rPr>
+              <a:t>3</a:t>
+            </a:r>
+          </a:p>
+        </p:txBody>
+      </p:sp>
+      <p:sp>
+        <p:nvSpPr>
+          <p:cNvPr name="TextBox 18" id="18"/>
+          <p:cNvSpPr txBox="true"/>
+          <p:nvPr/>
+        </p:nvSpPr>
+        <p:spPr>
+          <a:xfrm rot="0">
+            <a:off x="9305830" y="2148008"/>
+            <a:ext cx="6631846" cy="972162"/>
+          </a:xfrm>
+          <a:prstGeom prst="rect">
+            <a:avLst/>
+          </a:prstGeom>
+        </p:spPr>
+        <p:txBody>
+          <a:bodyPr anchor="t" rtlCol="false" tIns="0" lIns="0" bIns="0" rIns="0">
+            <a:spAutoFit/>
+          </a:bodyPr>
+          <a:lstStyle/>
+          <a:p>
+            <a:pPr algn="l">
+              <a:lnSpc>
+                <a:spcPts val="3919"/>
+              </a:lnSpc>
+              <a:spcBef>
+                <a:spcPct val="0"/>
+              </a:spcBef>
+            </a:pPr>
+            <a:r>
+              <a:rPr lang="en-US" sz="2800">
+                <a:solidFill>
+                  <a:srgbClr val="000000"/>
+                </a:solidFill>
+                <a:latin typeface="Muli Regular"/>
+                <a:ea typeface="Muli Regular"/>
+                <a:cs typeface="Muli Regular"/>
+                <a:sym typeface="Muli Regular"/>
+              </a:rPr>
+              <a:t>Help and Improve the service for who make support calls more than 2 calls</a:t>
+            </a:r>
+          </a:p>
+        </p:txBody>
+      </p:sp>
+      <p:sp>
+        <p:nvSpPr>
+          <p:cNvPr name="TextBox 19" id="19"/>
+          <p:cNvSpPr txBox="true"/>
+          <p:nvPr/>
+        </p:nvSpPr>
+        <p:spPr>
+          <a:xfrm rot="0">
+            <a:off x="9305830" y="4167308"/>
+            <a:ext cx="6631846" cy="972162"/>
+          </a:xfrm>
+          <a:prstGeom prst="rect">
+            <a:avLst/>
+          </a:prstGeom>
+        </p:spPr>
+        <p:txBody>
+          <a:bodyPr anchor="t" rtlCol="false" tIns="0" lIns="0" bIns="0" rIns="0">
+            <a:spAutoFit/>
+          </a:bodyPr>
+          <a:lstStyle/>
+          <a:p>
+            <a:pPr algn="l">
+              <a:lnSpc>
+                <a:spcPts val="3919"/>
+              </a:lnSpc>
+              <a:spcBef>
+                <a:spcPct val="0"/>
+              </a:spcBef>
+            </a:pPr>
+            <a:r>
+              <a:rPr lang="en-US" sz="2799">
+                <a:solidFill>
+                  <a:srgbClr val="000000"/>
+                </a:solidFill>
+                <a:latin typeface="Muli Regular"/>
+                <a:ea typeface="Muli Regular"/>
+                <a:cs typeface="Muli Regular"/>
+                <a:sym typeface="Muli Regular"/>
+              </a:rPr>
+              <a:t>Pay attention and improve the monthly contract </a:t>
+            </a:r>
+          </a:p>
+        </p:txBody>
+      </p:sp>
+      <p:sp>
+        <p:nvSpPr>
+          <p:cNvPr name="TextBox 20" id="20"/>
+          <p:cNvSpPr txBox="true"/>
+          <p:nvPr/>
+        </p:nvSpPr>
+        <p:spPr>
+          <a:xfrm rot="0">
+            <a:off x="9305830" y="6167489"/>
+            <a:ext cx="6631846" cy="972162"/>
+          </a:xfrm>
+          <a:prstGeom prst="rect">
+            <a:avLst/>
+          </a:prstGeom>
+        </p:spPr>
+        <p:txBody>
+          <a:bodyPr anchor="t" rtlCol="false" tIns="0" lIns="0" bIns="0" rIns="0">
+            <a:spAutoFit/>
+          </a:bodyPr>
+          <a:lstStyle/>
+          <a:p>
+            <a:pPr algn="l">
+              <a:lnSpc>
+                <a:spcPts val="3919"/>
+              </a:lnSpc>
+              <a:spcBef>
+                <a:spcPct val="0"/>
+              </a:spcBef>
+            </a:pPr>
+            <a:r>
+              <a:rPr lang="en-US" sz="2799">
+                <a:solidFill>
+                  <a:srgbClr val="000000"/>
+                </a:solidFill>
+                <a:latin typeface="Muli Regular"/>
+                <a:ea typeface="Muli Regular"/>
+                <a:cs typeface="Muli Regular"/>
+                <a:sym typeface="Muli Regular"/>
+              </a:rPr>
+              <a:t>Improve the standard type of subscription</a:t>
+            </a:r>
+          </a:p>
+        </p:txBody>
+      </p:sp>
+    </p:spTree>
+  </p:cSld>
+  <p:clrMapOvr>
+    <a:masterClrMapping/>
+  </p:clrMapOvr>
+</p:sld>
+</file>
+
+<file path=ppt/slides/slide16.xml><?xml version="1.0" encoding="utf-8"?>
+<p:sld xmlns:p="http://schemas.openxmlformats.org/presentationml/2006/main" xmlns:a="http://schemas.openxmlformats.org/drawingml/2006/main" xmlns:r="http://schemas.openxmlformats.org/officeDocument/2006/relationships">
+  <p:cSld>
+    <p:spTree>
+      <p:nvGrpSpPr>
+        <p:cNvPr id="1" name=""/>
+        <p:cNvGrpSpPr/>
+        <p:nvPr/>
+      </p:nvGrpSpPr>
+      <p:grpSpPr>
+        <a:xfrm>
+          <a:off x="0" y="0"/>
+          <a:ext cx="0" cy="0"/>
+          <a:chOff x="0" y="0"/>
+          <a:chExt cx="0" cy="0"/>
+        </a:xfrm>
+      </p:grpSpPr>
+      <p:sp>
+        <p:nvSpPr>
+          <p:cNvPr name="Freeform 2" id="2"/>
+          <p:cNvSpPr/>
+          <p:nvPr/>
+        </p:nvSpPr>
+        <p:spPr>
+          <a:xfrm flipH="false" flipV="false" rot="0">
+            <a:off x="0" y="0"/>
+            <a:ext cx="18288000" cy="10287000"/>
+          </a:xfrm>
+          <a:custGeom>
+            <a:avLst/>
+            <a:gdLst/>
+            <a:ahLst/>
+            <a:cxnLst/>
+            <a:rect r="r" b="b" t="t" l="l"/>
+            <a:pathLst>
+              <a:path h="10287000" w="18288000">
+                <a:moveTo>
+                  <a:pt x="0" y="0"/>
+                </a:moveTo>
+                <a:lnTo>
+                  <a:pt x="18288000" y="0"/>
+                </a:lnTo>
+                <a:lnTo>
+                  <a:pt x="18288000" y="10287000"/>
+                </a:lnTo>
+                <a:lnTo>
+                  <a:pt x="0" y="10287000"/>
+                </a:lnTo>
+                <a:lnTo>
+                  <a:pt x="0" y="0"/>
+                </a:lnTo>
+                <a:close/>
+              </a:path>
+            </a:pathLst>
+          </a:custGeom>
+          <a:blipFill>
+            <a:blip r:embed="rId2"/>
+            <a:stretch>
+              <a:fillRect l="0" t="0" r="0" b="0"/>
+            </a:stretch>
+          </a:blipFill>
+        </p:spPr>
+      </p:sp>
+      <p:grpSp>
+        <p:nvGrpSpPr>
+          <p:cNvPr name="Group 3" id="3"/>
+          <p:cNvGrpSpPr/>
+          <p:nvPr/>
+        </p:nvGrpSpPr>
+        <p:grpSpPr>
+          <a:xfrm rot="0">
+            <a:off x="9724266" y="1360484"/>
+            <a:ext cx="7535034" cy="8055800"/>
+            <a:chOff x="0" y="0"/>
+            <a:chExt cx="4833405" cy="5167454"/>
+          </a:xfrm>
+        </p:grpSpPr>
+        <p:sp>
+          <p:nvSpPr>
+            <p:cNvPr name="Freeform 4" id="4"/>
+            <p:cNvSpPr/>
+            <p:nvPr/>
+          </p:nvSpPr>
+          <p:spPr>
+            <a:xfrm flipH="false" flipV="false" rot="0">
+              <a:off x="0" y="0"/>
+              <a:ext cx="4833405" cy="5167454"/>
+            </a:xfrm>
+            <a:custGeom>
+              <a:avLst/>
+              <a:gdLst/>
+              <a:ahLst/>
+              <a:cxnLst/>
+              <a:rect r="r" b="b" t="t" l="l"/>
+              <a:pathLst>
+                <a:path h="5167454" w="4833405">
+                  <a:moveTo>
+                    <a:pt x="4708945" y="5167454"/>
+                  </a:moveTo>
+                  <a:lnTo>
+                    <a:pt x="124460" y="5167454"/>
+                  </a:lnTo>
+                  <a:cubicBezTo>
+                    <a:pt x="55880" y="5167454"/>
+                    <a:pt x="0" y="5111574"/>
+                    <a:pt x="0" y="5042994"/>
+                  </a:cubicBezTo>
+                  <a:lnTo>
+                    <a:pt x="0" y="124460"/>
+                  </a:lnTo>
+                  <a:cubicBezTo>
+                    <a:pt x="0" y="55880"/>
+                    <a:pt x="55880" y="0"/>
+                    <a:pt x="124460" y="0"/>
+                  </a:cubicBezTo>
+                  <a:lnTo>
+                    <a:pt x="4708945" y="0"/>
+                  </a:lnTo>
+                  <a:cubicBezTo>
+                    <a:pt x="4777525" y="0"/>
+                    <a:pt x="4833405" y="55880"/>
+                    <a:pt x="4833405" y="124460"/>
+                  </a:cubicBezTo>
+                  <a:lnTo>
+                    <a:pt x="4833405" y="5042995"/>
+                  </a:lnTo>
+                  <a:cubicBezTo>
+                    <a:pt x="4833405" y="5111574"/>
+                    <a:pt x="4777525" y="5167454"/>
+                    <a:pt x="4708945" y="5167454"/>
+                  </a:cubicBezTo>
+                  <a:close/>
+                </a:path>
+              </a:pathLst>
+            </a:custGeom>
+            <a:solidFill>
+              <a:srgbClr val="75C7FB"/>
+            </a:solidFill>
+          </p:spPr>
+        </p:sp>
+      </p:grpSp>
+      <p:sp>
+        <p:nvSpPr>
+          <p:cNvPr name="Freeform 5" id="5"/>
+          <p:cNvSpPr/>
+          <p:nvPr/>
+        </p:nvSpPr>
+        <p:spPr>
+          <a:xfrm flipH="false" flipV="false" rot="-10800000">
+            <a:off x="16337856" y="8218747"/>
+            <a:ext cx="368190" cy="368190"/>
+          </a:xfrm>
+          <a:custGeom>
+            <a:avLst/>
+            <a:gdLst/>
+            <a:ahLst/>
+            <a:cxnLst/>
+            <a:rect r="r" b="b" t="t" l="l"/>
+            <a:pathLst>
+              <a:path h="368190" w="368190">
+                <a:moveTo>
+                  <a:pt x="0" y="0"/>
+                </a:moveTo>
+                <a:lnTo>
+                  <a:pt x="368190" y="0"/>
+                </a:lnTo>
+                <a:lnTo>
+                  <a:pt x="368190" y="368190"/>
+                </a:lnTo>
+                <a:lnTo>
+                  <a:pt x="0" y="368190"/>
+                </a:lnTo>
+                <a:lnTo>
+                  <a:pt x="0" y="0"/>
+                </a:lnTo>
+                <a:close/>
+              </a:path>
+            </a:pathLst>
+          </a:custGeom>
+          <a:blipFill>
+            <a:blip r:embed="rId3">
+              <a:extLst>
+                <a:ext uri="{96DAC541-7B7A-43D3-8B79-37D633B846F1}">
+                  <asvg:svgBlip xmlns:asvg="http://schemas.microsoft.com/office/drawing/2016/SVG/main" r:embed="rId4"/>
+                </a:ext>
+              </a:extLst>
+            </a:blip>
+            <a:stretch>
+              <a:fillRect l="0" t="0" r="0" b="0"/>
+            </a:stretch>
+          </a:blipFill>
+        </p:spPr>
+      </p:sp>
+      <p:grpSp>
+        <p:nvGrpSpPr>
+          <p:cNvPr name="Group 6" id="6"/>
+          <p:cNvGrpSpPr/>
+          <p:nvPr/>
+        </p:nvGrpSpPr>
+        <p:grpSpPr>
+          <a:xfrm rot="0">
+            <a:off x="8790828" y="6517146"/>
+            <a:ext cx="8468472" cy="2022539"/>
+            <a:chOff x="0" y="0"/>
+            <a:chExt cx="5432166" cy="1297373"/>
+          </a:xfrm>
+        </p:grpSpPr>
+        <p:sp>
+          <p:nvSpPr>
+            <p:cNvPr name="Freeform 7" id="7"/>
+            <p:cNvSpPr/>
+            <p:nvPr/>
+          </p:nvSpPr>
+          <p:spPr>
+            <a:xfrm flipH="false" flipV="false" rot="0">
+              <a:off x="0" y="0"/>
+              <a:ext cx="5432166" cy="1297373"/>
+            </a:xfrm>
+            <a:custGeom>
+              <a:avLst/>
+              <a:gdLst/>
+              <a:ahLst/>
+              <a:cxnLst/>
+              <a:rect r="r" b="b" t="t" l="l"/>
+              <a:pathLst>
+                <a:path h="1297373" w="5432166">
+                  <a:moveTo>
+                    <a:pt x="5307706" y="1297373"/>
+                  </a:moveTo>
+                  <a:lnTo>
+                    <a:pt x="124460" y="1297373"/>
+                  </a:lnTo>
+                  <a:cubicBezTo>
+                    <a:pt x="55880" y="1297373"/>
+                    <a:pt x="0" y="1241493"/>
+                    <a:pt x="0" y="1172913"/>
+                  </a:cubicBezTo>
+                  <a:lnTo>
+                    <a:pt x="0" y="124460"/>
+                  </a:lnTo>
+                  <a:cubicBezTo>
+                    <a:pt x="0" y="55880"/>
+                    <a:pt x="55880" y="0"/>
+                    <a:pt x="124460" y="0"/>
+                  </a:cubicBezTo>
+                  <a:lnTo>
+                    <a:pt x="5307706" y="0"/>
+                  </a:lnTo>
+                  <a:cubicBezTo>
+                    <a:pt x="5376286" y="0"/>
+                    <a:pt x="5432166" y="55880"/>
+                    <a:pt x="5432166" y="124460"/>
+                  </a:cubicBezTo>
+                  <a:lnTo>
+                    <a:pt x="5432166" y="1172913"/>
+                  </a:lnTo>
+                  <a:cubicBezTo>
+                    <a:pt x="5432166" y="1241493"/>
+                    <a:pt x="5376286" y="1297373"/>
+                    <a:pt x="5307706" y="1297373"/>
+                  </a:cubicBezTo>
+                  <a:close/>
+                </a:path>
+              </a:pathLst>
+            </a:custGeom>
+            <a:solidFill>
+              <a:srgbClr val="FFFFFF"/>
+            </a:solidFill>
+          </p:spPr>
+        </p:sp>
+      </p:grpSp>
+      <p:sp>
+        <p:nvSpPr>
+          <p:cNvPr name="Freeform 8" id="8"/>
+          <p:cNvSpPr/>
+          <p:nvPr/>
+        </p:nvSpPr>
+        <p:spPr>
+          <a:xfrm flipH="false" flipV="false" rot="0">
+            <a:off x="16093181" y="6739488"/>
+            <a:ext cx="1577856" cy="1577856"/>
+          </a:xfrm>
+          <a:custGeom>
+            <a:avLst/>
+            <a:gdLst/>
+            <a:ahLst/>
+            <a:cxnLst/>
+            <a:rect r="r" b="b" t="t" l="l"/>
+            <a:pathLst>
+              <a:path h="1577856" w="1577856">
+                <a:moveTo>
+                  <a:pt x="0" y="0"/>
+                </a:moveTo>
+                <a:lnTo>
+                  <a:pt x="1577855" y="0"/>
+                </a:lnTo>
+                <a:lnTo>
+                  <a:pt x="1577855" y="1577855"/>
+                </a:lnTo>
+                <a:lnTo>
+                  <a:pt x="0" y="1577855"/>
+                </a:lnTo>
+                <a:lnTo>
+                  <a:pt x="0" y="0"/>
+                </a:lnTo>
+                <a:close/>
+              </a:path>
+            </a:pathLst>
+          </a:custGeom>
+          <a:blipFill>
+            <a:blip r:embed="rId5">
+              <a:extLst>
+                <a:ext uri="{96DAC541-7B7A-43D3-8B79-37D633B846F1}">
+                  <asvg:svgBlip xmlns:asvg="http://schemas.microsoft.com/office/drawing/2016/SVG/main" r:embed="rId6"/>
+                </a:ext>
+              </a:extLst>
+            </a:blip>
+            <a:stretch>
+              <a:fillRect l="0" t="0" r="0" b="0"/>
+            </a:stretch>
+          </a:blipFill>
+        </p:spPr>
+      </p:sp>
+      <p:grpSp>
+        <p:nvGrpSpPr>
+          <p:cNvPr name="Group 9" id="9"/>
+          <p:cNvGrpSpPr/>
+          <p:nvPr/>
+        </p:nvGrpSpPr>
+        <p:grpSpPr>
+          <a:xfrm rot="0">
+            <a:off x="8813603" y="3890049"/>
+            <a:ext cx="8468472" cy="2179422"/>
+            <a:chOff x="0" y="0"/>
+            <a:chExt cx="5432166" cy="1398007"/>
+          </a:xfrm>
+        </p:grpSpPr>
+        <p:sp>
+          <p:nvSpPr>
+            <p:cNvPr name="Freeform 10" id="10"/>
+            <p:cNvSpPr/>
+            <p:nvPr/>
+          </p:nvSpPr>
+          <p:spPr>
+            <a:xfrm flipH="false" flipV="false" rot="0">
+              <a:off x="0" y="0"/>
+              <a:ext cx="5432166" cy="1398007"/>
+            </a:xfrm>
+            <a:custGeom>
+              <a:avLst/>
+              <a:gdLst/>
+              <a:ahLst/>
+              <a:cxnLst/>
+              <a:rect r="r" b="b" t="t" l="l"/>
+              <a:pathLst>
+                <a:path h="1398007" w="5432166">
+                  <a:moveTo>
+                    <a:pt x="5307706" y="1398007"/>
+                  </a:moveTo>
+                  <a:lnTo>
+                    <a:pt x="124460" y="1398007"/>
+                  </a:lnTo>
+                  <a:cubicBezTo>
+                    <a:pt x="55880" y="1398007"/>
+                    <a:pt x="0" y="1342127"/>
+                    <a:pt x="0" y="1273547"/>
+                  </a:cubicBezTo>
+                  <a:lnTo>
+                    <a:pt x="0" y="124460"/>
+                  </a:lnTo>
+                  <a:cubicBezTo>
+                    <a:pt x="0" y="55880"/>
+                    <a:pt x="55880" y="0"/>
+                    <a:pt x="124460" y="0"/>
+                  </a:cubicBezTo>
+                  <a:lnTo>
+                    <a:pt x="5307706" y="0"/>
+                  </a:lnTo>
+                  <a:cubicBezTo>
+                    <a:pt x="5376286" y="0"/>
+                    <a:pt x="5432166" y="55880"/>
+                    <a:pt x="5432166" y="124460"/>
+                  </a:cubicBezTo>
+                  <a:lnTo>
+                    <a:pt x="5432166" y="1273547"/>
+                  </a:lnTo>
+                  <a:cubicBezTo>
+                    <a:pt x="5432166" y="1342127"/>
+                    <a:pt x="5376286" y="1398007"/>
+                    <a:pt x="5307706" y="1398007"/>
+                  </a:cubicBezTo>
+                  <a:close/>
+                </a:path>
+              </a:pathLst>
+            </a:custGeom>
+            <a:solidFill>
+              <a:srgbClr val="FFFFFF"/>
+            </a:solidFill>
+          </p:spPr>
+        </p:sp>
+      </p:grpSp>
+      <p:sp>
+        <p:nvSpPr>
+          <p:cNvPr name="Freeform 11" id="11"/>
+          <p:cNvSpPr/>
+          <p:nvPr/>
+        </p:nvSpPr>
+        <p:spPr>
+          <a:xfrm flipH="false" flipV="false" rot="0">
+            <a:off x="16161793" y="4097308"/>
+            <a:ext cx="1577856" cy="1577856"/>
+          </a:xfrm>
+          <a:custGeom>
+            <a:avLst/>
+            <a:gdLst/>
+            <a:ahLst/>
+            <a:cxnLst/>
+            <a:rect r="r" b="b" t="t" l="l"/>
+            <a:pathLst>
+              <a:path h="1577856" w="1577856">
+                <a:moveTo>
+                  <a:pt x="0" y="0"/>
+                </a:moveTo>
+                <a:lnTo>
+                  <a:pt x="1577856" y="0"/>
+                </a:lnTo>
+                <a:lnTo>
+                  <a:pt x="1577856" y="1577855"/>
+                </a:lnTo>
+                <a:lnTo>
+                  <a:pt x="0" y="1577855"/>
+                </a:lnTo>
+                <a:lnTo>
+                  <a:pt x="0" y="0"/>
+                </a:lnTo>
+                <a:close/>
+              </a:path>
+            </a:pathLst>
+          </a:custGeom>
+          <a:blipFill>
+            <a:blip r:embed="rId5">
+              <a:extLst>
+                <a:ext uri="{96DAC541-7B7A-43D3-8B79-37D633B846F1}">
+                  <asvg:svgBlip xmlns:asvg="http://schemas.microsoft.com/office/drawing/2016/SVG/main" r:embed="rId6"/>
+                </a:ext>
+              </a:extLst>
+            </a:blip>
+            <a:stretch>
+              <a:fillRect l="0" t="0" r="0" b="0"/>
+            </a:stretch>
+          </a:blipFill>
+        </p:spPr>
+      </p:sp>
+      <p:grpSp>
+        <p:nvGrpSpPr>
+          <p:cNvPr name="Group 12" id="12"/>
+          <p:cNvGrpSpPr/>
+          <p:nvPr/>
+        </p:nvGrpSpPr>
+        <p:grpSpPr>
+          <a:xfrm rot="0">
+            <a:off x="8813603" y="1870749"/>
+            <a:ext cx="8468472" cy="1574304"/>
+            <a:chOff x="0" y="0"/>
+            <a:chExt cx="5432166" cy="1009849"/>
+          </a:xfrm>
+        </p:grpSpPr>
+        <p:sp>
+          <p:nvSpPr>
+            <p:cNvPr name="Freeform 13" id="13"/>
+            <p:cNvSpPr/>
+            <p:nvPr/>
+          </p:nvSpPr>
+          <p:spPr>
+            <a:xfrm flipH="false" flipV="false" rot="0">
+              <a:off x="0" y="0"/>
+              <a:ext cx="5432166" cy="1009850"/>
+            </a:xfrm>
+            <a:custGeom>
+              <a:avLst/>
+              <a:gdLst/>
+              <a:ahLst/>
+              <a:cxnLst/>
+              <a:rect r="r" b="b" t="t" l="l"/>
+              <a:pathLst>
+                <a:path h="1009850" w="5432166">
+                  <a:moveTo>
+                    <a:pt x="5307706" y="1009849"/>
+                  </a:moveTo>
+                  <a:lnTo>
+                    <a:pt x="124460" y="1009849"/>
+                  </a:lnTo>
+                  <a:cubicBezTo>
+                    <a:pt x="55880" y="1009849"/>
+                    <a:pt x="0" y="953969"/>
+                    <a:pt x="0" y="885389"/>
+                  </a:cubicBezTo>
+                  <a:lnTo>
+                    <a:pt x="0" y="124460"/>
+                  </a:lnTo>
+                  <a:cubicBezTo>
+                    <a:pt x="0" y="55880"/>
+                    <a:pt x="55880" y="0"/>
+                    <a:pt x="124460" y="0"/>
+                  </a:cubicBezTo>
+                  <a:lnTo>
+                    <a:pt x="5307706" y="0"/>
+                  </a:lnTo>
+                  <a:cubicBezTo>
+                    <a:pt x="5376286" y="0"/>
+                    <a:pt x="5432166" y="55880"/>
+                    <a:pt x="5432166" y="124460"/>
+                  </a:cubicBezTo>
+                  <a:lnTo>
+                    <a:pt x="5432166" y="885389"/>
+                  </a:lnTo>
+                  <a:cubicBezTo>
+                    <a:pt x="5432166" y="953969"/>
+                    <a:pt x="5376286" y="1009850"/>
+                    <a:pt x="5307706" y="1009850"/>
+                  </a:cubicBezTo>
+                  <a:close/>
+                </a:path>
+              </a:pathLst>
+            </a:custGeom>
+            <a:solidFill>
+              <a:srgbClr val="FFFFFF"/>
+            </a:solidFill>
+          </p:spPr>
+        </p:sp>
+      </p:grpSp>
+      <p:sp>
+        <p:nvSpPr>
+          <p:cNvPr name="Freeform 14" id="14"/>
+          <p:cNvSpPr/>
+          <p:nvPr/>
+        </p:nvSpPr>
+        <p:spPr>
+          <a:xfrm flipH="false" flipV="false" rot="0">
+            <a:off x="16161793" y="1868974"/>
+            <a:ext cx="1577856" cy="1577856"/>
+          </a:xfrm>
+          <a:custGeom>
+            <a:avLst/>
+            <a:gdLst/>
+            <a:ahLst/>
+            <a:cxnLst/>
+            <a:rect r="r" b="b" t="t" l="l"/>
+            <a:pathLst>
+              <a:path h="1577856" w="1577856">
+                <a:moveTo>
+                  <a:pt x="0" y="0"/>
+                </a:moveTo>
+                <a:lnTo>
+                  <a:pt x="1577856" y="0"/>
+                </a:lnTo>
+                <a:lnTo>
+                  <a:pt x="1577856" y="1577855"/>
+                </a:lnTo>
+                <a:lnTo>
+                  <a:pt x="0" y="1577855"/>
+                </a:lnTo>
+                <a:lnTo>
+                  <a:pt x="0" y="0"/>
+                </a:lnTo>
+                <a:close/>
+              </a:path>
+            </a:pathLst>
+          </a:custGeom>
+          <a:blipFill>
+            <a:blip r:embed="rId5">
+              <a:extLst>
+                <a:ext uri="{96DAC541-7B7A-43D3-8B79-37D633B846F1}">
+                  <asvg:svgBlip xmlns:asvg="http://schemas.microsoft.com/office/drawing/2016/SVG/main" r:embed="rId6"/>
+                </a:ext>
+              </a:extLst>
+            </a:blip>
+            <a:stretch>
+              <a:fillRect l="0" t="0" r="0" b="0"/>
+            </a:stretch>
+          </a:blipFill>
+        </p:spPr>
+      </p:sp>
+      <p:sp>
+        <p:nvSpPr>
+          <p:cNvPr name="TextBox 15" id="15"/>
+          <p:cNvSpPr txBox="true"/>
+          <p:nvPr/>
+        </p:nvSpPr>
+        <p:spPr>
+          <a:xfrm rot="0">
+            <a:off x="16629711" y="2200086"/>
+            <a:ext cx="642020" cy="820382"/>
+          </a:xfrm>
+          <a:prstGeom prst="rect">
+            <a:avLst/>
+          </a:prstGeom>
+        </p:spPr>
+        <p:txBody>
+          <a:bodyPr anchor="t" rtlCol="false" tIns="0" lIns="0" bIns="0" rIns="0">
+            <a:spAutoFit/>
+          </a:bodyPr>
+          <a:lstStyle/>
+          <a:p>
+            <a:pPr algn="ctr">
+              <a:lnSpc>
+                <a:spcPts val="6719"/>
+              </a:lnSpc>
+              <a:spcBef>
+                <a:spcPct val="0"/>
+              </a:spcBef>
+            </a:pPr>
+            <a:r>
+              <a:rPr lang="en-US" sz="4800">
+                <a:solidFill>
+                  <a:srgbClr val="F2D16A"/>
+                </a:solidFill>
+                <a:latin typeface="Space Mono"/>
+                <a:ea typeface="Space Mono"/>
+                <a:cs typeface="Space Mono"/>
+                <a:sym typeface="Space Mono"/>
+              </a:rPr>
+              <a:t>4</a:t>
+            </a:r>
+          </a:p>
+        </p:txBody>
+      </p:sp>
+      <p:sp>
+        <p:nvSpPr>
+          <p:cNvPr name="TextBox 16" id="16"/>
+          <p:cNvSpPr txBox="true"/>
+          <p:nvPr/>
+        </p:nvSpPr>
+        <p:spPr>
+          <a:xfrm rot="0">
+            <a:off x="16617280" y="4428420"/>
+            <a:ext cx="642020" cy="820382"/>
+          </a:xfrm>
+          <a:prstGeom prst="rect">
+            <a:avLst/>
+          </a:prstGeom>
+        </p:spPr>
+        <p:txBody>
+          <a:bodyPr anchor="t" rtlCol="false" tIns="0" lIns="0" bIns="0" rIns="0">
+            <a:spAutoFit/>
+          </a:bodyPr>
+          <a:lstStyle/>
+          <a:p>
+            <a:pPr algn="ctr">
+              <a:lnSpc>
+                <a:spcPts val="6719"/>
+              </a:lnSpc>
+              <a:spcBef>
+                <a:spcPct val="0"/>
+              </a:spcBef>
+            </a:pPr>
+            <a:r>
+              <a:rPr lang="en-US" sz="4800">
+                <a:solidFill>
+                  <a:srgbClr val="F2D16A"/>
+                </a:solidFill>
+                <a:latin typeface="Space Mono"/>
+                <a:ea typeface="Space Mono"/>
+                <a:cs typeface="Space Mono"/>
+                <a:sym typeface="Space Mono"/>
+              </a:rPr>
+              <a:t>5</a:t>
+            </a:r>
+          </a:p>
+        </p:txBody>
+      </p:sp>
+      <p:sp>
+        <p:nvSpPr>
+          <p:cNvPr name="TextBox 17" id="17"/>
+          <p:cNvSpPr txBox="true"/>
+          <p:nvPr/>
+        </p:nvSpPr>
+        <p:spPr>
+          <a:xfrm rot="0">
+            <a:off x="16617280" y="7050546"/>
+            <a:ext cx="642020" cy="820382"/>
+          </a:xfrm>
+          <a:prstGeom prst="rect">
+            <a:avLst/>
+          </a:prstGeom>
+        </p:spPr>
+        <p:txBody>
+          <a:bodyPr anchor="t" rtlCol="false" tIns="0" lIns="0" bIns="0" rIns="0">
+            <a:spAutoFit/>
+          </a:bodyPr>
+          <a:lstStyle/>
+          <a:p>
+            <a:pPr algn="ctr">
+              <a:lnSpc>
+                <a:spcPts val="6719"/>
+              </a:lnSpc>
+              <a:spcBef>
+                <a:spcPct val="0"/>
+              </a:spcBef>
+            </a:pPr>
+            <a:r>
+              <a:rPr lang="en-US" sz="4800">
+                <a:solidFill>
+                  <a:srgbClr val="F2D16A"/>
+                </a:solidFill>
+                <a:latin typeface="Space Mono"/>
+                <a:ea typeface="Space Mono"/>
+                <a:cs typeface="Space Mono"/>
+                <a:sym typeface="Space Mono"/>
+              </a:rPr>
+              <a:t>6</a:t>
+            </a:r>
+          </a:p>
+        </p:txBody>
+      </p:sp>
+      <p:sp>
+        <p:nvSpPr>
+          <p:cNvPr name="TextBox 18" id="18"/>
+          <p:cNvSpPr txBox="true"/>
+          <p:nvPr/>
+        </p:nvSpPr>
+        <p:spPr>
+          <a:xfrm rot="0">
+            <a:off x="9323294" y="2148008"/>
+            <a:ext cx="6594737" cy="972162"/>
+          </a:xfrm>
+          <a:prstGeom prst="rect">
+            <a:avLst/>
+          </a:prstGeom>
+        </p:spPr>
+        <p:txBody>
+          <a:bodyPr anchor="t" rtlCol="false" tIns="0" lIns="0" bIns="0" rIns="0">
+            <a:spAutoFit/>
+          </a:bodyPr>
+          <a:lstStyle/>
+          <a:p>
+            <a:pPr algn="l">
+              <a:lnSpc>
+                <a:spcPts val="3919"/>
+              </a:lnSpc>
+              <a:spcBef>
+                <a:spcPct val="0"/>
+              </a:spcBef>
+            </a:pPr>
+            <a:r>
+              <a:rPr lang="en-US" sz="2800">
+                <a:solidFill>
+                  <a:srgbClr val="000000"/>
+                </a:solidFill>
+                <a:latin typeface="Muli Regular"/>
+                <a:ea typeface="Muli Regular"/>
+                <a:cs typeface="Muli Regular"/>
+                <a:sym typeface="Muli Regular"/>
+              </a:rPr>
+              <a:t>Pay More Attension by offering special packages for Young People (18-29)</a:t>
+            </a:r>
+          </a:p>
+        </p:txBody>
+      </p:sp>
+      <p:sp>
+        <p:nvSpPr>
+          <p:cNvPr name="TextBox 19" id="19"/>
+          <p:cNvSpPr txBox="true"/>
+          <p:nvPr/>
+        </p:nvSpPr>
+        <p:spPr>
+          <a:xfrm rot="0">
+            <a:off x="9323294" y="4211389"/>
+            <a:ext cx="6594737" cy="1469991"/>
+          </a:xfrm>
+          <a:prstGeom prst="rect">
+            <a:avLst/>
+          </a:prstGeom>
+        </p:spPr>
+        <p:txBody>
+          <a:bodyPr anchor="t" rtlCol="false" tIns="0" lIns="0" bIns="0" rIns="0">
+            <a:spAutoFit/>
+          </a:bodyPr>
+          <a:lstStyle/>
+          <a:p>
+            <a:pPr algn="l">
+              <a:lnSpc>
+                <a:spcPts val="3919"/>
+              </a:lnSpc>
+              <a:spcBef>
+                <a:spcPct val="0"/>
+              </a:spcBef>
+            </a:pPr>
+            <a:r>
+              <a:rPr lang="en-US" sz="2799">
+                <a:solidFill>
+                  <a:srgbClr val="000000"/>
+                </a:solidFill>
+                <a:latin typeface="Muli Regular"/>
+                <a:ea typeface="Muli Regular"/>
+                <a:cs typeface="Muli Regular"/>
+                <a:sym typeface="Muli Regular"/>
+              </a:rPr>
+              <a:t>Make Vouchers and Offers for Female churners to decrease the female churn rate and total spending of them</a:t>
+            </a:r>
+          </a:p>
+        </p:txBody>
+      </p:sp>
+      <p:sp>
+        <p:nvSpPr>
+          <p:cNvPr name="TextBox 20" id="20"/>
+          <p:cNvSpPr txBox="true"/>
+          <p:nvPr/>
+        </p:nvSpPr>
+        <p:spPr>
+          <a:xfrm rot="0">
+            <a:off x="9323294" y="6793371"/>
+            <a:ext cx="6594737" cy="1469991"/>
+          </a:xfrm>
+          <a:prstGeom prst="rect">
+            <a:avLst/>
+          </a:prstGeom>
+        </p:spPr>
+        <p:txBody>
+          <a:bodyPr anchor="t" rtlCol="false" tIns="0" lIns="0" bIns="0" rIns="0">
+            <a:spAutoFit/>
+          </a:bodyPr>
+          <a:lstStyle/>
+          <a:p>
+            <a:pPr algn="l">
+              <a:lnSpc>
+                <a:spcPts val="3919"/>
+              </a:lnSpc>
+              <a:spcBef>
+                <a:spcPct val="0"/>
+              </a:spcBef>
+            </a:pPr>
+            <a:r>
+              <a:rPr lang="en-US" sz="2799">
+                <a:solidFill>
+                  <a:srgbClr val="000000"/>
+                </a:solidFill>
+                <a:latin typeface="Muli Regular"/>
+                <a:ea typeface="Muli Regular"/>
+                <a:cs typeface="Muli Regular"/>
+                <a:sym typeface="Muli Regular"/>
+              </a:rPr>
+              <a:t>Make Vouchers and Offers for Female Churner To decrease the female churn rate and total spend of them</a:t>
+            </a:r>
+          </a:p>
+        </p:txBody>
+      </p:sp>
+      <p:sp>
+        <p:nvSpPr>
+          <p:cNvPr name="TextBox 21" id="21"/>
+          <p:cNvSpPr txBox="true"/>
+          <p:nvPr/>
+        </p:nvSpPr>
+        <p:spPr>
+          <a:xfrm rot="0">
+            <a:off x="704850" y="2277188"/>
+            <a:ext cx="6784778" cy="4037629"/>
+          </a:xfrm>
+          <a:prstGeom prst="rect">
+            <a:avLst/>
+          </a:prstGeom>
+        </p:spPr>
+        <p:txBody>
+          <a:bodyPr anchor="t" rtlCol="false" tIns="0" lIns="0" bIns="0" rIns="0">
+            <a:spAutoFit/>
+          </a:bodyPr>
+          <a:lstStyle/>
+          <a:p>
+            <a:pPr algn="l">
+              <a:lnSpc>
+                <a:spcPts val="7920"/>
+              </a:lnSpc>
+            </a:pPr>
+            <a:r>
+              <a:rPr lang="en-US" sz="7200" spc="-72">
+                <a:solidFill>
+                  <a:srgbClr val="0048CD"/>
+                </a:solidFill>
+                <a:latin typeface="Muli Bold"/>
+                <a:ea typeface="Muli Bold"/>
+                <a:cs typeface="Muli Bold"/>
+                <a:sym typeface="Muli Bold"/>
+              </a:rPr>
+              <a:t>What We Can Do To Prevent Customers to Churn out</a:t>
+            </a:r>
+          </a:p>
+        </p:txBody>
+      </p:sp>
+    </p:spTree>
+  </p:cSld>
+  <p:clrMapOvr>
+    <a:masterClrMapping/>
+  </p:clrMapOvr>
+</p:sld>
+</file>
+
+<file path=ppt/slides/slide17.xml><?xml version="1.0" encoding="utf-8"?>
+<p:sld xmlns:p="http://schemas.openxmlformats.org/presentationml/2006/main" xmlns:a="http://schemas.openxmlformats.org/drawingml/2006/main">
+  <p:cSld>
+    <p:bg>
+      <p:bgPr>
+        <a:solidFill>
+          <a:srgbClr val="0048CD"/>
+        </a:solidFill>
+      </p:bgPr>
+    </p:bg>
+    <p:spTree>
+      <p:nvGrpSpPr>
+        <p:cNvPr id="1" name=""/>
+        <p:cNvGrpSpPr/>
+        <p:nvPr/>
+      </p:nvGrpSpPr>
+      <p:grpSpPr>
+        <a:xfrm>
+          <a:off x="0" y="0"/>
+          <a:ext cx="0" cy="0"/>
+          <a:chOff x="0" y="0"/>
+          <a:chExt cx="0" cy="0"/>
+        </a:xfrm>
+      </p:grpSpPr>
+      <p:sp>
+        <p:nvSpPr>
+          <p:cNvPr name="TextBox 2" id="2"/>
+          <p:cNvSpPr txBox="true"/>
+          <p:nvPr/>
+        </p:nvSpPr>
+        <p:spPr>
+          <a:xfrm rot="0">
+            <a:off x="1715405" y="4099452"/>
+            <a:ext cx="14857190" cy="1368118"/>
+          </a:xfrm>
+          <a:prstGeom prst="rect">
+            <a:avLst/>
+          </a:prstGeom>
+        </p:spPr>
+        <p:txBody>
+          <a:bodyPr anchor="t" rtlCol="false" tIns="0" lIns="0" bIns="0" rIns="0">
+            <a:spAutoFit/>
+          </a:bodyPr>
+          <a:lstStyle/>
+          <a:p>
+            <a:pPr algn="ctr">
+              <a:lnSpc>
+                <a:spcPts val="11216"/>
+              </a:lnSpc>
+              <a:spcBef>
+                <a:spcPct val="0"/>
+              </a:spcBef>
+            </a:pPr>
+            <a:r>
+              <a:rPr lang="en-US" sz="8012">
+                <a:solidFill>
+                  <a:srgbClr val="FFFFFF"/>
+                </a:solidFill>
+                <a:latin typeface="Muli Regular Bold"/>
+                <a:ea typeface="Muli Regular Bold"/>
+                <a:cs typeface="Muli Regular Bold"/>
+                <a:sym typeface="Muli Regular Bold"/>
+              </a:rPr>
+              <a:t>Thanks</a:t>
+            </a:r>
+          </a:p>
+        </p:txBody>
       </p:sp>
     </p:spTree>
   </p:cSld>
@@ -3574,61 +7629,9 @@
           </a:blipFill>
         </p:spPr>
       </p:sp>
-      <p:sp>
-        <p:nvSpPr>
-          <p:cNvPr name="Freeform 3" id="3"/>
-          <p:cNvSpPr/>
-          <p:nvPr/>
-        </p:nvSpPr>
-        <p:spPr>
-          <a:xfrm flipH="false" flipV="false" rot="0">
-            <a:off x="-312537" y="-331686"/>
-            <a:ext cx="2151110" cy="2000532"/>
-          </a:xfrm>
-          <a:custGeom>
-            <a:avLst/>
-            <a:gdLst/>
-            <a:ahLst/>
-            <a:cxnLst/>
-            <a:rect r="r" b="b" t="t" l="l"/>
-            <a:pathLst>
-              <a:path h="2000532" w="2151110">
-                <a:moveTo>
-                  <a:pt x="0" y="0"/>
-                </a:moveTo>
-                <a:lnTo>
-                  <a:pt x="2151111" y="0"/>
-                </a:lnTo>
-                <a:lnTo>
-                  <a:pt x="2151111" y="2000533"/>
-                </a:lnTo>
-                <a:lnTo>
-                  <a:pt x="0" y="2000533"/>
-                </a:lnTo>
-                <a:lnTo>
-                  <a:pt x="0" y="0"/>
-                </a:lnTo>
-                <a:close/>
-              </a:path>
-            </a:pathLst>
-          </a:custGeom>
-          <a:blipFill>
-            <a:blip r:embed="rId3">
-              <a:extLst>
-                <a:ext uri="{96DAC541-7B7A-43D3-8B79-37D633B846F1}">
-                  <asvg:svgBlip xmlns:asvg="http://schemas.microsoft.com/office/drawing/2016/SVG/main" r:embed="rId4"/>
-                </a:ext>
-              </a:extLst>
-            </a:blip>
-            <a:stretch>
-              <a:fillRect l="0" t="0" r="0" b="0"/>
-            </a:stretch>
-          </a:blipFill>
-        </p:spPr>
-      </p:sp>
       <p:grpSp>
         <p:nvGrpSpPr>
-          <p:cNvPr name="Group 4" id="4"/>
+          <p:cNvPr name="Group 3" id="3"/>
           <p:cNvGrpSpPr/>
           <p:nvPr/>
         </p:nvGrpSpPr>
@@ -3642,7 +7645,7 @@
         </p:grpSpPr>
         <p:sp>
           <p:nvSpPr>
-            <p:cNvPr name="Freeform 5" id="5"/>
+            <p:cNvPr name="Freeform 4" id="4"/>
             <p:cNvSpPr/>
             <p:nvPr/>
           </p:nvSpPr>
@@ -3706,7 +7709,7 @@
       </p:grpSp>
       <p:grpSp>
         <p:nvGrpSpPr>
-          <p:cNvPr name="Group 6" id="6"/>
+          <p:cNvPr name="Group 5" id="5"/>
           <p:cNvGrpSpPr/>
           <p:nvPr/>
         </p:nvGrpSpPr>
@@ -3720,7 +7723,7 @@
         </p:grpSpPr>
         <p:sp>
           <p:nvSpPr>
-            <p:cNvPr name="Freeform 7" id="7"/>
+            <p:cNvPr name="Freeform 6" id="6"/>
             <p:cNvSpPr/>
             <p:nvPr/>
           </p:nvSpPr>
@@ -3784,7 +7787,7 @@
       </p:grpSp>
       <p:sp>
         <p:nvSpPr>
-          <p:cNvPr name="TextBox 8" id="8"/>
+          <p:cNvPr name="TextBox 7" id="7"/>
           <p:cNvSpPr txBox="true"/>
           <p:nvPr/>
         </p:nvSpPr>
@@ -3828,7 +7831,7 @@
       </p:sp>
       <p:grpSp>
         <p:nvGrpSpPr>
-          <p:cNvPr name="Group 9" id="9"/>
+          <p:cNvPr name="Group 8" id="8"/>
           <p:cNvGrpSpPr/>
           <p:nvPr/>
         </p:nvGrpSpPr>
@@ -3842,7 +7845,7 @@
         </p:grpSpPr>
         <p:sp>
           <p:nvSpPr>
-            <p:cNvPr name="TextBox 10" id="10"/>
+            <p:cNvPr name="TextBox 9" id="9"/>
             <p:cNvSpPr txBox="true"/>
             <p:nvPr/>
           </p:nvSpPr>
@@ -3874,7 +7877,7 @@
         </p:sp>
         <p:sp>
           <p:nvSpPr>
-            <p:cNvPr name="TextBox 11" id="11"/>
+            <p:cNvPr name="TextBox 10" id="10"/>
             <p:cNvSpPr txBox="true"/>
             <p:nvPr/>
           </p:nvSpPr>
@@ -3919,7 +7922,7 @@
       </p:grpSp>
       <p:grpSp>
         <p:nvGrpSpPr>
-          <p:cNvPr name="Group 12" id="12"/>
+          <p:cNvPr name="Group 11" id="11"/>
           <p:cNvGrpSpPr/>
           <p:nvPr/>
         </p:nvGrpSpPr>
@@ -3933,7 +7936,7 @@
         </p:grpSpPr>
         <p:sp>
           <p:nvSpPr>
-            <p:cNvPr name="Freeform 13" id="13"/>
+            <p:cNvPr name="Freeform 12" id="12"/>
             <p:cNvSpPr/>
             <p:nvPr/>
           </p:nvSpPr>
@@ -3997,7 +8000,7 @@
       </p:grpSp>
       <p:grpSp>
         <p:nvGrpSpPr>
-          <p:cNvPr name="Group 14" id="14"/>
+          <p:cNvPr name="Group 13" id="13"/>
           <p:cNvGrpSpPr/>
           <p:nvPr/>
         </p:nvGrpSpPr>
@@ -4011,7 +8014,7 @@
         </p:grpSpPr>
         <p:sp>
           <p:nvSpPr>
-            <p:cNvPr name="Freeform 15" id="15"/>
+            <p:cNvPr name="Freeform 14" id="14"/>
             <p:cNvSpPr/>
             <p:nvPr/>
           </p:nvSpPr>
@@ -4075,7 +8078,7 @@
       </p:grpSp>
       <p:sp>
         <p:nvSpPr>
-          <p:cNvPr name="TextBox 16" id="16"/>
+          <p:cNvPr name="TextBox 15" id="15"/>
           <p:cNvSpPr txBox="true"/>
           <p:nvPr/>
         </p:nvSpPr>
@@ -4119,7 +8122,7 @@
       </p:sp>
       <p:sp>
         <p:nvSpPr>
-          <p:cNvPr name="TextBox 17" id="17"/>
+          <p:cNvPr name="TextBox 16" id="16"/>
           <p:cNvSpPr txBox="true"/>
           <p:nvPr/>
         </p:nvSpPr>
@@ -4149,7 +8152,7 @@
             <a:r>
               <a:rPr lang="en-US" sz="8079">
                 <a:solidFill>
-                  <a:srgbClr val="FFFFFF"/>
+                  <a:srgbClr val="B93030"/>
                 </a:solidFill>
                 <a:latin typeface="Berthold Block"/>
                 <a:ea typeface="Berthold Block"/>
@@ -4161,7 +8164,7 @@
             <a:r>
               <a:rPr lang="en-US" sz="8079" strike="noStrike" u="none">
                 <a:solidFill>
-                  <a:srgbClr val="FFFFFF"/>
+                  <a:srgbClr val="B93030"/>
                 </a:solidFill>
                 <a:latin typeface="Berthold Block"/>
                 <a:ea typeface="Berthold Block"/>
@@ -4175,7 +8178,7 @@
       </p:sp>
       <p:grpSp>
         <p:nvGrpSpPr>
-          <p:cNvPr name="Group 18" id="18"/>
+          <p:cNvPr name="Group 17" id="17"/>
           <p:cNvGrpSpPr/>
           <p:nvPr/>
         </p:nvGrpSpPr>
@@ -4189,7 +8192,7 @@
         </p:grpSpPr>
         <p:sp>
           <p:nvSpPr>
-            <p:cNvPr name="Freeform 19" id="19"/>
+            <p:cNvPr name="Freeform 18" id="18"/>
             <p:cNvSpPr/>
             <p:nvPr/>
           </p:nvSpPr>
@@ -4253,7 +8256,7 @@
       </p:grpSp>
       <p:grpSp>
         <p:nvGrpSpPr>
-          <p:cNvPr name="Group 20" id="20"/>
+          <p:cNvPr name="Group 19" id="19"/>
           <p:cNvGrpSpPr/>
           <p:nvPr/>
         </p:nvGrpSpPr>
@@ -4267,7 +8270,7 @@
         </p:grpSpPr>
         <p:sp>
           <p:nvSpPr>
-            <p:cNvPr name="Freeform 21" id="21"/>
+            <p:cNvPr name="Freeform 20" id="20"/>
             <p:cNvSpPr/>
             <p:nvPr/>
           </p:nvSpPr>
@@ -4331,7 +8334,7 @@
       </p:grpSp>
       <p:grpSp>
         <p:nvGrpSpPr>
-          <p:cNvPr name="Group 22" id="22"/>
+          <p:cNvPr name="Group 21" id="21"/>
           <p:cNvGrpSpPr/>
           <p:nvPr/>
         </p:nvGrpSpPr>
@@ -4345,7 +8348,7 @@
         </p:grpSpPr>
         <p:sp>
           <p:nvSpPr>
-            <p:cNvPr name="TextBox 23" id="23"/>
+            <p:cNvPr name="TextBox 22" id="22"/>
             <p:cNvSpPr txBox="true"/>
             <p:nvPr/>
           </p:nvSpPr>
@@ -4377,7 +8380,7 @@
         </p:sp>
         <p:sp>
           <p:nvSpPr>
-            <p:cNvPr name="TextBox 24" id="24"/>
+            <p:cNvPr name="TextBox 23" id="23"/>
             <p:cNvSpPr txBox="true"/>
             <p:nvPr/>
           </p:nvSpPr>
@@ -4407,7 +8410,7 @@
               <a:r>
                 <a:rPr lang="en-US" sz="7378">
                   <a:solidFill>
-                    <a:srgbClr val="FFFFFF"/>
+                    <a:srgbClr val="07B413"/>
                   </a:solidFill>
                   <a:latin typeface="Berthold Block"/>
                   <a:ea typeface="Berthold Block"/>
@@ -4422,7 +8425,7 @@
       </p:grpSp>
       <p:sp>
         <p:nvSpPr>
-          <p:cNvPr name="TextBox 25" id="25"/>
+          <p:cNvPr name="TextBox 24" id="24"/>
           <p:cNvSpPr txBox="true"/>
           <p:nvPr/>
         </p:nvSpPr>
@@ -4463,58 +8466,6 @@
             </a:r>
           </a:p>
         </p:txBody>
-      </p:sp>
-      <p:sp>
-        <p:nvSpPr>
-          <p:cNvPr name="Freeform 26" id="26"/>
-          <p:cNvSpPr/>
-          <p:nvPr/>
-        </p:nvSpPr>
-        <p:spPr>
-          <a:xfrm flipH="false" flipV="false" rot="0">
-            <a:off x="16396710" y="-331686"/>
-            <a:ext cx="2151110" cy="2000532"/>
-          </a:xfrm>
-          <a:custGeom>
-            <a:avLst/>
-            <a:gdLst/>
-            <a:ahLst/>
-            <a:cxnLst/>
-            <a:rect r="r" b="b" t="t" l="l"/>
-            <a:pathLst>
-              <a:path h="2000532" w="2151110">
-                <a:moveTo>
-                  <a:pt x="0" y="0"/>
-                </a:moveTo>
-                <a:lnTo>
-                  <a:pt x="2151110" y="0"/>
-                </a:lnTo>
-                <a:lnTo>
-                  <a:pt x="2151110" y="2000533"/>
-                </a:lnTo>
-                <a:lnTo>
-                  <a:pt x="0" y="2000533"/>
-                </a:lnTo>
-                <a:lnTo>
-                  <a:pt x="0" y="0"/>
-                </a:lnTo>
-                <a:close/>
-              </a:path>
-            </a:pathLst>
-          </a:custGeom>
-          <a:blipFill>
-            <a:blip r:embed="rId3">
-              <a:extLst>
-                <a:ext uri="{96DAC541-7B7A-43D3-8B79-37D633B846F1}">
-                  <asvg:svgBlip xmlns:asvg="http://schemas.microsoft.com/office/drawing/2016/SVG/main" r:embed="rId4"/>
-                </a:ext>
-              </a:extLst>
-            </a:blip>
-            <a:stretch>
-              <a:fillRect l="0" t="0" r="0" b="0"/>
-            </a:stretch>
-          </a:blipFill>
-        </p:spPr>
       </p:sp>
     </p:spTree>
   </p:cSld>
@@ -4839,61 +8790,9 @@
           </a:p>
         </p:txBody>
       </p:sp>
-      <p:sp>
-        <p:nvSpPr>
-          <p:cNvPr name="Freeform 9" id="9"/>
-          <p:cNvSpPr/>
-          <p:nvPr/>
-        </p:nvSpPr>
-        <p:spPr>
-          <a:xfrm flipH="false" flipV="false" rot="0">
-            <a:off x="16334458" y="781504"/>
-            <a:ext cx="2151110" cy="2000532"/>
-          </a:xfrm>
-          <a:custGeom>
-            <a:avLst/>
-            <a:gdLst/>
-            <a:ahLst/>
-            <a:cxnLst/>
-            <a:rect r="r" b="b" t="t" l="l"/>
-            <a:pathLst>
-              <a:path h="2000532" w="2151110">
-                <a:moveTo>
-                  <a:pt x="0" y="0"/>
-                </a:moveTo>
-                <a:lnTo>
-                  <a:pt x="2151110" y="0"/>
-                </a:lnTo>
-                <a:lnTo>
-                  <a:pt x="2151110" y="2000533"/>
-                </a:lnTo>
-                <a:lnTo>
-                  <a:pt x="0" y="2000533"/>
-                </a:lnTo>
-                <a:lnTo>
-                  <a:pt x="0" y="0"/>
-                </a:lnTo>
-                <a:close/>
-              </a:path>
-            </a:pathLst>
-          </a:custGeom>
-          <a:blipFill>
-            <a:blip r:embed="rId3">
-              <a:extLst>
-                <a:ext uri="{96DAC541-7B7A-43D3-8B79-37D633B846F1}">
-                  <asvg:svgBlip xmlns:asvg="http://schemas.microsoft.com/office/drawing/2016/SVG/main" r:embed="rId4"/>
-                </a:ext>
-              </a:extLst>
-            </a:blip>
-            <a:stretch>
-              <a:fillRect l="0" t="0" r="0" b="0"/>
-            </a:stretch>
-          </a:blipFill>
-        </p:spPr>
-      </p:sp>
       <p:grpSp>
         <p:nvGrpSpPr>
-          <p:cNvPr name="Group 10" id="10"/>
+          <p:cNvPr name="Group 9" id="9"/>
           <p:cNvGrpSpPr/>
           <p:nvPr/>
         </p:nvGrpSpPr>
@@ -4907,7 +8806,7 @@
         </p:grpSpPr>
         <p:sp>
           <p:nvSpPr>
-            <p:cNvPr name="Freeform 11" id="11"/>
+            <p:cNvPr name="Freeform 10" id="10"/>
             <p:cNvSpPr/>
             <p:nvPr/>
           </p:nvSpPr>
@@ -4971,7 +8870,7 @@
       </p:grpSp>
       <p:grpSp>
         <p:nvGrpSpPr>
-          <p:cNvPr name="Group 12" id="12"/>
+          <p:cNvPr name="Group 11" id="11"/>
           <p:cNvGrpSpPr/>
           <p:nvPr/>
         </p:nvGrpSpPr>
@@ -4985,7 +8884,7 @@
         </p:grpSpPr>
         <p:sp>
           <p:nvSpPr>
-            <p:cNvPr name="Freeform 13" id="13"/>
+            <p:cNvPr name="Freeform 12" id="12"/>
             <p:cNvSpPr/>
             <p:nvPr/>
           </p:nvSpPr>
@@ -5049,7 +8948,7 @@
       </p:grpSp>
       <p:sp>
         <p:nvSpPr>
-          <p:cNvPr name="TextBox 14" id="14"/>
+          <p:cNvPr name="TextBox 13" id="13"/>
           <p:cNvSpPr txBox="true"/>
           <p:nvPr/>
         </p:nvSpPr>
@@ -5093,126 +8992,7 @@
       </p:sp>
       <p:grpSp>
         <p:nvGrpSpPr>
-          <p:cNvPr name="Group 15" id="15"/>
-          <p:cNvGrpSpPr/>
-          <p:nvPr/>
-        </p:nvGrpSpPr>
-        <p:grpSpPr>
-          <a:xfrm rot="-10800000">
-            <a:off x="16538985" y="8698490"/>
-            <a:ext cx="720315" cy="720315"/>
-            <a:chOff x="0" y="0"/>
-            <a:chExt cx="960421" cy="960421"/>
-          </a:xfrm>
-        </p:grpSpPr>
-        <p:sp>
-          <p:nvSpPr>
-            <p:cNvPr name="Freeform 16" id="16"/>
-            <p:cNvSpPr/>
-            <p:nvPr/>
-          </p:nvSpPr>
-          <p:spPr>
-            <a:xfrm flipH="false" flipV="false" rot="-10800000">
-              <a:off x="0" y="0"/>
-              <a:ext cx="960421" cy="960421"/>
-            </a:xfrm>
-            <a:custGeom>
-              <a:avLst/>
-              <a:gdLst/>
-              <a:ahLst/>
-              <a:cxnLst/>
-              <a:rect r="r" b="b" t="t" l="l"/>
-              <a:pathLst>
-                <a:path h="960421" w="960421">
-                  <a:moveTo>
-                    <a:pt x="0" y="0"/>
-                  </a:moveTo>
-                  <a:lnTo>
-                    <a:pt x="960421" y="0"/>
-                  </a:lnTo>
-                  <a:lnTo>
-                    <a:pt x="960421" y="960421"/>
-                  </a:lnTo>
-                  <a:lnTo>
-                    <a:pt x="0" y="960421"/>
-                  </a:lnTo>
-                  <a:lnTo>
-                    <a:pt x="0" y="0"/>
-                  </a:lnTo>
-                  <a:close/>
-                </a:path>
-              </a:pathLst>
-            </a:custGeom>
-            <a:blipFill>
-              <a:blip r:embed="rId5">
-                <a:extLst>
-                  <a:ext uri="{96DAC541-7B7A-43D3-8B79-37D633B846F1}">
-                    <asvg:svgBlip xmlns:asvg="http://schemas.microsoft.com/office/drawing/2016/SVG/main" r:embed="rId6"/>
-                  </a:ext>
-                </a:extLst>
-              </a:blip>
-              <a:stretch>
-                <a:fillRect l="0" t="0" r="0" b="0"/>
-              </a:stretch>
-            </a:blipFill>
-          </p:spPr>
-        </p:sp>
-        <p:sp>
-          <p:nvSpPr>
-            <p:cNvPr name="Freeform 17" id="17"/>
-            <p:cNvSpPr/>
-            <p:nvPr/>
-          </p:nvSpPr>
-          <p:spPr>
-            <a:xfrm flipH="false" flipV="false" rot="0">
-              <a:off x="234750" y="234750"/>
-              <a:ext cx="490920" cy="490920"/>
-            </a:xfrm>
-            <a:custGeom>
-              <a:avLst/>
-              <a:gdLst/>
-              <a:ahLst/>
-              <a:cxnLst/>
-              <a:rect r="r" b="b" t="t" l="l"/>
-              <a:pathLst>
-                <a:path h="490920" w="490920">
-                  <a:moveTo>
-                    <a:pt x="0" y="0"/>
-                  </a:moveTo>
-                  <a:lnTo>
-                    <a:pt x="490920" y="0"/>
-                  </a:lnTo>
-                  <a:lnTo>
-                    <a:pt x="490920" y="490920"/>
-                  </a:lnTo>
-                  <a:lnTo>
-                    <a:pt x="0" y="490920"/>
-                  </a:lnTo>
-                  <a:lnTo>
-                    <a:pt x="0" y="0"/>
-                  </a:lnTo>
-                  <a:close/>
-                </a:path>
-              </a:pathLst>
-            </a:custGeom>
-            <a:blipFill>
-              <a:blip r:embed="rId7">
-                <a:extLst>
-                  <a:ext uri="{96DAC541-7B7A-43D3-8B79-37D633B846F1}">
-                    <asvg:svgBlip xmlns:asvg="http://schemas.microsoft.com/office/drawing/2016/SVG/main" r:embed="rId8"/>
-                  </a:ext>
-                </a:extLst>
-              </a:blip>
-              <a:stretch>
-                <a:fillRect l="0" t="0" r="0" b="0"/>
-              </a:stretch>
-            </a:blipFill>
-          </p:spPr>
-        </p:sp>
-      </p:grpSp>
-      <p:grpSp>
-        <p:nvGrpSpPr>
-          <p:cNvPr name="Group 18" id="18"/>
+          <p:cNvPr name="Group 14" id="14"/>
           <p:cNvGrpSpPr/>
           <p:nvPr/>
         </p:nvGrpSpPr>
@@ -5226,7 +9006,7 @@
         </p:grpSpPr>
         <p:sp>
           <p:nvSpPr>
-            <p:cNvPr name="TextBox 19" id="19"/>
+            <p:cNvPr name="TextBox 15" id="15"/>
             <p:cNvSpPr txBox="true"/>
             <p:nvPr/>
           </p:nvSpPr>
@@ -5258,7 +9038,7 @@
         </p:sp>
         <p:sp>
           <p:nvSpPr>
-            <p:cNvPr name="TextBox 20" id="20"/>
+            <p:cNvPr name="TextBox 16" id="16"/>
             <p:cNvSpPr txBox="true"/>
             <p:nvPr/>
           </p:nvSpPr>
@@ -5288,7 +9068,7 @@
               <a:r>
                 <a:rPr lang="en-US" sz="8079">
                   <a:solidFill>
-                    <a:srgbClr val="FFFFFF"/>
+                    <a:srgbClr val="B93030"/>
                   </a:solidFill>
                   <a:latin typeface="Berthold Block"/>
                   <a:ea typeface="Berthold Block"/>
@@ -5303,7 +9083,7 @@
       </p:grpSp>
       <p:grpSp>
         <p:nvGrpSpPr>
-          <p:cNvPr name="Group 21" id="21"/>
+          <p:cNvPr name="Group 17" id="17"/>
           <p:cNvGrpSpPr/>
           <p:nvPr/>
         </p:nvGrpSpPr>
@@ -5317,7 +9097,7 @@
         </p:grpSpPr>
         <p:sp>
           <p:nvSpPr>
-            <p:cNvPr name="TextBox 22" id="22"/>
+            <p:cNvPr name="TextBox 18" id="18"/>
             <p:cNvSpPr txBox="true"/>
             <p:nvPr/>
           </p:nvSpPr>
@@ -5349,7 +9129,7 @@
         </p:sp>
         <p:sp>
           <p:nvSpPr>
-            <p:cNvPr name="TextBox 23" id="23"/>
+            <p:cNvPr name="TextBox 19" id="19"/>
             <p:cNvSpPr txBox="true"/>
             <p:nvPr/>
           </p:nvSpPr>
@@ -5379,7 +9159,7 @@
               <a:r>
                 <a:rPr lang="en-US" sz="8079">
                   <a:solidFill>
-                    <a:srgbClr val="FFFFFF"/>
+                    <a:srgbClr val="07B413"/>
                   </a:solidFill>
                   <a:latin typeface="Berthold Block"/>
                   <a:ea typeface="Berthold Block"/>
@@ -5432,8 +9212,8 @@
         </p:nvSpPr>
         <p:spPr>
           <a:xfrm flipH="false" flipV="false" rot="0">
-            <a:off x="8267437" y="1028700"/>
-            <a:ext cx="9602578" cy="8581133"/>
+            <a:off x="8016952" y="1028700"/>
+            <a:ext cx="9853063" cy="8581133"/>
           </a:xfrm>
           <a:custGeom>
             <a:avLst/>
@@ -5442,15 +9222,15 @@
             <a:cxnLst/>
             <a:rect r="r" b="b" t="t" l="l"/>
             <a:pathLst>
-              <a:path h="8581133" w="9602578">
+              <a:path h="8581133" w="9853063">
                 <a:moveTo>
                   <a:pt x="0" y="0"/>
                 </a:moveTo>
                 <a:lnTo>
-                  <a:pt x="9602578" y="0"/>
-                </a:lnTo>
-                <a:lnTo>
-                  <a:pt x="9602578" y="8581133"/>
+                  <a:pt x="9853063" y="0"/>
+                </a:lnTo>
+                <a:lnTo>
+                  <a:pt x="9853063" y="8581133"/>
                 </a:lnTo>
                 <a:lnTo>
                   <a:pt x="0" y="8581133"/>
@@ -5465,7 +9245,7 @@
           <a:blipFill>
             <a:blip r:embed="rId2"/>
             <a:stretch>
-              <a:fillRect l="-10586" t="0" r="-6326" b="0"/>
+              <a:fillRect l="-7775" t="0" r="-6165" b="0"/>
             </a:stretch>
           </a:blipFill>
         </p:spPr>
@@ -5602,61 +9382,9 @@
           <a:chExt cx="0" cy="0"/>
         </a:xfrm>
       </p:grpSpPr>
-      <p:sp>
-        <p:nvSpPr>
-          <p:cNvPr name="Freeform 2" id="2"/>
-          <p:cNvSpPr/>
-          <p:nvPr/>
-        </p:nvSpPr>
-        <p:spPr>
-          <a:xfrm flipH="false" flipV="false" rot="0">
-            <a:off x="15897893" y="326874"/>
-            <a:ext cx="1737370" cy="1615754"/>
-          </a:xfrm>
-          <a:custGeom>
-            <a:avLst/>
-            <a:gdLst/>
-            <a:ahLst/>
-            <a:cxnLst/>
-            <a:rect r="r" b="b" t="t" l="l"/>
-            <a:pathLst>
-              <a:path h="1615754" w="1737370">
-                <a:moveTo>
-                  <a:pt x="0" y="0"/>
-                </a:moveTo>
-                <a:lnTo>
-                  <a:pt x="1737370" y="0"/>
-                </a:lnTo>
-                <a:lnTo>
-                  <a:pt x="1737370" y="1615755"/>
-                </a:lnTo>
-                <a:lnTo>
-                  <a:pt x="0" y="1615755"/>
-                </a:lnTo>
-                <a:lnTo>
-                  <a:pt x="0" y="0"/>
-                </a:lnTo>
-                <a:close/>
-              </a:path>
-            </a:pathLst>
-          </a:custGeom>
-          <a:blipFill>
-            <a:blip r:embed="rId2">
-              <a:extLst>
-                <a:ext uri="{96DAC541-7B7A-43D3-8B79-37D633B846F1}">
-                  <asvg:svgBlip xmlns:asvg="http://schemas.microsoft.com/office/drawing/2016/SVG/main" r:embed="rId3"/>
-                </a:ext>
-              </a:extLst>
-            </a:blip>
-            <a:stretch>
-              <a:fillRect l="0" t="0" r="0" b="0"/>
-            </a:stretch>
-          </a:blipFill>
-        </p:spPr>
-      </p:sp>
       <p:grpSp>
         <p:nvGrpSpPr>
-          <p:cNvPr name="Group 3" id="3"/>
+          <p:cNvPr name="Group 2" id="2"/>
           <p:cNvGrpSpPr/>
           <p:nvPr/>
         </p:nvGrpSpPr>
@@ -5670,7 +9398,7 @@
         </p:grpSpPr>
         <p:sp>
           <p:nvSpPr>
-            <p:cNvPr name="TextBox 4" id="4"/>
+            <p:cNvPr name="TextBox 3" id="3"/>
             <p:cNvSpPr txBox="true"/>
             <p:nvPr/>
           </p:nvSpPr>
@@ -5711,7 +9439,7 @@
         </p:sp>
         <p:sp>
           <p:nvSpPr>
-            <p:cNvPr name="TextBox 5" id="5"/>
+            <p:cNvPr name="TextBox 4" id="4"/>
             <p:cNvSpPr txBox="true"/>
             <p:nvPr/>
           </p:nvSpPr>
@@ -5741,7 +9469,7 @@
       </p:grpSp>
       <p:sp>
         <p:nvSpPr>
-          <p:cNvPr name="TextBox 6" id="6"/>
+          <p:cNvPr name="TextBox 5" id="5"/>
           <p:cNvSpPr txBox="true"/>
           <p:nvPr/>
         </p:nvSpPr>
@@ -5784,7 +9512,7 @@
       </p:sp>
       <p:sp>
         <p:nvSpPr>
-          <p:cNvPr name="TextBox 7" id="7"/>
+          <p:cNvPr name="TextBox 6" id="6"/>
           <p:cNvSpPr txBox="true"/>
           <p:nvPr/>
         </p:nvSpPr>
@@ -5842,7 +9570,7 @@
       </p:sp>
       <p:sp>
         <p:nvSpPr>
-          <p:cNvPr name="Freeform 8" id="8"/>
+          <p:cNvPr name="Freeform 7" id="7"/>
           <p:cNvSpPr/>
           <p:nvPr/>
         </p:nvSpPr>
@@ -5879,7 +9607,7 @@
             </a:pathLst>
           </a:custGeom>
           <a:blipFill>
-            <a:blip r:embed="rId4"/>
+            <a:blip r:embed="rId2"/>
             <a:stretch>
               <a:fillRect l="-9600" t="0" r="-9600" b="0"/>
             </a:stretch>
@@ -5888,7 +9616,7 @@
       </p:sp>
       <p:sp>
         <p:nvSpPr>
-          <p:cNvPr name="TextBox 9" id="9"/>
+          <p:cNvPr name="TextBox 8" id="8"/>
           <p:cNvSpPr txBox="true"/>
           <p:nvPr/>
         </p:nvSpPr>
@@ -5959,61 +9687,9 @@
           <a:chExt cx="0" cy="0"/>
         </a:xfrm>
       </p:grpSpPr>
-      <p:sp>
-        <p:nvSpPr>
-          <p:cNvPr name="Freeform 2" id="2"/>
-          <p:cNvSpPr/>
-          <p:nvPr/>
-        </p:nvSpPr>
-        <p:spPr>
-          <a:xfrm flipH="false" flipV="false" rot="0">
-            <a:off x="15897893" y="326874"/>
-            <a:ext cx="1737370" cy="1615754"/>
-          </a:xfrm>
-          <a:custGeom>
-            <a:avLst/>
-            <a:gdLst/>
-            <a:ahLst/>
-            <a:cxnLst/>
-            <a:rect r="r" b="b" t="t" l="l"/>
-            <a:pathLst>
-              <a:path h="1615754" w="1737370">
-                <a:moveTo>
-                  <a:pt x="0" y="0"/>
-                </a:moveTo>
-                <a:lnTo>
-                  <a:pt x="1737370" y="0"/>
-                </a:lnTo>
-                <a:lnTo>
-                  <a:pt x="1737370" y="1615755"/>
-                </a:lnTo>
-                <a:lnTo>
-                  <a:pt x="0" y="1615755"/>
-                </a:lnTo>
-                <a:lnTo>
-                  <a:pt x="0" y="0"/>
-                </a:lnTo>
-                <a:close/>
-              </a:path>
-            </a:pathLst>
-          </a:custGeom>
-          <a:blipFill>
-            <a:blip r:embed="rId2">
-              <a:extLst>
-                <a:ext uri="{96DAC541-7B7A-43D3-8B79-37D633B846F1}">
-                  <asvg:svgBlip xmlns:asvg="http://schemas.microsoft.com/office/drawing/2016/SVG/main" r:embed="rId3"/>
-                </a:ext>
-              </a:extLst>
-            </a:blip>
-            <a:stretch>
-              <a:fillRect l="0" t="0" r="0" b="0"/>
-            </a:stretch>
-          </a:blipFill>
-        </p:spPr>
-      </p:sp>
       <p:grpSp>
         <p:nvGrpSpPr>
-          <p:cNvPr name="Group 3" id="3"/>
+          <p:cNvPr name="Group 2" id="2"/>
           <p:cNvGrpSpPr/>
           <p:nvPr/>
         </p:nvGrpSpPr>
@@ -6027,7 +9703,7 @@
         </p:grpSpPr>
         <p:sp>
           <p:nvSpPr>
-            <p:cNvPr name="TextBox 4" id="4"/>
+            <p:cNvPr name="TextBox 3" id="3"/>
             <p:cNvSpPr txBox="true"/>
             <p:nvPr/>
           </p:nvSpPr>
@@ -6068,7 +9744,7 @@
         </p:sp>
         <p:sp>
           <p:nvSpPr>
-            <p:cNvPr name="TextBox 5" id="5"/>
+            <p:cNvPr name="TextBox 4" id="4"/>
             <p:cNvSpPr txBox="true"/>
             <p:nvPr/>
           </p:nvSpPr>
@@ -6098,7 +9774,7 @@
       </p:grpSp>
       <p:sp>
         <p:nvSpPr>
-          <p:cNvPr name="TextBox 6" id="6"/>
+          <p:cNvPr name="TextBox 5" id="5"/>
           <p:cNvSpPr txBox="true"/>
           <p:nvPr/>
         </p:nvSpPr>
@@ -6141,7 +9817,7 @@
       </p:sp>
       <p:sp>
         <p:nvSpPr>
-          <p:cNvPr name="TextBox 7" id="7"/>
+          <p:cNvPr name="TextBox 6" id="6"/>
           <p:cNvSpPr txBox="true"/>
           <p:nvPr/>
         </p:nvSpPr>
@@ -6199,7 +9875,7 @@
       </p:sp>
       <p:sp>
         <p:nvSpPr>
-          <p:cNvPr name="Freeform 8" id="8"/>
+          <p:cNvPr name="Freeform 7" id="7"/>
           <p:cNvSpPr/>
           <p:nvPr/>
         </p:nvSpPr>
@@ -6236,7 +9912,7 @@
             </a:pathLst>
           </a:custGeom>
           <a:blipFill>
-            <a:blip r:embed="rId4"/>
+            <a:blip r:embed="rId2"/>
             <a:stretch>
               <a:fillRect l="-9600" t="0" r="-9600" b="0"/>
             </a:stretch>
@@ -6245,7 +9921,7 @@
       </p:sp>
       <p:sp>
         <p:nvSpPr>
-          <p:cNvPr name="Freeform 9" id="9"/>
+          <p:cNvPr name="Freeform 8" id="8"/>
           <p:cNvSpPr/>
           <p:nvPr/>
         </p:nvSpPr>
@@ -6282,7 +9958,7 @@
             </a:pathLst>
           </a:custGeom>
           <a:blipFill>
-            <a:blip r:embed="rId5"/>
+            <a:blip r:embed="rId3"/>
             <a:stretch>
               <a:fillRect l="-8161" t="0" r="-7985" b="0"/>
             </a:stretch>
@@ -6291,7 +9967,7 @@
       </p:sp>
       <p:sp>
         <p:nvSpPr>
-          <p:cNvPr name="TextBox 10" id="10"/>
+          <p:cNvPr name="TextBox 9" id="9"/>
           <p:cNvSpPr txBox="true"/>
           <p:nvPr/>
         </p:nvSpPr>
@@ -6370,8 +10046,8 @@
         </p:nvSpPr>
         <p:spPr>
           <a:xfrm flipH="false" flipV="false" rot="0">
-            <a:off x="15897893" y="326874"/>
-            <a:ext cx="1737370" cy="1615754"/>
+            <a:off x="7821045" y="2725089"/>
+            <a:ext cx="10118005" cy="5830154"/>
           </a:xfrm>
           <a:custGeom>
             <a:avLst/>
@@ -6380,18 +10056,18 @@
             <a:cxnLst/>
             <a:rect r="r" b="b" t="t" l="l"/>
             <a:pathLst>
-              <a:path h="1615754" w="1737370">
+              <a:path h="5830154" w="10118005">
                 <a:moveTo>
                   <a:pt x="0" y="0"/>
                 </a:moveTo>
                 <a:lnTo>
-                  <a:pt x="1737370" y="0"/>
-                </a:lnTo>
-                <a:lnTo>
-                  <a:pt x="1737370" y="1615755"/>
-                </a:lnTo>
-                <a:lnTo>
-                  <a:pt x="0" y="1615755"/>
+                  <a:pt x="10118005" y="0"/>
+                </a:lnTo>
+                <a:lnTo>
+                  <a:pt x="10118005" y="5830154"/>
+                </a:lnTo>
+                <a:lnTo>
+                  <a:pt x="0" y="5830154"/>
                 </a:lnTo>
                 <a:lnTo>
                   <a:pt x="0" y="0"/>
@@ -6401,120 +10077,16 @@
             </a:pathLst>
           </a:custGeom>
           <a:blipFill>
-            <a:blip r:embed="rId2">
-              <a:extLst>
-                <a:ext uri="{96DAC541-7B7A-43D3-8B79-37D633B846F1}">
-                  <asvg:svgBlip xmlns:asvg="http://schemas.microsoft.com/office/drawing/2016/SVG/main" r:embed="rId3"/>
-                </a:ext>
-              </a:extLst>
-            </a:blip>
+            <a:blip r:embed="rId2"/>
             <a:stretch>
-              <a:fillRect l="0" t="0" r="0" b="0"/>
+              <a:fillRect l="0" t="-548" r="0" b="-548"/>
             </a:stretch>
           </a:blipFill>
         </p:spPr>
       </p:sp>
       <p:sp>
         <p:nvSpPr>
-          <p:cNvPr name="Freeform 3" id="3"/>
-          <p:cNvSpPr/>
-          <p:nvPr/>
-        </p:nvSpPr>
-        <p:spPr>
-          <a:xfrm flipH="false" flipV="false" rot="0">
-            <a:off x="-808855" y="5111696"/>
-            <a:ext cx="2151110" cy="2000532"/>
-          </a:xfrm>
-          <a:custGeom>
-            <a:avLst/>
-            <a:gdLst/>
-            <a:ahLst/>
-            <a:cxnLst/>
-            <a:rect r="r" b="b" t="t" l="l"/>
-            <a:pathLst>
-              <a:path h="2000532" w="2151110">
-                <a:moveTo>
-                  <a:pt x="0" y="0"/>
-                </a:moveTo>
-                <a:lnTo>
-                  <a:pt x="2151110" y="0"/>
-                </a:lnTo>
-                <a:lnTo>
-                  <a:pt x="2151110" y="2000533"/>
-                </a:lnTo>
-                <a:lnTo>
-                  <a:pt x="0" y="2000533"/>
-                </a:lnTo>
-                <a:lnTo>
-                  <a:pt x="0" y="0"/>
-                </a:lnTo>
-                <a:close/>
-              </a:path>
-            </a:pathLst>
-          </a:custGeom>
-          <a:blipFill>
-            <a:blip r:embed="rId4">
-              <a:extLst>
-                <a:ext uri="{96DAC541-7B7A-43D3-8B79-37D633B846F1}">
-                  <asvg:svgBlip xmlns:asvg="http://schemas.microsoft.com/office/drawing/2016/SVG/main" r:embed="rId5"/>
-                </a:ext>
-              </a:extLst>
-            </a:blip>
-            <a:stretch>
-              <a:fillRect l="0" t="0" r="0" b="0"/>
-            </a:stretch>
-          </a:blipFill>
-        </p:spPr>
-      </p:sp>
-      <p:sp>
-        <p:nvSpPr>
-          <p:cNvPr name="Freeform 4" id="4"/>
-          <p:cNvSpPr/>
-          <p:nvPr/>
-        </p:nvSpPr>
-        <p:spPr>
-          <a:xfrm flipH="false" flipV="false" rot="0">
-            <a:off x="8089246" y="2725089"/>
-            <a:ext cx="9849804" cy="5830154"/>
-          </a:xfrm>
-          <a:custGeom>
-            <a:avLst/>
-            <a:gdLst/>
-            <a:ahLst/>
-            <a:cxnLst/>
-            <a:rect r="r" b="b" t="t" l="l"/>
-            <a:pathLst>
-              <a:path h="5830154" w="9849804">
-                <a:moveTo>
-                  <a:pt x="0" y="0"/>
-                </a:moveTo>
-                <a:lnTo>
-                  <a:pt x="9849804" y="0"/>
-                </a:lnTo>
-                <a:lnTo>
-                  <a:pt x="9849804" y="5830154"/>
-                </a:lnTo>
-                <a:lnTo>
-                  <a:pt x="0" y="5830154"/>
-                </a:lnTo>
-                <a:lnTo>
-                  <a:pt x="0" y="0"/>
-                </a:lnTo>
-                <a:close/>
-              </a:path>
-            </a:pathLst>
-          </a:custGeom>
-          <a:blipFill>
-            <a:blip r:embed="rId6"/>
-            <a:stretch>
-              <a:fillRect l="-2219" t="-300" r="0" b="-300"/>
-            </a:stretch>
-          </a:blipFill>
-        </p:spPr>
-      </p:sp>
-      <p:sp>
-        <p:nvSpPr>
-          <p:cNvPr name="TextBox 5" id="5"/>
+          <p:cNvPr name="TextBox 3" id="3"/>
           <p:cNvSpPr txBox="true"/>
           <p:nvPr/>
         </p:nvSpPr>
@@ -6558,7 +10130,7 @@
       </p:sp>
       <p:grpSp>
         <p:nvGrpSpPr>
-          <p:cNvPr name="Group 6" id="6"/>
+          <p:cNvPr name="Group 4" id="4"/>
           <p:cNvGrpSpPr/>
           <p:nvPr/>
         </p:nvGrpSpPr>
@@ -6572,7 +10144,7 @@
         </p:grpSpPr>
         <p:sp>
           <p:nvSpPr>
-            <p:cNvPr name="TextBox 7" id="7"/>
+            <p:cNvPr name="TextBox 5" id="5"/>
             <p:cNvSpPr txBox="true"/>
             <p:nvPr/>
           </p:nvSpPr>
@@ -6613,7 +10185,7 @@
         </p:sp>
         <p:sp>
           <p:nvSpPr>
-            <p:cNvPr name="TextBox 8" id="8"/>
+            <p:cNvPr name="TextBox 6" id="6"/>
             <p:cNvSpPr txBox="true"/>
             <p:nvPr/>
           </p:nvSpPr>
@@ -6643,7 +10215,7 @@
       </p:grpSp>
       <p:sp>
         <p:nvSpPr>
-          <p:cNvPr name="TextBox 9" id="9"/>
+          <p:cNvPr name="TextBox 7" id="7"/>
           <p:cNvSpPr txBox="true"/>
           <p:nvPr/>
         </p:nvSpPr>
@@ -6713,6 +10285,47 @@
                 <a:sym typeface="Muli Regular Bold"/>
               </a:rPr>
               <a:t>The percentage of churners increases as the number of calls increases.</a:t>
+            </a:r>
+          </a:p>
+        </p:txBody>
+      </p:sp>
+      <p:sp>
+        <p:nvSpPr>
+          <p:cNvPr name="TextBox 8" id="8"/>
+          <p:cNvSpPr txBox="true"/>
+          <p:nvPr/>
+        </p:nvSpPr>
+        <p:spPr>
+          <a:xfrm rot="0">
+            <a:off x="9466419" y="1439090"/>
+            <a:ext cx="6827257" cy="563146"/>
+          </a:xfrm>
+          <a:prstGeom prst="rect">
+            <a:avLst/>
+          </a:prstGeom>
+        </p:spPr>
+        <p:txBody>
+          <a:bodyPr anchor="t" rtlCol="false" tIns="0" lIns="0" bIns="0" rIns="0">
+            <a:spAutoFit/>
+          </a:bodyPr>
+          <a:lstStyle/>
+          <a:p>
+            <a:pPr algn="ctr">
+              <a:lnSpc>
+                <a:spcPts val="4660"/>
+              </a:lnSpc>
+            </a:pPr>
+            <a:r>
+              <a:rPr lang="en-US" sz="3328">
+                <a:solidFill>
+                  <a:srgbClr val="FFFFFF"/>
+                </a:solidFill>
+                <a:latin typeface="Muli Regular Bold"/>
+                <a:ea typeface="Muli Regular Bold"/>
+                <a:cs typeface="Muli Regular Bold"/>
+                <a:sym typeface="Muli Regular Bold"/>
+              </a:rPr>
+              <a:t>Churners By Support Calls</a:t>
             </a:r>
           </a:p>
         </p:txBody>
@@ -6757,8 +10370,8 @@
         </p:nvSpPr>
         <p:spPr>
           <a:xfrm flipH="false" flipV="false" rot="0">
-            <a:off x="10589927" y="1690584"/>
-            <a:ext cx="6669373" cy="7420182"/>
+            <a:off x="8000119" y="2609217"/>
+            <a:ext cx="9834155" cy="6273222"/>
           </a:xfrm>
           <a:custGeom>
             <a:avLst/>
@@ -6767,18 +10380,18 @@
             <a:cxnLst/>
             <a:rect r="r" b="b" t="t" l="l"/>
             <a:pathLst>
-              <a:path h="7420182" w="6669373">
+              <a:path h="6273222" w="9834155">
                 <a:moveTo>
                   <a:pt x="0" y="0"/>
                 </a:moveTo>
                 <a:lnTo>
-                  <a:pt x="6669373" y="0"/>
-                </a:lnTo>
-                <a:lnTo>
-                  <a:pt x="6669373" y="7420182"/>
-                </a:lnTo>
-                <a:lnTo>
-                  <a:pt x="0" y="7420182"/>
+                  <a:pt x="9834155" y="0"/>
+                </a:lnTo>
+                <a:lnTo>
+                  <a:pt x="9834155" y="6273222"/>
+                </a:lnTo>
+                <a:lnTo>
+                  <a:pt x="0" y="6273222"/>
                 </a:lnTo>
                 <a:lnTo>
                   <a:pt x="0" y="0"/>
@@ -6790,7 +10403,7 @@
           <a:blipFill>
             <a:blip r:embed="rId2"/>
             <a:stretch>
-              <a:fillRect l="-10871" t="0" r="-10871" b="0"/>
+              <a:fillRect l="-4616" t="0" r="-4616" b="0"/>
             </a:stretch>
           </a:blipFill>
         </p:spPr>
@@ -6803,7 +10416,7 @@
         </p:nvGrpSpPr>
         <p:grpSpPr>
           <a:xfrm rot="0">
-            <a:off x="1028700" y="1749238"/>
+            <a:off x="1028700" y="1028700"/>
             <a:ext cx="10135560" cy="2321124"/>
             <a:chOff x="0" y="0"/>
             <a:chExt cx="13514080" cy="3094832"/>
@@ -6888,8 +10501,8 @@
         </p:nvSpPr>
         <p:spPr>
           <a:xfrm rot="0">
-            <a:off x="1151488" y="4361198"/>
-            <a:ext cx="7150738" cy="2031329"/>
+            <a:off x="1326377" y="3061497"/>
+            <a:ext cx="6673743" cy="3073132"/>
           </a:xfrm>
           <a:prstGeom prst="rect">
             <a:avLst/>
@@ -6901,16 +10514,15 @@
           </a:bodyPr>
           <a:lstStyle/>
           <a:p>
-            <a:pPr algn="ctr" marL="0" indent="0" lvl="0">
+            <a:pPr algn="ctr" marL="757930" indent="-378965" lvl="1">
               <a:lnSpc>
-                <a:spcPts val="4062"/>
+                <a:spcPts val="4914"/>
               </a:lnSpc>
-              <a:spcBef>
-                <a:spcPct val="0"/>
-              </a:spcBef>
+              <a:buFont typeface="Arial"/>
+              <a:buChar char="•"/>
             </a:pPr>
             <a:r>
-              <a:rPr lang="en-US" sz="2901" strike="noStrike" u="none">
+              <a:rPr lang="en-US" sz="3510">
                 <a:solidFill>
                   <a:srgbClr val="FFFFFF"/>
                 </a:solidFill>
@@ -6919,8 +10531,242 @@
                 <a:cs typeface="Muli Regular Bold"/>
                 <a:sym typeface="Muli Regular Bold"/>
               </a:rPr>
-              <a:t>Almost half of customers with annual and quarterly contracts churn, but customers with monthly contracts all churn</a:t>
-            </a:r>
+              <a:t>All the customers with standard subscription have churn out.</a:t>
+            </a:r>
+          </a:p>
+          <a:p>
+            <a:pPr algn="ctr">
+              <a:lnSpc>
+                <a:spcPts val="4914"/>
+              </a:lnSpc>
+            </a:pPr>
+          </a:p>
+          <a:p>
+            <a:pPr algn="ctr">
+              <a:lnSpc>
+                <a:spcPts val="4914"/>
+              </a:lnSpc>
+            </a:pPr>
+          </a:p>
+        </p:txBody>
+      </p:sp>
+    </p:spTree>
+  </p:cSld>
+  <p:clrMapOvr>
+    <a:masterClrMapping/>
+  </p:clrMapOvr>
+</p:sld>
+</file>
+
+<file path=ppt/slides/slide9.xml><?xml version="1.0" encoding="utf-8"?>
+<p:sld xmlns:p="http://schemas.openxmlformats.org/presentationml/2006/main" xmlns:a="http://schemas.openxmlformats.org/drawingml/2006/main" xmlns:r="http://schemas.openxmlformats.org/officeDocument/2006/relationships">
+  <p:cSld>
+    <p:bg>
+      <p:bgPr>
+        <a:solidFill>
+          <a:srgbClr val="0048CD"/>
+        </a:solidFill>
+      </p:bgPr>
+    </p:bg>
+    <p:spTree>
+      <p:nvGrpSpPr>
+        <p:cNvPr id="1" name=""/>
+        <p:cNvGrpSpPr/>
+        <p:nvPr/>
+      </p:nvGrpSpPr>
+      <p:grpSpPr>
+        <a:xfrm>
+          <a:off x="0" y="0"/>
+          <a:ext cx="0" cy="0"/>
+          <a:chOff x="0" y="0"/>
+          <a:chExt cx="0" cy="0"/>
+        </a:xfrm>
+      </p:grpSpPr>
+      <p:sp>
+        <p:nvSpPr>
+          <p:cNvPr name="Freeform 2" id="2"/>
+          <p:cNvSpPr/>
+          <p:nvPr/>
+        </p:nvSpPr>
+        <p:spPr>
+          <a:xfrm flipH="false" flipV="false" rot="0">
+            <a:off x="8078025" y="2782666"/>
+            <a:ext cx="9570326" cy="5827690"/>
+          </a:xfrm>
+          <a:custGeom>
+            <a:avLst/>
+            <a:gdLst/>
+            <a:ahLst/>
+            <a:cxnLst/>
+            <a:rect r="r" b="b" t="t" l="l"/>
+            <a:pathLst>
+              <a:path h="5827690" w="9570326">
+                <a:moveTo>
+                  <a:pt x="0" y="0"/>
+                </a:moveTo>
+                <a:lnTo>
+                  <a:pt x="9570326" y="0"/>
+                </a:lnTo>
+                <a:lnTo>
+                  <a:pt x="9570326" y="5827690"/>
+                </a:lnTo>
+                <a:lnTo>
+                  <a:pt x="0" y="5827690"/>
+                </a:lnTo>
+                <a:lnTo>
+                  <a:pt x="0" y="0"/>
+                </a:lnTo>
+                <a:close/>
+              </a:path>
+            </a:pathLst>
+          </a:custGeom>
+          <a:blipFill>
+            <a:blip r:embed="rId2"/>
+            <a:stretch>
+              <a:fillRect l="-3330" t="0" r="-3330" b="-5876"/>
+            </a:stretch>
+          </a:blipFill>
+        </p:spPr>
+      </p:sp>
+      <p:grpSp>
+        <p:nvGrpSpPr>
+          <p:cNvPr name="Group 3" id="3"/>
+          <p:cNvGrpSpPr/>
+          <p:nvPr/>
+        </p:nvGrpSpPr>
+        <p:grpSpPr>
+          <a:xfrm rot="0">
+            <a:off x="1028700" y="1028700"/>
+            <a:ext cx="10135560" cy="2321124"/>
+            <a:chOff x="0" y="0"/>
+            <a:chExt cx="13514080" cy="3094832"/>
+          </a:xfrm>
+        </p:grpSpPr>
+        <p:sp>
+          <p:nvSpPr>
+            <p:cNvPr name="TextBox 4" id="4"/>
+            <p:cNvSpPr txBox="true"/>
+            <p:nvPr/>
+          </p:nvSpPr>
+          <p:spPr>
+            <a:xfrm rot="0">
+              <a:off x="0" y="76200"/>
+              <a:ext cx="13514080" cy="1552151"/>
+            </a:xfrm>
+            <a:prstGeom prst="rect">
+              <a:avLst/>
+            </a:prstGeom>
+          </p:spPr>
+          <p:txBody>
+            <a:bodyPr anchor="t" rtlCol="false" tIns="0" lIns="0" bIns="0" rIns="0">
+              <a:spAutoFit/>
+            </a:bodyPr>
+            <a:lstStyle/>
+            <a:p>
+              <a:pPr algn="l">
+                <a:lnSpc>
+                  <a:spcPts val="8816"/>
+                </a:lnSpc>
+              </a:pPr>
+              <a:r>
+                <a:rPr lang="en-US" sz="8015" spc="-80">
+                  <a:solidFill>
+                    <a:srgbClr val="FFFFFF"/>
+                  </a:solidFill>
+                  <a:latin typeface="Muli Bold"/>
+                  <a:ea typeface="Muli Bold"/>
+                  <a:cs typeface="Muli Bold"/>
+                  <a:sym typeface="Muli Bold"/>
+                </a:rPr>
+                <a:t>Subscribtion Type</a:t>
+              </a:r>
+            </a:p>
+          </p:txBody>
+        </p:sp>
+        <p:sp>
+          <p:nvSpPr>
+            <p:cNvPr name="TextBox 5" id="5"/>
+            <p:cNvSpPr txBox="true"/>
+            <p:nvPr/>
+          </p:nvSpPr>
+          <p:spPr>
+            <a:xfrm rot="0">
+              <a:off x="0" y="2408064"/>
+              <a:ext cx="12154737" cy="686768"/>
+            </a:xfrm>
+            <a:prstGeom prst="rect">
+              <a:avLst/>
+            </a:prstGeom>
+          </p:spPr>
+          <p:txBody>
+            <a:bodyPr anchor="t" rtlCol="false" tIns="0" lIns="0" bIns="0" rIns="0">
+              <a:spAutoFit/>
+            </a:bodyPr>
+            <a:lstStyle/>
+            <a:p>
+              <a:pPr algn="l">
+                <a:lnSpc>
+                  <a:spcPts val="4363"/>
+                </a:lnSpc>
+              </a:pPr>
+            </a:p>
+          </p:txBody>
+        </p:sp>
+      </p:grpSp>
+      <p:sp>
+        <p:nvSpPr>
+          <p:cNvPr name="TextBox 6" id="6"/>
+          <p:cNvSpPr txBox="true"/>
+          <p:nvPr/>
+        </p:nvSpPr>
+        <p:spPr>
+          <a:xfrm rot="0">
+            <a:off x="1326377" y="3061497"/>
+            <a:ext cx="6673743" cy="3073132"/>
+          </a:xfrm>
+          <a:prstGeom prst="rect">
+            <a:avLst/>
+          </a:prstGeom>
+        </p:spPr>
+        <p:txBody>
+          <a:bodyPr anchor="t" rtlCol="false" tIns="0" lIns="0" bIns="0" rIns="0">
+            <a:spAutoFit/>
+          </a:bodyPr>
+          <a:lstStyle/>
+          <a:p>
+            <a:pPr algn="ctr" marL="757930" indent="-378965" lvl="1">
+              <a:lnSpc>
+                <a:spcPts val="4914"/>
+              </a:lnSpc>
+              <a:buFont typeface="Arial"/>
+              <a:buChar char="•"/>
+            </a:pPr>
+            <a:r>
+              <a:rPr lang="en-US" sz="3510">
+                <a:solidFill>
+                  <a:srgbClr val="FFFFFF"/>
+                </a:solidFill>
+                <a:latin typeface="Muli Regular Bold"/>
+                <a:ea typeface="Muli Regular Bold"/>
+                <a:cs typeface="Muli Regular Bold"/>
+                <a:sym typeface="Muli Regular Bold"/>
+              </a:rPr>
+              <a:t>Customers with standard subscription have the highest payment delay.</a:t>
+            </a:r>
+          </a:p>
+          <a:p>
+            <a:pPr algn="ctr">
+              <a:lnSpc>
+                <a:spcPts val="4914"/>
+              </a:lnSpc>
+            </a:pPr>
+          </a:p>
+          <a:p>
+            <a:pPr algn="ctr">
+              <a:lnSpc>
+                <a:spcPts val="4914"/>
+              </a:lnSpc>
+            </a:pPr>
           </a:p>
         </p:txBody>
       </p:sp>

--- a/Customer Churn/Customer Churn Presentation.pptx
+++ b/Customer Churn/Customer Churn Presentation.pptx
@@ -22,33 +22,41 @@
     <p:sldId id="270" r:id="rId20"/>
     <p:sldId id="271" r:id="rId21"/>
     <p:sldId id="272" r:id="rId22"/>
+    <p:sldId id="273" r:id="rId23"/>
+    <p:sldId id="274" r:id="rId24"/>
+    <p:sldId id="275" r:id="rId25"/>
+    <p:sldId id="276" r:id="rId26"/>
   </p:sldIdLst>
   <p:sldSz cx="18288000" cy="10287000"/>
   <p:notesSz cx="6858000" cy="9144000"/>
   <p:embeddedFontLst>
     <p:embeddedFont>
       <p:font typeface="Muli Bold" charset="1" panose="00000800000000000000"/>
-      <p:regular r:id="rId23"/>
-    </p:embeddedFont>
-    <p:embeddedFont>
-      <p:font typeface="Inknut Antiqua Medium" charset="1" panose="00000600000000000000"/>
-      <p:regular r:id="rId24"/>
-    </p:embeddedFont>
-    <p:embeddedFont>
-      <p:font typeface="Berthold Block" charset="1" panose="02000506040000020004"/>
-      <p:regular r:id="rId25"/>
-    </p:embeddedFont>
-    <p:embeddedFont>
-      <p:font typeface="Muli Regular Bold" charset="1" panose="00000700000000000000"/>
-      <p:regular r:id="rId26"/>
-    </p:embeddedFont>
-    <p:embeddedFont>
-      <p:font typeface="Space Mono" charset="1" panose="02000509040000020004"/>
       <p:regular r:id="rId27"/>
     </p:embeddedFont>
     <p:embeddedFont>
       <p:font typeface="Muli Regular" charset="1" panose="00000500000000000000"/>
       <p:regular r:id="rId28"/>
+    </p:embeddedFont>
+    <p:embeddedFont>
+      <p:font typeface="Space Mono" charset="1" panose="02000509040000020004"/>
+      <p:regular r:id="rId29"/>
+    </p:embeddedFont>
+    <p:embeddedFont>
+      <p:font typeface="Muli Bold Bold" charset="1" panose="00000900000000000000"/>
+      <p:regular r:id="rId30"/>
+    </p:embeddedFont>
+    <p:embeddedFont>
+      <p:font typeface="Inknut Antiqua Medium" charset="1" panose="00000600000000000000"/>
+      <p:regular r:id="rId31"/>
+    </p:embeddedFont>
+    <p:embeddedFont>
+      <p:font typeface="Berthold Block" charset="1" panose="02000506040000020004"/>
+      <p:regular r:id="rId32"/>
+    </p:embeddedFont>
+    <p:embeddedFont>
+      <p:font typeface="Muli Regular Bold" charset="1" panose="00000700000000000000"/>
+      <p:regular r:id="rId33"/>
     </p:embeddedFont>
   </p:embeddedFontLst>
   <p:defaultTextStyle>
@@ -3324,7 +3332,7 @@
         </p:nvSpPr>
         <p:spPr>
           <a:xfrm rot="0">
-            <a:off x="1028700" y="1218257"/>
+            <a:off x="1162163" y="3032387"/>
             <a:ext cx="7981837" cy="4317476"/>
           </a:xfrm>
           <a:prstGeom prst="rect">
@@ -3425,6 +3433,468 @@
 </file>
 
 <file path=ppt/slides/slide10.xml><?xml version="1.0" encoding="utf-8"?>
+<p:sld xmlns:p="http://schemas.openxmlformats.org/presentationml/2006/main" xmlns:a="http://schemas.openxmlformats.org/drawingml/2006/main">
+  <p:cSld>
+    <p:bg>
+      <p:bgPr>
+        <a:solidFill>
+          <a:srgbClr val="0048CD"/>
+        </a:solidFill>
+      </p:bgPr>
+    </p:bg>
+    <p:spTree>
+      <p:nvGrpSpPr>
+        <p:cNvPr id="1" name=""/>
+        <p:cNvGrpSpPr/>
+        <p:nvPr/>
+      </p:nvGrpSpPr>
+      <p:grpSpPr>
+        <a:xfrm>
+          <a:off x="0" y="0"/>
+          <a:ext cx="0" cy="0"/>
+          <a:chOff x="0" y="0"/>
+          <a:chExt cx="0" cy="0"/>
+        </a:xfrm>
+      </p:grpSpPr>
+      <p:sp>
+        <p:nvSpPr>
+          <p:cNvPr name="TextBox 2" id="2"/>
+          <p:cNvSpPr txBox="true"/>
+          <p:nvPr/>
+        </p:nvSpPr>
+        <p:spPr>
+          <a:xfrm rot="0">
+            <a:off x="1838574" y="1328390"/>
+            <a:ext cx="7150882" cy="614239"/>
+          </a:xfrm>
+          <a:prstGeom prst="rect">
+            <a:avLst/>
+          </a:prstGeom>
+        </p:spPr>
+        <p:txBody>
+          <a:bodyPr anchor="t" rtlCol="false" tIns="0" lIns="0" bIns="0" rIns="0">
+            <a:spAutoFit/>
+          </a:bodyPr>
+          <a:lstStyle/>
+          <a:p>
+            <a:pPr algn="ctr">
+              <a:lnSpc>
+                <a:spcPts val="5040"/>
+              </a:lnSpc>
+              <a:spcBef>
+                <a:spcPct val="0"/>
+              </a:spcBef>
+            </a:pPr>
+            <a:r>
+              <a:rPr lang="en-US" sz="3600">
+                <a:solidFill>
+                  <a:srgbClr val="0048CD"/>
+                </a:solidFill>
+                <a:latin typeface="Inknut Antiqua Medium"/>
+                <a:ea typeface="Inknut Antiqua Medium"/>
+                <a:cs typeface="Inknut Antiqua Medium"/>
+                <a:sym typeface="Inknut Antiqua Medium"/>
+              </a:rPr>
+              <a:t>3%</a:t>
+            </a:r>
+          </a:p>
+        </p:txBody>
+      </p:sp>
+      <p:grpSp>
+        <p:nvGrpSpPr>
+          <p:cNvPr name="Group 3" id="3"/>
+          <p:cNvGrpSpPr/>
+          <p:nvPr/>
+        </p:nvGrpSpPr>
+        <p:grpSpPr>
+          <a:xfrm rot="0">
+            <a:off x="1028700" y="1028700"/>
+            <a:ext cx="7198628" cy="2321124"/>
+            <a:chOff x="0" y="0"/>
+            <a:chExt cx="9598170" cy="3094832"/>
+          </a:xfrm>
+        </p:grpSpPr>
+        <p:sp>
+          <p:nvSpPr>
+            <p:cNvPr name="TextBox 4" id="4"/>
+            <p:cNvSpPr txBox="true"/>
+            <p:nvPr/>
+          </p:nvSpPr>
+          <p:spPr>
+            <a:xfrm rot="0">
+              <a:off x="0" y="76200"/>
+              <a:ext cx="9598170" cy="1552151"/>
+            </a:xfrm>
+            <a:prstGeom prst="rect">
+              <a:avLst/>
+            </a:prstGeom>
+          </p:spPr>
+          <p:txBody>
+            <a:bodyPr anchor="t" rtlCol="false" tIns="0" lIns="0" bIns="0" rIns="0">
+              <a:spAutoFit/>
+            </a:bodyPr>
+            <a:lstStyle/>
+            <a:p>
+              <a:pPr algn="l" marL="0" indent="0" lvl="1">
+                <a:lnSpc>
+                  <a:spcPts val="8816"/>
+                </a:lnSpc>
+                <a:spcBef>
+                  <a:spcPct val="0"/>
+                </a:spcBef>
+              </a:pPr>
+              <a:r>
+                <a:rPr lang="en-US" sz="8015" spc="-80" strike="noStrike" u="none">
+                  <a:solidFill>
+                    <a:srgbClr val="FFFFFF"/>
+                  </a:solidFill>
+                  <a:latin typeface="Muli Bold"/>
+                  <a:ea typeface="Muli Bold"/>
+                  <a:cs typeface="Muli Bold"/>
+                  <a:sym typeface="Muli Bold"/>
+                </a:rPr>
+                <a:t>Support Calls</a:t>
+              </a:r>
+            </a:p>
+          </p:txBody>
+        </p:sp>
+        <p:sp>
+          <p:nvSpPr>
+            <p:cNvPr name="TextBox 5" id="5"/>
+            <p:cNvSpPr txBox="true"/>
+            <p:nvPr/>
+          </p:nvSpPr>
+          <p:spPr>
+            <a:xfrm rot="0">
+              <a:off x="0" y="2408065"/>
+              <a:ext cx="8632717" cy="686768"/>
+            </a:xfrm>
+            <a:prstGeom prst="rect">
+              <a:avLst/>
+            </a:prstGeom>
+          </p:spPr>
+          <p:txBody>
+            <a:bodyPr anchor="t" rtlCol="false" tIns="0" lIns="0" bIns="0" rIns="0">
+              <a:spAutoFit/>
+            </a:bodyPr>
+            <a:lstStyle/>
+            <a:p>
+              <a:pPr algn="l">
+                <a:lnSpc>
+                  <a:spcPts val="4363"/>
+                </a:lnSpc>
+              </a:pPr>
+            </a:p>
+          </p:txBody>
+        </p:sp>
+      </p:grpSp>
+      <p:sp>
+        <p:nvSpPr>
+          <p:cNvPr name="TextBox 6" id="6"/>
+          <p:cNvSpPr txBox="true"/>
+          <p:nvPr/>
+        </p:nvSpPr>
+        <p:spPr>
+          <a:xfrm rot="0">
+            <a:off x="1028700" y="4010758"/>
+            <a:ext cx="6469324" cy="2198809"/>
+          </a:xfrm>
+          <a:prstGeom prst="rect">
+            <a:avLst/>
+          </a:prstGeom>
+        </p:spPr>
+        <p:txBody>
+          <a:bodyPr anchor="t" rtlCol="false" tIns="0" lIns="0" bIns="0" rIns="0">
+            <a:spAutoFit/>
+          </a:bodyPr>
+          <a:lstStyle/>
+          <a:p>
+            <a:pPr algn="ctr">
+              <a:lnSpc>
+                <a:spcPts val="4423"/>
+              </a:lnSpc>
+              <a:spcBef>
+                <a:spcPct val="0"/>
+              </a:spcBef>
+            </a:pPr>
+            <a:r>
+              <a:rPr lang="en-US" sz="3159">
+                <a:solidFill>
+                  <a:srgbClr val="FFFFFF"/>
+                </a:solidFill>
+                <a:latin typeface="Muli Regular Bold"/>
+                <a:ea typeface="Muli Regular Bold"/>
+                <a:cs typeface="Muli Regular Bold"/>
+                <a:sym typeface="Muli Regular Bold"/>
+              </a:rPr>
+              <a:t>The percentage of churners increases as the number of calls increases.</a:t>
+            </a:r>
+          </a:p>
+          <a:p>
+            <a:pPr algn="ctr">
+              <a:lnSpc>
+                <a:spcPts val="4423"/>
+              </a:lnSpc>
+              <a:spcBef>
+                <a:spcPct val="0"/>
+              </a:spcBef>
+            </a:pPr>
+          </a:p>
+        </p:txBody>
+      </p:sp>
+      <p:grpSp>
+        <p:nvGrpSpPr>
+          <p:cNvPr name="Group 7" id="7"/>
+          <p:cNvGrpSpPr/>
+          <p:nvPr/>
+        </p:nvGrpSpPr>
+        <p:grpSpPr>
+          <a:xfrm rot="0">
+            <a:off x="10022663" y="3424380"/>
+            <a:ext cx="5990275" cy="2574951"/>
+            <a:chOff x="0" y="0"/>
+            <a:chExt cx="3337488" cy="1434637"/>
+          </a:xfrm>
+        </p:grpSpPr>
+        <p:sp>
+          <p:nvSpPr>
+            <p:cNvPr name="Freeform 8" id="8"/>
+            <p:cNvSpPr/>
+            <p:nvPr/>
+          </p:nvSpPr>
+          <p:spPr>
+            <a:xfrm flipH="false" flipV="false" rot="0">
+              <a:off x="0" y="0"/>
+              <a:ext cx="3337488" cy="1434637"/>
+            </a:xfrm>
+            <a:custGeom>
+              <a:avLst/>
+              <a:gdLst/>
+              <a:ahLst/>
+              <a:cxnLst/>
+              <a:rect r="r" b="b" t="t" l="l"/>
+              <a:pathLst>
+                <a:path h="1434637" w="3337488">
+                  <a:moveTo>
+                    <a:pt x="3213028" y="1434636"/>
+                  </a:moveTo>
+                  <a:lnTo>
+                    <a:pt x="124460" y="1434636"/>
+                  </a:lnTo>
+                  <a:cubicBezTo>
+                    <a:pt x="55880" y="1434636"/>
+                    <a:pt x="0" y="1378757"/>
+                    <a:pt x="0" y="1310176"/>
+                  </a:cubicBezTo>
+                  <a:lnTo>
+                    <a:pt x="0" y="124460"/>
+                  </a:lnTo>
+                  <a:cubicBezTo>
+                    <a:pt x="0" y="55880"/>
+                    <a:pt x="55880" y="0"/>
+                    <a:pt x="124460" y="0"/>
+                  </a:cubicBezTo>
+                  <a:lnTo>
+                    <a:pt x="3213028" y="0"/>
+                  </a:lnTo>
+                  <a:cubicBezTo>
+                    <a:pt x="3281608" y="0"/>
+                    <a:pt x="3337488" y="55880"/>
+                    <a:pt x="3337488" y="124460"/>
+                  </a:cubicBezTo>
+                  <a:lnTo>
+                    <a:pt x="3337488" y="1310177"/>
+                  </a:lnTo>
+                  <a:cubicBezTo>
+                    <a:pt x="3337488" y="1378757"/>
+                    <a:pt x="3281608" y="1434637"/>
+                    <a:pt x="3213028" y="1434637"/>
+                  </a:cubicBezTo>
+                  <a:close/>
+                </a:path>
+              </a:pathLst>
+            </a:custGeom>
+            <a:solidFill>
+              <a:srgbClr val="FFFFFF"/>
+            </a:solidFill>
+          </p:spPr>
+        </p:sp>
+      </p:grpSp>
+      <p:grpSp>
+        <p:nvGrpSpPr>
+          <p:cNvPr name="Group 9" id="9"/>
+          <p:cNvGrpSpPr/>
+          <p:nvPr/>
+        </p:nvGrpSpPr>
+        <p:grpSpPr>
+          <a:xfrm rot="0">
+            <a:off x="10022663" y="4982022"/>
+            <a:ext cx="5990275" cy="2260812"/>
+            <a:chOff x="0" y="0"/>
+            <a:chExt cx="3337488" cy="1259613"/>
+          </a:xfrm>
+        </p:grpSpPr>
+        <p:sp>
+          <p:nvSpPr>
+            <p:cNvPr name="Freeform 10" id="10"/>
+            <p:cNvSpPr/>
+            <p:nvPr/>
+          </p:nvSpPr>
+          <p:spPr>
+            <a:xfrm flipH="false" flipV="false" rot="0">
+              <a:off x="0" y="0"/>
+              <a:ext cx="3337488" cy="1259614"/>
+            </a:xfrm>
+            <a:custGeom>
+              <a:avLst/>
+              <a:gdLst/>
+              <a:ahLst/>
+              <a:cxnLst/>
+              <a:rect r="r" b="b" t="t" l="l"/>
+              <a:pathLst>
+                <a:path h="1259614" w="3337488">
+                  <a:moveTo>
+                    <a:pt x="3213028" y="1259613"/>
+                  </a:moveTo>
+                  <a:lnTo>
+                    <a:pt x="124460" y="1259613"/>
+                  </a:lnTo>
+                  <a:cubicBezTo>
+                    <a:pt x="55880" y="1259613"/>
+                    <a:pt x="0" y="1203734"/>
+                    <a:pt x="0" y="1135153"/>
+                  </a:cubicBezTo>
+                  <a:lnTo>
+                    <a:pt x="0" y="124460"/>
+                  </a:lnTo>
+                  <a:cubicBezTo>
+                    <a:pt x="0" y="55880"/>
+                    <a:pt x="55880" y="0"/>
+                    <a:pt x="124460" y="0"/>
+                  </a:cubicBezTo>
+                  <a:lnTo>
+                    <a:pt x="3213028" y="0"/>
+                  </a:lnTo>
+                  <a:cubicBezTo>
+                    <a:pt x="3281608" y="0"/>
+                    <a:pt x="3337488" y="55880"/>
+                    <a:pt x="3337488" y="124460"/>
+                  </a:cubicBezTo>
+                  <a:lnTo>
+                    <a:pt x="3337488" y="1135154"/>
+                  </a:lnTo>
+                  <a:cubicBezTo>
+                    <a:pt x="3337488" y="1203734"/>
+                    <a:pt x="3281608" y="1259614"/>
+                    <a:pt x="3213028" y="1259614"/>
+                  </a:cubicBezTo>
+                  <a:close/>
+                </a:path>
+              </a:pathLst>
+            </a:custGeom>
+            <a:solidFill>
+              <a:srgbClr val="75C7FB"/>
+            </a:solidFill>
+          </p:spPr>
+        </p:sp>
+      </p:grpSp>
+      <p:sp>
+        <p:nvSpPr>
+          <p:cNvPr name="TextBox 11" id="11"/>
+          <p:cNvSpPr txBox="true"/>
+          <p:nvPr/>
+        </p:nvSpPr>
+        <p:spPr>
+          <a:xfrm rot="0">
+            <a:off x="10022663" y="3789186"/>
+            <a:ext cx="5990275" cy="994504"/>
+          </a:xfrm>
+          <a:prstGeom prst="rect">
+            <a:avLst/>
+          </a:prstGeom>
+        </p:spPr>
+        <p:txBody>
+          <a:bodyPr anchor="t" rtlCol="false" tIns="0" lIns="0" bIns="0" rIns="0">
+            <a:spAutoFit/>
+          </a:bodyPr>
+          <a:lstStyle/>
+          <a:p>
+            <a:pPr algn="ctr">
+              <a:lnSpc>
+                <a:spcPts val="3984"/>
+              </a:lnSpc>
+              <a:spcBef>
+                <a:spcPct val="0"/>
+              </a:spcBef>
+            </a:pPr>
+            <a:r>
+              <a:rPr lang="en-US" sz="2846">
+                <a:solidFill>
+                  <a:srgbClr val="0048CD"/>
+                </a:solidFill>
+                <a:latin typeface="Inknut Antiqua Medium"/>
+                <a:ea typeface="Inknut Antiqua Medium"/>
+                <a:cs typeface="Inknut Antiqua Medium"/>
+                <a:sym typeface="Inknut Antiqua Medium"/>
+              </a:rPr>
+              <a:t>Avg. Customers Support Calls</a:t>
+            </a:r>
+          </a:p>
+        </p:txBody>
+      </p:sp>
+      <p:sp>
+        <p:nvSpPr>
+          <p:cNvPr name="TextBox 12" id="12"/>
+          <p:cNvSpPr txBox="true"/>
+          <p:nvPr/>
+        </p:nvSpPr>
+        <p:spPr>
+          <a:xfrm rot="0">
+            <a:off x="12603514" y="5163102"/>
+            <a:ext cx="828574" cy="1708151"/>
+          </a:xfrm>
+          <a:prstGeom prst="rect">
+            <a:avLst/>
+          </a:prstGeom>
+        </p:spPr>
+        <p:txBody>
+          <a:bodyPr anchor="t" rtlCol="false" tIns="0" lIns="0" bIns="0" rIns="0">
+            <a:spAutoFit/>
+          </a:bodyPr>
+          <a:lstStyle/>
+          <a:p>
+            <a:pPr algn="ctr" marL="0" indent="0" lvl="0">
+              <a:lnSpc>
+                <a:spcPts val="13999"/>
+              </a:lnSpc>
+              <a:spcBef>
+                <a:spcPct val="0"/>
+              </a:spcBef>
+            </a:pPr>
+            <a:r>
+              <a:rPr lang="en-US" sz="9999">
+                <a:solidFill>
+                  <a:srgbClr val="000000"/>
+                </a:solidFill>
+                <a:latin typeface="Muli Bold"/>
+                <a:ea typeface="Muli Bold"/>
+                <a:cs typeface="Muli Bold"/>
+                <a:sym typeface="Muli Bold"/>
+              </a:rPr>
+              <a:t>3</a:t>
+            </a:r>
+          </a:p>
+        </p:txBody>
+      </p:sp>
+    </p:spTree>
+  </p:cSld>
+  <p:clrMapOvr>
+    <a:masterClrMapping/>
+  </p:clrMapOvr>
+</p:sld>
+</file>
+
+<file path=ppt/slides/slide11.xml><?xml version="1.0" encoding="utf-8"?>
 <p:sld xmlns:p="http://schemas.openxmlformats.org/presentationml/2006/main" xmlns:a="http://schemas.openxmlformats.org/drawingml/2006/main" xmlns:r="http://schemas.openxmlformats.org/officeDocument/2006/relationships">
   <p:cSld>
     <p:bg>
@@ -3456,8 +3926,8 @@
         </p:nvSpPr>
         <p:spPr>
           <a:xfrm flipH="false" flipV="false" rot="0">
-            <a:off x="8259728" y="2442292"/>
-            <a:ext cx="10028272" cy="6059770"/>
+            <a:off x="7821045" y="2725089"/>
+            <a:ext cx="10118005" cy="5830154"/>
           </a:xfrm>
           <a:custGeom>
             <a:avLst/>
@@ -3466,18 +3936,18 @@
             <a:cxnLst/>
             <a:rect r="r" b="b" t="t" l="l"/>
             <a:pathLst>
-              <a:path h="6059770" w="10028272">
+              <a:path h="5830154" w="10118005">
                 <a:moveTo>
                   <a:pt x="0" y="0"/>
                 </a:moveTo>
                 <a:lnTo>
-                  <a:pt x="10028272" y="0"/>
-                </a:lnTo>
-                <a:lnTo>
-                  <a:pt x="10028272" y="6059770"/>
-                </a:lnTo>
-                <a:lnTo>
-                  <a:pt x="0" y="6059770"/>
+                  <a:pt x="10118005" y="0"/>
+                </a:lnTo>
+                <a:lnTo>
+                  <a:pt x="10118005" y="5830154"/>
+                </a:lnTo>
+                <a:lnTo>
+                  <a:pt x="0" y="5830154"/>
                 </a:lnTo>
                 <a:lnTo>
                   <a:pt x="0" y="0"/>
@@ -3489,35 +3959,79 @@
           <a:blipFill>
             <a:blip r:embed="rId2"/>
             <a:stretch>
-              <a:fillRect l="-123" t="0" r="-1387" b="0"/>
+              <a:fillRect l="0" t="-548" r="0" b="-548"/>
             </a:stretch>
           </a:blipFill>
         </p:spPr>
       </p:sp>
+      <p:sp>
+        <p:nvSpPr>
+          <p:cNvPr name="TextBox 3" id="3"/>
+          <p:cNvSpPr txBox="true"/>
+          <p:nvPr/>
+        </p:nvSpPr>
+        <p:spPr>
+          <a:xfrm rot="0">
+            <a:off x="1838574" y="1328390"/>
+            <a:ext cx="7150882" cy="614239"/>
+          </a:xfrm>
+          <a:prstGeom prst="rect">
+            <a:avLst/>
+          </a:prstGeom>
+        </p:spPr>
+        <p:txBody>
+          <a:bodyPr anchor="t" rtlCol="false" tIns="0" lIns="0" bIns="0" rIns="0">
+            <a:spAutoFit/>
+          </a:bodyPr>
+          <a:lstStyle/>
+          <a:p>
+            <a:pPr algn="ctr">
+              <a:lnSpc>
+                <a:spcPts val="5040"/>
+              </a:lnSpc>
+              <a:spcBef>
+                <a:spcPct val="0"/>
+              </a:spcBef>
+            </a:pPr>
+            <a:r>
+              <a:rPr lang="en-US" sz="3600">
+                <a:solidFill>
+                  <a:srgbClr val="0048CD"/>
+                </a:solidFill>
+                <a:latin typeface="Inknut Antiqua Medium"/>
+                <a:ea typeface="Inknut Antiqua Medium"/>
+                <a:cs typeface="Inknut Antiqua Medium"/>
+                <a:sym typeface="Inknut Antiqua Medium"/>
+              </a:rPr>
+              <a:t>3%</a:t>
+            </a:r>
+          </a:p>
+        </p:txBody>
+      </p:sp>
       <p:grpSp>
         <p:nvGrpSpPr>
-          <p:cNvPr name="Group 3" id="3"/>
+          <p:cNvPr name="Group 4" id="4"/>
           <p:cNvGrpSpPr/>
           <p:nvPr/>
         </p:nvGrpSpPr>
         <p:grpSpPr>
           <a:xfrm rot="0">
             <a:off x="1028700" y="1028700"/>
-            <a:ext cx="10135560" cy="2321124"/>
+            <a:ext cx="7198628" cy="2321124"/>
             <a:chOff x="0" y="0"/>
-            <a:chExt cx="13514080" cy="3094832"/>
+            <a:chExt cx="9598170" cy="3094832"/>
           </a:xfrm>
         </p:grpSpPr>
         <p:sp>
           <p:nvSpPr>
-            <p:cNvPr name="TextBox 4" id="4"/>
+            <p:cNvPr name="TextBox 5" id="5"/>
             <p:cNvSpPr txBox="true"/>
             <p:nvPr/>
           </p:nvSpPr>
           <p:spPr>
             <a:xfrm rot="0">
               <a:off x="0" y="76200"/>
-              <a:ext cx="13514080" cy="1552151"/>
+              <a:ext cx="9598170" cy="1552151"/>
             </a:xfrm>
             <a:prstGeom prst="rect">
               <a:avLst/>
@@ -3529,13 +4043,16 @@
             </a:bodyPr>
             <a:lstStyle/>
             <a:p>
-              <a:pPr algn="l">
+              <a:pPr algn="l" marL="0" indent="0" lvl="1">
                 <a:lnSpc>
                   <a:spcPts val="8816"/>
                 </a:lnSpc>
+                <a:spcBef>
+                  <a:spcPct val="0"/>
+                </a:spcBef>
               </a:pPr>
               <a:r>
-                <a:rPr lang="en-US" sz="8015" spc="-80">
+                <a:rPr lang="en-US" sz="8015" spc="-80" strike="noStrike" u="none">
                   <a:solidFill>
                     <a:srgbClr val="FFFFFF"/>
                   </a:solidFill>
@@ -3544,21 +4061,21 @@
                   <a:cs typeface="Muli Bold"/>
                   <a:sym typeface="Muli Bold"/>
                 </a:rPr>
-                <a:t>Contract Length</a:t>
+                <a:t>Support Calls</a:t>
               </a:r>
             </a:p>
           </p:txBody>
         </p:sp>
         <p:sp>
           <p:nvSpPr>
-            <p:cNvPr name="TextBox 5" id="5"/>
+            <p:cNvPr name="TextBox 6" id="6"/>
             <p:cNvSpPr txBox="true"/>
             <p:nvPr/>
           </p:nvSpPr>
           <p:spPr>
             <a:xfrm rot="0">
-              <a:off x="0" y="2408064"/>
-              <a:ext cx="12154737" cy="686768"/>
+              <a:off x="0" y="2408065"/>
+              <a:ext cx="8632717" cy="686768"/>
             </a:xfrm>
             <a:prstGeom prst="rect">
               <a:avLst/>
@@ -3581,14 +4098,14 @@
       </p:grpSp>
       <p:sp>
         <p:nvSpPr>
-          <p:cNvPr name="TextBox 6" id="6"/>
+          <p:cNvPr name="TextBox 7" id="7"/>
           <p:cNvSpPr txBox="true"/>
           <p:nvPr/>
         </p:nvSpPr>
         <p:spPr>
           <a:xfrm rot="0">
-            <a:off x="1300059" y="3019298"/>
-            <a:ext cx="5401937" cy="4829558"/>
+            <a:off x="1028700" y="3048488"/>
+            <a:ext cx="6608652" cy="4964291"/>
           </a:xfrm>
           <a:prstGeom prst="rect">
             <a:avLst/>
@@ -3600,16 +4117,16 @@
           </a:bodyPr>
           <a:lstStyle/>
           <a:p>
-            <a:pPr algn="ctr" marL="0" indent="0" lvl="0">
+            <a:pPr algn="ctr">
               <a:lnSpc>
-                <a:spcPts val="5474"/>
+                <a:spcPts val="4423"/>
               </a:lnSpc>
               <a:spcBef>
                 <a:spcPct val="0"/>
               </a:spcBef>
             </a:pPr>
             <a:r>
-              <a:rPr lang="en-US" sz="3910" strike="noStrike" u="none">
+              <a:rPr lang="en-US" sz="3159">
                 <a:solidFill>
                   <a:srgbClr val="FFFFFF"/>
                 </a:solidFill>
@@ -3618,222 +4135,41 @@
                 <a:cs typeface="Muli Regular Bold"/>
                 <a:sym typeface="Muli Regular Bold"/>
               </a:rPr>
-              <a:t>Almost half of customers with annual and quarterly contracts churn, but customers with monthly contracts all churn</a:t>
-            </a:r>
-          </a:p>
-        </p:txBody>
-      </p:sp>
-    </p:spTree>
-  </p:cSld>
-  <p:clrMapOvr>
-    <a:masterClrMapping/>
-  </p:clrMapOvr>
-</p:sld>
-</file>
-
-<file path=ppt/slides/slide11.xml><?xml version="1.0" encoding="utf-8"?>
-<p:sld xmlns:p="http://schemas.openxmlformats.org/presentationml/2006/main" xmlns:a="http://schemas.openxmlformats.org/drawingml/2006/main" xmlns:r="http://schemas.openxmlformats.org/officeDocument/2006/relationships">
-  <p:cSld>
-    <p:spTree>
-      <p:nvGrpSpPr>
-        <p:cNvPr id="1" name=""/>
-        <p:cNvGrpSpPr/>
-        <p:nvPr/>
-      </p:nvGrpSpPr>
-      <p:grpSpPr>
-        <a:xfrm>
-          <a:off x="0" y="0"/>
-          <a:ext cx="0" cy="0"/>
-          <a:chOff x="0" y="0"/>
-          <a:chExt cx="0" cy="0"/>
-        </a:xfrm>
-      </p:grpSpPr>
-      <p:sp>
-        <p:nvSpPr>
-          <p:cNvPr name="Freeform 2" id="2"/>
-          <p:cNvSpPr/>
-          <p:nvPr/>
-        </p:nvSpPr>
-        <p:spPr>
-          <a:xfrm flipH="false" flipV="false" rot="0">
-            <a:off x="0" y="0"/>
-            <a:ext cx="18288000" cy="10287000"/>
-          </a:xfrm>
-          <a:custGeom>
-            <a:avLst/>
-            <a:gdLst/>
-            <a:ahLst/>
-            <a:cxnLst/>
-            <a:rect r="r" b="b" t="t" l="l"/>
-            <a:pathLst>
-              <a:path h="10287000" w="18288000">
-                <a:moveTo>
-                  <a:pt x="0" y="0"/>
-                </a:moveTo>
-                <a:lnTo>
-                  <a:pt x="18288000" y="0"/>
-                </a:lnTo>
-                <a:lnTo>
-                  <a:pt x="18288000" y="10287000"/>
-                </a:lnTo>
-                <a:lnTo>
-                  <a:pt x="0" y="10287000"/>
-                </a:lnTo>
-                <a:lnTo>
-                  <a:pt x="0" y="0"/>
-                </a:lnTo>
-                <a:close/>
-              </a:path>
-            </a:pathLst>
-          </a:custGeom>
-          <a:blipFill>
-            <a:blip r:embed="rId2"/>
-            <a:stretch>
-              <a:fillRect l="0" t="0" r="0" b="0"/>
-            </a:stretch>
-          </a:blipFill>
-        </p:spPr>
-      </p:sp>
-      <p:grpSp>
-        <p:nvGrpSpPr>
-          <p:cNvPr name="Group 3" id="3"/>
-          <p:cNvGrpSpPr/>
-          <p:nvPr/>
-        </p:nvGrpSpPr>
-        <p:grpSpPr>
-          <a:xfrm rot="-5400000">
-            <a:off x="11585909" y="2264932"/>
-            <a:ext cx="5689479" cy="3682561"/>
-            <a:chOff x="0" y="0"/>
-            <a:chExt cx="1923367" cy="1244915"/>
-          </a:xfrm>
-        </p:grpSpPr>
-        <p:sp>
-          <p:nvSpPr>
-            <p:cNvPr name="Freeform 4" id="4"/>
-            <p:cNvSpPr/>
-            <p:nvPr/>
-          </p:nvSpPr>
-          <p:spPr>
-            <a:xfrm flipH="false" flipV="false" rot="0">
-              <a:off x="0" y="0"/>
-              <a:ext cx="1923367" cy="1244915"/>
-            </a:xfrm>
-            <a:custGeom>
-              <a:avLst/>
-              <a:gdLst/>
-              <a:ahLst/>
-              <a:cxnLst/>
-              <a:rect r="r" b="b" t="t" l="l"/>
-              <a:pathLst>
-                <a:path h="1244915" w="1923367">
-                  <a:moveTo>
-                    <a:pt x="1798906" y="1244915"/>
-                  </a:moveTo>
-                  <a:lnTo>
-                    <a:pt x="124460" y="1244915"/>
-                  </a:lnTo>
-                  <a:cubicBezTo>
-                    <a:pt x="55880" y="1244915"/>
-                    <a:pt x="0" y="1189035"/>
-                    <a:pt x="0" y="1120454"/>
-                  </a:cubicBezTo>
-                  <a:lnTo>
-                    <a:pt x="0" y="124460"/>
-                  </a:lnTo>
-                  <a:cubicBezTo>
-                    <a:pt x="0" y="55880"/>
-                    <a:pt x="55880" y="0"/>
-                    <a:pt x="124460" y="0"/>
-                  </a:cubicBezTo>
-                  <a:lnTo>
-                    <a:pt x="1798907" y="0"/>
-                  </a:lnTo>
-                  <a:cubicBezTo>
-                    <a:pt x="1867487" y="0"/>
-                    <a:pt x="1923367" y="55880"/>
-                    <a:pt x="1923367" y="124460"/>
-                  </a:cubicBezTo>
-                  <a:lnTo>
-                    <a:pt x="1923367" y="1120455"/>
-                  </a:lnTo>
-                  <a:cubicBezTo>
-                    <a:pt x="1923367" y="1189035"/>
-                    <a:pt x="1867487" y="1244915"/>
-                    <a:pt x="1798907" y="1244915"/>
-                  </a:cubicBezTo>
-                  <a:close/>
-                </a:path>
-              </a:pathLst>
-            </a:custGeom>
-            <a:solidFill>
-              <a:srgbClr val="75C7FB"/>
-            </a:solidFill>
-          </p:spPr>
-        </p:sp>
-      </p:grpSp>
-      <p:sp>
-        <p:nvSpPr>
-          <p:cNvPr name="Freeform 5" id="5"/>
-          <p:cNvSpPr/>
-          <p:nvPr/>
-        </p:nvSpPr>
-        <p:spPr>
-          <a:xfrm flipH="false" flipV="false" rot="0">
-            <a:off x="8874660" y="2229526"/>
-            <a:ext cx="7760318" cy="6712675"/>
-          </a:xfrm>
-          <a:custGeom>
-            <a:avLst/>
-            <a:gdLst/>
-            <a:ahLst/>
-            <a:cxnLst/>
-            <a:rect r="r" b="b" t="t" l="l"/>
-            <a:pathLst>
-              <a:path h="6712675" w="7760318">
-                <a:moveTo>
-                  <a:pt x="0" y="0"/>
-                </a:moveTo>
-                <a:lnTo>
-                  <a:pt x="7760318" y="0"/>
-                </a:lnTo>
-                <a:lnTo>
-                  <a:pt x="7760318" y="6712675"/>
-                </a:lnTo>
-                <a:lnTo>
-                  <a:pt x="0" y="6712675"/>
-                </a:lnTo>
-                <a:lnTo>
-                  <a:pt x="0" y="0"/>
-                </a:lnTo>
-                <a:close/>
-              </a:path>
-            </a:pathLst>
-          </a:custGeom>
-          <a:blipFill>
-            <a:blip r:embed="rId3">
-              <a:extLst>
-                <a:ext uri="{96DAC541-7B7A-43D3-8B79-37D633B846F1}">
-                  <asvg:svgBlip xmlns:asvg="http://schemas.microsoft.com/office/drawing/2016/SVG/main" r:embed="rId4"/>
-                </a:ext>
-              </a:extLst>
-            </a:blip>
-            <a:stretch>
-              <a:fillRect l="0" t="0" r="0" b="0"/>
-            </a:stretch>
-          </a:blipFill>
-        </p:spPr>
-      </p:sp>
-      <p:sp>
-        <p:nvSpPr>
-          <p:cNvPr name="TextBox 6" id="6"/>
+              <a:t>There is an inverse relationship between customers who experience churn and customers who contact customer service. The more times the customer contacts, the more likely they are to experience churn.</a:t>
+            </a:r>
+          </a:p>
+          <a:p>
+            <a:pPr algn="ctr">
+              <a:lnSpc>
+                <a:spcPts val="4423"/>
+              </a:lnSpc>
+              <a:spcBef>
+                <a:spcPct val="0"/>
+              </a:spcBef>
+            </a:pPr>
+          </a:p>
+          <a:p>
+            <a:pPr algn="ctr">
+              <a:lnSpc>
+                <a:spcPts val="4423"/>
+              </a:lnSpc>
+              <a:spcBef>
+                <a:spcPct val="0"/>
+              </a:spcBef>
+            </a:pPr>
+          </a:p>
+        </p:txBody>
+      </p:sp>
+      <p:sp>
+        <p:nvSpPr>
+          <p:cNvPr name="TextBox 8" id="8"/>
           <p:cNvSpPr txBox="true"/>
           <p:nvPr/>
         </p:nvSpPr>
         <p:spPr>
           <a:xfrm rot="0">
-            <a:off x="819963" y="4674918"/>
-            <a:ext cx="7845960" cy="1013364"/>
+            <a:off x="9466419" y="1439090"/>
+            <a:ext cx="6827257" cy="563146"/>
           </a:xfrm>
           <a:prstGeom prst="rect">
             <a:avLst/>
@@ -3845,22 +4181,22 @@
           </a:bodyPr>
           <a:lstStyle/>
           <a:p>
-            <a:pPr algn="l">
+            <a:pPr algn="ctr">
               <a:lnSpc>
-                <a:spcPts val="7920"/>
+                <a:spcPts val="4660"/>
               </a:lnSpc>
             </a:pPr>
             <a:r>
-              <a:rPr lang="en-US" sz="7200" spc="-72">
+              <a:rPr lang="en-US" sz="3328">
                 <a:solidFill>
-                  <a:srgbClr val="0048CD"/>
+                  <a:srgbClr val="FFFFFF"/>
                 </a:solidFill>
-                <a:latin typeface="Muli Bold"/>
-                <a:ea typeface="Muli Bold"/>
-                <a:cs typeface="Muli Bold"/>
-                <a:sym typeface="Muli Bold"/>
+                <a:latin typeface="Muli Regular Bold"/>
+                <a:ea typeface="Muli Regular Bold"/>
+                <a:cs typeface="Muli Regular Bold"/>
+                <a:sym typeface="Muli Regular Bold"/>
               </a:rPr>
-              <a:t>Recommendaions</a:t>
+              <a:t>Churners By Support Calls</a:t>
             </a:r>
           </a:p>
         </p:txBody>
@@ -3905,8 +4241,8 @@
         </p:nvSpPr>
         <p:spPr>
           <a:xfrm flipH="false" flipV="false" rot="0">
-            <a:off x="1028700" y="7108868"/>
-            <a:ext cx="1821325" cy="1693833"/>
+            <a:off x="9153525" y="2609217"/>
+            <a:ext cx="8115300" cy="6273222"/>
           </a:xfrm>
           <a:custGeom>
             <a:avLst/>
@@ -3915,18 +4251,18 @@
             <a:cxnLst/>
             <a:rect r="r" b="b" t="t" l="l"/>
             <a:pathLst>
-              <a:path h="1693833" w="1821325">
+              <a:path h="6273222" w="8115300">
                 <a:moveTo>
                   <a:pt x="0" y="0"/>
                 </a:moveTo>
                 <a:lnTo>
-                  <a:pt x="1821325" y="0"/>
-                </a:lnTo>
-                <a:lnTo>
-                  <a:pt x="1821325" y="1693833"/>
-                </a:lnTo>
-                <a:lnTo>
-                  <a:pt x="0" y="1693833"/>
+                  <a:pt x="8115300" y="0"/>
+                </a:lnTo>
+                <a:lnTo>
+                  <a:pt x="8115300" y="6273222"/>
+                </a:lnTo>
+                <a:lnTo>
+                  <a:pt x="0" y="6273222"/>
                 </a:lnTo>
                 <a:lnTo>
                   <a:pt x="0" y="0"/>
@@ -3936,15 +4272,9 @@
             </a:pathLst>
           </a:custGeom>
           <a:blipFill>
-            <a:blip r:embed="rId2">
-              <a:extLst>
-                <a:ext uri="{96DAC541-7B7A-43D3-8B79-37D633B846F1}">
-                  <asvg:svgBlip xmlns:asvg="http://schemas.microsoft.com/office/drawing/2016/SVG/main" r:embed="rId3"/>
-                </a:ext>
-              </a:extLst>
-            </a:blip>
+            <a:blip r:embed="rId2"/>
             <a:stretch>
-              <a:fillRect l="0" t="0" r="0" b="0"/>
+              <a:fillRect l="-19689" t="0" r="-12678" b="0"/>
             </a:stretch>
           </a:blipFill>
         </p:spPr>
@@ -3957,858 +4287,22 @@
         </p:nvGrpSpPr>
         <p:grpSpPr>
           <a:xfrm rot="0">
-            <a:off x="1939363" y="1115600"/>
-            <a:ext cx="4829934" cy="6840184"/>
+            <a:off x="1028700" y="1028700"/>
+            <a:ext cx="9373923" cy="2227008"/>
             <a:chOff x="0" y="0"/>
-            <a:chExt cx="3098198" cy="4387689"/>
+            <a:chExt cx="12498564" cy="2969345"/>
           </a:xfrm>
         </p:grpSpPr>
         <p:sp>
           <p:nvSpPr>
-            <p:cNvPr name="Freeform 4" id="4"/>
-            <p:cNvSpPr/>
-            <p:nvPr/>
-          </p:nvSpPr>
-          <p:spPr>
-            <a:xfrm flipH="false" flipV="false" rot="0">
-              <a:off x="0" y="0"/>
-              <a:ext cx="3098198" cy="4387689"/>
-            </a:xfrm>
-            <a:custGeom>
-              <a:avLst/>
-              <a:gdLst/>
-              <a:ahLst/>
-              <a:cxnLst/>
-              <a:rect r="r" b="b" t="t" l="l"/>
-              <a:pathLst>
-                <a:path h="4387689" w="3098198">
-                  <a:moveTo>
-                    <a:pt x="2973738" y="4387688"/>
-                  </a:moveTo>
-                  <a:lnTo>
-                    <a:pt x="124460" y="4387688"/>
-                  </a:lnTo>
-                  <a:cubicBezTo>
-                    <a:pt x="55880" y="4387688"/>
-                    <a:pt x="0" y="4331808"/>
-                    <a:pt x="0" y="4263229"/>
-                  </a:cubicBezTo>
-                  <a:lnTo>
-                    <a:pt x="0" y="124460"/>
-                  </a:lnTo>
-                  <a:cubicBezTo>
-                    <a:pt x="0" y="55880"/>
-                    <a:pt x="55880" y="0"/>
-                    <a:pt x="124460" y="0"/>
-                  </a:cubicBezTo>
-                  <a:lnTo>
-                    <a:pt x="2973738" y="0"/>
-                  </a:lnTo>
-                  <a:cubicBezTo>
-                    <a:pt x="3042318" y="0"/>
-                    <a:pt x="3098198" y="55880"/>
-                    <a:pt x="3098198" y="124460"/>
-                  </a:cubicBezTo>
-                  <a:lnTo>
-                    <a:pt x="3098198" y="4263229"/>
-                  </a:lnTo>
-                  <a:cubicBezTo>
-                    <a:pt x="3098198" y="4331808"/>
-                    <a:pt x="3042318" y="4387689"/>
-                    <a:pt x="2973738" y="4387689"/>
-                  </a:cubicBezTo>
-                  <a:close/>
-                </a:path>
-              </a:pathLst>
-            </a:custGeom>
-            <a:solidFill>
-              <a:srgbClr val="75C7FB"/>
-            </a:solidFill>
-          </p:spPr>
-        </p:sp>
-      </p:grpSp>
-      <p:grpSp>
-        <p:nvGrpSpPr>
-          <p:cNvPr name="Group 5" id="5"/>
-          <p:cNvGrpSpPr/>
-          <p:nvPr/>
-        </p:nvGrpSpPr>
-        <p:grpSpPr>
-          <a:xfrm rot="0">
-            <a:off x="1561234" y="5803331"/>
-            <a:ext cx="8468472" cy="1574304"/>
-            <a:chOff x="0" y="0"/>
-            <a:chExt cx="5432166" cy="1009849"/>
-          </a:xfrm>
-        </p:grpSpPr>
-        <p:sp>
-          <p:nvSpPr>
-            <p:cNvPr name="Freeform 6" id="6"/>
-            <p:cNvSpPr/>
-            <p:nvPr/>
-          </p:nvSpPr>
-          <p:spPr>
-            <a:xfrm flipH="false" flipV="false" rot="0">
-              <a:off x="0" y="0"/>
-              <a:ext cx="5432166" cy="1009850"/>
-            </a:xfrm>
-            <a:custGeom>
-              <a:avLst/>
-              <a:gdLst/>
-              <a:ahLst/>
-              <a:cxnLst/>
-              <a:rect r="r" b="b" t="t" l="l"/>
-              <a:pathLst>
-                <a:path h="1009850" w="5432166">
-                  <a:moveTo>
-                    <a:pt x="5307706" y="1009849"/>
-                  </a:moveTo>
-                  <a:lnTo>
-                    <a:pt x="124460" y="1009849"/>
-                  </a:lnTo>
-                  <a:cubicBezTo>
-                    <a:pt x="55880" y="1009849"/>
-                    <a:pt x="0" y="953969"/>
-                    <a:pt x="0" y="885389"/>
-                  </a:cubicBezTo>
-                  <a:lnTo>
-                    <a:pt x="0" y="124460"/>
-                  </a:lnTo>
-                  <a:cubicBezTo>
-                    <a:pt x="0" y="55880"/>
-                    <a:pt x="55880" y="0"/>
-                    <a:pt x="124460" y="0"/>
-                  </a:cubicBezTo>
-                  <a:lnTo>
-                    <a:pt x="5307706" y="0"/>
-                  </a:lnTo>
-                  <a:cubicBezTo>
-                    <a:pt x="5376286" y="0"/>
-                    <a:pt x="5432166" y="55880"/>
-                    <a:pt x="5432166" y="124460"/>
-                  </a:cubicBezTo>
-                  <a:lnTo>
-                    <a:pt x="5432166" y="885389"/>
-                  </a:lnTo>
-                  <a:cubicBezTo>
-                    <a:pt x="5432166" y="953969"/>
-                    <a:pt x="5376286" y="1009850"/>
-                    <a:pt x="5307706" y="1009850"/>
-                  </a:cubicBezTo>
-                  <a:close/>
-                </a:path>
-              </a:pathLst>
-            </a:custGeom>
-            <a:solidFill>
-              <a:srgbClr val="FFFFFF"/>
-            </a:solidFill>
-          </p:spPr>
-        </p:sp>
-      </p:grpSp>
-      <p:sp>
-        <p:nvSpPr>
-          <p:cNvPr name="Freeform 7" id="7"/>
-          <p:cNvSpPr/>
-          <p:nvPr/>
-        </p:nvSpPr>
-        <p:spPr>
-          <a:xfrm flipH="false" flipV="false" rot="0">
-            <a:off x="772306" y="5801555"/>
-            <a:ext cx="1577856" cy="1577856"/>
-          </a:xfrm>
-          <a:custGeom>
-            <a:avLst/>
-            <a:gdLst/>
-            <a:ahLst/>
-            <a:cxnLst/>
-            <a:rect r="r" b="b" t="t" l="l"/>
-            <a:pathLst>
-              <a:path h="1577856" w="1577856">
-                <a:moveTo>
-                  <a:pt x="0" y="0"/>
-                </a:moveTo>
-                <a:lnTo>
-                  <a:pt x="1577856" y="0"/>
-                </a:lnTo>
-                <a:lnTo>
-                  <a:pt x="1577856" y="1577856"/>
-                </a:lnTo>
-                <a:lnTo>
-                  <a:pt x="0" y="1577856"/>
-                </a:lnTo>
-                <a:lnTo>
-                  <a:pt x="0" y="0"/>
-                </a:lnTo>
-                <a:close/>
-              </a:path>
-            </a:pathLst>
-          </a:custGeom>
-          <a:blipFill>
-            <a:blip r:embed="rId4">
-              <a:extLst>
-                <a:ext uri="{96DAC541-7B7A-43D3-8B79-37D633B846F1}">
-                  <asvg:svgBlip xmlns:asvg="http://schemas.microsoft.com/office/drawing/2016/SVG/main" r:embed="rId5"/>
-                </a:ext>
-              </a:extLst>
-            </a:blip>
-            <a:stretch>
-              <a:fillRect l="0" t="0" r="0" b="0"/>
-            </a:stretch>
-          </a:blipFill>
-        </p:spPr>
-      </p:sp>
-      <p:grpSp>
-        <p:nvGrpSpPr>
-          <p:cNvPr name="Group 8" id="8"/>
-          <p:cNvGrpSpPr/>
-          <p:nvPr/>
-        </p:nvGrpSpPr>
-        <p:grpSpPr>
-          <a:xfrm rot="0">
-            <a:off x="1561234" y="3803149"/>
-            <a:ext cx="8468472" cy="1574304"/>
-            <a:chOff x="0" y="0"/>
-            <a:chExt cx="5432166" cy="1009849"/>
-          </a:xfrm>
-        </p:grpSpPr>
-        <p:sp>
-          <p:nvSpPr>
-            <p:cNvPr name="Freeform 9" id="9"/>
-            <p:cNvSpPr/>
-            <p:nvPr/>
-          </p:nvSpPr>
-          <p:spPr>
-            <a:xfrm flipH="false" flipV="false" rot="0">
-              <a:off x="0" y="0"/>
-              <a:ext cx="5432166" cy="1009850"/>
-            </a:xfrm>
-            <a:custGeom>
-              <a:avLst/>
-              <a:gdLst/>
-              <a:ahLst/>
-              <a:cxnLst/>
-              <a:rect r="r" b="b" t="t" l="l"/>
-              <a:pathLst>
-                <a:path h="1009850" w="5432166">
-                  <a:moveTo>
-                    <a:pt x="5307706" y="1009849"/>
-                  </a:moveTo>
-                  <a:lnTo>
-                    <a:pt x="124460" y="1009849"/>
-                  </a:lnTo>
-                  <a:cubicBezTo>
-                    <a:pt x="55880" y="1009849"/>
-                    <a:pt x="0" y="953969"/>
-                    <a:pt x="0" y="885389"/>
-                  </a:cubicBezTo>
-                  <a:lnTo>
-                    <a:pt x="0" y="124460"/>
-                  </a:lnTo>
-                  <a:cubicBezTo>
-                    <a:pt x="0" y="55880"/>
-                    <a:pt x="55880" y="0"/>
-                    <a:pt x="124460" y="0"/>
-                  </a:cubicBezTo>
-                  <a:lnTo>
-                    <a:pt x="5307706" y="0"/>
-                  </a:lnTo>
-                  <a:cubicBezTo>
-                    <a:pt x="5376286" y="0"/>
-                    <a:pt x="5432166" y="55880"/>
-                    <a:pt x="5432166" y="124460"/>
-                  </a:cubicBezTo>
-                  <a:lnTo>
-                    <a:pt x="5432166" y="885389"/>
-                  </a:lnTo>
-                  <a:cubicBezTo>
-                    <a:pt x="5432166" y="953969"/>
-                    <a:pt x="5376286" y="1009850"/>
-                    <a:pt x="5307706" y="1009850"/>
-                  </a:cubicBezTo>
-                  <a:close/>
-                </a:path>
-              </a:pathLst>
-            </a:custGeom>
-            <a:solidFill>
-              <a:srgbClr val="FFFFFF"/>
-            </a:solidFill>
-          </p:spPr>
-        </p:sp>
-      </p:grpSp>
-      <p:sp>
-        <p:nvSpPr>
-          <p:cNvPr name="Freeform 10" id="10"/>
-          <p:cNvSpPr/>
-          <p:nvPr/>
-        </p:nvSpPr>
-        <p:spPr>
-          <a:xfrm flipH="false" flipV="false" rot="0">
-            <a:off x="772306" y="3801373"/>
-            <a:ext cx="1577856" cy="1577856"/>
-          </a:xfrm>
-          <a:custGeom>
-            <a:avLst/>
-            <a:gdLst/>
-            <a:ahLst/>
-            <a:cxnLst/>
-            <a:rect r="r" b="b" t="t" l="l"/>
-            <a:pathLst>
-              <a:path h="1577856" w="1577856">
-                <a:moveTo>
-                  <a:pt x="0" y="0"/>
-                </a:moveTo>
-                <a:lnTo>
-                  <a:pt x="1577856" y="0"/>
-                </a:lnTo>
-                <a:lnTo>
-                  <a:pt x="1577856" y="1577856"/>
-                </a:lnTo>
-                <a:lnTo>
-                  <a:pt x="0" y="1577856"/>
-                </a:lnTo>
-                <a:lnTo>
-                  <a:pt x="0" y="0"/>
-                </a:lnTo>
-                <a:close/>
-              </a:path>
-            </a:pathLst>
-          </a:custGeom>
-          <a:blipFill>
-            <a:blip r:embed="rId4">
-              <a:extLst>
-                <a:ext uri="{96DAC541-7B7A-43D3-8B79-37D633B846F1}">
-                  <asvg:svgBlip xmlns:asvg="http://schemas.microsoft.com/office/drawing/2016/SVG/main" r:embed="rId5"/>
-                </a:ext>
-              </a:extLst>
-            </a:blip>
-            <a:stretch>
-              <a:fillRect l="0" t="0" r="0" b="0"/>
-            </a:stretch>
-          </a:blipFill>
-        </p:spPr>
-      </p:sp>
-      <p:grpSp>
-        <p:nvGrpSpPr>
-          <p:cNvPr name="Group 11" id="11"/>
-          <p:cNvGrpSpPr/>
-          <p:nvPr/>
-        </p:nvGrpSpPr>
-        <p:grpSpPr>
-          <a:xfrm rot="0">
-            <a:off x="1561234" y="1785625"/>
-            <a:ext cx="8468472" cy="1574304"/>
-            <a:chOff x="0" y="0"/>
-            <a:chExt cx="5432166" cy="1009849"/>
-          </a:xfrm>
-        </p:grpSpPr>
-        <p:sp>
-          <p:nvSpPr>
-            <p:cNvPr name="Freeform 12" id="12"/>
-            <p:cNvSpPr/>
-            <p:nvPr/>
-          </p:nvSpPr>
-          <p:spPr>
-            <a:xfrm flipH="false" flipV="false" rot="0">
-              <a:off x="0" y="0"/>
-              <a:ext cx="5432166" cy="1009850"/>
-            </a:xfrm>
-            <a:custGeom>
-              <a:avLst/>
-              <a:gdLst/>
-              <a:ahLst/>
-              <a:cxnLst/>
-              <a:rect r="r" b="b" t="t" l="l"/>
-              <a:pathLst>
-                <a:path h="1009850" w="5432166">
-                  <a:moveTo>
-                    <a:pt x="5307706" y="1009849"/>
-                  </a:moveTo>
-                  <a:lnTo>
-                    <a:pt x="124460" y="1009849"/>
-                  </a:lnTo>
-                  <a:cubicBezTo>
-                    <a:pt x="55880" y="1009849"/>
-                    <a:pt x="0" y="953969"/>
-                    <a:pt x="0" y="885389"/>
-                  </a:cubicBezTo>
-                  <a:lnTo>
-                    <a:pt x="0" y="124460"/>
-                  </a:lnTo>
-                  <a:cubicBezTo>
-                    <a:pt x="0" y="55880"/>
-                    <a:pt x="55880" y="0"/>
-                    <a:pt x="124460" y="0"/>
-                  </a:cubicBezTo>
-                  <a:lnTo>
-                    <a:pt x="5307706" y="0"/>
-                  </a:lnTo>
-                  <a:cubicBezTo>
-                    <a:pt x="5376286" y="0"/>
-                    <a:pt x="5432166" y="55880"/>
-                    <a:pt x="5432166" y="124460"/>
-                  </a:cubicBezTo>
-                  <a:lnTo>
-                    <a:pt x="5432166" y="885389"/>
-                  </a:lnTo>
-                  <a:cubicBezTo>
-                    <a:pt x="5432166" y="953969"/>
-                    <a:pt x="5376286" y="1009850"/>
-                    <a:pt x="5307706" y="1009850"/>
-                  </a:cubicBezTo>
-                  <a:close/>
-                </a:path>
-              </a:pathLst>
-            </a:custGeom>
-            <a:solidFill>
-              <a:srgbClr val="FFFFFF"/>
-            </a:solidFill>
-          </p:spPr>
-        </p:sp>
-      </p:grpSp>
-      <p:sp>
-        <p:nvSpPr>
-          <p:cNvPr name="Freeform 13" id="13"/>
-          <p:cNvSpPr/>
-          <p:nvPr/>
-        </p:nvSpPr>
-        <p:spPr>
-          <a:xfrm flipH="false" flipV="false" rot="0">
-            <a:off x="772306" y="1782073"/>
-            <a:ext cx="1577856" cy="1577856"/>
-          </a:xfrm>
-          <a:custGeom>
-            <a:avLst/>
-            <a:gdLst/>
-            <a:ahLst/>
-            <a:cxnLst/>
-            <a:rect r="r" b="b" t="t" l="l"/>
-            <a:pathLst>
-              <a:path h="1577856" w="1577856">
-                <a:moveTo>
-                  <a:pt x="0" y="0"/>
-                </a:moveTo>
-                <a:lnTo>
-                  <a:pt x="1577856" y="0"/>
-                </a:lnTo>
-                <a:lnTo>
-                  <a:pt x="1577856" y="1577856"/>
-                </a:lnTo>
-                <a:lnTo>
-                  <a:pt x="0" y="1577856"/>
-                </a:lnTo>
-                <a:lnTo>
-                  <a:pt x="0" y="0"/>
-                </a:lnTo>
-                <a:close/>
-              </a:path>
-            </a:pathLst>
-          </a:custGeom>
-          <a:blipFill>
-            <a:blip r:embed="rId4">
-              <a:extLst>
-                <a:ext uri="{96DAC541-7B7A-43D3-8B79-37D633B846F1}">
-                  <asvg:svgBlip xmlns:asvg="http://schemas.microsoft.com/office/drawing/2016/SVG/main" r:embed="rId5"/>
-                </a:ext>
-              </a:extLst>
-            </a:blip>
-            <a:stretch>
-              <a:fillRect l="0" t="0" r="0" b="0"/>
-            </a:stretch>
-          </a:blipFill>
-        </p:spPr>
-      </p:sp>
-      <p:sp>
-        <p:nvSpPr>
-          <p:cNvPr name="Freeform 14" id="14"/>
-          <p:cNvSpPr/>
-          <p:nvPr/>
-        </p:nvSpPr>
-        <p:spPr>
-          <a:xfrm flipH="false" flipV="false" rot="0">
-            <a:off x="6769297" y="2152841"/>
-            <a:ext cx="1481194" cy="882325"/>
-          </a:xfrm>
-          <a:custGeom>
-            <a:avLst/>
-            <a:gdLst/>
-            <a:ahLst/>
-            <a:cxnLst/>
-            <a:rect r="r" b="b" t="t" l="l"/>
-            <a:pathLst>
-              <a:path h="882325" w="1481194">
-                <a:moveTo>
-                  <a:pt x="0" y="0"/>
-                </a:moveTo>
-                <a:lnTo>
-                  <a:pt x="1481194" y="0"/>
-                </a:lnTo>
-                <a:lnTo>
-                  <a:pt x="1481194" y="882326"/>
-                </a:lnTo>
-                <a:lnTo>
-                  <a:pt x="0" y="882326"/>
-                </a:lnTo>
-                <a:lnTo>
-                  <a:pt x="0" y="0"/>
-                </a:lnTo>
-                <a:close/>
-              </a:path>
-            </a:pathLst>
-          </a:custGeom>
-          <a:blipFill>
-            <a:blip r:embed="rId6">
-              <a:extLst>
-                <a:ext uri="{96DAC541-7B7A-43D3-8B79-37D633B846F1}">
-                  <asvg:svgBlip xmlns:asvg="http://schemas.microsoft.com/office/drawing/2016/SVG/main" r:embed="rId7"/>
-                </a:ext>
-              </a:extLst>
-            </a:blip>
-            <a:stretch>
-              <a:fillRect l="0" t="0" r="0" b="0"/>
-            </a:stretch>
-          </a:blipFill>
-        </p:spPr>
-      </p:sp>
-      <p:sp>
-        <p:nvSpPr>
-          <p:cNvPr name="Freeform 15" id="15"/>
-          <p:cNvSpPr/>
-          <p:nvPr/>
-        </p:nvSpPr>
-        <p:spPr>
-          <a:xfrm flipH="false" flipV="false" rot="0">
-            <a:off x="7272838" y="4039232"/>
-            <a:ext cx="474112" cy="992921"/>
-          </a:xfrm>
-          <a:custGeom>
-            <a:avLst/>
-            <a:gdLst/>
-            <a:ahLst/>
-            <a:cxnLst/>
-            <a:rect r="r" b="b" t="t" l="l"/>
-            <a:pathLst>
-              <a:path h="992921" w="474112">
-                <a:moveTo>
-                  <a:pt x="0" y="0"/>
-                </a:moveTo>
-                <a:lnTo>
-                  <a:pt x="474112" y="0"/>
-                </a:lnTo>
-                <a:lnTo>
-                  <a:pt x="474112" y="992921"/>
-                </a:lnTo>
-                <a:lnTo>
-                  <a:pt x="0" y="992921"/>
-                </a:lnTo>
-                <a:lnTo>
-                  <a:pt x="0" y="0"/>
-                </a:lnTo>
-                <a:close/>
-              </a:path>
-            </a:pathLst>
-          </a:custGeom>
-          <a:blipFill>
-            <a:blip r:embed="rId8">
-              <a:extLst>
-                <a:ext uri="{96DAC541-7B7A-43D3-8B79-37D633B846F1}">
-                  <asvg:svgBlip xmlns:asvg="http://schemas.microsoft.com/office/drawing/2016/SVG/main" r:embed="rId9"/>
-                </a:ext>
-              </a:extLst>
-            </a:blip>
-            <a:stretch>
-              <a:fillRect l="0" t="0" r="0" b="0"/>
-            </a:stretch>
-          </a:blipFill>
-        </p:spPr>
-      </p:sp>
-      <p:sp>
-        <p:nvSpPr>
-          <p:cNvPr name="TextBox 16" id="16"/>
-          <p:cNvSpPr txBox="true"/>
-          <p:nvPr/>
-        </p:nvSpPr>
-        <p:spPr>
-          <a:xfrm rot="0">
-            <a:off x="1240224" y="2136188"/>
-            <a:ext cx="642020" cy="820382"/>
-          </a:xfrm>
-          <a:prstGeom prst="rect">
-            <a:avLst/>
-          </a:prstGeom>
-        </p:spPr>
-        <p:txBody>
-          <a:bodyPr anchor="t" rtlCol="false" tIns="0" lIns="0" bIns="0" rIns="0">
-            <a:spAutoFit/>
-          </a:bodyPr>
-          <a:lstStyle/>
-          <a:p>
-            <a:pPr algn="ctr">
-              <a:lnSpc>
-                <a:spcPts val="6719"/>
-              </a:lnSpc>
-              <a:spcBef>
-                <a:spcPct val="0"/>
-              </a:spcBef>
-            </a:pPr>
-            <a:r>
-              <a:rPr lang="en-US" sz="4800">
-                <a:solidFill>
-                  <a:srgbClr val="000000"/>
-                </a:solidFill>
-                <a:latin typeface="Space Mono"/>
-                <a:ea typeface="Space Mono"/>
-                <a:cs typeface="Space Mono"/>
-                <a:sym typeface="Space Mono"/>
-              </a:rPr>
-              <a:t>1</a:t>
-            </a:r>
-          </a:p>
-        </p:txBody>
-      </p:sp>
-      <p:sp>
-        <p:nvSpPr>
-          <p:cNvPr name="TextBox 17" id="17"/>
-          <p:cNvSpPr txBox="true"/>
-          <p:nvPr/>
-        </p:nvSpPr>
-        <p:spPr>
-          <a:xfrm rot="0">
-            <a:off x="1240224" y="4132485"/>
-            <a:ext cx="642020" cy="820382"/>
-          </a:xfrm>
-          <a:prstGeom prst="rect">
-            <a:avLst/>
-          </a:prstGeom>
-        </p:spPr>
-        <p:txBody>
-          <a:bodyPr anchor="t" rtlCol="false" tIns="0" lIns="0" bIns="0" rIns="0">
-            <a:spAutoFit/>
-          </a:bodyPr>
-          <a:lstStyle/>
-          <a:p>
-            <a:pPr algn="ctr">
-              <a:lnSpc>
-                <a:spcPts val="6719"/>
-              </a:lnSpc>
-              <a:spcBef>
-                <a:spcPct val="0"/>
-              </a:spcBef>
-            </a:pPr>
-            <a:r>
-              <a:rPr lang="en-US" sz="4800">
-                <a:solidFill>
-                  <a:srgbClr val="000000"/>
-                </a:solidFill>
-                <a:latin typeface="Space Mono"/>
-                <a:ea typeface="Space Mono"/>
-                <a:cs typeface="Space Mono"/>
-                <a:sym typeface="Space Mono"/>
-              </a:rPr>
-              <a:t>2</a:t>
-            </a:r>
-          </a:p>
-        </p:txBody>
-      </p:sp>
-      <p:sp>
-        <p:nvSpPr>
-          <p:cNvPr name="TextBox 18" id="18"/>
-          <p:cNvSpPr txBox="true"/>
-          <p:nvPr/>
-        </p:nvSpPr>
-        <p:spPr>
-          <a:xfrm rot="0">
-            <a:off x="1240224" y="6132667"/>
-            <a:ext cx="642020" cy="820382"/>
-          </a:xfrm>
-          <a:prstGeom prst="rect">
-            <a:avLst/>
-          </a:prstGeom>
-        </p:spPr>
-        <p:txBody>
-          <a:bodyPr anchor="t" rtlCol="false" tIns="0" lIns="0" bIns="0" rIns="0">
-            <a:spAutoFit/>
-          </a:bodyPr>
-          <a:lstStyle/>
-          <a:p>
-            <a:pPr algn="ctr">
-              <a:lnSpc>
-                <a:spcPts val="6719"/>
-              </a:lnSpc>
-              <a:spcBef>
-                <a:spcPct val="0"/>
-              </a:spcBef>
-            </a:pPr>
-            <a:r>
-              <a:rPr lang="en-US" sz="4800">
-                <a:solidFill>
-                  <a:srgbClr val="000000"/>
-                </a:solidFill>
-                <a:latin typeface="Space Mono"/>
-                <a:ea typeface="Space Mono"/>
-                <a:cs typeface="Space Mono"/>
-                <a:sym typeface="Space Mono"/>
-              </a:rPr>
-              <a:t>3</a:t>
-            </a:r>
-          </a:p>
-        </p:txBody>
-      </p:sp>
-      <p:sp>
-        <p:nvSpPr>
-          <p:cNvPr name="TextBox 19" id="19"/>
-          <p:cNvSpPr txBox="true"/>
-          <p:nvPr/>
-        </p:nvSpPr>
-        <p:spPr>
-          <a:xfrm rot="0">
-            <a:off x="2850025" y="4274713"/>
-            <a:ext cx="5613605" cy="474334"/>
-          </a:xfrm>
-          <a:prstGeom prst="rect">
-            <a:avLst/>
-          </a:prstGeom>
-        </p:spPr>
-        <p:txBody>
-          <a:bodyPr anchor="t" rtlCol="false" tIns="0" lIns="0" bIns="0" rIns="0">
-            <a:spAutoFit/>
-          </a:bodyPr>
-          <a:lstStyle/>
-          <a:p>
-            <a:pPr algn="l">
-              <a:lnSpc>
-                <a:spcPts val="3919"/>
-              </a:lnSpc>
-              <a:spcBef>
-                <a:spcPct val="0"/>
-              </a:spcBef>
-            </a:pPr>
-            <a:r>
-              <a:rPr lang="en-US" sz="2800">
-                <a:solidFill>
-                  <a:srgbClr val="000000"/>
-                </a:solidFill>
-                <a:latin typeface="Muli Regular"/>
-                <a:ea typeface="Muli Regular"/>
-                <a:cs typeface="Muli Regular"/>
-                <a:sym typeface="Muli Regular"/>
-              </a:rPr>
-              <a:t>Female</a:t>
-            </a:r>
-          </a:p>
-        </p:txBody>
-      </p:sp>
-      <p:sp>
-        <p:nvSpPr>
-          <p:cNvPr name="TextBox 20" id="20"/>
-          <p:cNvSpPr txBox="true"/>
-          <p:nvPr/>
-        </p:nvSpPr>
-        <p:spPr>
-          <a:xfrm rot="0">
-            <a:off x="2850025" y="2333025"/>
-            <a:ext cx="5613605" cy="474334"/>
-          </a:xfrm>
-          <a:prstGeom prst="rect">
-            <a:avLst/>
-          </a:prstGeom>
-        </p:spPr>
-        <p:txBody>
-          <a:bodyPr anchor="t" rtlCol="false" tIns="0" lIns="0" bIns="0" rIns="0">
-            <a:spAutoFit/>
-          </a:bodyPr>
-          <a:lstStyle/>
-          <a:p>
-            <a:pPr algn="l">
-              <a:lnSpc>
-                <a:spcPts val="3920"/>
-              </a:lnSpc>
-              <a:spcBef>
-                <a:spcPct val="0"/>
-              </a:spcBef>
-            </a:pPr>
-            <a:r>
-              <a:rPr lang="en-US" sz="2800">
-                <a:solidFill>
-                  <a:srgbClr val="000000"/>
-                </a:solidFill>
-                <a:latin typeface="Muli Regular"/>
-                <a:ea typeface="Muli Regular"/>
-                <a:cs typeface="Muli Regular"/>
-                <a:sym typeface="Muli Regular"/>
-              </a:rPr>
-              <a:t>Young (18-29)</a:t>
-            </a:r>
-          </a:p>
-        </p:txBody>
-      </p:sp>
-      <p:sp>
-        <p:nvSpPr>
-          <p:cNvPr name="TextBox 21" id="21"/>
-          <p:cNvSpPr txBox="true"/>
-          <p:nvPr/>
-        </p:nvSpPr>
-        <p:spPr>
-          <a:xfrm rot="0">
-            <a:off x="2611013" y="5993539"/>
-            <a:ext cx="6960401" cy="972162"/>
-          </a:xfrm>
-          <a:prstGeom prst="rect">
-            <a:avLst/>
-          </a:prstGeom>
-        </p:spPr>
-        <p:txBody>
-          <a:bodyPr anchor="t" rtlCol="false" tIns="0" lIns="0" bIns="0" rIns="0">
-            <a:spAutoFit/>
-          </a:bodyPr>
-          <a:lstStyle/>
-          <a:p>
-            <a:pPr algn="l">
-              <a:lnSpc>
-                <a:spcPts val="3920"/>
-              </a:lnSpc>
-              <a:spcBef>
-                <a:spcPct val="0"/>
-              </a:spcBef>
-            </a:pPr>
-            <a:r>
-              <a:rPr lang="en-US" sz="2800">
-                <a:solidFill>
-                  <a:srgbClr val="000000"/>
-                </a:solidFill>
-                <a:latin typeface="Muli Regular"/>
-                <a:ea typeface="Muli Regular"/>
-                <a:cs typeface="Muli Regular"/>
-                <a:sym typeface="Muli Regular"/>
-              </a:rPr>
-              <a:t>Customers who use support more than 3 times have a higher percentage of churn</a:t>
-            </a:r>
-          </a:p>
-        </p:txBody>
-      </p:sp>
-      <p:grpSp>
-        <p:nvGrpSpPr>
-          <p:cNvPr name="Group 22" id="22"/>
-          <p:cNvGrpSpPr/>
-          <p:nvPr/>
-        </p:nvGrpSpPr>
-        <p:grpSpPr>
-          <a:xfrm rot="0">
-            <a:off x="11598018" y="2807358"/>
-            <a:ext cx="6309915" cy="3527474"/>
-            <a:chOff x="0" y="0"/>
-            <a:chExt cx="8413220" cy="4703298"/>
-          </a:xfrm>
-        </p:grpSpPr>
-        <p:sp>
-          <p:nvSpPr>
-            <p:cNvPr name="TextBox 23" id="23"/>
+            <p:cNvPr name="TextBox 4" id="4"/>
             <p:cNvSpPr txBox="true"/>
             <p:nvPr/>
           </p:nvSpPr>
           <p:spPr>
             <a:xfrm rot="0">
-              <a:off x="0" y="85725"/>
-              <a:ext cx="8413220" cy="3632845"/>
+              <a:off x="0" y="76200"/>
+              <a:ext cx="12498564" cy="1536862"/>
             </a:xfrm>
             <a:prstGeom prst="rect">
               <a:avLst/>
@@ -4820,16 +4314,16 @@
             </a:bodyPr>
             <a:lstStyle/>
             <a:p>
-              <a:pPr algn="l" marL="0" indent="0" lvl="0">
+              <a:pPr algn="l" marL="0" indent="0" lvl="1">
                 <a:lnSpc>
-                  <a:spcPts val="10560"/>
+                  <a:spcPts val="8816"/>
                 </a:lnSpc>
                 <a:spcBef>
                   <a:spcPct val="0"/>
                 </a:spcBef>
               </a:pPr>
               <a:r>
-                <a:rPr lang="en-US" sz="9600" spc="-96" strike="noStrike" u="none">
+                <a:rPr lang="en-US" sz="8015" spc="-80" strike="noStrike" u="none">
                   <a:solidFill>
                     <a:srgbClr val="FFFFFF"/>
                   </a:solidFill>
@@ -4838,21 +4332,21 @@
                   <a:cs typeface="Muli Bold"/>
                   <a:sym typeface="Muli Bold"/>
                 </a:rPr>
-                <a:t>Comming Churner</a:t>
+                <a:t>Subscribtion Type</a:t>
               </a:r>
             </a:p>
           </p:txBody>
         </p:sp>
         <p:sp>
           <p:nvSpPr>
-            <p:cNvPr name="TextBox 24" id="24"/>
+            <p:cNvPr name="TextBox 5" id="5"/>
             <p:cNvSpPr txBox="true"/>
             <p:nvPr/>
           </p:nvSpPr>
           <p:spPr>
             <a:xfrm rot="0">
-              <a:off x="0" y="4094868"/>
-              <a:ext cx="6738871" cy="608430"/>
+              <a:off x="0" y="2329890"/>
+              <a:ext cx="11241369" cy="639455"/>
             </a:xfrm>
             <a:prstGeom prst="rect">
               <a:avLst/>
@@ -4866,16 +4360,63 @@
             <a:p>
               <a:pPr algn="l">
                 <a:lnSpc>
-                  <a:spcPts val="3919"/>
+                  <a:spcPts val="4035"/>
                 </a:lnSpc>
-                <a:spcBef>
-                  <a:spcPct val="0"/>
-                </a:spcBef>
               </a:pPr>
             </a:p>
           </p:txBody>
         </p:sp>
       </p:grpSp>
+      <p:sp>
+        <p:nvSpPr>
+          <p:cNvPr name="TextBox 6" id="6"/>
+          <p:cNvSpPr txBox="true"/>
+          <p:nvPr/>
+        </p:nvSpPr>
+        <p:spPr>
+          <a:xfrm rot="0">
+            <a:off x="1326377" y="3189033"/>
+            <a:ext cx="6761407" cy="3739881"/>
+          </a:xfrm>
+          <a:prstGeom prst="rect">
+            <a:avLst/>
+          </a:prstGeom>
+        </p:spPr>
+        <p:txBody>
+          <a:bodyPr anchor="t" rtlCol="false" tIns="0" lIns="0" bIns="0" rIns="0">
+            <a:spAutoFit/>
+          </a:bodyPr>
+          <a:lstStyle/>
+          <a:p>
+            <a:pPr algn="ctr" marL="767886" indent="-383943" lvl="1">
+              <a:lnSpc>
+                <a:spcPts val="4979"/>
+              </a:lnSpc>
+              <a:buFont typeface="Arial"/>
+              <a:buChar char="•"/>
+            </a:pPr>
+            <a:r>
+              <a:rPr lang="en-US" sz="3556">
+                <a:solidFill>
+                  <a:srgbClr val="FFFFFF"/>
+                </a:solidFill>
+                <a:latin typeface="Muli Regular Bold"/>
+                <a:ea typeface="Muli Regular Bold"/>
+                <a:cs typeface="Muli Regular Bold"/>
+                <a:sym typeface="Muli Regular Bold"/>
+              </a:rPr>
+              <a:t>The percentages are very close, but in theory the standard subscription type customers are the most churn out.</a:t>
+            </a:r>
+          </a:p>
+          <a:p>
+            <a:pPr algn="ctr">
+              <a:lnSpc>
+                <a:spcPts val="4979"/>
+              </a:lnSpc>
+            </a:pPr>
+          </a:p>
+        </p:txBody>
+      </p:sp>
     </p:spTree>
   </p:cSld>
   <p:clrMapOvr>
@@ -4916,6 +4457,1435 @@
         </p:nvSpPr>
         <p:spPr>
           <a:xfrm flipH="false" flipV="false" rot="0">
+            <a:off x="9144000" y="2583440"/>
+            <a:ext cx="8115300" cy="6131310"/>
+          </a:xfrm>
+          <a:custGeom>
+            <a:avLst/>
+            <a:gdLst/>
+            <a:ahLst/>
+            <a:cxnLst/>
+            <a:rect r="r" b="b" t="t" l="l"/>
+            <a:pathLst>
+              <a:path h="6131310" w="8115300">
+                <a:moveTo>
+                  <a:pt x="0" y="0"/>
+                </a:moveTo>
+                <a:lnTo>
+                  <a:pt x="8115300" y="0"/>
+                </a:lnTo>
+                <a:lnTo>
+                  <a:pt x="8115300" y="6131310"/>
+                </a:lnTo>
+                <a:lnTo>
+                  <a:pt x="0" y="6131310"/>
+                </a:lnTo>
+                <a:lnTo>
+                  <a:pt x="0" y="0"/>
+                </a:lnTo>
+                <a:close/>
+              </a:path>
+            </a:pathLst>
+          </a:custGeom>
+          <a:blipFill>
+            <a:blip r:embed="rId2"/>
+            <a:stretch>
+              <a:fillRect l="-28888" t="0" r="-3869" b="-6214"/>
+            </a:stretch>
+          </a:blipFill>
+        </p:spPr>
+      </p:sp>
+      <p:grpSp>
+        <p:nvGrpSpPr>
+          <p:cNvPr name="Group 3" id="3"/>
+          <p:cNvGrpSpPr/>
+          <p:nvPr/>
+        </p:nvGrpSpPr>
+        <p:grpSpPr>
+          <a:xfrm rot="0">
+            <a:off x="1028700" y="1028700"/>
+            <a:ext cx="10135560" cy="2321124"/>
+            <a:chOff x="0" y="0"/>
+            <a:chExt cx="13514080" cy="3094832"/>
+          </a:xfrm>
+        </p:grpSpPr>
+        <p:sp>
+          <p:nvSpPr>
+            <p:cNvPr name="TextBox 4" id="4"/>
+            <p:cNvSpPr txBox="true"/>
+            <p:nvPr/>
+          </p:nvSpPr>
+          <p:spPr>
+            <a:xfrm rot="0">
+              <a:off x="0" y="76200"/>
+              <a:ext cx="13514080" cy="1552151"/>
+            </a:xfrm>
+            <a:prstGeom prst="rect">
+              <a:avLst/>
+            </a:prstGeom>
+          </p:spPr>
+          <p:txBody>
+            <a:bodyPr anchor="t" rtlCol="false" tIns="0" lIns="0" bIns="0" rIns="0">
+              <a:spAutoFit/>
+            </a:bodyPr>
+            <a:lstStyle/>
+            <a:p>
+              <a:pPr algn="l" marL="0" indent="0" lvl="1">
+                <a:lnSpc>
+                  <a:spcPts val="8816"/>
+                </a:lnSpc>
+                <a:spcBef>
+                  <a:spcPct val="0"/>
+                </a:spcBef>
+              </a:pPr>
+              <a:r>
+                <a:rPr lang="en-US" sz="8015" spc="-80" strike="noStrike" u="none">
+                  <a:solidFill>
+                    <a:srgbClr val="FFFFFF"/>
+                  </a:solidFill>
+                  <a:latin typeface="Muli Bold"/>
+                  <a:ea typeface="Muli Bold"/>
+                  <a:cs typeface="Muli Bold"/>
+                  <a:sym typeface="Muli Bold"/>
+                </a:rPr>
+                <a:t>Subscribtion Type</a:t>
+              </a:r>
+            </a:p>
+          </p:txBody>
+        </p:sp>
+        <p:sp>
+          <p:nvSpPr>
+            <p:cNvPr name="TextBox 5" id="5"/>
+            <p:cNvSpPr txBox="true"/>
+            <p:nvPr/>
+          </p:nvSpPr>
+          <p:spPr>
+            <a:xfrm rot="0">
+              <a:off x="0" y="2408065"/>
+              <a:ext cx="12154737" cy="686768"/>
+            </a:xfrm>
+            <a:prstGeom prst="rect">
+              <a:avLst/>
+            </a:prstGeom>
+          </p:spPr>
+          <p:txBody>
+            <a:bodyPr anchor="t" rtlCol="false" tIns="0" lIns="0" bIns="0" rIns="0">
+              <a:spAutoFit/>
+            </a:bodyPr>
+            <a:lstStyle/>
+            <a:p>
+              <a:pPr algn="l">
+                <a:lnSpc>
+                  <a:spcPts val="4363"/>
+                </a:lnSpc>
+              </a:pPr>
+            </a:p>
+          </p:txBody>
+        </p:sp>
+      </p:grpSp>
+      <p:sp>
+        <p:nvSpPr>
+          <p:cNvPr name="TextBox 6" id="6"/>
+          <p:cNvSpPr txBox="true"/>
+          <p:nvPr/>
+        </p:nvSpPr>
+        <p:spPr>
+          <a:xfrm rot="0">
+            <a:off x="1191250" y="3283149"/>
+            <a:ext cx="6673743" cy="3073132"/>
+          </a:xfrm>
+          <a:prstGeom prst="rect">
+            <a:avLst/>
+          </a:prstGeom>
+        </p:spPr>
+        <p:txBody>
+          <a:bodyPr anchor="t" rtlCol="false" tIns="0" lIns="0" bIns="0" rIns="0">
+            <a:spAutoFit/>
+          </a:bodyPr>
+          <a:lstStyle/>
+          <a:p>
+            <a:pPr algn="ctr" marL="757930" indent="-378965" lvl="1">
+              <a:lnSpc>
+                <a:spcPts val="4914"/>
+              </a:lnSpc>
+              <a:buFont typeface="Arial"/>
+              <a:buChar char="•"/>
+            </a:pPr>
+            <a:r>
+              <a:rPr lang="en-US" sz="3510">
+                <a:solidFill>
+                  <a:srgbClr val="FFFFFF"/>
+                </a:solidFill>
+                <a:latin typeface="Muli Regular Bold"/>
+                <a:ea typeface="Muli Regular Bold"/>
+                <a:cs typeface="Muli Regular Bold"/>
+                <a:sym typeface="Muli Regular Bold"/>
+              </a:rPr>
+              <a:t>Customers with standard subscription have the highest payment delay.</a:t>
+            </a:r>
+          </a:p>
+          <a:p>
+            <a:pPr algn="ctr">
+              <a:lnSpc>
+                <a:spcPts val="4914"/>
+              </a:lnSpc>
+            </a:pPr>
+          </a:p>
+          <a:p>
+            <a:pPr algn="ctr">
+              <a:lnSpc>
+                <a:spcPts val="4914"/>
+              </a:lnSpc>
+            </a:pPr>
+          </a:p>
+        </p:txBody>
+      </p:sp>
+    </p:spTree>
+  </p:cSld>
+  <p:clrMapOvr>
+    <a:masterClrMapping/>
+  </p:clrMapOvr>
+</p:sld>
+</file>
+
+<file path=ppt/slides/slide14.xml><?xml version="1.0" encoding="utf-8"?>
+<p:sld xmlns:p="http://schemas.openxmlformats.org/presentationml/2006/main" xmlns:a="http://schemas.openxmlformats.org/drawingml/2006/main" xmlns:r="http://schemas.openxmlformats.org/officeDocument/2006/relationships">
+  <p:cSld>
+    <p:bg>
+      <p:bgPr>
+        <a:solidFill>
+          <a:srgbClr val="0048CD"/>
+        </a:solidFill>
+      </p:bgPr>
+    </p:bg>
+    <p:spTree>
+      <p:nvGrpSpPr>
+        <p:cNvPr id="1" name=""/>
+        <p:cNvGrpSpPr/>
+        <p:nvPr/>
+      </p:nvGrpSpPr>
+      <p:grpSpPr>
+        <a:xfrm>
+          <a:off x="0" y="0"/>
+          <a:ext cx="0" cy="0"/>
+          <a:chOff x="0" y="0"/>
+          <a:chExt cx="0" cy="0"/>
+        </a:xfrm>
+      </p:grpSpPr>
+      <p:sp>
+        <p:nvSpPr>
+          <p:cNvPr name="Freeform 2" id="2"/>
+          <p:cNvSpPr/>
+          <p:nvPr/>
+        </p:nvSpPr>
+        <p:spPr>
+          <a:xfrm flipH="false" flipV="false" rot="0">
+            <a:off x="8259728" y="2442292"/>
+            <a:ext cx="10028272" cy="6059770"/>
+          </a:xfrm>
+          <a:custGeom>
+            <a:avLst/>
+            <a:gdLst/>
+            <a:ahLst/>
+            <a:cxnLst/>
+            <a:rect r="r" b="b" t="t" l="l"/>
+            <a:pathLst>
+              <a:path h="6059770" w="10028272">
+                <a:moveTo>
+                  <a:pt x="0" y="0"/>
+                </a:moveTo>
+                <a:lnTo>
+                  <a:pt x="10028272" y="0"/>
+                </a:lnTo>
+                <a:lnTo>
+                  <a:pt x="10028272" y="6059770"/>
+                </a:lnTo>
+                <a:lnTo>
+                  <a:pt x="0" y="6059770"/>
+                </a:lnTo>
+                <a:lnTo>
+                  <a:pt x="0" y="0"/>
+                </a:lnTo>
+                <a:close/>
+              </a:path>
+            </a:pathLst>
+          </a:custGeom>
+          <a:blipFill>
+            <a:blip r:embed="rId2"/>
+            <a:stretch>
+              <a:fillRect l="-123" t="0" r="-1387" b="0"/>
+            </a:stretch>
+          </a:blipFill>
+        </p:spPr>
+      </p:sp>
+      <p:grpSp>
+        <p:nvGrpSpPr>
+          <p:cNvPr name="Group 3" id="3"/>
+          <p:cNvGrpSpPr/>
+          <p:nvPr/>
+        </p:nvGrpSpPr>
+        <p:grpSpPr>
+          <a:xfrm rot="0">
+            <a:off x="1028700" y="1028700"/>
+            <a:ext cx="10135560" cy="2321124"/>
+            <a:chOff x="0" y="0"/>
+            <a:chExt cx="13514080" cy="3094832"/>
+          </a:xfrm>
+        </p:grpSpPr>
+        <p:sp>
+          <p:nvSpPr>
+            <p:cNvPr name="TextBox 4" id="4"/>
+            <p:cNvSpPr txBox="true"/>
+            <p:nvPr/>
+          </p:nvSpPr>
+          <p:spPr>
+            <a:xfrm rot="0">
+              <a:off x="0" y="76200"/>
+              <a:ext cx="13514080" cy="1552151"/>
+            </a:xfrm>
+            <a:prstGeom prst="rect">
+              <a:avLst/>
+            </a:prstGeom>
+          </p:spPr>
+          <p:txBody>
+            <a:bodyPr anchor="t" rtlCol="false" tIns="0" lIns="0" bIns="0" rIns="0">
+              <a:spAutoFit/>
+            </a:bodyPr>
+            <a:lstStyle/>
+            <a:p>
+              <a:pPr algn="l" marL="0" indent="0" lvl="1">
+                <a:lnSpc>
+                  <a:spcPts val="8816"/>
+                </a:lnSpc>
+                <a:spcBef>
+                  <a:spcPct val="0"/>
+                </a:spcBef>
+              </a:pPr>
+              <a:r>
+                <a:rPr lang="en-US" sz="8015" spc="-80" strike="noStrike" u="none">
+                  <a:solidFill>
+                    <a:srgbClr val="FFFFFF"/>
+                  </a:solidFill>
+                  <a:latin typeface="Muli Bold"/>
+                  <a:ea typeface="Muli Bold"/>
+                  <a:cs typeface="Muli Bold"/>
+                  <a:sym typeface="Muli Bold"/>
+                </a:rPr>
+                <a:t>Contract Length</a:t>
+              </a:r>
+            </a:p>
+          </p:txBody>
+        </p:sp>
+        <p:sp>
+          <p:nvSpPr>
+            <p:cNvPr name="TextBox 5" id="5"/>
+            <p:cNvSpPr txBox="true"/>
+            <p:nvPr/>
+          </p:nvSpPr>
+          <p:spPr>
+            <a:xfrm rot="0">
+              <a:off x="0" y="2408065"/>
+              <a:ext cx="12154737" cy="686768"/>
+            </a:xfrm>
+            <a:prstGeom prst="rect">
+              <a:avLst/>
+            </a:prstGeom>
+          </p:spPr>
+          <p:txBody>
+            <a:bodyPr anchor="t" rtlCol="false" tIns="0" lIns="0" bIns="0" rIns="0">
+              <a:spAutoFit/>
+            </a:bodyPr>
+            <a:lstStyle/>
+            <a:p>
+              <a:pPr algn="l">
+                <a:lnSpc>
+                  <a:spcPts val="4363"/>
+                </a:lnSpc>
+              </a:pPr>
+            </a:p>
+          </p:txBody>
+        </p:sp>
+      </p:grpSp>
+      <p:sp>
+        <p:nvSpPr>
+          <p:cNvPr name="TextBox 6" id="6"/>
+          <p:cNvSpPr txBox="true"/>
+          <p:nvPr/>
+        </p:nvSpPr>
+        <p:spPr>
+          <a:xfrm rot="0">
+            <a:off x="1300059" y="3019298"/>
+            <a:ext cx="5401937" cy="4829558"/>
+          </a:xfrm>
+          <a:prstGeom prst="rect">
+            <a:avLst/>
+          </a:prstGeom>
+        </p:spPr>
+        <p:txBody>
+          <a:bodyPr anchor="t" rtlCol="false" tIns="0" lIns="0" bIns="0" rIns="0">
+            <a:spAutoFit/>
+          </a:bodyPr>
+          <a:lstStyle/>
+          <a:p>
+            <a:pPr algn="ctr" marL="0" indent="0" lvl="0">
+              <a:lnSpc>
+                <a:spcPts val="5474"/>
+              </a:lnSpc>
+              <a:spcBef>
+                <a:spcPct val="0"/>
+              </a:spcBef>
+            </a:pPr>
+            <a:r>
+              <a:rPr lang="en-US" sz="3910" strike="noStrike" u="none">
+                <a:solidFill>
+                  <a:srgbClr val="FFFFFF"/>
+                </a:solidFill>
+                <a:latin typeface="Muli Regular Bold"/>
+                <a:ea typeface="Muli Regular Bold"/>
+                <a:cs typeface="Muli Regular Bold"/>
+                <a:sym typeface="Muli Regular Bold"/>
+              </a:rPr>
+              <a:t>Almost half of customers with annual and quarterly contracts churn, but customers with monthly contracts all churn</a:t>
+            </a:r>
+          </a:p>
+        </p:txBody>
+      </p:sp>
+    </p:spTree>
+  </p:cSld>
+  <p:clrMapOvr>
+    <a:masterClrMapping/>
+  </p:clrMapOvr>
+</p:sld>
+</file>
+
+<file path=ppt/slides/slide15.xml><?xml version="1.0" encoding="utf-8"?>
+<p:sld xmlns:p="http://schemas.openxmlformats.org/presentationml/2006/main" xmlns:a="http://schemas.openxmlformats.org/drawingml/2006/main" xmlns:r="http://schemas.openxmlformats.org/officeDocument/2006/relationships">
+  <p:cSld>
+    <p:bg>
+      <p:bgPr>
+        <a:solidFill>
+          <a:srgbClr val="3241E4"/>
+        </a:solidFill>
+      </p:bgPr>
+    </p:bg>
+    <p:spTree>
+      <p:nvGrpSpPr>
+        <p:cNvPr id="1" name=""/>
+        <p:cNvGrpSpPr/>
+        <p:nvPr/>
+      </p:nvGrpSpPr>
+      <p:grpSpPr>
+        <a:xfrm>
+          <a:off x="0" y="0"/>
+          <a:ext cx="0" cy="0"/>
+          <a:chOff x="0" y="0"/>
+          <a:chExt cx="0" cy="0"/>
+        </a:xfrm>
+      </p:grpSpPr>
+      <p:grpSp>
+        <p:nvGrpSpPr>
+          <p:cNvPr name="Group 2" id="2"/>
+          <p:cNvGrpSpPr>
+            <a:grpSpLocks noChangeAspect="true"/>
+          </p:cNvGrpSpPr>
+          <p:nvPr/>
+        </p:nvGrpSpPr>
+        <p:grpSpPr>
+          <a:xfrm rot="0">
+            <a:off x="4798715" y="4133321"/>
+            <a:ext cx="1811871" cy="1811871"/>
+            <a:chOff x="1371600" y="6705600"/>
+            <a:chExt cx="10972800" cy="10972800"/>
+          </a:xfrm>
+        </p:grpSpPr>
+        <p:sp>
+          <p:nvSpPr>
+            <p:cNvPr name="Freeform 3" id="3"/>
+            <p:cNvSpPr/>
+            <p:nvPr/>
+          </p:nvSpPr>
+          <p:spPr>
+            <a:xfrm flipH="false" flipV="false" rot="0">
+              <a:off x="1362808" y="6434629"/>
+              <a:ext cx="10990384" cy="11514742"/>
+            </a:xfrm>
+            <a:custGeom>
+              <a:avLst/>
+              <a:gdLst/>
+              <a:ahLst/>
+              <a:cxnLst/>
+              <a:rect r="r" b="b" t="t" l="l"/>
+              <a:pathLst>
+                <a:path h="11514742" w="10990384">
+                  <a:moveTo>
+                    <a:pt x="8792" y="5757371"/>
+                  </a:moveTo>
+                  <a:cubicBezTo>
+                    <a:pt x="0" y="7723318"/>
+                    <a:pt x="1043775" y="9543701"/>
+                    <a:pt x="2744885" y="10529222"/>
+                  </a:cubicBezTo>
+                  <a:cubicBezTo>
+                    <a:pt x="4445994" y="11514742"/>
+                    <a:pt x="6544389" y="11514742"/>
+                    <a:pt x="8245499" y="10529222"/>
+                  </a:cubicBezTo>
+                  <a:cubicBezTo>
+                    <a:pt x="9946609" y="9543701"/>
+                    <a:pt x="10990384" y="7723318"/>
+                    <a:pt x="10981592" y="5757371"/>
+                  </a:cubicBezTo>
+                  <a:cubicBezTo>
+                    <a:pt x="10990384" y="3791424"/>
+                    <a:pt x="9946609" y="1971041"/>
+                    <a:pt x="8245499" y="985520"/>
+                  </a:cubicBezTo>
+                  <a:cubicBezTo>
+                    <a:pt x="6544389" y="0"/>
+                    <a:pt x="4445994" y="0"/>
+                    <a:pt x="2744885" y="985520"/>
+                  </a:cubicBezTo>
+                  <a:cubicBezTo>
+                    <a:pt x="1043775" y="1971041"/>
+                    <a:pt x="0" y="3791424"/>
+                    <a:pt x="8792" y="5757371"/>
+                  </a:cubicBezTo>
+                  <a:close/>
+                </a:path>
+              </a:pathLst>
+            </a:custGeom>
+            <a:solidFill>
+              <a:srgbClr val="ECF2FE"/>
+            </a:solidFill>
+          </p:spPr>
+        </p:sp>
+      </p:grpSp>
+      <p:sp>
+        <p:nvSpPr>
+          <p:cNvPr name="Freeform 4" id="4"/>
+          <p:cNvSpPr/>
+          <p:nvPr/>
+        </p:nvSpPr>
+        <p:spPr>
+          <a:xfrm flipH="false" flipV="false" rot="-5400000">
+            <a:off x="11244643" y="6578994"/>
+            <a:ext cx="244921" cy="384876"/>
+          </a:xfrm>
+          <a:custGeom>
+            <a:avLst/>
+            <a:gdLst/>
+            <a:ahLst/>
+            <a:cxnLst/>
+            <a:rect r="r" b="b" t="t" l="l"/>
+            <a:pathLst>
+              <a:path h="384876" w="244921">
+                <a:moveTo>
+                  <a:pt x="0" y="0"/>
+                </a:moveTo>
+                <a:lnTo>
+                  <a:pt x="244921" y="0"/>
+                </a:lnTo>
+                <a:lnTo>
+                  <a:pt x="244921" y="384875"/>
+                </a:lnTo>
+                <a:lnTo>
+                  <a:pt x="0" y="384875"/>
+                </a:lnTo>
+                <a:lnTo>
+                  <a:pt x="0" y="0"/>
+                </a:lnTo>
+                <a:close/>
+              </a:path>
+            </a:pathLst>
+          </a:custGeom>
+          <a:blipFill>
+            <a:blip r:embed="rId2">
+              <a:extLst>
+                <a:ext uri="{96DAC541-7B7A-43D3-8B79-37D633B846F1}">
+                  <asvg:svgBlip xmlns:asvg="http://schemas.microsoft.com/office/drawing/2016/SVG/main" r:embed="rId3"/>
+                </a:ext>
+              </a:extLst>
+            </a:blip>
+            <a:stretch>
+              <a:fillRect l="0" t="0" r="0" b="0"/>
+            </a:stretch>
+          </a:blipFill>
+        </p:spPr>
+      </p:sp>
+      <p:grpSp>
+        <p:nvGrpSpPr>
+          <p:cNvPr name="Group 5" id="5"/>
+          <p:cNvGrpSpPr>
+            <a:grpSpLocks noChangeAspect="true"/>
+          </p:cNvGrpSpPr>
+          <p:nvPr/>
+        </p:nvGrpSpPr>
+        <p:grpSpPr>
+          <a:xfrm rot="0">
+            <a:off x="7893792" y="4109590"/>
+            <a:ext cx="1786619" cy="1786619"/>
+            <a:chOff x="1371600" y="6705600"/>
+            <a:chExt cx="10972800" cy="10972800"/>
+          </a:xfrm>
+        </p:grpSpPr>
+        <p:sp>
+          <p:nvSpPr>
+            <p:cNvPr name="Freeform 6" id="6"/>
+            <p:cNvSpPr/>
+            <p:nvPr/>
+          </p:nvSpPr>
+          <p:spPr>
+            <a:xfrm flipH="false" flipV="false" rot="0">
+              <a:off x="1362808" y="6434629"/>
+              <a:ext cx="10990384" cy="11514742"/>
+            </a:xfrm>
+            <a:custGeom>
+              <a:avLst/>
+              <a:gdLst/>
+              <a:ahLst/>
+              <a:cxnLst/>
+              <a:rect r="r" b="b" t="t" l="l"/>
+              <a:pathLst>
+                <a:path h="11514742" w="10990384">
+                  <a:moveTo>
+                    <a:pt x="8792" y="5757371"/>
+                  </a:moveTo>
+                  <a:cubicBezTo>
+                    <a:pt x="0" y="7723318"/>
+                    <a:pt x="1043775" y="9543701"/>
+                    <a:pt x="2744885" y="10529222"/>
+                  </a:cubicBezTo>
+                  <a:cubicBezTo>
+                    <a:pt x="4445994" y="11514742"/>
+                    <a:pt x="6544389" y="11514742"/>
+                    <a:pt x="8245499" y="10529222"/>
+                  </a:cubicBezTo>
+                  <a:cubicBezTo>
+                    <a:pt x="9946609" y="9543701"/>
+                    <a:pt x="10990384" y="7723318"/>
+                    <a:pt x="10981592" y="5757371"/>
+                  </a:cubicBezTo>
+                  <a:cubicBezTo>
+                    <a:pt x="10990384" y="3791424"/>
+                    <a:pt x="9946609" y="1971041"/>
+                    <a:pt x="8245499" y="985520"/>
+                  </a:cubicBezTo>
+                  <a:cubicBezTo>
+                    <a:pt x="6544389" y="0"/>
+                    <a:pt x="4445994" y="0"/>
+                    <a:pt x="2744885" y="985520"/>
+                  </a:cubicBezTo>
+                  <a:cubicBezTo>
+                    <a:pt x="1043775" y="1971041"/>
+                    <a:pt x="0" y="3791424"/>
+                    <a:pt x="8792" y="5757371"/>
+                  </a:cubicBezTo>
+                  <a:close/>
+                </a:path>
+              </a:pathLst>
+            </a:custGeom>
+            <a:solidFill>
+              <a:srgbClr val="ECF2FE"/>
+            </a:solidFill>
+          </p:spPr>
+        </p:sp>
+      </p:grpSp>
+      <p:grpSp>
+        <p:nvGrpSpPr>
+          <p:cNvPr name="Group 7" id="7"/>
+          <p:cNvGrpSpPr>
+            <a:grpSpLocks noChangeAspect="true"/>
+          </p:cNvGrpSpPr>
+          <p:nvPr/>
+        </p:nvGrpSpPr>
+        <p:grpSpPr>
+          <a:xfrm rot="0">
+            <a:off x="1600134" y="4109590"/>
+            <a:ext cx="1811871" cy="1811871"/>
+            <a:chOff x="1371600" y="6705600"/>
+            <a:chExt cx="10972800" cy="10972800"/>
+          </a:xfrm>
+        </p:grpSpPr>
+        <p:sp>
+          <p:nvSpPr>
+            <p:cNvPr name="Freeform 8" id="8"/>
+            <p:cNvSpPr/>
+            <p:nvPr/>
+          </p:nvSpPr>
+          <p:spPr>
+            <a:xfrm flipH="false" flipV="false" rot="0">
+              <a:off x="1362808" y="6434629"/>
+              <a:ext cx="10990384" cy="11514742"/>
+            </a:xfrm>
+            <a:custGeom>
+              <a:avLst/>
+              <a:gdLst/>
+              <a:ahLst/>
+              <a:cxnLst/>
+              <a:rect r="r" b="b" t="t" l="l"/>
+              <a:pathLst>
+                <a:path h="11514742" w="10990384">
+                  <a:moveTo>
+                    <a:pt x="8792" y="5757371"/>
+                  </a:moveTo>
+                  <a:cubicBezTo>
+                    <a:pt x="0" y="7723318"/>
+                    <a:pt x="1043775" y="9543701"/>
+                    <a:pt x="2744885" y="10529222"/>
+                  </a:cubicBezTo>
+                  <a:cubicBezTo>
+                    <a:pt x="4445994" y="11514742"/>
+                    <a:pt x="6544389" y="11514742"/>
+                    <a:pt x="8245499" y="10529222"/>
+                  </a:cubicBezTo>
+                  <a:cubicBezTo>
+                    <a:pt x="9946609" y="9543701"/>
+                    <a:pt x="10990384" y="7723318"/>
+                    <a:pt x="10981592" y="5757371"/>
+                  </a:cubicBezTo>
+                  <a:cubicBezTo>
+                    <a:pt x="10990384" y="3791424"/>
+                    <a:pt x="9946609" y="1971041"/>
+                    <a:pt x="8245499" y="985520"/>
+                  </a:cubicBezTo>
+                  <a:cubicBezTo>
+                    <a:pt x="6544389" y="0"/>
+                    <a:pt x="4445994" y="0"/>
+                    <a:pt x="2744885" y="985520"/>
+                  </a:cubicBezTo>
+                  <a:cubicBezTo>
+                    <a:pt x="1043775" y="1971041"/>
+                    <a:pt x="0" y="3791424"/>
+                    <a:pt x="8792" y="5757371"/>
+                  </a:cubicBezTo>
+                  <a:close/>
+                </a:path>
+              </a:pathLst>
+            </a:custGeom>
+            <a:solidFill>
+              <a:srgbClr val="ECF2FE"/>
+            </a:solidFill>
+          </p:spPr>
+        </p:sp>
+      </p:grpSp>
+      <p:sp>
+        <p:nvSpPr>
+          <p:cNvPr name="Freeform 9" id="9"/>
+          <p:cNvSpPr/>
+          <p:nvPr/>
+        </p:nvSpPr>
+        <p:spPr>
+          <a:xfrm flipH="false" flipV="false" rot="0">
+            <a:off x="4853607" y="4203794"/>
+            <a:ext cx="1702086" cy="1507120"/>
+          </a:xfrm>
+          <a:custGeom>
+            <a:avLst/>
+            <a:gdLst/>
+            <a:ahLst/>
+            <a:cxnLst/>
+            <a:rect r="r" b="b" t="t" l="l"/>
+            <a:pathLst>
+              <a:path h="1507120" w="1702086">
+                <a:moveTo>
+                  <a:pt x="0" y="0"/>
+                </a:moveTo>
+                <a:lnTo>
+                  <a:pt x="1702086" y="0"/>
+                </a:lnTo>
+                <a:lnTo>
+                  <a:pt x="1702086" y="1507120"/>
+                </a:lnTo>
+                <a:lnTo>
+                  <a:pt x="0" y="1507120"/>
+                </a:lnTo>
+                <a:lnTo>
+                  <a:pt x="0" y="0"/>
+                </a:lnTo>
+                <a:close/>
+              </a:path>
+            </a:pathLst>
+          </a:custGeom>
+          <a:blipFill>
+            <a:blip r:embed="rId4">
+              <a:extLst>
+                <a:ext uri="{96DAC541-7B7A-43D3-8B79-37D633B846F1}">
+                  <asvg:svgBlip xmlns:asvg="http://schemas.microsoft.com/office/drawing/2016/SVG/main" r:embed="rId5"/>
+                </a:ext>
+              </a:extLst>
+            </a:blip>
+            <a:stretch>
+              <a:fillRect l="0" t="0" r="0" b="0"/>
+            </a:stretch>
+          </a:blipFill>
+          <a:ln cap="sq">
+            <a:noFill/>
+            <a:prstDash val="solid"/>
+            <a:miter/>
+          </a:ln>
+        </p:spPr>
+      </p:sp>
+      <p:sp>
+        <p:nvSpPr>
+          <p:cNvPr name="Freeform 10" id="10"/>
+          <p:cNvSpPr/>
+          <p:nvPr/>
+        </p:nvSpPr>
+        <p:spPr>
+          <a:xfrm flipH="false" flipV="false" rot="0">
+            <a:off x="8180162" y="4213212"/>
+            <a:ext cx="1213879" cy="1507073"/>
+          </a:xfrm>
+          <a:custGeom>
+            <a:avLst/>
+            <a:gdLst/>
+            <a:ahLst/>
+            <a:cxnLst/>
+            <a:rect r="r" b="b" t="t" l="l"/>
+            <a:pathLst>
+              <a:path h="1507073" w="1213879">
+                <a:moveTo>
+                  <a:pt x="0" y="0"/>
+                </a:moveTo>
+                <a:lnTo>
+                  <a:pt x="1213879" y="0"/>
+                </a:lnTo>
+                <a:lnTo>
+                  <a:pt x="1213879" y="1507073"/>
+                </a:lnTo>
+                <a:lnTo>
+                  <a:pt x="0" y="1507073"/>
+                </a:lnTo>
+                <a:lnTo>
+                  <a:pt x="0" y="0"/>
+                </a:lnTo>
+                <a:close/>
+              </a:path>
+            </a:pathLst>
+          </a:custGeom>
+          <a:blipFill>
+            <a:blip r:embed="rId6">
+              <a:extLst>
+                <a:ext uri="{96DAC541-7B7A-43D3-8B79-37D633B846F1}">
+                  <asvg:svgBlip xmlns:asvg="http://schemas.microsoft.com/office/drawing/2016/SVG/main" r:embed="rId7"/>
+                </a:ext>
+              </a:extLst>
+            </a:blip>
+            <a:stretch>
+              <a:fillRect l="0" t="0" r="0" b="0"/>
+            </a:stretch>
+          </a:blipFill>
+          <a:ln cap="sq">
+            <a:noFill/>
+            <a:prstDash val="solid"/>
+            <a:miter/>
+          </a:ln>
+        </p:spPr>
+      </p:sp>
+      <p:grpSp>
+        <p:nvGrpSpPr>
+          <p:cNvPr name="Group 11" id="11"/>
+          <p:cNvGrpSpPr>
+            <a:grpSpLocks noChangeAspect="true"/>
+          </p:cNvGrpSpPr>
+          <p:nvPr/>
+        </p:nvGrpSpPr>
+        <p:grpSpPr>
+          <a:xfrm rot="0">
+            <a:off x="14935328" y="4109590"/>
+            <a:ext cx="1811871" cy="1811871"/>
+            <a:chOff x="1371600" y="6705600"/>
+            <a:chExt cx="10972800" cy="10972800"/>
+          </a:xfrm>
+        </p:grpSpPr>
+        <p:sp>
+          <p:nvSpPr>
+            <p:cNvPr name="Freeform 12" id="12"/>
+            <p:cNvSpPr/>
+            <p:nvPr/>
+          </p:nvSpPr>
+          <p:spPr>
+            <a:xfrm flipH="false" flipV="false" rot="0">
+              <a:off x="1362808" y="6434629"/>
+              <a:ext cx="10990384" cy="11514742"/>
+            </a:xfrm>
+            <a:custGeom>
+              <a:avLst/>
+              <a:gdLst/>
+              <a:ahLst/>
+              <a:cxnLst/>
+              <a:rect r="r" b="b" t="t" l="l"/>
+              <a:pathLst>
+                <a:path h="11514742" w="10990384">
+                  <a:moveTo>
+                    <a:pt x="8792" y="5757371"/>
+                  </a:moveTo>
+                  <a:cubicBezTo>
+                    <a:pt x="0" y="7723318"/>
+                    <a:pt x="1043775" y="9543701"/>
+                    <a:pt x="2744885" y="10529222"/>
+                  </a:cubicBezTo>
+                  <a:cubicBezTo>
+                    <a:pt x="4445994" y="11514742"/>
+                    <a:pt x="6544389" y="11514742"/>
+                    <a:pt x="8245499" y="10529222"/>
+                  </a:cubicBezTo>
+                  <a:cubicBezTo>
+                    <a:pt x="9946609" y="9543701"/>
+                    <a:pt x="10990384" y="7723318"/>
+                    <a:pt x="10981592" y="5757371"/>
+                  </a:cubicBezTo>
+                  <a:cubicBezTo>
+                    <a:pt x="10990384" y="3791424"/>
+                    <a:pt x="9946609" y="1971041"/>
+                    <a:pt x="8245499" y="985520"/>
+                  </a:cubicBezTo>
+                  <a:cubicBezTo>
+                    <a:pt x="6544389" y="0"/>
+                    <a:pt x="4445994" y="0"/>
+                    <a:pt x="2744885" y="985520"/>
+                  </a:cubicBezTo>
+                  <a:cubicBezTo>
+                    <a:pt x="1043775" y="1971041"/>
+                    <a:pt x="0" y="3791424"/>
+                    <a:pt x="8792" y="5757371"/>
+                  </a:cubicBezTo>
+                  <a:close/>
+                </a:path>
+              </a:pathLst>
+            </a:custGeom>
+            <a:solidFill>
+              <a:srgbClr val="ECF2FE"/>
+            </a:solidFill>
+          </p:spPr>
+        </p:sp>
+      </p:grpSp>
+      <p:grpSp>
+        <p:nvGrpSpPr>
+          <p:cNvPr name="Group 13" id="13"/>
+          <p:cNvGrpSpPr>
+            <a:grpSpLocks noChangeAspect="true"/>
+          </p:cNvGrpSpPr>
+          <p:nvPr/>
+        </p:nvGrpSpPr>
+        <p:grpSpPr>
+          <a:xfrm rot="0">
+            <a:off x="11223869" y="4133321"/>
+            <a:ext cx="1764410" cy="1764410"/>
+            <a:chOff x="1371600" y="6705600"/>
+            <a:chExt cx="10972800" cy="10972800"/>
+          </a:xfrm>
+        </p:grpSpPr>
+        <p:sp>
+          <p:nvSpPr>
+            <p:cNvPr name="Freeform 14" id="14"/>
+            <p:cNvSpPr/>
+            <p:nvPr/>
+          </p:nvSpPr>
+          <p:spPr>
+            <a:xfrm flipH="false" flipV="false" rot="0">
+              <a:off x="1362808" y="6434629"/>
+              <a:ext cx="10990384" cy="11514742"/>
+            </a:xfrm>
+            <a:custGeom>
+              <a:avLst/>
+              <a:gdLst/>
+              <a:ahLst/>
+              <a:cxnLst/>
+              <a:rect r="r" b="b" t="t" l="l"/>
+              <a:pathLst>
+                <a:path h="11514742" w="10990384">
+                  <a:moveTo>
+                    <a:pt x="8792" y="5757371"/>
+                  </a:moveTo>
+                  <a:cubicBezTo>
+                    <a:pt x="0" y="7723318"/>
+                    <a:pt x="1043775" y="9543701"/>
+                    <a:pt x="2744885" y="10529222"/>
+                  </a:cubicBezTo>
+                  <a:cubicBezTo>
+                    <a:pt x="4445994" y="11514742"/>
+                    <a:pt x="6544389" y="11514742"/>
+                    <a:pt x="8245499" y="10529222"/>
+                  </a:cubicBezTo>
+                  <a:cubicBezTo>
+                    <a:pt x="9946609" y="9543701"/>
+                    <a:pt x="10990384" y="7723318"/>
+                    <a:pt x="10981592" y="5757371"/>
+                  </a:cubicBezTo>
+                  <a:cubicBezTo>
+                    <a:pt x="10990384" y="3791424"/>
+                    <a:pt x="9946609" y="1971041"/>
+                    <a:pt x="8245499" y="985520"/>
+                  </a:cubicBezTo>
+                  <a:cubicBezTo>
+                    <a:pt x="6544389" y="0"/>
+                    <a:pt x="4445994" y="0"/>
+                    <a:pt x="2744885" y="985520"/>
+                  </a:cubicBezTo>
+                  <a:cubicBezTo>
+                    <a:pt x="1043775" y="1971041"/>
+                    <a:pt x="0" y="3791424"/>
+                    <a:pt x="8792" y="5757371"/>
+                  </a:cubicBezTo>
+                  <a:close/>
+                </a:path>
+              </a:pathLst>
+            </a:custGeom>
+            <a:solidFill>
+              <a:srgbClr val="ECF2FE"/>
+            </a:solidFill>
+          </p:spPr>
+        </p:sp>
+      </p:grpSp>
+      <p:sp>
+        <p:nvSpPr>
+          <p:cNvPr name="Freeform 15" id="15"/>
+          <p:cNvSpPr/>
+          <p:nvPr/>
+        </p:nvSpPr>
+        <p:spPr>
+          <a:xfrm flipH="false" flipV="false" rot="0">
+            <a:off x="11326714" y="4184031"/>
+            <a:ext cx="1558719" cy="1558719"/>
+          </a:xfrm>
+          <a:custGeom>
+            <a:avLst/>
+            <a:gdLst/>
+            <a:ahLst/>
+            <a:cxnLst/>
+            <a:rect r="r" b="b" t="t" l="l"/>
+            <a:pathLst>
+              <a:path h="1558719" w="1558719">
+                <a:moveTo>
+                  <a:pt x="0" y="0"/>
+                </a:moveTo>
+                <a:lnTo>
+                  <a:pt x="1558719" y="0"/>
+                </a:lnTo>
+                <a:lnTo>
+                  <a:pt x="1558719" y="1558719"/>
+                </a:lnTo>
+                <a:lnTo>
+                  <a:pt x="0" y="1558719"/>
+                </a:lnTo>
+                <a:lnTo>
+                  <a:pt x="0" y="0"/>
+                </a:lnTo>
+                <a:close/>
+              </a:path>
+            </a:pathLst>
+          </a:custGeom>
+          <a:blipFill>
+            <a:blip r:embed="rId8">
+              <a:extLst>
+                <a:ext uri="{96DAC541-7B7A-43D3-8B79-37D633B846F1}">
+                  <asvg:svgBlip xmlns:asvg="http://schemas.microsoft.com/office/drawing/2016/SVG/main" r:embed="rId9"/>
+                </a:ext>
+              </a:extLst>
+            </a:blip>
+            <a:stretch>
+              <a:fillRect l="0" t="0" r="0" b="0"/>
+            </a:stretch>
+          </a:blipFill>
+        </p:spPr>
+      </p:sp>
+      <p:sp>
+        <p:nvSpPr>
+          <p:cNvPr name="Freeform 16" id="16"/>
+          <p:cNvSpPr/>
+          <p:nvPr/>
+        </p:nvSpPr>
+        <p:spPr>
+          <a:xfrm flipH="false" flipV="false" rot="0">
+            <a:off x="1314114" y="4435264"/>
+            <a:ext cx="2383911" cy="1160524"/>
+          </a:xfrm>
+          <a:custGeom>
+            <a:avLst/>
+            <a:gdLst/>
+            <a:ahLst/>
+            <a:cxnLst/>
+            <a:rect r="r" b="b" t="t" l="l"/>
+            <a:pathLst>
+              <a:path h="1160524" w="2383911">
+                <a:moveTo>
+                  <a:pt x="0" y="0"/>
+                </a:moveTo>
+                <a:lnTo>
+                  <a:pt x="2383911" y="0"/>
+                </a:lnTo>
+                <a:lnTo>
+                  <a:pt x="2383911" y="1160524"/>
+                </a:lnTo>
+                <a:lnTo>
+                  <a:pt x="0" y="1160524"/>
+                </a:lnTo>
+                <a:lnTo>
+                  <a:pt x="0" y="0"/>
+                </a:lnTo>
+                <a:close/>
+              </a:path>
+            </a:pathLst>
+          </a:custGeom>
+          <a:blipFill>
+            <a:blip r:embed="rId10"/>
+            <a:stretch>
+              <a:fillRect l="0" t="0" r="0" b="0"/>
+            </a:stretch>
+          </a:blipFill>
+        </p:spPr>
+      </p:sp>
+      <p:sp>
+        <p:nvSpPr>
+          <p:cNvPr name="Freeform 17" id="17"/>
+          <p:cNvSpPr/>
+          <p:nvPr/>
+        </p:nvSpPr>
+        <p:spPr>
+          <a:xfrm flipH="false" flipV="false" rot="0">
+            <a:off x="15155478" y="4317114"/>
+            <a:ext cx="1371572" cy="1371572"/>
+          </a:xfrm>
+          <a:custGeom>
+            <a:avLst/>
+            <a:gdLst/>
+            <a:ahLst/>
+            <a:cxnLst/>
+            <a:rect r="r" b="b" t="t" l="l"/>
+            <a:pathLst>
+              <a:path h="1371572" w="1371572">
+                <a:moveTo>
+                  <a:pt x="0" y="0"/>
+                </a:moveTo>
+                <a:lnTo>
+                  <a:pt x="1371572" y="0"/>
+                </a:lnTo>
+                <a:lnTo>
+                  <a:pt x="1371572" y="1371572"/>
+                </a:lnTo>
+                <a:lnTo>
+                  <a:pt x="0" y="1371572"/>
+                </a:lnTo>
+                <a:lnTo>
+                  <a:pt x="0" y="0"/>
+                </a:lnTo>
+                <a:close/>
+              </a:path>
+            </a:pathLst>
+          </a:custGeom>
+          <a:blipFill>
+            <a:blip r:embed="rId11">
+              <a:extLst>
+                <a:ext uri="{96DAC541-7B7A-43D3-8B79-37D633B846F1}">
+                  <asvg:svgBlip xmlns:asvg="http://schemas.microsoft.com/office/drawing/2016/SVG/main" r:embed="rId12"/>
+                </a:ext>
+              </a:extLst>
+            </a:blip>
+            <a:stretch>
+              <a:fillRect l="0" t="0" r="0" b="0"/>
+            </a:stretch>
+          </a:blipFill>
+        </p:spPr>
+      </p:sp>
+      <p:sp>
+        <p:nvSpPr>
+          <p:cNvPr name="TextBox 18" id="18"/>
+          <p:cNvSpPr txBox="true"/>
+          <p:nvPr/>
+        </p:nvSpPr>
+        <p:spPr>
+          <a:xfrm rot="0">
+            <a:off x="1028700" y="1022704"/>
+            <a:ext cx="9981814" cy="1263015"/>
+          </a:xfrm>
+          <a:prstGeom prst="rect">
+            <a:avLst/>
+          </a:prstGeom>
+        </p:spPr>
+        <p:txBody>
+          <a:bodyPr anchor="t" rtlCol="false" tIns="0" lIns="0" bIns="0" rIns="0">
+            <a:spAutoFit/>
+          </a:bodyPr>
+          <a:lstStyle/>
+          <a:p>
+            <a:pPr algn="l" marL="0" indent="0" lvl="0">
+              <a:lnSpc>
+                <a:spcPts val="10080"/>
+              </a:lnSpc>
+              <a:spcBef>
+                <a:spcPct val="0"/>
+              </a:spcBef>
+            </a:pPr>
+            <a:r>
+              <a:rPr lang="en-US" sz="8000">
+                <a:solidFill>
+                  <a:srgbClr val="ECF2FE"/>
+                </a:solidFill>
+                <a:latin typeface="Muli Bold Bold"/>
+                <a:ea typeface="Muli Bold Bold"/>
+                <a:cs typeface="Muli Bold Bold"/>
+                <a:sym typeface="Muli Bold Bold"/>
+              </a:rPr>
+              <a:t>What We Found</a:t>
+            </a:r>
+          </a:p>
+        </p:txBody>
+      </p:sp>
+      <p:sp>
+        <p:nvSpPr>
+          <p:cNvPr name="TextBox 19" id="19"/>
+          <p:cNvSpPr txBox="true"/>
+          <p:nvPr/>
+        </p:nvSpPr>
+        <p:spPr>
+          <a:xfrm rot="0">
+            <a:off x="1028700" y="6431276"/>
+            <a:ext cx="2954739" cy="462616"/>
+          </a:xfrm>
+          <a:prstGeom prst="rect">
+            <a:avLst/>
+          </a:prstGeom>
+        </p:spPr>
+        <p:txBody>
+          <a:bodyPr anchor="t" rtlCol="false" tIns="0" lIns="0" bIns="0" rIns="0">
+            <a:spAutoFit/>
+          </a:bodyPr>
+          <a:lstStyle/>
+          <a:p>
+            <a:pPr algn="ctr" marL="0" indent="0" lvl="0">
+              <a:lnSpc>
+                <a:spcPts val="3841"/>
+              </a:lnSpc>
+            </a:pPr>
+            <a:r>
+              <a:rPr lang="en-US" sz="2705">
+                <a:solidFill>
+                  <a:srgbClr val="ECF2FE"/>
+                </a:solidFill>
+                <a:latin typeface="Muli Regular Bold"/>
+                <a:ea typeface="Muli Regular Bold"/>
+                <a:cs typeface="Muli Regular Bold"/>
+                <a:sym typeface="Muli Regular Bold"/>
+              </a:rPr>
+              <a:t>Age</a:t>
+            </a:r>
+          </a:p>
+        </p:txBody>
+      </p:sp>
+      <p:sp>
+        <p:nvSpPr>
+          <p:cNvPr name="TextBox 20" id="20"/>
+          <p:cNvSpPr txBox="true"/>
+          <p:nvPr/>
+        </p:nvSpPr>
+        <p:spPr>
+          <a:xfrm rot="0">
+            <a:off x="4290549" y="6455007"/>
+            <a:ext cx="2954739" cy="462616"/>
+          </a:xfrm>
+          <a:prstGeom prst="rect">
+            <a:avLst/>
+          </a:prstGeom>
+        </p:spPr>
+        <p:txBody>
+          <a:bodyPr anchor="t" rtlCol="false" tIns="0" lIns="0" bIns="0" rIns="0">
+            <a:spAutoFit/>
+          </a:bodyPr>
+          <a:lstStyle/>
+          <a:p>
+            <a:pPr algn="ctr" marL="0" indent="0" lvl="0">
+              <a:lnSpc>
+                <a:spcPts val="3841"/>
+              </a:lnSpc>
+              <a:spcBef>
+                <a:spcPct val="0"/>
+              </a:spcBef>
+            </a:pPr>
+            <a:r>
+              <a:rPr lang="en-US" sz="2705" strike="noStrike" u="none">
+                <a:solidFill>
+                  <a:srgbClr val="ECF2FE"/>
+                </a:solidFill>
+                <a:latin typeface="Muli Regular Bold"/>
+                <a:ea typeface="Muli Regular Bold"/>
+                <a:cs typeface="Muli Regular Bold"/>
+                <a:sym typeface="Muli Regular Bold"/>
+              </a:rPr>
+              <a:t>Gender</a:t>
+            </a:r>
+          </a:p>
+        </p:txBody>
+      </p:sp>
+      <p:sp>
+        <p:nvSpPr>
+          <p:cNvPr name="TextBox 21" id="21"/>
+          <p:cNvSpPr txBox="true"/>
+          <p:nvPr/>
+        </p:nvSpPr>
+        <p:spPr>
+          <a:xfrm rot="0">
+            <a:off x="7245288" y="6411222"/>
+            <a:ext cx="3083626" cy="482670"/>
+          </a:xfrm>
+          <a:prstGeom prst="rect">
+            <a:avLst/>
+          </a:prstGeom>
+        </p:spPr>
+        <p:txBody>
+          <a:bodyPr anchor="t" rtlCol="false" tIns="0" lIns="0" bIns="0" rIns="0">
+            <a:spAutoFit/>
+          </a:bodyPr>
+          <a:lstStyle/>
+          <a:p>
+            <a:pPr algn="ctr" marL="0" indent="0" lvl="0">
+              <a:lnSpc>
+                <a:spcPts val="3941"/>
+              </a:lnSpc>
+              <a:spcBef>
+                <a:spcPct val="0"/>
+              </a:spcBef>
+            </a:pPr>
+            <a:r>
+              <a:rPr lang="en-US" sz="2775" strike="noStrike" u="none">
+                <a:solidFill>
+                  <a:srgbClr val="ECF2FE"/>
+                </a:solidFill>
+                <a:latin typeface="Muli Regular Bold"/>
+                <a:ea typeface="Muli Regular Bold"/>
+                <a:cs typeface="Muli Regular Bold"/>
+                <a:sym typeface="Muli Regular Bold"/>
+              </a:rPr>
+              <a:t>Support Calls</a:t>
+            </a:r>
+          </a:p>
+        </p:txBody>
+      </p:sp>
+      <p:sp>
+        <p:nvSpPr>
+          <p:cNvPr name="TextBox 22" id="22"/>
+          <p:cNvSpPr txBox="true"/>
+          <p:nvPr/>
+        </p:nvSpPr>
+        <p:spPr>
+          <a:xfrm rot="0">
+            <a:off x="14363894" y="6431276"/>
+            <a:ext cx="2954739" cy="462616"/>
+          </a:xfrm>
+          <a:prstGeom prst="rect">
+            <a:avLst/>
+          </a:prstGeom>
+        </p:spPr>
+        <p:txBody>
+          <a:bodyPr anchor="t" rtlCol="false" tIns="0" lIns="0" bIns="0" rIns="0">
+            <a:spAutoFit/>
+          </a:bodyPr>
+          <a:lstStyle/>
+          <a:p>
+            <a:pPr algn="ctr" marL="0" indent="0" lvl="0">
+              <a:lnSpc>
+                <a:spcPts val="3841"/>
+              </a:lnSpc>
+            </a:pPr>
+            <a:r>
+              <a:rPr lang="en-US" sz="2705">
+                <a:solidFill>
+                  <a:srgbClr val="ECF2FE"/>
+                </a:solidFill>
+                <a:latin typeface="Muli Regular Bold"/>
+                <a:ea typeface="Muli Regular Bold"/>
+                <a:cs typeface="Muli Regular Bold"/>
+                <a:sym typeface="Muli Regular Bold"/>
+              </a:rPr>
+              <a:t>Subscribtion Type</a:t>
+            </a:r>
+          </a:p>
+        </p:txBody>
+      </p:sp>
+      <p:sp>
+        <p:nvSpPr>
+          <p:cNvPr name="TextBox 23" id="23"/>
+          <p:cNvSpPr txBox="true"/>
+          <p:nvPr/>
+        </p:nvSpPr>
+        <p:spPr>
+          <a:xfrm rot="0">
+            <a:off x="10667403" y="6441897"/>
+            <a:ext cx="2877341" cy="451995"/>
+          </a:xfrm>
+          <a:prstGeom prst="rect">
+            <a:avLst/>
+          </a:prstGeom>
+        </p:spPr>
+        <p:txBody>
+          <a:bodyPr anchor="t" rtlCol="false" tIns="0" lIns="0" bIns="0" rIns="0">
+            <a:spAutoFit/>
+          </a:bodyPr>
+          <a:lstStyle/>
+          <a:p>
+            <a:pPr algn="ctr" marL="0" indent="0" lvl="0">
+              <a:lnSpc>
+                <a:spcPts val="3741"/>
+              </a:lnSpc>
+              <a:spcBef>
+                <a:spcPct val="0"/>
+              </a:spcBef>
+            </a:pPr>
+            <a:r>
+              <a:rPr lang="en-US" sz="2634">
+                <a:solidFill>
+                  <a:srgbClr val="ECF2FE"/>
+                </a:solidFill>
+                <a:latin typeface="Muli Regular Bold"/>
+                <a:ea typeface="Muli Regular Bold"/>
+                <a:cs typeface="Muli Regular Bold"/>
+                <a:sym typeface="Muli Regular Bold"/>
+              </a:rPr>
+              <a:t>Contract Length</a:t>
+            </a:r>
+          </a:p>
+        </p:txBody>
+      </p:sp>
+    </p:spTree>
+  </p:cSld>
+  <p:clrMapOvr>
+    <a:masterClrMapping/>
+  </p:clrMapOvr>
+</p:sld>
+</file>
+
+<file path=ppt/slides/slide16.xml><?xml version="1.0" encoding="utf-8"?>
+<p:sld xmlns:p="http://schemas.openxmlformats.org/presentationml/2006/main" xmlns:a="http://schemas.openxmlformats.org/drawingml/2006/main" xmlns:r="http://schemas.openxmlformats.org/officeDocument/2006/relationships">
+  <p:cSld>
+    <p:bg>
+      <p:bgPr>
+        <a:solidFill>
+          <a:srgbClr val="0048CD"/>
+        </a:solidFill>
+      </p:bgPr>
+    </p:bg>
+    <p:spTree>
+      <p:nvGrpSpPr>
+        <p:cNvPr id="1" name=""/>
+        <p:cNvGrpSpPr/>
+        <p:nvPr/>
+      </p:nvGrpSpPr>
+      <p:grpSpPr>
+        <a:xfrm>
+          <a:off x="0" y="0"/>
+          <a:ext cx="0" cy="0"/>
+          <a:chOff x="0" y="0"/>
+          <a:chExt cx="0" cy="0"/>
+        </a:xfrm>
+      </p:grpSpPr>
+      <p:sp>
+        <p:nvSpPr>
+          <p:cNvPr name="Freeform 2" id="2"/>
+          <p:cNvSpPr/>
+          <p:nvPr/>
+        </p:nvSpPr>
+        <p:spPr>
+          <a:xfrm flipH="false" flipV="false" rot="0">
             <a:off x="1028700" y="7108868"/>
             <a:ext cx="1821325" cy="1693833"/>
           </a:xfrm>
@@ -5046,7 +6016,7 @@
         </p:nvGrpSpPr>
         <p:grpSpPr>
           <a:xfrm rot="0">
-            <a:off x="1561234" y="3803149"/>
+            <a:off x="1561234" y="5803331"/>
             <a:ext cx="8468472" cy="1574304"/>
             <a:chOff x="0" y="0"/>
             <a:chExt cx="5432166" cy="1009849"/>
@@ -5124,7 +6094,7 @@
         </p:nvSpPr>
         <p:spPr>
           <a:xfrm flipH="false" flipV="false" rot="0">
-            <a:off x="772306" y="3801373"/>
+            <a:off x="772306" y="5801555"/>
             <a:ext cx="1577856" cy="1577856"/>
           </a:xfrm>
           <a:custGeom>
@@ -5176,7 +6146,7 @@
         </p:nvGrpSpPr>
         <p:grpSpPr>
           <a:xfrm rot="0">
-            <a:off x="1561234" y="1785625"/>
+            <a:off x="1561234" y="3803149"/>
             <a:ext cx="8468472" cy="1574304"/>
             <a:chOff x="0" y="0"/>
             <a:chExt cx="5432166" cy="1009849"/>
@@ -5254,7 +6224,7 @@
         </p:nvSpPr>
         <p:spPr>
           <a:xfrm flipH="false" flipV="false" rot="0">
-            <a:off x="772306" y="1782073"/>
+            <a:off x="772306" y="3801373"/>
             <a:ext cx="1577856" cy="1577856"/>
           </a:xfrm>
           <a:custGeom>
@@ -5298,16 +6268,94 @@
           </a:blipFill>
         </p:spPr>
       </p:sp>
-      <p:sp>
-        <p:nvSpPr>
-          <p:cNvPr name="Freeform 11" id="11"/>
+      <p:grpSp>
+        <p:nvGrpSpPr>
+          <p:cNvPr name="Group 11" id="11"/>
+          <p:cNvGrpSpPr/>
+          <p:nvPr/>
+        </p:nvGrpSpPr>
+        <p:grpSpPr>
+          <a:xfrm rot="0">
+            <a:off x="1561234" y="1785625"/>
+            <a:ext cx="8468472" cy="1574304"/>
+            <a:chOff x="0" y="0"/>
+            <a:chExt cx="5432166" cy="1009849"/>
+          </a:xfrm>
+        </p:grpSpPr>
+        <p:sp>
+          <p:nvSpPr>
+            <p:cNvPr name="Freeform 12" id="12"/>
+            <p:cNvSpPr/>
+            <p:nvPr/>
+          </p:nvSpPr>
+          <p:spPr>
+            <a:xfrm flipH="false" flipV="false" rot="0">
+              <a:off x="0" y="0"/>
+              <a:ext cx="5432166" cy="1009850"/>
+            </a:xfrm>
+            <a:custGeom>
+              <a:avLst/>
+              <a:gdLst/>
+              <a:ahLst/>
+              <a:cxnLst/>
+              <a:rect r="r" b="b" t="t" l="l"/>
+              <a:pathLst>
+                <a:path h="1009850" w="5432166">
+                  <a:moveTo>
+                    <a:pt x="5307706" y="1009849"/>
+                  </a:moveTo>
+                  <a:lnTo>
+                    <a:pt x="124460" y="1009849"/>
+                  </a:lnTo>
+                  <a:cubicBezTo>
+                    <a:pt x="55880" y="1009849"/>
+                    <a:pt x="0" y="953969"/>
+                    <a:pt x="0" y="885389"/>
+                  </a:cubicBezTo>
+                  <a:lnTo>
+                    <a:pt x="0" y="124460"/>
+                  </a:lnTo>
+                  <a:cubicBezTo>
+                    <a:pt x="0" y="55880"/>
+                    <a:pt x="55880" y="0"/>
+                    <a:pt x="124460" y="0"/>
+                  </a:cubicBezTo>
+                  <a:lnTo>
+                    <a:pt x="5307706" y="0"/>
+                  </a:lnTo>
+                  <a:cubicBezTo>
+                    <a:pt x="5376286" y="0"/>
+                    <a:pt x="5432166" y="55880"/>
+                    <a:pt x="5432166" y="124460"/>
+                  </a:cubicBezTo>
+                  <a:lnTo>
+                    <a:pt x="5432166" y="885389"/>
+                  </a:lnTo>
+                  <a:cubicBezTo>
+                    <a:pt x="5432166" y="953969"/>
+                    <a:pt x="5376286" y="1009850"/>
+                    <a:pt x="5307706" y="1009850"/>
+                  </a:cubicBezTo>
+                  <a:close/>
+                </a:path>
+              </a:pathLst>
+            </a:custGeom>
+            <a:solidFill>
+              <a:srgbClr val="FFFFFF"/>
+            </a:solidFill>
+          </p:spPr>
+        </p:sp>
+      </p:grpSp>
+      <p:sp>
+        <p:nvSpPr>
+          <p:cNvPr name="Freeform 13" id="13"/>
           <p:cNvSpPr/>
           <p:nvPr/>
         </p:nvSpPr>
         <p:spPr>
           <a:xfrm flipH="false" flipV="false" rot="0">
-            <a:off x="8013217" y="2073761"/>
-            <a:ext cx="900826" cy="882809"/>
+            <a:off x="772306" y="1782073"/>
+            <a:ext cx="1577856" cy="1577856"/>
           </a:xfrm>
           <a:custGeom>
             <a:avLst/>
@@ -5316,18 +6364,70 @@
             <a:cxnLst/>
             <a:rect r="r" b="b" t="t" l="l"/>
             <a:pathLst>
-              <a:path h="882809" w="900826">
+              <a:path h="1577856" w="1577856">
                 <a:moveTo>
                   <a:pt x="0" y="0"/>
                 </a:moveTo>
                 <a:lnTo>
-                  <a:pt x="900826" y="0"/>
-                </a:lnTo>
-                <a:lnTo>
-                  <a:pt x="900826" y="882809"/>
-                </a:lnTo>
-                <a:lnTo>
-                  <a:pt x="0" y="882809"/>
+                  <a:pt x="1577856" y="0"/>
+                </a:lnTo>
+                <a:lnTo>
+                  <a:pt x="1577856" y="1577856"/>
+                </a:lnTo>
+                <a:lnTo>
+                  <a:pt x="0" y="1577856"/>
+                </a:lnTo>
+                <a:lnTo>
+                  <a:pt x="0" y="0"/>
+                </a:lnTo>
+                <a:close/>
+              </a:path>
+            </a:pathLst>
+          </a:custGeom>
+          <a:blipFill>
+            <a:blip r:embed="rId4">
+              <a:extLst>
+                <a:ext uri="{96DAC541-7B7A-43D3-8B79-37D633B846F1}">
+                  <asvg:svgBlip xmlns:asvg="http://schemas.microsoft.com/office/drawing/2016/SVG/main" r:embed="rId5"/>
+                </a:ext>
+              </a:extLst>
+            </a:blip>
+            <a:stretch>
+              <a:fillRect l="0" t="0" r="0" b="0"/>
+            </a:stretch>
+          </a:blipFill>
+        </p:spPr>
+      </p:sp>
+      <p:sp>
+        <p:nvSpPr>
+          <p:cNvPr name="Freeform 14" id="14"/>
+          <p:cNvSpPr/>
+          <p:nvPr/>
+        </p:nvSpPr>
+        <p:spPr>
+          <a:xfrm flipH="false" flipV="false" rot="0">
+            <a:off x="6769297" y="2152841"/>
+            <a:ext cx="1481194" cy="882325"/>
+          </a:xfrm>
+          <a:custGeom>
+            <a:avLst/>
+            <a:gdLst/>
+            <a:ahLst/>
+            <a:cxnLst/>
+            <a:rect r="r" b="b" t="t" l="l"/>
+            <a:pathLst>
+              <a:path h="882325" w="1481194">
+                <a:moveTo>
+                  <a:pt x="0" y="0"/>
+                </a:moveTo>
+                <a:lnTo>
+                  <a:pt x="1481194" y="0"/>
+                </a:lnTo>
+                <a:lnTo>
+                  <a:pt x="1481194" y="882326"/>
+                </a:lnTo>
+                <a:lnTo>
+                  <a:pt x="0" y="882326"/>
                 </a:lnTo>
                 <a:lnTo>
                   <a:pt x="0" y="0"/>
@@ -5352,14 +6452,14 @@
       </p:sp>
       <p:sp>
         <p:nvSpPr>
-          <p:cNvPr name="Freeform 12" id="12"/>
+          <p:cNvPr name="Freeform 15" id="15"/>
           <p:cNvSpPr/>
           <p:nvPr/>
         </p:nvSpPr>
         <p:spPr>
           <a:xfrm flipH="false" flipV="false" rot="0">
-            <a:off x="8013217" y="4041696"/>
-            <a:ext cx="987992" cy="987992"/>
+            <a:off x="7272838" y="4039232"/>
+            <a:ext cx="474112" cy="992921"/>
           </a:xfrm>
           <a:custGeom>
             <a:avLst/>
@@ -5368,18 +6468,18 @@
             <a:cxnLst/>
             <a:rect r="r" b="b" t="t" l="l"/>
             <a:pathLst>
-              <a:path h="987992" w="987992">
+              <a:path h="992921" w="474112">
                 <a:moveTo>
                   <a:pt x="0" y="0"/>
                 </a:moveTo>
                 <a:lnTo>
-                  <a:pt x="987993" y="0"/>
-                </a:lnTo>
-                <a:lnTo>
-                  <a:pt x="987993" y="987992"/>
-                </a:lnTo>
-                <a:lnTo>
-                  <a:pt x="0" y="987992"/>
+                  <a:pt x="474112" y="0"/>
+                </a:lnTo>
+                <a:lnTo>
+                  <a:pt x="474112" y="992921"/>
+                </a:lnTo>
+                <a:lnTo>
+                  <a:pt x="0" y="992921"/>
                 </a:lnTo>
                 <a:lnTo>
                   <a:pt x="0" y="0"/>
@@ -5404,7 +6504,7 @@
       </p:sp>
       <p:sp>
         <p:nvSpPr>
-          <p:cNvPr name="TextBox 13" id="13"/>
+          <p:cNvPr name="TextBox 16" id="16"/>
           <p:cNvSpPr txBox="true"/>
           <p:nvPr/>
         </p:nvSpPr>
@@ -5441,14 +6541,14 @@
                 <a:cs typeface="Space Mono"/>
                 <a:sym typeface="Space Mono"/>
               </a:rPr>
-              <a:t>4</a:t>
-            </a:r>
-          </a:p>
-        </p:txBody>
-      </p:sp>
-      <p:sp>
-        <p:nvSpPr>
-          <p:cNvPr name="TextBox 14" id="14"/>
+              <a:t>1</a:t>
+            </a:r>
+          </a:p>
+        </p:txBody>
+      </p:sp>
+      <p:sp>
+        <p:nvSpPr>
+          <p:cNvPr name="TextBox 17" id="17"/>
           <p:cNvSpPr txBox="true"/>
           <p:nvPr/>
         </p:nvSpPr>
@@ -5485,14 +6585,58 @@
                 <a:cs typeface="Space Mono"/>
                 <a:sym typeface="Space Mono"/>
               </a:rPr>
-              <a:t>5</a:t>
-            </a:r>
-          </a:p>
-        </p:txBody>
-      </p:sp>
-      <p:sp>
-        <p:nvSpPr>
-          <p:cNvPr name="TextBox 15" id="15"/>
+              <a:t>2</a:t>
+            </a:r>
+          </a:p>
+        </p:txBody>
+      </p:sp>
+      <p:sp>
+        <p:nvSpPr>
+          <p:cNvPr name="TextBox 18" id="18"/>
+          <p:cNvSpPr txBox="true"/>
+          <p:nvPr/>
+        </p:nvSpPr>
+        <p:spPr>
+          <a:xfrm rot="0">
+            <a:off x="1240224" y="6132667"/>
+            <a:ext cx="642020" cy="820382"/>
+          </a:xfrm>
+          <a:prstGeom prst="rect">
+            <a:avLst/>
+          </a:prstGeom>
+        </p:spPr>
+        <p:txBody>
+          <a:bodyPr anchor="t" rtlCol="false" tIns="0" lIns="0" bIns="0" rIns="0">
+            <a:spAutoFit/>
+          </a:bodyPr>
+          <a:lstStyle/>
+          <a:p>
+            <a:pPr algn="ctr">
+              <a:lnSpc>
+                <a:spcPts val="6719"/>
+              </a:lnSpc>
+              <a:spcBef>
+                <a:spcPct val="0"/>
+              </a:spcBef>
+            </a:pPr>
+            <a:r>
+              <a:rPr lang="en-US" sz="4800">
+                <a:solidFill>
+                  <a:srgbClr val="000000"/>
+                </a:solidFill>
+                <a:latin typeface="Space Mono"/>
+                <a:ea typeface="Space Mono"/>
+                <a:cs typeface="Space Mono"/>
+                <a:sym typeface="Space Mono"/>
+              </a:rPr>
+              <a:t>3</a:t>
+            </a:r>
+          </a:p>
+        </p:txBody>
+      </p:sp>
+      <p:sp>
+        <p:nvSpPr>
+          <p:cNvPr name="TextBox 19" id="19"/>
           <p:cNvSpPr txBox="true"/>
           <p:nvPr/>
         </p:nvSpPr>
@@ -5529,14 +6673,14 @@
                 <a:cs typeface="Muli Regular"/>
                 <a:sym typeface="Muli Regular"/>
               </a:rPr>
-              <a:t>Monthly Contract length</a:t>
-            </a:r>
-          </a:p>
-        </p:txBody>
-      </p:sp>
-      <p:sp>
-        <p:nvSpPr>
-          <p:cNvPr name="TextBox 16" id="16"/>
+              <a:t>Female</a:t>
+            </a:r>
+          </a:p>
+        </p:txBody>
+      </p:sp>
+      <p:sp>
+        <p:nvSpPr>
+          <p:cNvPr name="TextBox 20" id="20"/>
           <p:cNvSpPr txBox="true"/>
           <p:nvPr/>
         </p:nvSpPr>
@@ -5573,99 +6717,99 @@
                 <a:cs typeface="Muli Regular"/>
                 <a:sym typeface="Muli Regular"/>
               </a:rPr>
-              <a:t>Standard Subscription</a:t>
-            </a:r>
-          </a:p>
-        </p:txBody>
-      </p:sp>
-      <p:grpSp>
-        <p:nvGrpSpPr>
-          <p:cNvPr name="Group 17" id="17"/>
-          <p:cNvGrpSpPr/>
-          <p:nvPr/>
-        </p:nvGrpSpPr>
-        <p:grpSpPr>
+              <a:t>Young (18-29)</a:t>
+            </a:r>
+          </a:p>
+        </p:txBody>
+      </p:sp>
+      <p:sp>
+        <p:nvSpPr>
+          <p:cNvPr name="TextBox 21" id="21"/>
+          <p:cNvSpPr txBox="true"/>
+          <p:nvPr/>
+        </p:nvSpPr>
+        <p:spPr>
           <a:xfrm rot="0">
-            <a:off x="11716456" y="2807358"/>
-            <a:ext cx="6001864" cy="5400720"/>
-            <a:chOff x="0" y="0"/>
-            <a:chExt cx="8002485" cy="7200960"/>
-          </a:xfrm>
-        </p:grpSpPr>
-        <p:sp>
-          <p:nvSpPr>
-            <p:cNvPr name="TextBox 18" id="18"/>
-            <p:cNvSpPr txBox="true"/>
-            <p:nvPr/>
-          </p:nvSpPr>
-          <p:spPr>
-            <a:xfrm rot="0">
-              <a:off x="0" y="95250"/>
-              <a:ext cx="8002485" cy="3652780"/>
-            </a:xfrm>
-            <a:prstGeom prst="rect">
-              <a:avLst/>
-            </a:prstGeom>
-          </p:spPr>
-          <p:txBody>
-            <a:bodyPr anchor="t" rtlCol="false" tIns="0" lIns="0" bIns="0" rIns="0">
-              <a:spAutoFit/>
-            </a:bodyPr>
-            <a:lstStyle/>
-            <a:p>
-              <a:pPr algn="l">
-                <a:lnSpc>
-                  <a:spcPts val="10644"/>
-                </a:lnSpc>
-              </a:pPr>
-              <a:r>
-                <a:rPr lang="en-US" sz="9676" spc="-96">
-                  <a:solidFill>
-                    <a:srgbClr val="FFFFFF"/>
-                  </a:solidFill>
-                  <a:latin typeface="Muli Bold"/>
-                  <a:ea typeface="Muli Bold"/>
-                  <a:cs typeface="Muli Bold"/>
-                  <a:sym typeface="Muli Bold"/>
-                </a:rPr>
-                <a:t>Comming Churner</a:t>
-              </a:r>
-            </a:p>
-          </p:txBody>
-        </p:sp>
-        <p:sp>
-          <p:nvSpPr>
-            <p:cNvPr name="TextBox 19" id="19"/>
-            <p:cNvSpPr txBox="true"/>
-            <p:nvPr/>
-          </p:nvSpPr>
-          <p:spPr>
-            <a:xfrm rot="0">
-              <a:off x="0" y="3985714"/>
-              <a:ext cx="6409878" cy="3215246"/>
-            </a:xfrm>
-            <a:prstGeom prst="rect">
-              <a:avLst/>
-            </a:prstGeom>
-          </p:spPr>
-          <p:txBody>
-            <a:bodyPr anchor="t" rtlCol="false" tIns="0" lIns="0" bIns="0" rIns="0">
-              <a:spAutoFit/>
-            </a:bodyPr>
-            <a:lstStyle/>
-            <a:p>
-              <a:pPr algn="l">
-                <a:lnSpc>
-                  <a:spcPts val="20319"/>
-                </a:lnSpc>
-                <a:spcBef>
-                  <a:spcPct val="0"/>
-                </a:spcBef>
-              </a:pPr>
-            </a:p>
-          </p:txBody>
-        </p:sp>
-      </p:grpSp>
+            <a:off x="2611013" y="5993539"/>
+            <a:ext cx="6960401" cy="972162"/>
+          </a:xfrm>
+          <a:prstGeom prst="rect">
+            <a:avLst/>
+          </a:prstGeom>
+        </p:spPr>
+        <p:txBody>
+          <a:bodyPr anchor="t" rtlCol="false" tIns="0" lIns="0" bIns="0" rIns="0">
+            <a:spAutoFit/>
+          </a:bodyPr>
+          <a:lstStyle/>
+          <a:p>
+            <a:pPr algn="l">
+              <a:lnSpc>
+                <a:spcPts val="3920"/>
+              </a:lnSpc>
+              <a:spcBef>
+                <a:spcPct val="0"/>
+              </a:spcBef>
+            </a:pPr>
+            <a:r>
+              <a:rPr lang="en-US" sz="2800">
+                <a:solidFill>
+                  <a:srgbClr val="000000"/>
+                </a:solidFill>
+                <a:latin typeface="Muli Regular"/>
+                <a:ea typeface="Muli Regular"/>
+                <a:cs typeface="Muli Regular"/>
+                <a:sym typeface="Muli Regular"/>
+              </a:rPr>
+              <a:t>Customers who use support more than 3 times have a higher percentage of churn</a:t>
+            </a:r>
+          </a:p>
+        </p:txBody>
+      </p:sp>
+      <p:sp>
+        <p:nvSpPr>
+          <p:cNvPr name="TextBox 22" id="22"/>
+          <p:cNvSpPr txBox="true"/>
+          <p:nvPr/>
+        </p:nvSpPr>
+        <p:spPr>
+          <a:xfrm rot="0">
+            <a:off x="11481911" y="3834761"/>
+            <a:ext cx="5777389" cy="2703203"/>
+          </a:xfrm>
+          <a:prstGeom prst="rect">
+            <a:avLst/>
+          </a:prstGeom>
+        </p:spPr>
+        <p:txBody>
+          <a:bodyPr anchor="t" rtlCol="false" tIns="0" lIns="0" bIns="0" rIns="0">
+            <a:spAutoFit/>
+          </a:bodyPr>
+          <a:lstStyle/>
+          <a:p>
+            <a:pPr algn="l" marL="0" indent="0" lvl="0">
+              <a:lnSpc>
+                <a:spcPts val="10560"/>
+              </a:lnSpc>
+              <a:spcBef>
+                <a:spcPct val="0"/>
+              </a:spcBef>
+            </a:pPr>
+            <a:r>
+              <a:rPr lang="en-US" sz="9600" spc="-96" strike="noStrike" u="none">
+                <a:solidFill>
+                  <a:srgbClr val="FFFFFF"/>
+                </a:solidFill>
+                <a:latin typeface="Muli Bold"/>
+                <a:ea typeface="Muli Bold"/>
+                <a:cs typeface="Muli Bold"/>
+                <a:sym typeface="Muli Bold"/>
+              </a:rPr>
+              <a:t>Comming Churner</a:t>
+            </a:r>
+          </a:p>
+        </p:txBody>
+      </p:sp>
     </p:spTree>
   </p:cSld>
   <p:clrMapOvr>
@@ -5674,8 +6818,8 @@
 </p:sld>
 </file>
 
-<file path=ppt/slides/slide14.xml><?xml version="1.0" encoding="utf-8"?>
-<p:sld xmlns:p="http://schemas.openxmlformats.org/presentationml/2006/main" xmlns:a="http://schemas.openxmlformats.org/drawingml/2006/main">
+<file path=ppt/slides/slide17.xml><?xml version="1.0" encoding="utf-8"?>
+<p:sld xmlns:p="http://schemas.openxmlformats.org/presentationml/2006/main" xmlns:a="http://schemas.openxmlformats.org/drawingml/2006/main" xmlns:r="http://schemas.openxmlformats.org/officeDocument/2006/relationships">
   <p:cSld>
     <p:bg>
       <p:bgPr>
@@ -5700,14 +6844,508 @@
       </p:grpSpPr>
       <p:sp>
         <p:nvSpPr>
-          <p:cNvPr name="TextBox 2" id="2"/>
+          <p:cNvPr name="Freeform 2" id="2"/>
+          <p:cNvSpPr/>
+          <p:nvPr/>
+        </p:nvSpPr>
+        <p:spPr>
+          <a:xfrm flipH="false" flipV="false" rot="0">
+            <a:off x="1028700" y="7108868"/>
+            <a:ext cx="1821325" cy="1693833"/>
+          </a:xfrm>
+          <a:custGeom>
+            <a:avLst/>
+            <a:gdLst/>
+            <a:ahLst/>
+            <a:cxnLst/>
+            <a:rect r="r" b="b" t="t" l="l"/>
+            <a:pathLst>
+              <a:path h="1693833" w="1821325">
+                <a:moveTo>
+                  <a:pt x="0" y="0"/>
+                </a:moveTo>
+                <a:lnTo>
+                  <a:pt x="1821325" y="0"/>
+                </a:lnTo>
+                <a:lnTo>
+                  <a:pt x="1821325" y="1693833"/>
+                </a:lnTo>
+                <a:lnTo>
+                  <a:pt x="0" y="1693833"/>
+                </a:lnTo>
+                <a:lnTo>
+                  <a:pt x="0" y="0"/>
+                </a:lnTo>
+                <a:close/>
+              </a:path>
+            </a:pathLst>
+          </a:custGeom>
+          <a:blipFill>
+            <a:blip r:embed="rId2">
+              <a:extLst>
+                <a:ext uri="{96DAC541-7B7A-43D3-8B79-37D633B846F1}">
+                  <asvg:svgBlip xmlns:asvg="http://schemas.microsoft.com/office/drawing/2016/SVG/main" r:embed="rId3"/>
+                </a:ext>
+              </a:extLst>
+            </a:blip>
+            <a:stretch>
+              <a:fillRect l="0" t="0" r="0" b="0"/>
+            </a:stretch>
+          </a:blipFill>
+        </p:spPr>
+      </p:sp>
+      <p:grpSp>
+        <p:nvGrpSpPr>
+          <p:cNvPr name="Group 3" id="3"/>
+          <p:cNvGrpSpPr/>
+          <p:nvPr/>
+        </p:nvGrpSpPr>
+        <p:grpSpPr>
+          <a:xfrm rot="0">
+            <a:off x="1939363" y="1115600"/>
+            <a:ext cx="4829934" cy="6840184"/>
+            <a:chOff x="0" y="0"/>
+            <a:chExt cx="3098198" cy="4387689"/>
+          </a:xfrm>
+        </p:grpSpPr>
+        <p:sp>
+          <p:nvSpPr>
+            <p:cNvPr name="Freeform 4" id="4"/>
+            <p:cNvSpPr/>
+            <p:nvPr/>
+          </p:nvSpPr>
+          <p:spPr>
+            <a:xfrm flipH="false" flipV="false" rot="0">
+              <a:off x="0" y="0"/>
+              <a:ext cx="3098198" cy="4387689"/>
+            </a:xfrm>
+            <a:custGeom>
+              <a:avLst/>
+              <a:gdLst/>
+              <a:ahLst/>
+              <a:cxnLst/>
+              <a:rect r="r" b="b" t="t" l="l"/>
+              <a:pathLst>
+                <a:path h="4387689" w="3098198">
+                  <a:moveTo>
+                    <a:pt x="2973738" y="4387688"/>
+                  </a:moveTo>
+                  <a:lnTo>
+                    <a:pt x="124460" y="4387688"/>
+                  </a:lnTo>
+                  <a:cubicBezTo>
+                    <a:pt x="55880" y="4387688"/>
+                    <a:pt x="0" y="4331808"/>
+                    <a:pt x="0" y="4263229"/>
+                  </a:cubicBezTo>
+                  <a:lnTo>
+                    <a:pt x="0" y="124460"/>
+                  </a:lnTo>
+                  <a:cubicBezTo>
+                    <a:pt x="0" y="55880"/>
+                    <a:pt x="55880" y="0"/>
+                    <a:pt x="124460" y="0"/>
+                  </a:cubicBezTo>
+                  <a:lnTo>
+                    <a:pt x="2973738" y="0"/>
+                  </a:lnTo>
+                  <a:cubicBezTo>
+                    <a:pt x="3042318" y="0"/>
+                    <a:pt x="3098198" y="55880"/>
+                    <a:pt x="3098198" y="124460"/>
+                  </a:cubicBezTo>
+                  <a:lnTo>
+                    <a:pt x="3098198" y="4263229"/>
+                  </a:lnTo>
+                  <a:cubicBezTo>
+                    <a:pt x="3098198" y="4331808"/>
+                    <a:pt x="3042318" y="4387689"/>
+                    <a:pt x="2973738" y="4387689"/>
+                  </a:cubicBezTo>
+                  <a:close/>
+                </a:path>
+              </a:pathLst>
+            </a:custGeom>
+            <a:solidFill>
+              <a:srgbClr val="75C7FB"/>
+            </a:solidFill>
+          </p:spPr>
+        </p:sp>
+      </p:grpSp>
+      <p:grpSp>
+        <p:nvGrpSpPr>
+          <p:cNvPr name="Group 5" id="5"/>
+          <p:cNvGrpSpPr/>
+          <p:nvPr/>
+        </p:nvGrpSpPr>
+        <p:grpSpPr>
+          <a:xfrm rot="0">
+            <a:off x="1561234" y="3803149"/>
+            <a:ext cx="8468472" cy="1574304"/>
+            <a:chOff x="0" y="0"/>
+            <a:chExt cx="5432166" cy="1009849"/>
+          </a:xfrm>
+        </p:grpSpPr>
+        <p:sp>
+          <p:nvSpPr>
+            <p:cNvPr name="Freeform 6" id="6"/>
+            <p:cNvSpPr/>
+            <p:nvPr/>
+          </p:nvSpPr>
+          <p:spPr>
+            <a:xfrm flipH="false" flipV="false" rot="0">
+              <a:off x="0" y="0"/>
+              <a:ext cx="5432166" cy="1009850"/>
+            </a:xfrm>
+            <a:custGeom>
+              <a:avLst/>
+              <a:gdLst/>
+              <a:ahLst/>
+              <a:cxnLst/>
+              <a:rect r="r" b="b" t="t" l="l"/>
+              <a:pathLst>
+                <a:path h="1009850" w="5432166">
+                  <a:moveTo>
+                    <a:pt x="5307706" y="1009849"/>
+                  </a:moveTo>
+                  <a:lnTo>
+                    <a:pt x="124460" y="1009849"/>
+                  </a:lnTo>
+                  <a:cubicBezTo>
+                    <a:pt x="55880" y="1009849"/>
+                    <a:pt x="0" y="953969"/>
+                    <a:pt x="0" y="885389"/>
+                  </a:cubicBezTo>
+                  <a:lnTo>
+                    <a:pt x="0" y="124460"/>
+                  </a:lnTo>
+                  <a:cubicBezTo>
+                    <a:pt x="0" y="55880"/>
+                    <a:pt x="55880" y="0"/>
+                    <a:pt x="124460" y="0"/>
+                  </a:cubicBezTo>
+                  <a:lnTo>
+                    <a:pt x="5307706" y="0"/>
+                  </a:lnTo>
+                  <a:cubicBezTo>
+                    <a:pt x="5376286" y="0"/>
+                    <a:pt x="5432166" y="55880"/>
+                    <a:pt x="5432166" y="124460"/>
+                  </a:cubicBezTo>
+                  <a:lnTo>
+                    <a:pt x="5432166" y="885389"/>
+                  </a:lnTo>
+                  <a:cubicBezTo>
+                    <a:pt x="5432166" y="953969"/>
+                    <a:pt x="5376286" y="1009850"/>
+                    <a:pt x="5307706" y="1009850"/>
+                  </a:cubicBezTo>
+                  <a:close/>
+                </a:path>
+              </a:pathLst>
+            </a:custGeom>
+            <a:solidFill>
+              <a:srgbClr val="FFFFFF"/>
+            </a:solidFill>
+          </p:spPr>
+        </p:sp>
+      </p:grpSp>
+      <p:sp>
+        <p:nvSpPr>
+          <p:cNvPr name="Freeform 7" id="7"/>
+          <p:cNvSpPr/>
+          <p:nvPr/>
+        </p:nvSpPr>
+        <p:spPr>
+          <a:xfrm flipH="false" flipV="false" rot="0">
+            <a:off x="772306" y="3801373"/>
+            <a:ext cx="1577856" cy="1577856"/>
+          </a:xfrm>
+          <a:custGeom>
+            <a:avLst/>
+            <a:gdLst/>
+            <a:ahLst/>
+            <a:cxnLst/>
+            <a:rect r="r" b="b" t="t" l="l"/>
+            <a:pathLst>
+              <a:path h="1577856" w="1577856">
+                <a:moveTo>
+                  <a:pt x="0" y="0"/>
+                </a:moveTo>
+                <a:lnTo>
+                  <a:pt x="1577856" y="0"/>
+                </a:lnTo>
+                <a:lnTo>
+                  <a:pt x="1577856" y="1577856"/>
+                </a:lnTo>
+                <a:lnTo>
+                  <a:pt x="0" y="1577856"/>
+                </a:lnTo>
+                <a:lnTo>
+                  <a:pt x="0" y="0"/>
+                </a:lnTo>
+                <a:close/>
+              </a:path>
+            </a:pathLst>
+          </a:custGeom>
+          <a:blipFill>
+            <a:blip r:embed="rId4">
+              <a:extLst>
+                <a:ext uri="{96DAC541-7B7A-43D3-8B79-37D633B846F1}">
+                  <asvg:svgBlip xmlns:asvg="http://schemas.microsoft.com/office/drawing/2016/SVG/main" r:embed="rId5"/>
+                </a:ext>
+              </a:extLst>
+            </a:blip>
+            <a:stretch>
+              <a:fillRect l="0" t="0" r="0" b="0"/>
+            </a:stretch>
+          </a:blipFill>
+        </p:spPr>
+      </p:sp>
+      <p:grpSp>
+        <p:nvGrpSpPr>
+          <p:cNvPr name="Group 8" id="8"/>
+          <p:cNvGrpSpPr/>
+          <p:nvPr/>
+        </p:nvGrpSpPr>
+        <p:grpSpPr>
+          <a:xfrm rot="0">
+            <a:off x="1561234" y="1785625"/>
+            <a:ext cx="8468472" cy="1574304"/>
+            <a:chOff x="0" y="0"/>
+            <a:chExt cx="5432166" cy="1009849"/>
+          </a:xfrm>
+        </p:grpSpPr>
+        <p:sp>
+          <p:nvSpPr>
+            <p:cNvPr name="Freeform 9" id="9"/>
+            <p:cNvSpPr/>
+            <p:nvPr/>
+          </p:nvSpPr>
+          <p:spPr>
+            <a:xfrm flipH="false" flipV="false" rot="0">
+              <a:off x="0" y="0"/>
+              <a:ext cx="5432166" cy="1009850"/>
+            </a:xfrm>
+            <a:custGeom>
+              <a:avLst/>
+              <a:gdLst/>
+              <a:ahLst/>
+              <a:cxnLst/>
+              <a:rect r="r" b="b" t="t" l="l"/>
+              <a:pathLst>
+                <a:path h="1009850" w="5432166">
+                  <a:moveTo>
+                    <a:pt x="5307706" y="1009849"/>
+                  </a:moveTo>
+                  <a:lnTo>
+                    <a:pt x="124460" y="1009849"/>
+                  </a:lnTo>
+                  <a:cubicBezTo>
+                    <a:pt x="55880" y="1009849"/>
+                    <a:pt x="0" y="953969"/>
+                    <a:pt x="0" y="885389"/>
+                  </a:cubicBezTo>
+                  <a:lnTo>
+                    <a:pt x="0" y="124460"/>
+                  </a:lnTo>
+                  <a:cubicBezTo>
+                    <a:pt x="0" y="55880"/>
+                    <a:pt x="55880" y="0"/>
+                    <a:pt x="124460" y="0"/>
+                  </a:cubicBezTo>
+                  <a:lnTo>
+                    <a:pt x="5307706" y="0"/>
+                  </a:lnTo>
+                  <a:cubicBezTo>
+                    <a:pt x="5376286" y="0"/>
+                    <a:pt x="5432166" y="55880"/>
+                    <a:pt x="5432166" y="124460"/>
+                  </a:cubicBezTo>
+                  <a:lnTo>
+                    <a:pt x="5432166" y="885389"/>
+                  </a:lnTo>
+                  <a:cubicBezTo>
+                    <a:pt x="5432166" y="953969"/>
+                    <a:pt x="5376286" y="1009850"/>
+                    <a:pt x="5307706" y="1009850"/>
+                  </a:cubicBezTo>
+                  <a:close/>
+                </a:path>
+              </a:pathLst>
+            </a:custGeom>
+            <a:solidFill>
+              <a:srgbClr val="FFFFFF"/>
+            </a:solidFill>
+          </p:spPr>
+        </p:sp>
+      </p:grpSp>
+      <p:sp>
+        <p:nvSpPr>
+          <p:cNvPr name="Freeform 10" id="10"/>
+          <p:cNvSpPr/>
+          <p:nvPr/>
+        </p:nvSpPr>
+        <p:spPr>
+          <a:xfrm flipH="false" flipV="false" rot="0">
+            <a:off x="772306" y="1782073"/>
+            <a:ext cx="1577856" cy="1577856"/>
+          </a:xfrm>
+          <a:custGeom>
+            <a:avLst/>
+            <a:gdLst/>
+            <a:ahLst/>
+            <a:cxnLst/>
+            <a:rect r="r" b="b" t="t" l="l"/>
+            <a:pathLst>
+              <a:path h="1577856" w="1577856">
+                <a:moveTo>
+                  <a:pt x="0" y="0"/>
+                </a:moveTo>
+                <a:lnTo>
+                  <a:pt x="1577856" y="0"/>
+                </a:lnTo>
+                <a:lnTo>
+                  <a:pt x="1577856" y="1577856"/>
+                </a:lnTo>
+                <a:lnTo>
+                  <a:pt x="0" y="1577856"/>
+                </a:lnTo>
+                <a:lnTo>
+                  <a:pt x="0" y="0"/>
+                </a:lnTo>
+                <a:close/>
+              </a:path>
+            </a:pathLst>
+          </a:custGeom>
+          <a:blipFill>
+            <a:blip r:embed="rId4">
+              <a:extLst>
+                <a:ext uri="{96DAC541-7B7A-43D3-8B79-37D633B846F1}">
+                  <asvg:svgBlip xmlns:asvg="http://schemas.microsoft.com/office/drawing/2016/SVG/main" r:embed="rId5"/>
+                </a:ext>
+              </a:extLst>
+            </a:blip>
+            <a:stretch>
+              <a:fillRect l="0" t="0" r="0" b="0"/>
+            </a:stretch>
+          </a:blipFill>
+        </p:spPr>
+      </p:sp>
+      <p:sp>
+        <p:nvSpPr>
+          <p:cNvPr name="Freeform 11" id="11"/>
+          <p:cNvSpPr/>
+          <p:nvPr/>
+        </p:nvSpPr>
+        <p:spPr>
+          <a:xfrm flipH="false" flipV="false" rot="0">
+            <a:off x="8013217" y="2073761"/>
+            <a:ext cx="900826" cy="882809"/>
+          </a:xfrm>
+          <a:custGeom>
+            <a:avLst/>
+            <a:gdLst/>
+            <a:ahLst/>
+            <a:cxnLst/>
+            <a:rect r="r" b="b" t="t" l="l"/>
+            <a:pathLst>
+              <a:path h="882809" w="900826">
+                <a:moveTo>
+                  <a:pt x="0" y="0"/>
+                </a:moveTo>
+                <a:lnTo>
+                  <a:pt x="900826" y="0"/>
+                </a:lnTo>
+                <a:lnTo>
+                  <a:pt x="900826" y="882809"/>
+                </a:lnTo>
+                <a:lnTo>
+                  <a:pt x="0" y="882809"/>
+                </a:lnTo>
+                <a:lnTo>
+                  <a:pt x="0" y="0"/>
+                </a:lnTo>
+                <a:close/>
+              </a:path>
+            </a:pathLst>
+          </a:custGeom>
+          <a:blipFill>
+            <a:blip r:embed="rId6">
+              <a:extLst>
+                <a:ext uri="{96DAC541-7B7A-43D3-8B79-37D633B846F1}">
+                  <asvg:svgBlip xmlns:asvg="http://schemas.microsoft.com/office/drawing/2016/SVG/main" r:embed="rId7"/>
+                </a:ext>
+              </a:extLst>
+            </a:blip>
+            <a:stretch>
+              <a:fillRect l="0" t="0" r="0" b="0"/>
+            </a:stretch>
+          </a:blipFill>
+        </p:spPr>
+      </p:sp>
+      <p:sp>
+        <p:nvSpPr>
+          <p:cNvPr name="Freeform 12" id="12"/>
+          <p:cNvSpPr/>
+          <p:nvPr/>
+        </p:nvSpPr>
+        <p:spPr>
+          <a:xfrm flipH="false" flipV="false" rot="0">
+            <a:off x="8013217" y="4041696"/>
+            <a:ext cx="987992" cy="987992"/>
+          </a:xfrm>
+          <a:custGeom>
+            <a:avLst/>
+            <a:gdLst/>
+            <a:ahLst/>
+            <a:cxnLst/>
+            <a:rect r="r" b="b" t="t" l="l"/>
+            <a:pathLst>
+              <a:path h="987992" w="987992">
+                <a:moveTo>
+                  <a:pt x="0" y="0"/>
+                </a:moveTo>
+                <a:lnTo>
+                  <a:pt x="987993" y="0"/>
+                </a:lnTo>
+                <a:lnTo>
+                  <a:pt x="987993" y="987992"/>
+                </a:lnTo>
+                <a:lnTo>
+                  <a:pt x="0" y="987992"/>
+                </a:lnTo>
+                <a:lnTo>
+                  <a:pt x="0" y="0"/>
+                </a:lnTo>
+                <a:close/>
+              </a:path>
+            </a:pathLst>
+          </a:custGeom>
+          <a:blipFill>
+            <a:blip r:embed="rId8">
+              <a:extLst>
+                <a:ext uri="{96DAC541-7B7A-43D3-8B79-37D633B846F1}">
+                  <asvg:svgBlip xmlns:asvg="http://schemas.microsoft.com/office/drawing/2016/SVG/main" r:embed="rId9"/>
+                </a:ext>
+              </a:extLst>
+            </a:blip>
+            <a:stretch>
+              <a:fillRect l="0" t="0" r="0" b="0"/>
+            </a:stretch>
+          </a:blipFill>
+        </p:spPr>
+      </p:sp>
+      <p:sp>
+        <p:nvSpPr>
+          <p:cNvPr name="TextBox 13" id="13"/>
           <p:cNvSpPr txBox="true"/>
           <p:nvPr/>
         </p:nvSpPr>
         <p:spPr>
           <a:xfrm rot="0">
-            <a:off x="1849875" y="3673629"/>
-            <a:ext cx="14857190" cy="2787343"/>
+            <a:off x="1240224" y="2136188"/>
+            <a:ext cx="642020" cy="820382"/>
           </a:xfrm>
           <a:prstGeom prst="rect">
             <a:avLst/>
@@ -5721,23 +7359,196 @@
           <a:p>
             <a:pPr algn="ctr">
               <a:lnSpc>
-                <a:spcPts val="11216"/>
+                <a:spcPts val="6719"/>
               </a:lnSpc>
               <a:spcBef>
                 <a:spcPct val="0"/>
               </a:spcBef>
             </a:pPr>
             <a:r>
-              <a:rPr lang="en-US" sz="8012">
+              <a:rPr lang="en-US" sz="4800">
+                <a:solidFill>
+                  <a:srgbClr val="000000"/>
+                </a:solidFill>
+                <a:latin typeface="Space Mono"/>
+                <a:ea typeface="Space Mono"/>
+                <a:cs typeface="Space Mono"/>
+                <a:sym typeface="Space Mono"/>
+              </a:rPr>
+              <a:t>4</a:t>
+            </a:r>
+          </a:p>
+        </p:txBody>
+      </p:sp>
+      <p:sp>
+        <p:nvSpPr>
+          <p:cNvPr name="TextBox 14" id="14"/>
+          <p:cNvSpPr txBox="true"/>
+          <p:nvPr/>
+        </p:nvSpPr>
+        <p:spPr>
+          <a:xfrm rot="0">
+            <a:off x="1240224" y="4132485"/>
+            <a:ext cx="642020" cy="820382"/>
+          </a:xfrm>
+          <a:prstGeom prst="rect">
+            <a:avLst/>
+          </a:prstGeom>
+        </p:spPr>
+        <p:txBody>
+          <a:bodyPr anchor="t" rtlCol="false" tIns="0" lIns="0" bIns="0" rIns="0">
+            <a:spAutoFit/>
+          </a:bodyPr>
+          <a:lstStyle/>
+          <a:p>
+            <a:pPr algn="ctr">
+              <a:lnSpc>
+                <a:spcPts val="6719"/>
+              </a:lnSpc>
+              <a:spcBef>
+                <a:spcPct val="0"/>
+              </a:spcBef>
+            </a:pPr>
+            <a:r>
+              <a:rPr lang="en-US" sz="4800">
+                <a:solidFill>
+                  <a:srgbClr val="000000"/>
+                </a:solidFill>
+                <a:latin typeface="Space Mono"/>
+                <a:ea typeface="Space Mono"/>
+                <a:cs typeface="Space Mono"/>
+                <a:sym typeface="Space Mono"/>
+              </a:rPr>
+              <a:t>5</a:t>
+            </a:r>
+          </a:p>
+        </p:txBody>
+      </p:sp>
+      <p:sp>
+        <p:nvSpPr>
+          <p:cNvPr name="TextBox 15" id="15"/>
+          <p:cNvSpPr txBox="true"/>
+          <p:nvPr/>
+        </p:nvSpPr>
+        <p:spPr>
+          <a:xfrm rot="0">
+            <a:off x="2850025" y="4274713"/>
+            <a:ext cx="5613605" cy="474334"/>
+          </a:xfrm>
+          <a:prstGeom prst="rect">
+            <a:avLst/>
+          </a:prstGeom>
+        </p:spPr>
+        <p:txBody>
+          <a:bodyPr anchor="t" rtlCol="false" tIns="0" lIns="0" bIns="0" rIns="0">
+            <a:spAutoFit/>
+          </a:bodyPr>
+          <a:lstStyle/>
+          <a:p>
+            <a:pPr algn="l">
+              <a:lnSpc>
+                <a:spcPts val="3919"/>
+              </a:lnSpc>
+              <a:spcBef>
+                <a:spcPct val="0"/>
+              </a:spcBef>
+            </a:pPr>
+            <a:r>
+              <a:rPr lang="en-US" sz="2800">
+                <a:solidFill>
+                  <a:srgbClr val="000000"/>
+                </a:solidFill>
+                <a:latin typeface="Muli Regular"/>
+                <a:ea typeface="Muli Regular"/>
+                <a:cs typeface="Muli Regular"/>
+                <a:sym typeface="Muli Regular"/>
+              </a:rPr>
+              <a:t>Monthly Contract length</a:t>
+            </a:r>
+          </a:p>
+        </p:txBody>
+      </p:sp>
+      <p:sp>
+        <p:nvSpPr>
+          <p:cNvPr name="TextBox 16" id="16"/>
+          <p:cNvSpPr txBox="true"/>
+          <p:nvPr/>
+        </p:nvSpPr>
+        <p:spPr>
+          <a:xfrm rot="0">
+            <a:off x="2850025" y="2333025"/>
+            <a:ext cx="5613605" cy="474334"/>
+          </a:xfrm>
+          <a:prstGeom prst="rect">
+            <a:avLst/>
+          </a:prstGeom>
+        </p:spPr>
+        <p:txBody>
+          <a:bodyPr anchor="t" rtlCol="false" tIns="0" lIns="0" bIns="0" rIns="0">
+            <a:spAutoFit/>
+          </a:bodyPr>
+          <a:lstStyle/>
+          <a:p>
+            <a:pPr algn="l">
+              <a:lnSpc>
+                <a:spcPts val="3920"/>
+              </a:lnSpc>
+              <a:spcBef>
+                <a:spcPct val="0"/>
+              </a:spcBef>
+            </a:pPr>
+            <a:r>
+              <a:rPr lang="en-US" sz="2800">
+                <a:solidFill>
+                  <a:srgbClr val="000000"/>
+                </a:solidFill>
+                <a:latin typeface="Muli Regular"/>
+                <a:ea typeface="Muli Regular"/>
+                <a:cs typeface="Muli Regular"/>
+                <a:sym typeface="Muli Regular"/>
+              </a:rPr>
+              <a:t>Standard Subscription</a:t>
+            </a:r>
+          </a:p>
+        </p:txBody>
+      </p:sp>
+      <p:sp>
+        <p:nvSpPr>
+          <p:cNvPr name="TextBox 17" id="17"/>
+          <p:cNvSpPr txBox="true"/>
+          <p:nvPr/>
+        </p:nvSpPr>
+        <p:spPr>
+          <a:xfrm rot="0">
+            <a:off x="11428274" y="3833239"/>
+            <a:ext cx="5831026" cy="2715773"/>
+          </a:xfrm>
+          <a:prstGeom prst="rect">
+            <a:avLst/>
+          </a:prstGeom>
+        </p:spPr>
+        <p:txBody>
+          <a:bodyPr anchor="t" rtlCol="false" tIns="0" lIns="0" bIns="0" rIns="0">
+            <a:spAutoFit/>
+          </a:bodyPr>
+          <a:lstStyle/>
+          <a:p>
+            <a:pPr algn="l">
+              <a:lnSpc>
+                <a:spcPts val="10644"/>
+              </a:lnSpc>
+            </a:pPr>
+            <a:r>
+              <a:rPr lang="en-US" sz="9676" spc="-96">
                 <a:solidFill>
                   <a:srgbClr val="FFFFFF"/>
                 </a:solidFill>
-                <a:latin typeface="Muli Regular Bold"/>
-                <a:ea typeface="Muli Regular Bold"/>
-                <a:cs typeface="Muli Regular Bold"/>
-                <a:sym typeface="Muli Regular Bold"/>
+                <a:latin typeface="Muli Bold"/>
+                <a:ea typeface="Muli Bold"/>
+                <a:cs typeface="Muli Bold"/>
+                <a:sym typeface="Muli Bold"/>
               </a:rPr>
-              <a:t>What We Can Do To Prevent Customers to Churn out</a:t>
+              <a:t>Comming Churner</a:t>
             </a:r>
           </a:p>
         </p:txBody>
@@ -5750,7 +7561,249 @@
 </p:sld>
 </file>
 
-<file path=ppt/slides/slide15.xml><?xml version="1.0" encoding="utf-8"?>
+<file path=ppt/slides/slide18.xml><?xml version="1.0" encoding="utf-8"?>
+<p:sld xmlns:p="http://schemas.openxmlformats.org/presentationml/2006/main" xmlns:a="http://schemas.openxmlformats.org/drawingml/2006/main" xmlns:r="http://schemas.openxmlformats.org/officeDocument/2006/relationships">
+  <p:cSld>
+    <p:spTree>
+      <p:nvGrpSpPr>
+        <p:cNvPr id="1" name=""/>
+        <p:cNvGrpSpPr/>
+        <p:nvPr/>
+      </p:nvGrpSpPr>
+      <p:grpSpPr>
+        <a:xfrm>
+          <a:off x="0" y="0"/>
+          <a:ext cx="0" cy="0"/>
+          <a:chOff x="0" y="0"/>
+          <a:chExt cx="0" cy="0"/>
+        </a:xfrm>
+      </p:grpSpPr>
+      <p:sp>
+        <p:nvSpPr>
+          <p:cNvPr name="Freeform 2" id="2"/>
+          <p:cNvSpPr/>
+          <p:nvPr/>
+        </p:nvSpPr>
+        <p:spPr>
+          <a:xfrm flipH="false" flipV="false" rot="0">
+            <a:off x="0" y="0"/>
+            <a:ext cx="18288000" cy="10287000"/>
+          </a:xfrm>
+          <a:custGeom>
+            <a:avLst/>
+            <a:gdLst/>
+            <a:ahLst/>
+            <a:cxnLst/>
+            <a:rect r="r" b="b" t="t" l="l"/>
+            <a:pathLst>
+              <a:path h="10287000" w="18288000">
+                <a:moveTo>
+                  <a:pt x="0" y="0"/>
+                </a:moveTo>
+                <a:lnTo>
+                  <a:pt x="18288000" y="0"/>
+                </a:lnTo>
+                <a:lnTo>
+                  <a:pt x="18288000" y="10287000"/>
+                </a:lnTo>
+                <a:lnTo>
+                  <a:pt x="0" y="10287000"/>
+                </a:lnTo>
+                <a:lnTo>
+                  <a:pt x="0" y="0"/>
+                </a:lnTo>
+                <a:close/>
+              </a:path>
+            </a:pathLst>
+          </a:custGeom>
+          <a:blipFill>
+            <a:blip r:embed="rId2"/>
+            <a:stretch>
+              <a:fillRect l="0" t="0" r="0" b="0"/>
+            </a:stretch>
+          </a:blipFill>
+        </p:spPr>
+      </p:sp>
+      <p:grpSp>
+        <p:nvGrpSpPr>
+          <p:cNvPr name="Group 3" id="3"/>
+          <p:cNvGrpSpPr/>
+          <p:nvPr/>
+        </p:nvGrpSpPr>
+        <p:grpSpPr>
+          <a:xfrm rot="-5400000">
+            <a:off x="11585909" y="2264932"/>
+            <a:ext cx="5689479" cy="3682561"/>
+            <a:chOff x="0" y="0"/>
+            <a:chExt cx="1923367" cy="1244915"/>
+          </a:xfrm>
+        </p:grpSpPr>
+        <p:sp>
+          <p:nvSpPr>
+            <p:cNvPr name="Freeform 4" id="4"/>
+            <p:cNvSpPr/>
+            <p:nvPr/>
+          </p:nvSpPr>
+          <p:spPr>
+            <a:xfrm flipH="false" flipV="false" rot="0">
+              <a:off x="0" y="0"/>
+              <a:ext cx="1923367" cy="1244915"/>
+            </a:xfrm>
+            <a:custGeom>
+              <a:avLst/>
+              <a:gdLst/>
+              <a:ahLst/>
+              <a:cxnLst/>
+              <a:rect r="r" b="b" t="t" l="l"/>
+              <a:pathLst>
+                <a:path h="1244915" w="1923367">
+                  <a:moveTo>
+                    <a:pt x="1798906" y="1244915"/>
+                  </a:moveTo>
+                  <a:lnTo>
+                    <a:pt x="124460" y="1244915"/>
+                  </a:lnTo>
+                  <a:cubicBezTo>
+                    <a:pt x="55880" y="1244915"/>
+                    <a:pt x="0" y="1189035"/>
+                    <a:pt x="0" y="1120454"/>
+                  </a:cubicBezTo>
+                  <a:lnTo>
+                    <a:pt x="0" y="124460"/>
+                  </a:lnTo>
+                  <a:cubicBezTo>
+                    <a:pt x="0" y="55880"/>
+                    <a:pt x="55880" y="0"/>
+                    <a:pt x="124460" y="0"/>
+                  </a:cubicBezTo>
+                  <a:lnTo>
+                    <a:pt x="1798907" y="0"/>
+                  </a:lnTo>
+                  <a:cubicBezTo>
+                    <a:pt x="1867487" y="0"/>
+                    <a:pt x="1923367" y="55880"/>
+                    <a:pt x="1923367" y="124460"/>
+                  </a:cubicBezTo>
+                  <a:lnTo>
+                    <a:pt x="1923367" y="1120455"/>
+                  </a:lnTo>
+                  <a:cubicBezTo>
+                    <a:pt x="1923367" y="1189035"/>
+                    <a:pt x="1867487" y="1244915"/>
+                    <a:pt x="1798907" y="1244915"/>
+                  </a:cubicBezTo>
+                  <a:close/>
+                </a:path>
+              </a:pathLst>
+            </a:custGeom>
+            <a:solidFill>
+              <a:srgbClr val="75C7FB"/>
+            </a:solidFill>
+          </p:spPr>
+        </p:sp>
+      </p:grpSp>
+      <p:sp>
+        <p:nvSpPr>
+          <p:cNvPr name="Freeform 5" id="5"/>
+          <p:cNvSpPr/>
+          <p:nvPr/>
+        </p:nvSpPr>
+        <p:spPr>
+          <a:xfrm flipH="false" flipV="false" rot="0">
+            <a:off x="8874660" y="2229526"/>
+            <a:ext cx="7760318" cy="6712675"/>
+          </a:xfrm>
+          <a:custGeom>
+            <a:avLst/>
+            <a:gdLst/>
+            <a:ahLst/>
+            <a:cxnLst/>
+            <a:rect r="r" b="b" t="t" l="l"/>
+            <a:pathLst>
+              <a:path h="6712675" w="7760318">
+                <a:moveTo>
+                  <a:pt x="0" y="0"/>
+                </a:moveTo>
+                <a:lnTo>
+                  <a:pt x="7760318" y="0"/>
+                </a:lnTo>
+                <a:lnTo>
+                  <a:pt x="7760318" y="6712675"/>
+                </a:lnTo>
+                <a:lnTo>
+                  <a:pt x="0" y="6712675"/>
+                </a:lnTo>
+                <a:lnTo>
+                  <a:pt x="0" y="0"/>
+                </a:lnTo>
+                <a:close/>
+              </a:path>
+            </a:pathLst>
+          </a:custGeom>
+          <a:blipFill>
+            <a:blip r:embed="rId3">
+              <a:extLst>
+                <a:ext uri="{96DAC541-7B7A-43D3-8B79-37D633B846F1}">
+                  <asvg:svgBlip xmlns:asvg="http://schemas.microsoft.com/office/drawing/2016/SVG/main" r:embed="rId4"/>
+                </a:ext>
+              </a:extLst>
+            </a:blip>
+            <a:stretch>
+              <a:fillRect l="0" t="0" r="0" b="0"/>
+            </a:stretch>
+          </a:blipFill>
+        </p:spPr>
+      </p:sp>
+      <p:sp>
+        <p:nvSpPr>
+          <p:cNvPr name="TextBox 6" id="6"/>
+          <p:cNvSpPr txBox="true"/>
+          <p:nvPr/>
+        </p:nvSpPr>
+        <p:spPr>
+          <a:xfrm rot="0">
+            <a:off x="819963" y="4130136"/>
+            <a:ext cx="7845960" cy="1013364"/>
+          </a:xfrm>
+          <a:prstGeom prst="rect">
+            <a:avLst/>
+          </a:prstGeom>
+        </p:spPr>
+        <p:txBody>
+          <a:bodyPr anchor="t" rtlCol="false" tIns="0" lIns="0" bIns="0" rIns="0">
+            <a:spAutoFit/>
+          </a:bodyPr>
+          <a:lstStyle/>
+          <a:p>
+            <a:pPr algn="l">
+              <a:lnSpc>
+                <a:spcPts val="7920"/>
+              </a:lnSpc>
+            </a:pPr>
+            <a:r>
+              <a:rPr lang="en-US" sz="7200" spc="-72">
+                <a:solidFill>
+                  <a:srgbClr val="0048CD"/>
+                </a:solidFill>
+                <a:latin typeface="Muli Bold"/>
+                <a:ea typeface="Muli Bold"/>
+                <a:cs typeface="Muli Bold"/>
+                <a:sym typeface="Muli Bold"/>
+              </a:rPr>
+              <a:t>Recommendaions</a:t>
+            </a:r>
+          </a:p>
+        </p:txBody>
+      </p:sp>
+    </p:spTree>
+  </p:cSld>
+  <p:clrMapOvr>
+    <a:masterClrMapping/>
+  </p:clrMapOvr>
+</p:sld>
+</file>
+
+<file path=ppt/slides/slide19.xml><?xml version="1.0" encoding="utf-8"?>
 <p:sld xmlns:p="http://schemas.openxmlformats.org/presentationml/2006/main" xmlns:a="http://schemas.openxmlformats.org/drawingml/2006/main" xmlns:r="http://schemas.openxmlformats.org/officeDocument/2006/relationships">
   <p:cSld>
     <p:spTree>
@@ -6594,7 +8647,172 @@
 </p:sld>
 </file>
 
-<file path=ppt/slides/slide16.xml><?xml version="1.0" encoding="utf-8"?>
+<file path=ppt/slides/slide2.xml><?xml version="1.0" encoding="utf-8"?>
+<p:sld xmlns:p="http://schemas.openxmlformats.org/presentationml/2006/main" xmlns:a="http://schemas.openxmlformats.org/drawingml/2006/main">
+  <p:cSld>
+    <p:bg>
+      <p:bgPr>
+        <a:solidFill>
+          <a:srgbClr val="0048CD"/>
+        </a:solidFill>
+      </p:bgPr>
+    </p:bg>
+    <p:spTree>
+      <p:nvGrpSpPr>
+        <p:cNvPr id="1" name=""/>
+        <p:cNvGrpSpPr/>
+        <p:nvPr/>
+      </p:nvGrpSpPr>
+      <p:grpSpPr>
+        <a:xfrm>
+          <a:off x="0" y="0"/>
+          <a:ext cx="0" cy="0"/>
+          <a:chOff x="0" y="0"/>
+          <a:chExt cx="0" cy="0"/>
+        </a:xfrm>
+      </p:grpSpPr>
+      <p:sp>
+        <p:nvSpPr>
+          <p:cNvPr name="TextBox 2" id="2"/>
+          <p:cNvSpPr txBox="true"/>
+          <p:nvPr/>
+        </p:nvSpPr>
+        <p:spPr>
+          <a:xfrm rot="0">
+            <a:off x="1698253" y="5842237"/>
+            <a:ext cx="12290699" cy="1979931"/>
+          </a:xfrm>
+          <a:prstGeom prst="rect">
+            <a:avLst/>
+          </a:prstGeom>
+        </p:spPr>
+        <p:txBody>
+          <a:bodyPr anchor="t" rtlCol="false" tIns="0" lIns="0" bIns="0" rIns="0">
+            <a:spAutoFit/>
+          </a:bodyPr>
+          <a:lstStyle/>
+          <a:p>
+            <a:pPr algn="l" marL="820414" indent="-410207" lvl="1">
+              <a:lnSpc>
+                <a:spcPts val="5319"/>
+              </a:lnSpc>
+              <a:spcBef>
+                <a:spcPct val="0"/>
+              </a:spcBef>
+              <a:buFont typeface="Arial"/>
+              <a:buChar char="•"/>
+            </a:pPr>
+            <a:r>
+              <a:rPr lang="en-US" sz="3799" strike="noStrike" u="none">
+                <a:solidFill>
+                  <a:srgbClr val="FFFFFF"/>
+                </a:solidFill>
+                <a:latin typeface="Muli Regular"/>
+                <a:ea typeface="Muli Regular"/>
+                <a:cs typeface="Muli Regular"/>
+                <a:sym typeface="Muli Regular"/>
+              </a:rPr>
+              <a:t>The telecom company is facing a high rate of customer churn, resulting in significant revenue loss.</a:t>
+            </a:r>
+          </a:p>
+        </p:txBody>
+      </p:sp>
+      <p:sp>
+        <p:nvSpPr>
+          <p:cNvPr name="TextBox 3" id="3"/>
+          <p:cNvSpPr txBox="true"/>
+          <p:nvPr/>
+        </p:nvSpPr>
+        <p:spPr>
+          <a:xfrm rot="0">
+            <a:off x="1698253" y="3163569"/>
+            <a:ext cx="12290699" cy="1979931"/>
+          </a:xfrm>
+          <a:prstGeom prst="rect">
+            <a:avLst/>
+          </a:prstGeom>
+        </p:spPr>
+        <p:txBody>
+          <a:bodyPr anchor="t" rtlCol="false" tIns="0" lIns="0" bIns="0" rIns="0">
+            <a:spAutoFit/>
+          </a:bodyPr>
+          <a:lstStyle/>
+          <a:p>
+            <a:pPr algn="l" marL="820414" indent="-410207" lvl="1">
+              <a:lnSpc>
+                <a:spcPts val="5319"/>
+              </a:lnSpc>
+              <a:buFont typeface="Arial"/>
+              <a:buChar char="•"/>
+            </a:pPr>
+            <a:r>
+              <a:rPr lang="en-US" sz="3799">
+                <a:solidFill>
+                  <a:srgbClr val="FFFFFF"/>
+                </a:solidFill>
+                <a:latin typeface="Muli Regular"/>
+                <a:ea typeface="Muli Regular"/>
+                <a:cs typeface="Muli Regular"/>
+                <a:sym typeface="Muli Regular"/>
+              </a:rPr>
+              <a:t>Understanding the reasons behind customer churn is crucial to developing effective retention strategies.</a:t>
+            </a:r>
+          </a:p>
+        </p:txBody>
+      </p:sp>
+      <p:sp>
+        <p:nvSpPr>
+          <p:cNvPr name="TextBox 4" id="4"/>
+          <p:cNvSpPr txBox="true"/>
+          <p:nvPr/>
+        </p:nvSpPr>
+        <p:spPr>
+          <a:xfrm rot="0">
+            <a:off x="1028700" y="1104900"/>
+            <a:ext cx="10884510" cy="1140020"/>
+          </a:xfrm>
+          <a:prstGeom prst="rect">
+            <a:avLst/>
+          </a:prstGeom>
+        </p:spPr>
+        <p:txBody>
+          <a:bodyPr anchor="t" rtlCol="false" tIns="0" lIns="0" bIns="0" rIns="0">
+            <a:spAutoFit/>
+          </a:bodyPr>
+          <a:lstStyle/>
+          <a:p>
+            <a:pPr algn="l" marL="0" indent="0" lvl="1">
+              <a:lnSpc>
+                <a:spcPts val="8816"/>
+              </a:lnSpc>
+              <a:spcBef>
+                <a:spcPct val="0"/>
+              </a:spcBef>
+            </a:pPr>
+            <a:r>
+              <a:rPr lang="en-US" sz="8015" spc="-80" strike="noStrike" u="none">
+                <a:solidFill>
+                  <a:srgbClr val="FFFFFF"/>
+                </a:solidFill>
+                <a:latin typeface="Muli Bold"/>
+                <a:ea typeface="Muli Bold"/>
+                <a:cs typeface="Muli Bold"/>
+                <a:sym typeface="Muli Bold"/>
+              </a:rPr>
+              <a:t>Problem Overview</a:t>
+            </a:r>
+          </a:p>
+        </p:txBody>
+      </p:sp>
+    </p:spTree>
+  </p:cSld>
+  <p:clrMapOvr>
+    <a:masterClrMapping/>
+  </p:clrMapOvr>
+</p:sld>
+</file>
+
+<file path=ppt/slides/slide20.xml><?xml version="1.0" encoding="utf-8"?>
 <p:sld xmlns:p="http://schemas.openxmlformats.org/presentationml/2006/main" xmlns:a="http://schemas.openxmlformats.org/drawingml/2006/main" xmlns:r="http://schemas.openxmlformats.org/officeDocument/2006/relationships">
   <p:cSld>
     <p:spTree>
@@ -7490,7 +9708,7 @@
 </p:sld>
 </file>
 
-<file path=ppt/slides/slide17.xml><?xml version="1.0" encoding="utf-8"?>
+<file path=ppt/slides/slide21.xml><?xml version="1.0" encoding="utf-8"?>
 <p:sld xmlns:p="http://schemas.openxmlformats.org/presentationml/2006/main" xmlns:a="http://schemas.openxmlformats.org/drawingml/2006/main">
   <p:cSld>
     <p:bg>
@@ -7566,7 +9784,996 @@
 </p:sld>
 </file>
 
-<file path=ppt/slides/slide2.xml><?xml version="1.0" encoding="utf-8"?>
+<file path=ppt/slides/slide3.xml><?xml version="1.0" encoding="utf-8"?>
+<p:sld xmlns:p="http://schemas.openxmlformats.org/presentationml/2006/main" xmlns:a="http://schemas.openxmlformats.org/drawingml/2006/main">
+  <p:cSld>
+    <p:bg>
+      <p:bgPr>
+        <a:solidFill>
+          <a:srgbClr val="0048CD"/>
+        </a:solidFill>
+      </p:bgPr>
+    </p:bg>
+    <p:spTree>
+      <p:nvGrpSpPr>
+        <p:cNvPr id="1" name=""/>
+        <p:cNvGrpSpPr/>
+        <p:nvPr/>
+      </p:nvGrpSpPr>
+      <p:grpSpPr>
+        <a:xfrm>
+          <a:off x="0" y="0"/>
+          <a:ext cx="0" cy="0"/>
+          <a:chOff x="0" y="0"/>
+          <a:chExt cx="0" cy="0"/>
+        </a:xfrm>
+      </p:grpSpPr>
+      <p:sp>
+        <p:nvSpPr>
+          <p:cNvPr name="TextBox 2" id="2"/>
+          <p:cNvSpPr txBox="true"/>
+          <p:nvPr/>
+        </p:nvSpPr>
+        <p:spPr>
+          <a:xfrm rot="0">
+            <a:off x="1028700" y="1104900"/>
+            <a:ext cx="14500051" cy="2194755"/>
+          </a:xfrm>
+          <a:prstGeom prst="rect">
+            <a:avLst/>
+          </a:prstGeom>
+        </p:spPr>
+        <p:txBody>
+          <a:bodyPr anchor="t" rtlCol="false" tIns="0" lIns="0" bIns="0" rIns="0">
+            <a:spAutoFit/>
+          </a:bodyPr>
+          <a:lstStyle/>
+          <a:p>
+            <a:pPr algn="l" marL="0" indent="0" lvl="1">
+              <a:lnSpc>
+                <a:spcPts val="8596"/>
+              </a:lnSpc>
+              <a:spcBef>
+                <a:spcPct val="0"/>
+              </a:spcBef>
+            </a:pPr>
+            <a:r>
+              <a:rPr lang="en-US" sz="7815" spc="-78" strike="noStrike">
+                <a:solidFill>
+                  <a:srgbClr val="FFFFFF"/>
+                </a:solidFill>
+                <a:latin typeface="Muli Bold"/>
+                <a:ea typeface="Muli Bold"/>
+                <a:cs typeface="Muli Bold"/>
+                <a:sym typeface="Muli Bold"/>
+              </a:rPr>
+              <a:t>Imoprtance of Customer Churn Study</a:t>
+            </a:r>
+          </a:p>
+        </p:txBody>
+      </p:sp>
+      <p:sp>
+        <p:nvSpPr>
+          <p:cNvPr name="TextBox 3" id="3"/>
+          <p:cNvSpPr txBox="true"/>
+          <p:nvPr/>
+        </p:nvSpPr>
+        <p:spPr>
+          <a:xfrm rot="0">
+            <a:off x="1897472" y="3830319"/>
+            <a:ext cx="11624659" cy="1313181"/>
+          </a:xfrm>
+          <a:prstGeom prst="rect">
+            <a:avLst/>
+          </a:prstGeom>
+        </p:spPr>
+        <p:txBody>
+          <a:bodyPr anchor="t" rtlCol="false" tIns="0" lIns="0" bIns="0" rIns="0">
+            <a:spAutoFit/>
+          </a:bodyPr>
+          <a:lstStyle/>
+          <a:p>
+            <a:pPr algn="l" marL="820414" indent="-410207" lvl="1">
+              <a:lnSpc>
+                <a:spcPts val="5319"/>
+              </a:lnSpc>
+              <a:spcBef>
+                <a:spcPct val="0"/>
+              </a:spcBef>
+              <a:buFont typeface="Arial"/>
+              <a:buChar char="•"/>
+            </a:pPr>
+            <a:r>
+              <a:rPr lang="en-US" sz="3799" strike="noStrike">
+                <a:solidFill>
+                  <a:srgbClr val="FFFFFF"/>
+                </a:solidFill>
+                <a:latin typeface="Muli Regular"/>
+                <a:ea typeface="Muli Regular"/>
+                <a:cs typeface="Muli Regular"/>
+                <a:sym typeface="Muli Regular"/>
+              </a:rPr>
+              <a:t>Retaining customers is more cost-effective than acquiring new customers.</a:t>
+            </a:r>
+          </a:p>
+        </p:txBody>
+      </p:sp>
+      <p:sp>
+        <p:nvSpPr>
+          <p:cNvPr name="TextBox 4" id="4"/>
+          <p:cNvSpPr txBox="true"/>
+          <p:nvPr/>
+        </p:nvSpPr>
+        <p:spPr>
+          <a:xfrm rot="0">
+            <a:off x="1897472" y="5610225"/>
+            <a:ext cx="11624659" cy="1979931"/>
+          </a:xfrm>
+          <a:prstGeom prst="rect">
+            <a:avLst/>
+          </a:prstGeom>
+        </p:spPr>
+        <p:txBody>
+          <a:bodyPr anchor="t" rtlCol="false" tIns="0" lIns="0" bIns="0" rIns="0">
+            <a:spAutoFit/>
+          </a:bodyPr>
+          <a:lstStyle/>
+          <a:p>
+            <a:pPr algn="l" marL="820414" indent="-410207" lvl="1">
+              <a:lnSpc>
+                <a:spcPts val="5319"/>
+              </a:lnSpc>
+              <a:spcBef>
+                <a:spcPct val="0"/>
+              </a:spcBef>
+              <a:buFont typeface="Arial"/>
+              <a:buChar char="•"/>
+            </a:pPr>
+            <a:r>
+              <a:rPr lang="en-US" sz="3799" strike="noStrike">
+                <a:solidFill>
+                  <a:srgbClr val="FFFFFF"/>
+                </a:solidFill>
+                <a:latin typeface="Muli Regular"/>
+                <a:ea typeface="Muli Regular"/>
+                <a:cs typeface="Muli Regular"/>
+                <a:sym typeface="Muli Regular"/>
+              </a:rPr>
+              <a:t>Insights gained from the analysis will guide targeted retention efforts and improve customer satisfaction.</a:t>
+            </a:r>
+          </a:p>
+        </p:txBody>
+      </p:sp>
+    </p:spTree>
+  </p:cSld>
+  <p:clrMapOvr>
+    <a:masterClrMapping/>
+  </p:clrMapOvr>
+</p:sld>
+</file>
+
+<file path=ppt/slides/slide4.xml><?xml version="1.0" encoding="utf-8"?>
+<p:sld xmlns:p="http://schemas.openxmlformats.org/presentationml/2006/main" xmlns:a="http://schemas.openxmlformats.org/drawingml/2006/main" xmlns:r="http://schemas.openxmlformats.org/officeDocument/2006/relationships">
+  <p:cSld>
+    <p:bg>
+      <p:bgPr>
+        <a:solidFill>
+          <a:srgbClr val="0048CD"/>
+        </a:solidFill>
+      </p:bgPr>
+    </p:bg>
+    <p:spTree>
+      <p:nvGrpSpPr>
+        <p:cNvPr id="1" name=""/>
+        <p:cNvGrpSpPr/>
+        <p:nvPr/>
+      </p:nvGrpSpPr>
+      <p:grpSpPr>
+        <a:xfrm>
+          <a:off x="0" y="0"/>
+          <a:ext cx="0" cy="0"/>
+          <a:chOff x="0" y="0"/>
+          <a:chExt cx="0" cy="0"/>
+        </a:xfrm>
+      </p:grpSpPr>
+      <p:grpSp>
+        <p:nvGrpSpPr>
+          <p:cNvPr name="Group 2" id="2"/>
+          <p:cNvGrpSpPr/>
+          <p:nvPr/>
+        </p:nvGrpSpPr>
+        <p:grpSpPr>
+          <a:xfrm rot="0">
+            <a:off x="1561234" y="5803331"/>
+            <a:ext cx="8468472" cy="1574304"/>
+            <a:chOff x="0" y="0"/>
+            <a:chExt cx="5432166" cy="1009849"/>
+          </a:xfrm>
+        </p:grpSpPr>
+        <p:sp>
+          <p:nvSpPr>
+            <p:cNvPr name="Freeform 3" id="3"/>
+            <p:cNvSpPr/>
+            <p:nvPr/>
+          </p:nvSpPr>
+          <p:spPr>
+            <a:xfrm flipH="false" flipV="false" rot="0">
+              <a:off x="0" y="0"/>
+              <a:ext cx="5432166" cy="1009850"/>
+            </a:xfrm>
+            <a:custGeom>
+              <a:avLst/>
+              <a:gdLst/>
+              <a:ahLst/>
+              <a:cxnLst/>
+              <a:rect r="r" b="b" t="t" l="l"/>
+              <a:pathLst>
+                <a:path h="1009850" w="5432166">
+                  <a:moveTo>
+                    <a:pt x="5307706" y="1009849"/>
+                  </a:moveTo>
+                  <a:lnTo>
+                    <a:pt x="124460" y="1009849"/>
+                  </a:lnTo>
+                  <a:cubicBezTo>
+                    <a:pt x="55880" y="1009849"/>
+                    <a:pt x="0" y="953969"/>
+                    <a:pt x="0" y="885389"/>
+                  </a:cubicBezTo>
+                  <a:lnTo>
+                    <a:pt x="0" y="124460"/>
+                  </a:lnTo>
+                  <a:cubicBezTo>
+                    <a:pt x="0" y="55880"/>
+                    <a:pt x="55880" y="0"/>
+                    <a:pt x="124460" y="0"/>
+                  </a:cubicBezTo>
+                  <a:lnTo>
+                    <a:pt x="5307706" y="0"/>
+                  </a:lnTo>
+                  <a:cubicBezTo>
+                    <a:pt x="5376286" y="0"/>
+                    <a:pt x="5432166" y="55880"/>
+                    <a:pt x="5432166" y="124460"/>
+                  </a:cubicBezTo>
+                  <a:lnTo>
+                    <a:pt x="5432166" y="885389"/>
+                  </a:lnTo>
+                  <a:cubicBezTo>
+                    <a:pt x="5432166" y="953969"/>
+                    <a:pt x="5376286" y="1009850"/>
+                    <a:pt x="5307706" y="1009850"/>
+                  </a:cubicBezTo>
+                  <a:close/>
+                </a:path>
+              </a:pathLst>
+            </a:custGeom>
+            <a:solidFill>
+              <a:srgbClr val="FFFFFF"/>
+            </a:solidFill>
+          </p:spPr>
+        </p:sp>
+      </p:grpSp>
+      <p:sp>
+        <p:nvSpPr>
+          <p:cNvPr name="Freeform 4" id="4"/>
+          <p:cNvSpPr/>
+          <p:nvPr/>
+        </p:nvSpPr>
+        <p:spPr>
+          <a:xfrm flipH="false" flipV="false" rot="0">
+            <a:off x="772306" y="5801555"/>
+            <a:ext cx="1577856" cy="1577856"/>
+          </a:xfrm>
+          <a:custGeom>
+            <a:avLst/>
+            <a:gdLst/>
+            <a:ahLst/>
+            <a:cxnLst/>
+            <a:rect r="r" b="b" t="t" l="l"/>
+            <a:pathLst>
+              <a:path h="1577856" w="1577856">
+                <a:moveTo>
+                  <a:pt x="0" y="0"/>
+                </a:moveTo>
+                <a:lnTo>
+                  <a:pt x="1577856" y="0"/>
+                </a:lnTo>
+                <a:lnTo>
+                  <a:pt x="1577856" y="1577856"/>
+                </a:lnTo>
+                <a:lnTo>
+                  <a:pt x="0" y="1577856"/>
+                </a:lnTo>
+                <a:lnTo>
+                  <a:pt x="0" y="0"/>
+                </a:lnTo>
+                <a:close/>
+              </a:path>
+            </a:pathLst>
+          </a:custGeom>
+          <a:blipFill>
+            <a:blip r:embed="rId2">
+              <a:extLst>
+                <a:ext uri="{96DAC541-7B7A-43D3-8B79-37D633B846F1}">
+                  <asvg:svgBlip xmlns:asvg="http://schemas.microsoft.com/office/drawing/2016/SVG/main" r:embed="rId3"/>
+                </a:ext>
+              </a:extLst>
+            </a:blip>
+            <a:stretch>
+              <a:fillRect l="0" t="0" r="0" b="0"/>
+            </a:stretch>
+          </a:blipFill>
+        </p:spPr>
+      </p:sp>
+      <p:grpSp>
+        <p:nvGrpSpPr>
+          <p:cNvPr name="Group 5" id="5"/>
+          <p:cNvGrpSpPr/>
+          <p:nvPr/>
+        </p:nvGrpSpPr>
+        <p:grpSpPr>
+          <a:xfrm rot="0">
+            <a:off x="1561234" y="3803149"/>
+            <a:ext cx="8468472" cy="1574304"/>
+            <a:chOff x="0" y="0"/>
+            <a:chExt cx="5432166" cy="1009849"/>
+          </a:xfrm>
+        </p:grpSpPr>
+        <p:sp>
+          <p:nvSpPr>
+            <p:cNvPr name="Freeform 6" id="6"/>
+            <p:cNvSpPr/>
+            <p:nvPr/>
+          </p:nvSpPr>
+          <p:spPr>
+            <a:xfrm flipH="false" flipV="false" rot="0">
+              <a:off x="0" y="0"/>
+              <a:ext cx="5432166" cy="1009850"/>
+            </a:xfrm>
+            <a:custGeom>
+              <a:avLst/>
+              <a:gdLst/>
+              <a:ahLst/>
+              <a:cxnLst/>
+              <a:rect r="r" b="b" t="t" l="l"/>
+              <a:pathLst>
+                <a:path h="1009850" w="5432166">
+                  <a:moveTo>
+                    <a:pt x="5307706" y="1009849"/>
+                  </a:moveTo>
+                  <a:lnTo>
+                    <a:pt x="124460" y="1009849"/>
+                  </a:lnTo>
+                  <a:cubicBezTo>
+                    <a:pt x="55880" y="1009849"/>
+                    <a:pt x="0" y="953969"/>
+                    <a:pt x="0" y="885389"/>
+                  </a:cubicBezTo>
+                  <a:lnTo>
+                    <a:pt x="0" y="124460"/>
+                  </a:lnTo>
+                  <a:cubicBezTo>
+                    <a:pt x="0" y="55880"/>
+                    <a:pt x="55880" y="0"/>
+                    <a:pt x="124460" y="0"/>
+                  </a:cubicBezTo>
+                  <a:lnTo>
+                    <a:pt x="5307706" y="0"/>
+                  </a:lnTo>
+                  <a:cubicBezTo>
+                    <a:pt x="5376286" y="0"/>
+                    <a:pt x="5432166" y="55880"/>
+                    <a:pt x="5432166" y="124460"/>
+                  </a:cubicBezTo>
+                  <a:lnTo>
+                    <a:pt x="5432166" y="885389"/>
+                  </a:lnTo>
+                  <a:cubicBezTo>
+                    <a:pt x="5432166" y="953969"/>
+                    <a:pt x="5376286" y="1009850"/>
+                    <a:pt x="5307706" y="1009850"/>
+                  </a:cubicBezTo>
+                  <a:close/>
+                </a:path>
+              </a:pathLst>
+            </a:custGeom>
+            <a:solidFill>
+              <a:srgbClr val="FFFFFF"/>
+            </a:solidFill>
+          </p:spPr>
+        </p:sp>
+      </p:grpSp>
+      <p:sp>
+        <p:nvSpPr>
+          <p:cNvPr name="Freeform 7" id="7"/>
+          <p:cNvSpPr/>
+          <p:nvPr/>
+        </p:nvSpPr>
+        <p:spPr>
+          <a:xfrm flipH="false" flipV="false" rot="0">
+            <a:off x="772306" y="3801373"/>
+            <a:ext cx="1577856" cy="1577856"/>
+          </a:xfrm>
+          <a:custGeom>
+            <a:avLst/>
+            <a:gdLst/>
+            <a:ahLst/>
+            <a:cxnLst/>
+            <a:rect r="r" b="b" t="t" l="l"/>
+            <a:pathLst>
+              <a:path h="1577856" w="1577856">
+                <a:moveTo>
+                  <a:pt x="0" y="0"/>
+                </a:moveTo>
+                <a:lnTo>
+                  <a:pt x="1577856" y="0"/>
+                </a:lnTo>
+                <a:lnTo>
+                  <a:pt x="1577856" y="1577856"/>
+                </a:lnTo>
+                <a:lnTo>
+                  <a:pt x="0" y="1577856"/>
+                </a:lnTo>
+                <a:lnTo>
+                  <a:pt x="0" y="0"/>
+                </a:lnTo>
+                <a:close/>
+              </a:path>
+            </a:pathLst>
+          </a:custGeom>
+          <a:blipFill>
+            <a:blip r:embed="rId2">
+              <a:extLst>
+                <a:ext uri="{96DAC541-7B7A-43D3-8B79-37D633B846F1}">
+                  <asvg:svgBlip xmlns:asvg="http://schemas.microsoft.com/office/drawing/2016/SVG/main" r:embed="rId3"/>
+                </a:ext>
+              </a:extLst>
+            </a:blip>
+            <a:stretch>
+              <a:fillRect l="0" t="0" r="0" b="0"/>
+            </a:stretch>
+          </a:blipFill>
+        </p:spPr>
+      </p:sp>
+      <p:grpSp>
+        <p:nvGrpSpPr>
+          <p:cNvPr name="Group 8" id="8"/>
+          <p:cNvGrpSpPr/>
+          <p:nvPr/>
+        </p:nvGrpSpPr>
+        <p:grpSpPr>
+          <a:xfrm rot="0">
+            <a:off x="1561234" y="1785625"/>
+            <a:ext cx="8468472" cy="1574304"/>
+            <a:chOff x="0" y="0"/>
+            <a:chExt cx="5432166" cy="1009849"/>
+          </a:xfrm>
+        </p:grpSpPr>
+        <p:sp>
+          <p:nvSpPr>
+            <p:cNvPr name="Freeform 9" id="9"/>
+            <p:cNvSpPr/>
+            <p:nvPr/>
+          </p:nvSpPr>
+          <p:spPr>
+            <a:xfrm flipH="false" flipV="false" rot="0">
+              <a:off x="0" y="0"/>
+              <a:ext cx="5432166" cy="1009850"/>
+            </a:xfrm>
+            <a:custGeom>
+              <a:avLst/>
+              <a:gdLst/>
+              <a:ahLst/>
+              <a:cxnLst/>
+              <a:rect r="r" b="b" t="t" l="l"/>
+              <a:pathLst>
+                <a:path h="1009850" w="5432166">
+                  <a:moveTo>
+                    <a:pt x="5307706" y="1009849"/>
+                  </a:moveTo>
+                  <a:lnTo>
+                    <a:pt x="124460" y="1009849"/>
+                  </a:lnTo>
+                  <a:cubicBezTo>
+                    <a:pt x="55880" y="1009849"/>
+                    <a:pt x="0" y="953969"/>
+                    <a:pt x="0" y="885389"/>
+                  </a:cubicBezTo>
+                  <a:lnTo>
+                    <a:pt x="0" y="124460"/>
+                  </a:lnTo>
+                  <a:cubicBezTo>
+                    <a:pt x="0" y="55880"/>
+                    <a:pt x="55880" y="0"/>
+                    <a:pt x="124460" y="0"/>
+                  </a:cubicBezTo>
+                  <a:lnTo>
+                    <a:pt x="5307706" y="0"/>
+                  </a:lnTo>
+                  <a:cubicBezTo>
+                    <a:pt x="5376286" y="0"/>
+                    <a:pt x="5432166" y="55880"/>
+                    <a:pt x="5432166" y="124460"/>
+                  </a:cubicBezTo>
+                  <a:lnTo>
+                    <a:pt x="5432166" y="885389"/>
+                  </a:lnTo>
+                  <a:cubicBezTo>
+                    <a:pt x="5432166" y="953969"/>
+                    <a:pt x="5376286" y="1009850"/>
+                    <a:pt x="5307706" y="1009850"/>
+                  </a:cubicBezTo>
+                  <a:close/>
+                </a:path>
+              </a:pathLst>
+            </a:custGeom>
+            <a:solidFill>
+              <a:srgbClr val="FFFFFF"/>
+            </a:solidFill>
+          </p:spPr>
+        </p:sp>
+      </p:grpSp>
+      <p:sp>
+        <p:nvSpPr>
+          <p:cNvPr name="Freeform 10" id="10"/>
+          <p:cNvSpPr/>
+          <p:nvPr/>
+        </p:nvSpPr>
+        <p:spPr>
+          <a:xfrm flipH="false" flipV="false" rot="0">
+            <a:off x="772306" y="1782073"/>
+            <a:ext cx="1577856" cy="1577856"/>
+          </a:xfrm>
+          <a:custGeom>
+            <a:avLst/>
+            <a:gdLst/>
+            <a:ahLst/>
+            <a:cxnLst/>
+            <a:rect r="r" b="b" t="t" l="l"/>
+            <a:pathLst>
+              <a:path h="1577856" w="1577856">
+                <a:moveTo>
+                  <a:pt x="0" y="0"/>
+                </a:moveTo>
+                <a:lnTo>
+                  <a:pt x="1577856" y="0"/>
+                </a:lnTo>
+                <a:lnTo>
+                  <a:pt x="1577856" y="1577856"/>
+                </a:lnTo>
+                <a:lnTo>
+                  <a:pt x="0" y="1577856"/>
+                </a:lnTo>
+                <a:lnTo>
+                  <a:pt x="0" y="0"/>
+                </a:lnTo>
+                <a:close/>
+              </a:path>
+            </a:pathLst>
+          </a:custGeom>
+          <a:blipFill>
+            <a:blip r:embed="rId2">
+              <a:extLst>
+                <a:ext uri="{96DAC541-7B7A-43D3-8B79-37D633B846F1}">
+                  <asvg:svgBlip xmlns:asvg="http://schemas.microsoft.com/office/drawing/2016/SVG/main" r:embed="rId3"/>
+                </a:ext>
+              </a:extLst>
+            </a:blip>
+            <a:stretch>
+              <a:fillRect l="0" t="0" r="0" b="0"/>
+            </a:stretch>
+          </a:blipFill>
+        </p:spPr>
+      </p:sp>
+      <p:sp>
+        <p:nvSpPr>
+          <p:cNvPr name="TextBox 11" id="11"/>
+          <p:cNvSpPr txBox="true"/>
+          <p:nvPr/>
+        </p:nvSpPr>
+        <p:spPr>
+          <a:xfrm rot="0">
+            <a:off x="1240224" y="2136188"/>
+            <a:ext cx="642020" cy="820382"/>
+          </a:xfrm>
+          <a:prstGeom prst="rect">
+            <a:avLst/>
+          </a:prstGeom>
+        </p:spPr>
+        <p:txBody>
+          <a:bodyPr anchor="t" rtlCol="false" tIns="0" lIns="0" bIns="0" rIns="0">
+            <a:spAutoFit/>
+          </a:bodyPr>
+          <a:lstStyle/>
+          <a:p>
+            <a:pPr algn="ctr">
+              <a:lnSpc>
+                <a:spcPts val="6719"/>
+              </a:lnSpc>
+              <a:spcBef>
+                <a:spcPct val="0"/>
+              </a:spcBef>
+            </a:pPr>
+            <a:r>
+              <a:rPr lang="en-US" sz="4800">
+                <a:solidFill>
+                  <a:srgbClr val="000000"/>
+                </a:solidFill>
+                <a:latin typeface="Space Mono"/>
+                <a:ea typeface="Space Mono"/>
+                <a:cs typeface="Space Mono"/>
+                <a:sym typeface="Space Mono"/>
+              </a:rPr>
+              <a:t>1</a:t>
+            </a:r>
+          </a:p>
+        </p:txBody>
+      </p:sp>
+      <p:sp>
+        <p:nvSpPr>
+          <p:cNvPr name="TextBox 12" id="12"/>
+          <p:cNvSpPr txBox="true"/>
+          <p:nvPr/>
+        </p:nvSpPr>
+        <p:spPr>
+          <a:xfrm rot="0">
+            <a:off x="1240224" y="4132485"/>
+            <a:ext cx="642020" cy="820382"/>
+          </a:xfrm>
+          <a:prstGeom prst="rect">
+            <a:avLst/>
+          </a:prstGeom>
+        </p:spPr>
+        <p:txBody>
+          <a:bodyPr anchor="t" rtlCol="false" tIns="0" lIns="0" bIns="0" rIns="0">
+            <a:spAutoFit/>
+          </a:bodyPr>
+          <a:lstStyle/>
+          <a:p>
+            <a:pPr algn="ctr">
+              <a:lnSpc>
+                <a:spcPts val="6719"/>
+              </a:lnSpc>
+              <a:spcBef>
+                <a:spcPct val="0"/>
+              </a:spcBef>
+            </a:pPr>
+            <a:r>
+              <a:rPr lang="en-US" sz="4800">
+                <a:solidFill>
+                  <a:srgbClr val="000000"/>
+                </a:solidFill>
+                <a:latin typeface="Space Mono"/>
+                <a:ea typeface="Space Mono"/>
+                <a:cs typeface="Space Mono"/>
+                <a:sym typeface="Space Mono"/>
+              </a:rPr>
+              <a:t>2</a:t>
+            </a:r>
+          </a:p>
+        </p:txBody>
+      </p:sp>
+      <p:sp>
+        <p:nvSpPr>
+          <p:cNvPr name="TextBox 13" id="13"/>
+          <p:cNvSpPr txBox="true"/>
+          <p:nvPr/>
+        </p:nvSpPr>
+        <p:spPr>
+          <a:xfrm rot="0">
+            <a:off x="1240224" y="6132667"/>
+            <a:ext cx="642020" cy="820382"/>
+          </a:xfrm>
+          <a:prstGeom prst="rect">
+            <a:avLst/>
+          </a:prstGeom>
+        </p:spPr>
+        <p:txBody>
+          <a:bodyPr anchor="t" rtlCol="false" tIns="0" lIns="0" bIns="0" rIns="0">
+            <a:spAutoFit/>
+          </a:bodyPr>
+          <a:lstStyle/>
+          <a:p>
+            <a:pPr algn="ctr">
+              <a:lnSpc>
+                <a:spcPts val="6719"/>
+              </a:lnSpc>
+              <a:spcBef>
+                <a:spcPct val="0"/>
+              </a:spcBef>
+            </a:pPr>
+            <a:r>
+              <a:rPr lang="en-US" sz="4800">
+                <a:solidFill>
+                  <a:srgbClr val="000000"/>
+                </a:solidFill>
+                <a:latin typeface="Space Mono"/>
+                <a:ea typeface="Space Mono"/>
+                <a:cs typeface="Space Mono"/>
+                <a:sym typeface="Space Mono"/>
+              </a:rPr>
+              <a:t>3</a:t>
+            </a:r>
+          </a:p>
+        </p:txBody>
+      </p:sp>
+      <p:sp>
+        <p:nvSpPr>
+          <p:cNvPr name="TextBox 14" id="14"/>
+          <p:cNvSpPr txBox="true"/>
+          <p:nvPr/>
+        </p:nvSpPr>
+        <p:spPr>
+          <a:xfrm rot="0">
+            <a:off x="2611013" y="4071736"/>
+            <a:ext cx="6960401" cy="972162"/>
+          </a:xfrm>
+          <a:prstGeom prst="rect">
+            <a:avLst/>
+          </a:prstGeom>
+        </p:spPr>
+        <p:txBody>
+          <a:bodyPr anchor="t" rtlCol="false" tIns="0" lIns="0" bIns="0" rIns="0">
+            <a:spAutoFit/>
+          </a:bodyPr>
+          <a:lstStyle/>
+          <a:p>
+            <a:pPr algn="l">
+              <a:lnSpc>
+                <a:spcPts val="3919"/>
+              </a:lnSpc>
+              <a:spcBef>
+                <a:spcPct val="0"/>
+              </a:spcBef>
+            </a:pPr>
+            <a:r>
+              <a:rPr lang="en-US" sz="2800">
+                <a:solidFill>
+                  <a:srgbClr val="000000"/>
+                </a:solidFill>
+                <a:latin typeface="Muli Regular"/>
+                <a:ea typeface="Muli Regular"/>
+                <a:cs typeface="Muli Regular"/>
+                <a:sym typeface="Muli Regular"/>
+              </a:rPr>
+              <a:t>Analyze patterns and correlations in the data.</a:t>
+            </a:r>
+          </a:p>
+        </p:txBody>
+      </p:sp>
+      <p:sp>
+        <p:nvSpPr>
+          <p:cNvPr name="TextBox 15" id="15"/>
+          <p:cNvSpPr txBox="true"/>
+          <p:nvPr/>
+        </p:nvSpPr>
+        <p:spPr>
+          <a:xfrm rot="0">
+            <a:off x="2611013" y="2051583"/>
+            <a:ext cx="6960401" cy="981687"/>
+          </a:xfrm>
+          <a:prstGeom prst="rect">
+            <a:avLst/>
+          </a:prstGeom>
+        </p:spPr>
+        <p:txBody>
+          <a:bodyPr anchor="t" rtlCol="false" tIns="0" lIns="0" bIns="0" rIns="0">
+            <a:spAutoFit/>
+          </a:bodyPr>
+          <a:lstStyle/>
+          <a:p>
+            <a:pPr algn="l">
+              <a:lnSpc>
+                <a:spcPts val="3919"/>
+              </a:lnSpc>
+              <a:spcBef>
+                <a:spcPct val="0"/>
+              </a:spcBef>
+            </a:pPr>
+            <a:r>
+              <a:rPr lang="en-US" sz="2799">
+                <a:solidFill>
+                  <a:srgbClr val="000000"/>
+                </a:solidFill>
+                <a:latin typeface="Muli Regular"/>
+                <a:ea typeface="Muli Regular"/>
+                <a:cs typeface="Muli Regular"/>
+                <a:sym typeface="Muli Regular"/>
+              </a:rPr>
+              <a:t>Identify factors that lead to customer churn.</a:t>
+            </a:r>
+          </a:p>
+        </p:txBody>
+      </p:sp>
+      <p:sp>
+        <p:nvSpPr>
+          <p:cNvPr name="TextBox 16" id="16"/>
+          <p:cNvSpPr txBox="true"/>
+          <p:nvPr/>
+        </p:nvSpPr>
+        <p:spPr>
+          <a:xfrm rot="0">
+            <a:off x="2611013" y="6242453"/>
+            <a:ext cx="6960401" cy="474334"/>
+          </a:xfrm>
+          <a:prstGeom prst="rect">
+            <a:avLst/>
+          </a:prstGeom>
+        </p:spPr>
+        <p:txBody>
+          <a:bodyPr anchor="t" rtlCol="false" tIns="0" lIns="0" bIns="0" rIns="0">
+            <a:spAutoFit/>
+          </a:bodyPr>
+          <a:lstStyle/>
+          <a:p>
+            <a:pPr algn="l">
+              <a:lnSpc>
+                <a:spcPts val="3920"/>
+              </a:lnSpc>
+              <a:spcBef>
+                <a:spcPct val="0"/>
+              </a:spcBef>
+            </a:pPr>
+          </a:p>
+        </p:txBody>
+      </p:sp>
+      <p:grpSp>
+        <p:nvGrpSpPr>
+          <p:cNvPr name="Group 17" id="17"/>
+          <p:cNvGrpSpPr/>
+          <p:nvPr/>
+        </p:nvGrpSpPr>
+        <p:grpSpPr>
+          <a:xfrm rot="0">
+            <a:off x="11249697" y="2975959"/>
+            <a:ext cx="6309915" cy="3646852"/>
+            <a:chOff x="0" y="0"/>
+            <a:chExt cx="8413220" cy="4862470"/>
+          </a:xfrm>
+        </p:grpSpPr>
+        <p:sp>
+          <p:nvSpPr>
+            <p:cNvPr name="TextBox 18" id="18"/>
+            <p:cNvSpPr txBox="true"/>
+            <p:nvPr/>
+          </p:nvSpPr>
+          <p:spPr>
+            <a:xfrm rot="0">
+              <a:off x="0" y="85725"/>
+              <a:ext cx="8413220" cy="3792017"/>
+            </a:xfrm>
+            <a:prstGeom prst="rect">
+              <a:avLst/>
+            </a:prstGeom>
+          </p:spPr>
+          <p:txBody>
+            <a:bodyPr anchor="t" rtlCol="false" tIns="0" lIns="0" bIns="0" rIns="0">
+              <a:spAutoFit/>
+            </a:bodyPr>
+            <a:lstStyle/>
+            <a:p>
+              <a:pPr algn="l" marL="0" indent="0" lvl="0">
+                <a:lnSpc>
+                  <a:spcPts val="11000"/>
+                </a:lnSpc>
+                <a:spcBef>
+                  <a:spcPct val="0"/>
+                </a:spcBef>
+              </a:pPr>
+              <a:r>
+                <a:rPr lang="en-US" sz="10000" spc="-100">
+                  <a:solidFill>
+                    <a:srgbClr val="FFFFFF"/>
+                  </a:solidFill>
+                  <a:latin typeface="Muli Bold Bold"/>
+                  <a:ea typeface="Muli Bold Bold"/>
+                  <a:cs typeface="Muli Bold Bold"/>
+                  <a:sym typeface="Muli Bold Bold"/>
+                </a:rPr>
+                <a:t>A</a:t>
+              </a:r>
+              <a:r>
+                <a:rPr lang="en-US" sz="10000" spc="-100" strike="noStrike" u="none">
+                  <a:solidFill>
+                    <a:srgbClr val="FFFFFF"/>
+                  </a:solidFill>
+                  <a:latin typeface="Muli Bold Bold"/>
+                  <a:ea typeface="Muli Bold Bold"/>
+                  <a:cs typeface="Muli Bold Bold"/>
+                  <a:sym typeface="Muli Bold Bold"/>
+                </a:rPr>
+                <a:t>nalysis Goals</a:t>
+              </a:r>
+            </a:p>
+          </p:txBody>
+        </p:sp>
+        <p:sp>
+          <p:nvSpPr>
+            <p:cNvPr name="TextBox 19" id="19"/>
+            <p:cNvSpPr txBox="true"/>
+            <p:nvPr/>
+          </p:nvSpPr>
+          <p:spPr>
+            <a:xfrm rot="0">
+              <a:off x="0" y="4254040"/>
+              <a:ext cx="6738871" cy="608430"/>
+            </a:xfrm>
+            <a:prstGeom prst="rect">
+              <a:avLst/>
+            </a:prstGeom>
+          </p:spPr>
+          <p:txBody>
+            <a:bodyPr anchor="t" rtlCol="false" tIns="0" lIns="0" bIns="0" rIns="0">
+              <a:spAutoFit/>
+            </a:bodyPr>
+            <a:lstStyle/>
+            <a:p>
+              <a:pPr algn="l">
+                <a:lnSpc>
+                  <a:spcPts val="3919"/>
+                </a:lnSpc>
+                <a:spcBef>
+                  <a:spcPct val="0"/>
+                </a:spcBef>
+              </a:pPr>
+            </a:p>
+          </p:txBody>
+        </p:sp>
+      </p:grpSp>
+      <p:sp>
+        <p:nvSpPr>
+          <p:cNvPr name="TextBox 20" id="20"/>
+          <p:cNvSpPr txBox="true"/>
+          <p:nvPr/>
+        </p:nvSpPr>
+        <p:spPr>
+          <a:xfrm rot="0">
+            <a:off x="2611013" y="6073593"/>
+            <a:ext cx="6960401" cy="976630"/>
+          </a:xfrm>
+          <a:prstGeom prst="rect">
+            <a:avLst/>
+          </a:prstGeom>
+        </p:spPr>
+        <p:txBody>
+          <a:bodyPr anchor="t" rtlCol="false" tIns="0" lIns="0" bIns="0" rIns="0">
+            <a:spAutoFit/>
+          </a:bodyPr>
+          <a:lstStyle/>
+          <a:p>
+            <a:pPr algn="l">
+              <a:lnSpc>
+                <a:spcPts val="3919"/>
+              </a:lnSpc>
+              <a:spcBef>
+                <a:spcPct val="0"/>
+              </a:spcBef>
+            </a:pPr>
+            <a:r>
+              <a:rPr lang="en-US" sz="2799">
+                <a:solidFill>
+                  <a:srgbClr val="000000"/>
+                </a:solidFill>
+                <a:latin typeface="Muli Regular"/>
+                <a:ea typeface="Muli Regular"/>
+                <a:cs typeface="Muli Regular"/>
+                <a:sym typeface="Muli Regular"/>
+              </a:rPr>
+              <a:t>Provide actionable recommendations to reduce customer churn.</a:t>
+            </a:r>
+          </a:p>
+        </p:txBody>
+      </p:sp>
+    </p:spTree>
+  </p:cSld>
+  <p:clrMapOvr>
+    <a:masterClrMapping/>
+  </p:clrMapOvr>
+</p:sld>
+</file>
+
+<file path=ppt/slides/slide5.xml><?xml version="1.0" encoding="utf-8"?>
 <p:sld xmlns:p="http://schemas.openxmlformats.org/presentationml/2006/main" xmlns:a="http://schemas.openxmlformats.org/drawingml/2006/main" xmlns:r="http://schemas.openxmlformats.org/officeDocument/2006/relationships">
   <p:cSld>
     <p:spTree>
@@ -7914,7 +11121,7 @@
                   <a:cs typeface="Berthold Block"/>
                   <a:sym typeface="Berthold Block"/>
                 </a:rPr>
-                <a:t>$ 440.8 K</a:t>
+                <a:t> 440.8 K</a:t>
               </a:r>
             </a:p>
           </p:txBody>
@@ -8159,7 +11366,7 @@
                 <a:cs typeface="Berthold Block"/>
                 <a:sym typeface="Berthold Block"/>
               </a:rPr>
-              <a:t>$ </a:t>
+              <a:t> </a:t>
             </a:r>
             <a:r>
               <a:rPr lang="en-US" sz="8079" strike="noStrike" u="none">
@@ -8417,7 +11624,7 @@
                   <a:cs typeface="Berthold Block"/>
                   <a:sym typeface="Berthold Block"/>
                 </a:rPr>
-                <a:t>$ 190.8 K</a:t>
+                <a:t> 190.8 K</a:t>
               </a:r>
             </a:p>
           </p:txBody>
@@ -8475,7 +11682,7 @@
 </p:sld>
 </file>
 
-<file path=ppt/slides/slide3.xml><?xml version="1.0" encoding="utf-8"?>
+<file path=ppt/slides/slide6.xml><?xml version="1.0" encoding="utf-8"?>
 <p:sld xmlns:p="http://schemas.openxmlformats.org/presentationml/2006/main" xmlns:a="http://schemas.openxmlformats.org/drawingml/2006/main" xmlns:r="http://schemas.openxmlformats.org/officeDocument/2006/relationships">
   <p:cSld>
     <p:spTree>
@@ -9180,840 +12387,6 @@
 </p:sld>
 </file>
 
-<file path=ppt/slides/slide4.xml><?xml version="1.0" encoding="utf-8"?>
-<p:sld xmlns:p="http://schemas.openxmlformats.org/presentationml/2006/main" xmlns:a="http://schemas.openxmlformats.org/drawingml/2006/main" xmlns:r="http://schemas.openxmlformats.org/officeDocument/2006/relationships">
-  <p:cSld>
-    <p:bg>
-      <p:bgPr>
-        <a:solidFill>
-          <a:srgbClr val="0048CD"/>
-        </a:solidFill>
-      </p:bgPr>
-    </p:bg>
-    <p:spTree>
-      <p:nvGrpSpPr>
-        <p:cNvPr id="1" name=""/>
-        <p:cNvGrpSpPr/>
-        <p:nvPr/>
-      </p:nvGrpSpPr>
-      <p:grpSpPr>
-        <a:xfrm>
-          <a:off x="0" y="0"/>
-          <a:ext cx="0" cy="0"/>
-          <a:chOff x="0" y="0"/>
-          <a:chExt cx="0" cy="0"/>
-        </a:xfrm>
-      </p:grpSpPr>
-      <p:sp>
-        <p:nvSpPr>
-          <p:cNvPr name="Freeform 2" id="2"/>
-          <p:cNvSpPr/>
-          <p:nvPr/>
-        </p:nvSpPr>
-        <p:spPr>
-          <a:xfrm flipH="false" flipV="false" rot="0">
-            <a:off x="8016952" y="1028700"/>
-            <a:ext cx="9853063" cy="8581133"/>
-          </a:xfrm>
-          <a:custGeom>
-            <a:avLst/>
-            <a:gdLst/>
-            <a:ahLst/>
-            <a:cxnLst/>
-            <a:rect r="r" b="b" t="t" l="l"/>
-            <a:pathLst>
-              <a:path h="8581133" w="9853063">
-                <a:moveTo>
-                  <a:pt x="0" y="0"/>
-                </a:moveTo>
-                <a:lnTo>
-                  <a:pt x="9853063" y="0"/>
-                </a:lnTo>
-                <a:lnTo>
-                  <a:pt x="9853063" y="8581133"/>
-                </a:lnTo>
-                <a:lnTo>
-                  <a:pt x="0" y="8581133"/>
-                </a:lnTo>
-                <a:lnTo>
-                  <a:pt x="0" y="0"/>
-                </a:lnTo>
-                <a:close/>
-              </a:path>
-            </a:pathLst>
-          </a:custGeom>
-          <a:blipFill>
-            <a:blip r:embed="rId2"/>
-            <a:stretch>
-              <a:fillRect l="-7775" t="0" r="-6165" b="0"/>
-            </a:stretch>
-          </a:blipFill>
-        </p:spPr>
-      </p:sp>
-      <p:sp>
-        <p:nvSpPr>
-          <p:cNvPr name="TextBox 3" id="3"/>
-          <p:cNvSpPr txBox="true"/>
-          <p:nvPr/>
-        </p:nvSpPr>
-        <p:spPr>
-          <a:xfrm rot="0">
-            <a:off x="1028700" y="4229328"/>
-            <a:ext cx="6820752" cy="1771195"/>
-          </a:xfrm>
-          <a:prstGeom prst="rect">
-            <a:avLst/>
-          </a:prstGeom>
-        </p:spPr>
-        <p:txBody>
-          <a:bodyPr anchor="t" rtlCol="false" tIns="0" lIns="0" bIns="0" rIns="0">
-            <a:spAutoFit/>
-          </a:bodyPr>
-          <a:lstStyle/>
-          <a:p>
-            <a:pPr algn="ctr">
-              <a:lnSpc>
-                <a:spcPts val="4750"/>
-              </a:lnSpc>
-              <a:spcBef>
-                <a:spcPct val="0"/>
-              </a:spcBef>
-            </a:pPr>
-            <a:r>
-              <a:rPr lang="en-US" sz="3392">
-                <a:solidFill>
-                  <a:srgbClr val="FFFFFF"/>
-                </a:solidFill>
-                <a:latin typeface="Muli Regular Bold"/>
-                <a:ea typeface="Muli Regular Bold"/>
-                <a:cs typeface="Muli Regular Bold"/>
-                <a:sym typeface="Muli Regular Bold"/>
-              </a:rPr>
-              <a:t>A</a:t>
-            </a:r>
-            <a:r>
-              <a:rPr lang="en-US" sz="3392">
-                <a:solidFill>
-                  <a:srgbClr val="FFFFFF"/>
-                </a:solidFill>
-                <a:latin typeface="Muli Regular Bold"/>
-                <a:ea typeface="Muli Regular Bold"/>
-                <a:cs typeface="Muli Regular Bold"/>
-                <a:sym typeface="Muli Regular Bold"/>
-              </a:rPr>
-              <a:t>s you can see almost half of the Curners in the Young (18-29) group </a:t>
-            </a:r>
-          </a:p>
-        </p:txBody>
-      </p:sp>
-      <p:sp>
-        <p:nvSpPr>
-          <p:cNvPr name="TextBox 4" id="4"/>
-          <p:cNvSpPr txBox="true"/>
-          <p:nvPr/>
-        </p:nvSpPr>
-        <p:spPr>
-          <a:xfrm rot="0">
-            <a:off x="1028700" y="2081716"/>
-            <a:ext cx="2193608" cy="1140020"/>
-          </a:xfrm>
-          <a:prstGeom prst="rect">
-            <a:avLst/>
-          </a:prstGeom>
-        </p:spPr>
-        <p:txBody>
-          <a:bodyPr anchor="t" rtlCol="false" tIns="0" lIns="0" bIns="0" rIns="0">
-            <a:spAutoFit/>
-          </a:bodyPr>
-          <a:lstStyle/>
-          <a:p>
-            <a:pPr algn="l" marL="0" indent="0" lvl="1">
-              <a:lnSpc>
-                <a:spcPts val="8816"/>
-              </a:lnSpc>
-              <a:spcBef>
-                <a:spcPct val="0"/>
-              </a:spcBef>
-            </a:pPr>
-            <a:r>
-              <a:rPr lang="en-US" sz="8015" spc="-80">
-                <a:solidFill>
-                  <a:srgbClr val="FFFFFF"/>
-                </a:solidFill>
-                <a:latin typeface="Muli Bold"/>
-                <a:ea typeface="Muli Bold"/>
-                <a:cs typeface="Muli Bold"/>
-                <a:sym typeface="Muli Bold"/>
-              </a:rPr>
-              <a:t>Age </a:t>
-            </a:r>
-          </a:p>
-        </p:txBody>
-      </p:sp>
-    </p:spTree>
-  </p:cSld>
-  <p:clrMapOvr>
-    <a:masterClrMapping/>
-  </p:clrMapOvr>
-</p:sld>
-</file>
-
-<file path=ppt/slides/slide5.xml><?xml version="1.0" encoding="utf-8"?>
-<p:sld xmlns:p="http://schemas.openxmlformats.org/presentationml/2006/main" xmlns:a="http://schemas.openxmlformats.org/drawingml/2006/main" xmlns:r="http://schemas.openxmlformats.org/officeDocument/2006/relationships">
-  <p:cSld>
-    <p:bg>
-      <p:bgPr>
-        <a:solidFill>
-          <a:srgbClr val="0048CD"/>
-        </a:solidFill>
-      </p:bgPr>
-    </p:bg>
-    <p:spTree>
-      <p:nvGrpSpPr>
-        <p:cNvPr id="1" name=""/>
-        <p:cNvGrpSpPr/>
-        <p:nvPr/>
-      </p:nvGrpSpPr>
-      <p:grpSpPr>
-        <a:xfrm>
-          <a:off x="0" y="0"/>
-          <a:ext cx="0" cy="0"/>
-          <a:chOff x="0" y="0"/>
-          <a:chExt cx="0" cy="0"/>
-        </a:xfrm>
-      </p:grpSpPr>
-      <p:grpSp>
-        <p:nvGrpSpPr>
-          <p:cNvPr name="Group 2" id="2"/>
-          <p:cNvGrpSpPr/>
-          <p:nvPr/>
-        </p:nvGrpSpPr>
-        <p:grpSpPr>
-          <a:xfrm rot="0">
-            <a:off x="1028700" y="1749238"/>
-            <a:ext cx="6385879" cy="2321124"/>
-            <a:chOff x="0" y="0"/>
-            <a:chExt cx="8514506" cy="3094832"/>
-          </a:xfrm>
-        </p:grpSpPr>
-        <p:sp>
-          <p:nvSpPr>
-            <p:cNvPr name="TextBox 3" id="3"/>
-            <p:cNvSpPr txBox="true"/>
-            <p:nvPr/>
-          </p:nvSpPr>
-          <p:spPr>
-            <a:xfrm rot="0">
-              <a:off x="0" y="76200"/>
-              <a:ext cx="8514506" cy="1552151"/>
-            </a:xfrm>
-            <a:prstGeom prst="rect">
-              <a:avLst/>
-            </a:prstGeom>
-          </p:spPr>
-          <p:txBody>
-            <a:bodyPr anchor="t" rtlCol="false" tIns="0" lIns="0" bIns="0" rIns="0">
-              <a:spAutoFit/>
-            </a:bodyPr>
-            <a:lstStyle/>
-            <a:p>
-              <a:pPr algn="l">
-                <a:lnSpc>
-                  <a:spcPts val="8816"/>
-                </a:lnSpc>
-              </a:pPr>
-              <a:r>
-                <a:rPr lang="en-US" sz="8015" spc="-80">
-                  <a:solidFill>
-                    <a:srgbClr val="FFFFFF"/>
-                  </a:solidFill>
-                  <a:latin typeface="Muli Bold"/>
-                  <a:ea typeface="Muli Bold"/>
-                  <a:cs typeface="Muli Bold"/>
-                  <a:sym typeface="Muli Bold"/>
-                </a:rPr>
-                <a:t>Gender</a:t>
-              </a:r>
-            </a:p>
-          </p:txBody>
-        </p:sp>
-        <p:sp>
-          <p:nvSpPr>
-            <p:cNvPr name="TextBox 4" id="4"/>
-            <p:cNvSpPr txBox="true"/>
-            <p:nvPr/>
-          </p:nvSpPr>
-          <p:spPr>
-            <a:xfrm rot="0">
-              <a:off x="0" y="2408064"/>
-              <a:ext cx="7658055" cy="686768"/>
-            </a:xfrm>
-            <a:prstGeom prst="rect">
-              <a:avLst/>
-            </a:prstGeom>
-          </p:spPr>
-          <p:txBody>
-            <a:bodyPr anchor="t" rtlCol="false" tIns="0" lIns="0" bIns="0" rIns="0">
-              <a:spAutoFit/>
-            </a:bodyPr>
-            <a:lstStyle/>
-            <a:p>
-              <a:pPr algn="l">
-                <a:lnSpc>
-                  <a:spcPts val="4363"/>
-                </a:lnSpc>
-              </a:pPr>
-            </a:p>
-          </p:txBody>
-        </p:sp>
-      </p:grpSp>
-      <p:sp>
-        <p:nvSpPr>
-          <p:cNvPr name="TextBox 5" id="5"/>
-          <p:cNvSpPr txBox="true"/>
-          <p:nvPr/>
-        </p:nvSpPr>
-        <p:spPr>
-          <a:xfrm rot="0">
-            <a:off x="1028700" y="5578473"/>
-            <a:ext cx="6827257" cy="1153864"/>
-          </a:xfrm>
-          <a:prstGeom prst="rect">
-            <a:avLst/>
-          </a:prstGeom>
-        </p:spPr>
-        <p:txBody>
-          <a:bodyPr anchor="t" rtlCol="false" tIns="0" lIns="0" bIns="0" rIns="0">
-            <a:spAutoFit/>
-          </a:bodyPr>
-          <a:lstStyle/>
-          <a:p>
-            <a:pPr algn="ctr" marL="718709" indent="-359354" lvl="1">
-              <a:lnSpc>
-                <a:spcPts val="4660"/>
-              </a:lnSpc>
-              <a:buFont typeface="Arial"/>
-              <a:buChar char="•"/>
-            </a:pPr>
-            <a:r>
-              <a:rPr lang="en-US" sz="3328">
-                <a:solidFill>
-                  <a:srgbClr val="FFFFFF"/>
-                </a:solidFill>
-                <a:latin typeface="Muli Regular Bold"/>
-                <a:ea typeface="Muli Regular Bold"/>
-                <a:cs typeface="Muli Regular Bold"/>
-                <a:sym typeface="Muli Regular Bold"/>
-              </a:rPr>
-              <a:t>The most of churners are females customers</a:t>
-            </a:r>
-          </a:p>
-        </p:txBody>
-      </p:sp>
-      <p:sp>
-        <p:nvSpPr>
-          <p:cNvPr name="TextBox 6" id="6"/>
-          <p:cNvSpPr txBox="true"/>
-          <p:nvPr/>
-        </p:nvSpPr>
-        <p:spPr>
-          <a:xfrm rot="0">
-            <a:off x="1028700" y="4296463"/>
-            <a:ext cx="6827257" cy="527972"/>
-          </a:xfrm>
-          <a:prstGeom prst="rect">
-            <a:avLst/>
-          </a:prstGeom>
-        </p:spPr>
-        <p:txBody>
-          <a:bodyPr anchor="t" rtlCol="false" tIns="0" lIns="0" bIns="0" rIns="0">
-            <a:spAutoFit/>
-          </a:bodyPr>
-          <a:lstStyle/>
-          <a:p>
-            <a:pPr algn="ctr" marL="693834" indent="-346917" lvl="1">
-              <a:lnSpc>
-                <a:spcPts val="4499"/>
-              </a:lnSpc>
-              <a:spcBef>
-                <a:spcPct val="0"/>
-              </a:spcBef>
-              <a:buFont typeface="Arial"/>
-              <a:buChar char="•"/>
-            </a:pPr>
-            <a:r>
-              <a:rPr lang="en-US" sz="3213">
-                <a:solidFill>
-                  <a:srgbClr val="FFFFFF"/>
-                </a:solidFill>
-                <a:latin typeface="Muli Regular Bold"/>
-                <a:ea typeface="Muli Regular Bold"/>
-                <a:cs typeface="Muli Regular Bold"/>
-                <a:sym typeface="Muli Regular Bold"/>
-              </a:rPr>
-              <a:t>M</a:t>
-            </a:r>
-            <a:r>
-              <a:rPr lang="en-US" sz="3213" strike="noStrike" u="none">
-                <a:solidFill>
-                  <a:srgbClr val="FFFFFF"/>
-                </a:solidFill>
-                <a:latin typeface="Muli Regular Bold"/>
-                <a:ea typeface="Muli Regular Bold"/>
-                <a:cs typeface="Muli Regular Bold"/>
-                <a:sym typeface="Muli Regular Bold"/>
-              </a:rPr>
-              <a:t>ost of customers are Male</a:t>
-            </a:r>
-          </a:p>
-        </p:txBody>
-      </p:sp>
-      <p:sp>
-        <p:nvSpPr>
-          <p:cNvPr name="Freeform 7" id="7"/>
-          <p:cNvSpPr/>
-          <p:nvPr/>
-        </p:nvSpPr>
-        <p:spPr>
-          <a:xfrm flipH="false" flipV="false" rot="0">
-            <a:off x="9310276" y="1738235"/>
-            <a:ext cx="7949024" cy="7520065"/>
-          </a:xfrm>
-          <a:custGeom>
-            <a:avLst/>
-            <a:gdLst/>
-            <a:ahLst/>
-            <a:cxnLst/>
-            <a:rect r="r" b="b" t="t" l="l"/>
-            <a:pathLst>
-              <a:path h="7520065" w="7949024">
-                <a:moveTo>
-                  <a:pt x="0" y="0"/>
-                </a:moveTo>
-                <a:lnTo>
-                  <a:pt x="7949024" y="0"/>
-                </a:lnTo>
-                <a:lnTo>
-                  <a:pt x="7949024" y="7520065"/>
-                </a:lnTo>
-                <a:lnTo>
-                  <a:pt x="0" y="7520065"/>
-                </a:lnTo>
-                <a:lnTo>
-                  <a:pt x="0" y="0"/>
-                </a:lnTo>
-                <a:close/>
-              </a:path>
-            </a:pathLst>
-          </a:custGeom>
-          <a:blipFill>
-            <a:blip r:embed="rId2"/>
-            <a:stretch>
-              <a:fillRect l="-9600" t="0" r="-9600" b="0"/>
-            </a:stretch>
-          </a:blipFill>
-        </p:spPr>
-      </p:sp>
-      <p:sp>
-        <p:nvSpPr>
-          <p:cNvPr name="TextBox 8" id="8"/>
-          <p:cNvSpPr txBox="true"/>
-          <p:nvPr/>
-        </p:nvSpPr>
-        <p:spPr>
-          <a:xfrm rot="0">
-            <a:off x="9939321" y="1186092"/>
-            <a:ext cx="6827257" cy="563146"/>
-          </a:xfrm>
-          <a:prstGeom prst="rect">
-            <a:avLst/>
-          </a:prstGeom>
-        </p:spPr>
-        <p:txBody>
-          <a:bodyPr anchor="t" rtlCol="false" tIns="0" lIns="0" bIns="0" rIns="0">
-            <a:spAutoFit/>
-          </a:bodyPr>
-          <a:lstStyle/>
-          <a:p>
-            <a:pPr algn="ctr">
-              <a:lnSpc>
-                <a:spcPts val="4660"/>
-              </a:lnSpc>
-            </a:pPr>
-            <a:r>
-              <a:rPr lang="en-US" sz="3328">
-                <a:solidFill>
-                  <a:srgbClr val="FFFFFF"/>
-                </a:solidFill>
-                <a:latin typeface="Muli Regular Bold"/>
-                <a:ea typeface="Muli Regular Bold"/>
-                <a:cs typeface="Muli Regular Bold"/>
-                <a:sym typeface="Muli Regular Bold"/>
-              </a:rPr>
-              <a:t>Customers Gender</a:t>
-            </a:r>
-          </a:p>
-        </p:txBody>
-      </p:sp>
-    </p:spTree>
-  </p:cSld>
-  <p:clrMapOvr>
-    <a:masterClrMapping/>
-  </p:clrMapOvr>
-</p:sld>
-</file>
-
-<file path=ppt/slides/slide6.xml><?xml version="1.0" encoding="utf-8"?>
-<p:sld xmlns:p="http://schemas.openxmlformats.org/presentationml/2006/main" xmlns:a="http://schemas.openxmlformats.org/drawingml/2006/main" xmlns:r="http://schemas.openxmlformats.org/officeDocument/2006/relationships">
-  <p:cSld>
-    <p:bg>
-      <p:bgPr>
-        <a:solidFill>
-          <a:srgbClr val="0048CD"/>
-        </a:solidFill>
-      </p:bgPr>
-    </p:bg>
-    <p:spTree>
-      <p:nvGrpSpPr>
-        <p:cNvPr id="1" name=""/>
-        <p:cNvGrpSpPr/>
-        <p:nvPr/>
-      </p:nvGrpSpPr>
-      <p:grpSpPr>
-        <a:xfrm>
-          <a:off x="0" y="0"/>
-          <a:ext cx="0" cy="0"/>
-          <a:chOff x="0" y="0"/>
-          <a:chExt cx="0" cy="0"/>
-        </a:xfrm>
-      </p:grpSpPr>
-      <p:grpSp>
-        <p:nvGrpSpPr>
-          <p:cNvPr name="Group 2" id="2"/>
-          <p:cNvGrpSpPr/>
-          <p:nvPr/>
-        </p:nvGrpSpPr>
-        <p:grpSpPr>
-          <a:xfrm rot="0">
-            <a:off x="1028700" y="1749238"/>
-            <a:ext cx="6385879" cy="2321124"/>
-            <a:chOff x="0" y="0"/>
-            <a:chExt cx="8514506" cy="3094832"/>
-          </a:xfrm>
-        </p:grpSpPr>
-        <p:sp>
-          <p:nvSpPr>
-            <p:cNvPr name="TextBox 3" id="3"/>
-            <p:cNvSpPr txBox="true"/>
-            <p:nvPr/>
-          </p:nvSpPr>
-          <p:spPr>
-            <a:xfrm rot="0">
-              <a:off x="0" y="76200"/>
-              <a:ext cx="8514506" cy="1552151"/>
-            </a:xfrm>
-            <a:prstGeom prst="rect">
-              <a:avLst/>
-            </a:prstGeom>
-          </p:spPr>
-          <p:txBody>
-            <a:bodyPr anchor="t" rtlCol="false" tIns="0" lIns="0" bIns="0" rIns="0">
-              <a:spAutoFit/>
-            </a:bodyPr>
-            <a:lstStyle/>
-            <a:p>
-              <a:pPr algn="l">
-                <a:lnSpc>
-                  <a:spcPts val="8816"/>
-                </a:lnSpc>
-              </a:pPr>
-              <a:r>
-                <a:rPr lang="en-US" sz="8015" spc="-80">
-                  <a:solidFill>
-                    <a:srgbClr val="FFFFFF"/>
-                  </a:solidFill>
-                  <a:latin typeface="Muli Bold"/>
-                  <a:ea typeface="Muli Bold"/>
-                  <a:cs typeface="Muli Bold"/>
-                  <a:sym typeface="Muli Bold"/>
-                </a:rPr>
-                <a:t>Gender</a:t>
-              </a:r>
-            </a:p>
-          </p:txBody>
-        </p:sp>
-        <p:sp>
-          <p:nvSpPr>
-            <p:cNvPr name="TextBox 4" id="4"/>
-            <p:cNvSpPr txBox="true"/>
-            <p:nvPr/>
-          </p:nvSpPr>
-          <p:spPr>
-            <a:xfrm rot="0">
-              <a:off x="0" y="2408064"/>
-              <a:ext cx="7658055" cy="686768"/>
-            </a:xfrm>
-            <a:prstGeom prst="rect">
-              <a:avLst/>
-            </a:prstGeom>
-          </p:spPr>
-          <p:txBody>
-            <a:bodyPr anchor="t" rtlCol="false" tIns="0" lIns="0" bIns="0" rIns="0">
-              <a:spAutoFit/>
-            </a:bodyPr>
-            <a:lstStyle/>
-            <a:p>
-              <a:pPr algn="l">
-                <a:lnSpc>
-                  <a:spcPts val="4363"/>
-                </a:lnSpc>
-              </a:pPr>
-            </a:p>
-          </p:txBody>
-        </p:sp>
-      </p:grpSp>
-      <p:sp>
-        <p:nvSpPr>
-          <p:cNvPr name="TextBox 5" id="5"/>
-          <p:cNvSpPr txBox="true"/>
-          <p:nvPr/>
-        </p:nvSpPr>
-        <p:spPr>
-          <a:xfrm rot="0">
-            <a:off x="1028700" y="5578473"/>
-            <a:ext cx="6827257" cy="1153864"/>
-          </a:xfrm>
-          <a:prstGeom prst="rect">
-            <a:avLst/>
-          </a:prstGeom>
-        </p:spPr>
-        <p:txBody>
-          <a:bodyPr anchor="t" rtlCol="false" tIns="0" lIns="0" bIns="0" rIns="0">
-            <a:spAutoFit/>
-          </a:bodyPr>
-          <a:lstStyle/>
-          <a:p>
-            <a:pPr algn="ctr" marL="718709" indent="-359354" lvl="1">
-              <a:lnSpc>
-                <a:spcPts val="4660"/>
-              </a:lnSpc>
-              <a:buFont typeface="Arial"/>
-              <a:buChar char="•"/>
-            </a:pPr>
-            <a:r>
-              <a:rPr lang="en-US" sz="3328">
-                <a:solidFill>
-                  <a:srgbClr val="FFFFFF"/>
-                </a:solidFill>
-                <a:latin typeface="Muli Regular Bold"/>
-                <a:ea typeface="Muli Regular Bold"/>
-                <a:cs typeface="Muli Regular Bold"/>
-                <a:sym typeface="Muli Regular Bold"/>
-              </a:rPr>
-              <a:t>The most of churners are females customers</a:t>
-            </a:r>
-          </a:p>
-        </p:txBody>
-      </p:sp>
-      <p:sp>
-        <p:nvSpPr>
-          <p:cNvPr name="TextBox 6" id="6"/>
-          <p:cNvSpPr txBox="true"/>
-          <p:nvPr/>
-        </p:nvSpPr>
-        <p:spPr>
-          <a:xfrm rot="0">
-            <a:off x="1028700" y="4296463"/>
-            <a:ext cx="6827257" cy="527972"/>
-          </a:xfrm>
-          <a:prstGeom prst="rect">
-            <a:avLst/>
-          </a:prstGeom>
-        </p:spPr>
-        <p:txBody>
-          <a:bodyPr anchor="t" rtlCol="false" tIns="0" lIns="0" bIns="0" rIns="0">
-            <a:spAutoFit/>
-          </a:bodyPr>
-          <a:lstStyle/>
-          <a:p>
-            <a:pPr algn="ctr" marL="693834" indent="-346917" lvl="1">
-              <a:lnSpc>
-                <a:spcPts val="4499"/>
-              </a:lnSpc>
-              <a:spcBef>
-                <a:spcPct val="0"/>
-              </a:spcBef>
-              <a:buFont typeface="Arial"/>
-              <a:buChar char="•"/>
-            </a:pPr>
-            <a:r>
-              <a:rPr lang="en-US" sz="3213">
-                <a:solidFill>
-                  <a:srgbClr val="FFFFFF"/>
-                </a:solidFill>
-                <a:latin typeface="Muli Regular Bold"/>
-                <a:ea typeface="Muli Regular Bold"/>
-                <a:cs typeface="Muli Regular Bold"/>
-                <a:sym typeface="Muli Regular Bold"/>
-              </a:rPr>
-              <a:t>M</a:t>
-            </a:r>
-            <a:r>
-              <a:rPr lang="en-US" sz="3213" strike="noStrike" u="none">
-                <a:solidFill>
-                  <a:srgbClr val="FFFFFF"/>
-                </a:solidFill>
-                <a:latin typeface="Muli Regular Bold"/>
-                <a:ea typeface="Muli Regular Bold"/>
-                <a:cs typeface="Muli Regular Bold"/>
-                <a:sym typeface="Muli Regular Bold"/>
-              </a:rPr>
-              <a:t>ost of customers are Male</a:t>
-            </a:r>
-          </a:p>
-        </p:txBody>
-      </p:sp>
-      <p:sp>
-        <p:nvSpPr>
-          <p:cNvPr name="Freeform 7" id="7"/>
-          <p:cNvSpPr/>
-          <p:nvPr/>
-        </p:nvSpPr>
-        <p:spPr>
-          <a:xfrm flipH="false" flipV="false" rot="0">
-            <a:off x="9310276" y="1738235"/>
-            <a:ext cx="7949024" cy="7520065"/>
-          </a:xfrm>
-          <a:custGeom>
-            <a:avLst/>
-            <a:gdLst/>
-            <a:ahLst/>
-            <a:cxnLst/>
-            <a:rect r="r" b="b" t="t" l="l"/>
-            <a:pathLst>
-              <a:path h="7520065" w="7949024">
-                <a:moveTo>
-                  <a:pt x="0" y="0"/>
-                </a:moveTo>
-                <a:lnTo>
-                  <a:pt x="7949024" y="0"/>
-                </a:lnTo>
-                <a:lnTo>
-                  <a:pt x="7949024" y="7520065"/>
-                </a:lnTo>
-                <a:lnTo>
-                  <a:pt x="0" y="7520065"/>
-                </a:lnTo>
-                <a:lnTo>
-                  <a:pt x="0" y="0"/>
-                </a:lnTo>
-                <a:close/>
-              </a:path>
-            </a:pathLst>
-          </a:custGeom>
-          <a:blipFill>
-            <a:blip r:embed="rId2"/>
-            <a:stretch>
-              <a:fillRect l="-9600" t="0" r="-9600" b="0"/>
-            </a:stretch>
-          </a:blipFill>
-        </p:spPr>
-      </p:sp>
-      <p:sp>
-        <p:nvSpPr>
-          <p:cNvPr name="Freeform 8" id="8"/>
-          <p:cNvSpPr/>
-          <p:nvPr/>
-        </p:nvSpPr>
-        <p:spPr>
-          <a:xfrm flipH="false" flipV="false" rot="0">
-            <a:off x="9144000" y="1821407"/>
-            <a:ext cx="8404899" cy="7436893"/>
-          </a:xfrm>
-          <a:custGeom>
-            <a:avLst/>
-            <a:gdLst/>
-            <a:ahLst/>
-            <a:cxnLst/>
-            <a:rect r="r" b="b" t="t" l="l"/>
-            <a:pathLst>
-              <a:path h="7436893" w="8404899">
-                <a:moveTo>
-                  <a:pt x="0" y="0"/>
-                </a:moveTo>
-                <a:lnTo>
-                  <a:pt x="8404899" y="0"/>
-                </a:lnTo>
-                <a:lnTo>
-                  <a:pt x="8404899" y="7436893"/>
-                </a:lnTo>
-                <a:lnTo>
-                  <a:pt x="0" y="7436893"/>
-                </a:lnTo>
-                <a:lnTo>
-                  <a:pt x="0" y="0"/>
-                </a:lnTo>
-                <a:close/>
-              </a:path>
-            </a:pathLst>
-          </a:custGeom>
-          <a:blipFill>
-            <a:blip r:embed="rId3"/>
-            <a:stretch>
-              <a:fillRect l="-8161" t="0" r="-7985" b="0"/>
-            </a:stretch>
-          </a:blipFill>
-        </p:spPr>
-      </p:sp>
-      <p:sp>
-        <p:nvSpPr>
-          <p:cNvPr name="TextBox 9" id="9"/>
-          <p:cNvSpPr txBox="true"/>
-          <p:nvPr/>
-        </p:nvSpPr>
-        <p:spPr>
-          <a:xfrm rot="0">
-            <a:off x="9871160" y="1511259"/>
-            <a:ext cx="6827257" cy="563146"/>
-          </a:xfrm>
-          <a:prstGeom prst="rect">
-            <a:avLst/>
-          </a:prstGeom>
-        </p:spPr>
-        <p:txBody>
-          <a:bodyPr anchor="t" rtlCol="false" tIns="0" lIns="0" bIns="0" rIns="0">
-            <a:spAutoFit/>
-          </a:bodyPr>
-          <a:lstStyle/>
-          <a:p>
-            <a:pPr algn="ctr">
-              <a:lnSpc>
-                <a:spcPts val="4660"/>
-              </a:lnSpc>
-            </a:pPr>
-            <a:r>
-              <a:rPr lang="en-US" sz="3328">
-                <a:solidFill>
-                  <a:srgbClr val="FFFFFF"/>
-                </a:solidFill>
-                <a:latin typeface="Muli Regular Bold"/>
-                <a:ea typeface="Muli Regular Bold"/>
-                <a:cs typeface="Muli Regular Bold"/>
-                <a:sym typeface="Muli Regular Bold"/>
-              </a:rPr>
-              <a:t>Churn Gender</a:t>
-            </a:r>
-          </a:p>
-        </p:txBody>
-      </p:sp>
-    </p:spTree>
-  </p:cSld>
-  <p:clrMapOvr>
-    <a:masterClrMapping/>
-  </p:clrMapOvr>
-</p:sld>
-</file>
-
 <file path=ppt/slides/slide7.xml><?xml version="1.0" encoding="utf-8"?>
 <p:sld xmlns:p="http://schemas.openxmlformats.org/presentationml/2006/main" xmlns:a="http://schemas.openxmlformats.org/drawingml/2006/main" xmlns:r="http://schemas.openxmlformats.org/officeDocument/2006/relationships">
   <p:cSld>
@@ -10046,8 +12419,8 @@
         </p:nvSpPr>
         <p:spPr>
           <a:xfrm flipH="false" flipV="false" rot="0">
-            <a:off x="7821045" y="2725089"/>
-            <a:ext cx="10118005" cy="5830154"/>
+            <a:off x="8016952" y="1028700"/>
+            <a:ext cx="9853063" cy="8581133"/>
           </a:xfrm>
           <a:custGeom>
             <a:avLst/>
@@ -10056,18 +12429,18 @@
             <a:cxnLst/>
             <a:rect r="r" b="b" t="t" l="l"/>
             <a:pathLst>
-              <a:path h="5830154" w="10118005">
+              <a:path h="8581133" w="9853063">
                 <a:moveTo>
                   <a:pt x="0" y="0"/>
                 </a:moveTo>
                 <a:lnTo>
-                  <a:pt x="10118005" y="0"/>
-                </a:lnTo>
-                <a:lnTo>
-                  <a:pt x="10118005" y="5830154"/>
-                </a:lnTo>
-                <a:lnTo>
-                  <a:pt x="0" y="5830154"/>
+                  <a:pt x="9853063" y="0"/>
+                </a:lnTo>
+                <a:lnTo>
+                  <a:pt x="9853063" y="8581133"/>
+                </a:lnTo>
+                <a:lnTo>
+                  <a:pt x="0" y="8581133"/>
                 </a:lnTo>
                 <a:lnTo>
                   <a:pt x="0" y="0"/>
@@ -10079,7 +12452,7 @@
           <a:blipFill>
             <a:blip r:embed="rId2"/>
             <a:stretch>
-              <a:fillRect l="0" t="-548" r="0" b="-548"/>
+              <a:fillRect l="-7775" t="0" r="-6165" b="0"/>
             </a:stretch>
           </a:blipFill>
         </p:spPr>
@@ -10092,8 +12465,8 @@
         </p:nvSpPr>
         <p:spPr>
           <a:xfrm rot="0">
-            <a:off x="1838574" y="1328390"/>
-            <a:ext cx="7150882" cy="614239"/>
+            <a:off x="1028700" y="3548072"/>
+            <a:ext cx="6820752" cy="1771195"/>
           </a:xfrm>
           <a:prstGeom prst="rect">
             <a:avLst/>
@@ -10107,143 +12480,14 @@
           <a:p>
             <a:pPr algn="ctr">
               <a:lnSpc>
-                <a:spcPts val="5040"/>
+                <a:spcPts val="4750"/>
               </a:lnSpc>
               <a:spcBef>
                 <a:spcPct val="0"/>
               </a:spcBef>
             </a:pPr>
             <a:r>
-              <a:rPr lang="en-US" sz="3600">
-                <a:solidFill>
-                  <a:srgbClr val="0048CD"/>
-                </a:solidFill>
-                <a:latin typeface="Inknut Antiqua Medium"/>
-                <a:ea typeface="Inknut Antiqua Medium"/>
-                <a:cs typeface="Inknut Antiqua Medium"/>
-                <a:sym typeface="Inknut Antiqua Medium"/>
-              </a:rPr>
-              <a:t>3%</a:t>
-            </a:r>
-          </a:p>
-        </p:txBody>
-      </p:sp>
-      <p:grpSp>
-        <p:nvGrpSpPr>
-          <p:cNvPr name="Group 4" id="4"/>
-          <p:cNvGrpSpPr/>
-          <p:nvPr/>
-        </p:nvGrpSpPr>
-        <p:grpSpPr>
-          <a:xfrm rot="0">
-            <a:off x="1028700" y="1749238"/>
-            <a:ext cx="7198628" cy="2321124"/>
-            <a:chOff x="0" y="0"/>
-            <a:chExt cx="9598170" cy="3094832"/>
-          </a:xfrm>
-        </p:grpSpPr>
-        <p:sp>
-          <p:nvSpPr>
-            <p:cNvPr name="TextBox 5" id="5"/>
-            <p:cNvSpPr txBox="true"/>
-            <p:nvPr/>
-          </p:nvSpPr>
-          <p:spPr>
-            <a:xfrm rot="0">
-              <a:off x="0" y="76200"/>
-              <a:ext cx="9598170" cy="1552151"/>
-            </a:xfrm>
-            <a:prstGeom prst="rect">
-              <a:avLst/>
-            </a:prstGeom>
-          </p:spPr>
-          <p:txBody>
-            <a:bodyPr anchor="t" rtlCol="false" tIns="0" lIns="0" bIns="0" rIns="0">
-              <a:spAutoFit/>
-            </a:bodyPr>
-            <a:lstStyle/>
-            <a:p>
-              <a:pPr algn="l">
-                <a:lnSpc>
-                  <a:spcPts val="8816"/>
-                </a:lnSpc>
-              </a:pPr>
-              <a:r>
-                <a:rPr lang="en-US" sz="8015" spc="-80">
-                  <a:solidFill>
-                    <a:srgbClr val="FFFFFF"/>
-                  </a:solidFill>
-                  <a:latin typeface="Muli Bold"/>
-                  <a:ea typeface="Muli Bold"/>
-                  <a:cs typeface="Muli Bold"/>
-                  <a:sym typeface="Muli Bold"/>
-                </a:rPr>
-                <a:t>Support Calls</a:t>
-              </a:r>
-            </a:p>
-          </p:txBody>
-        </p:sp>
-        <p:sp>
-          <p:nvSpPr>
-            <p:cNvPr name="TextBox 6" id="6"/>
-            <p:cNvSpPr txBox="true"/>
-            <p:nvPr/>
-          </p:nvSpPr>
-          <p:spPr>
-            <a:xfrm rot="0">
-              <a:off x="0" y="2408064"/>
-              <a:ext cx="8632717" cy="686768"/>
-            </a:xfrm>
-            <a:prstGeom prst="rect">
-              <a:avLst/>
-            </a:prstGeom>
-          </p:spPr>
-          <p:txBody>
-            <a:bodyPr anchor="t" rtlCol="false" tIns="0" lIns="0" bIns="0" rIns="0">
-              <a:spAutoFit/>
-            </a:bodyPr>
-            <a:lstStyle/>
-            <a:p>
-              <a:pPr algn="l">
-                <a:lnSpc>
-                  <a:spcPts val="4363"/>
-                </a:lnSpc>
-              </a:pPr>
-            </a:p>
-          </p:txBody>
-        </p:sp>
-      </p:grpSp>
-      <p:sp>
-        <p:nvSpPr>
-          <p:cNvPr name="TextBox 7" id="7"/>
-          <p:cNvSpPr txBox="true"/>
-          <p:nvPr/>
-        </p:nvSpPr>
-        <p:spPr>
-          <a:xfrm rot="0">
-            <a:off x="1028700" y="3187816"/>
-            <a:ext cx="6608652" cy="6070484"/>
-          </a:xfrm>
-          <a:prstGeom prst="rect">
-            <a:avLst/>
-          </a:prstGeom>
-        </p:spPr>
-        <p:txBody>
-          <a:bodyPr anchor="t" rtlCol="false" tIns="0" lIns="0" bIns="0" rIns="0">
-            <a:spAutoFit/>
-          </a:bodyPr>
-          <a:lstStyle/>
-          <a:p>
-            <a:pPr algn="ctr">
-              <a:lnSpc>
-                <a:spcPts val="4423"/>
-              </a:lnSpc>
-              <a:spcBef>
-                <a:spcPct val="0"/>
-              </a:spcBef>
-            </a:pPr>
-            <a:r>
-              <a:rPr lang="en-US" sz="3159">
+              <a:rPr lang="en-US" sz="3392">
                 <a:solidFill>
                   <a:srgbClr val="FFFFFF"/>
                 </a:solidFill>
@@ -10252,30 +12496,10 @@
                 <a:cs typeface="Muli Regular Bold"/>
                 <a:sym typeface="Muli Regular Bold"/>
               </a:rPr>
-              <a:t>There is an inverse relationship between customers who experience churn and customers who contact customer service. The more times the customer contacts, the more likely they are to experience churn.</a:t>
-            </a:r>
-          </a:p>
-          <a:p>
-            <a:pPr algn="ctr">
-              <a:lnSpc>
-                <a:spcPts val="4423"/>
-              </a:lnSpc>
-              <a:spcBef>
-                <a:spcPct val="0"/>
-              </a:spcBef>
-            </a:pPr>
-          </a:p>
-          <a:p>
-            <a:pPr algn="ctr">
-              <a:lnSpc>
-                <a:spcPts val="4423"/>
-              </a:lnSpc>
-              <a:spcBef>
-                <a:spcPct val="0"/>
-              </a:spcBef>
-            </a:pPr>
-            <a:r>
-              <a:rPr lang="en-US" sz="3159">
+              <a:t>A</a:t>
+            </a:r>
+            <a:r>
+              <a:rPr lang="en-US" sz="3392">
                 <a:solidFill>
                   <a:srgbClr val="FFFFFF"/>
                 </a:solidFill>
@@ -10284,21 +12508,21 @@
                 <a:cs typeface="Muli Regular Bold"/>
                 <a:sym typeface="Muli Regular Bold"/>
               </a:rPr>
-              <a:t>The percentage of churners increases as the number of calls increases.</a:t>
-            </a:r>
-          </a:p>
-        </p:txBody>
-      </p:sp>
-      <p:sp>
-        <p:nvSpPr>
-          <p:cNvPr name="TextBox 8" id="8"/>
+              <a:t>s you can see most of the Curners in the Young (18-29) group </a:t>
+            </a:r>
+          </a:p>
+        </p:txBody>
+      </p:sp>
+      <p:sp>
+        <p:nvSpPr>
+          <p:cNvPr name="TextBox 4" id="4"/>
           <p:cNvSpPr txBox="true"/>
           <p:nvPr/>
         </p:nvSpPr>
         <p:spPr>
           <a:xfrm rot="0">
-            <a:off x="9466419" y="1439090"/>
-            <a:ext cx="6827257" cy="563146"/>
+            <a:off x="1028700" y="1104900"/>
+            <a:ext cx="2193608" cy="1140020"/>
           </a:xfrm>
           <a:prstGeom prst="rect">
             <a:avLst/>
@@ -10310,22 +12534,25 @@
           </a:bodyPr>
           <a:lstStyle/>
           <a:p>
-            <a:pPr algn="ctr">
+            <a:pPr algn="l" marL="0" indent="0" lvl="1">
               <a:lnSpc>
-                <a:spcPts val="4660"/>
+                <a:spcPts val="8816"/>
               </a:lnSpc>
+              <a:spcBef>
+                <a:spcPct val="0"/>
+              </a:spcBef>
             </a:pPr>
             <a:r>
-              <a:rPr lang="en-US" sz="3328">
+              <a:rPr lang="en-US" sz="8015" spc="-80">
                 <a:solidFill>
                   <a:srgbClr val="FFFFFF"/>
                 </a:solidFill>
-                <a:latin typeface="Muli Regular Bold"/>
-                <a:ea typeface="Muli Regular Bold"/>
-                <a:cs typeface="Muli Regular Bold"/>
-                <a:sym typeface="Muli Regular Bold"/>
+                <a:latin typeface="Muli Bold"/>
+                <a:ea typeface="Muli Bold"/>
+                <a:cs typeface="Muli Bold"/>
+                <a:sym typeface="Muli Bold"/>
               </a:rPr>
-              <a:t>Churners By Support Calls</a:t>
+              <a:t>Age </a:t>
             </a:r>
           </a:p>
         </p:txBody>
@@ -10362,76 +12589,30 @@
           <a:chExt cx="0" cy="0"/>
         </a:xfrm>
       </p:grpSpPr>
-      <p:sp>
-        <p:nvSpPr>
-          <p:cNvPr name="Freeform 2" id="2"/>
-          <p:cNvSpPr/>
-          <p:nvPr/>
-        </p:nvSpPr>
-        <p:spPr>
-          <a:xfrm flipH="false" flipV="false" rot="0">
-            <a:off x="8000119" y="2609217"/>
-            <a:ext cx="9834155" cy="6273222"/>
-          </a:xfrm>
-          <a:custGeom>
-            <a:avLst/>
-            <a:gdLst/>
-            <a:ahLst/>
-            <a:cxnLst/>
-            <a:rect r="r" b="b" t="t" l="l"/>
-            <a:pathLst>
-              <a:path h="6273222" w="9834155">
-                <a:moveTo>
-                  <a:pt x="0" y="0"/>
-                </a:moveTo>
-                <a:lnTo>
-                  <a:pt x="9834155" y="0"/>
-                </a:lnTo>
-                <a:lnTo>
-                  <a:pt x="9834155" y="6273222"/>
-                </a:lnTo>
-                <a:lnTo>
-                  <a:pt x="0" y="6273222"/>
-                </a:lnTo>
-                <a:lnTo>
-                  <a:pt x="0" y="0"/>
-                </a:lnTo>
-                <a:close/>
-              </a:path>
-            </a:pathLst>
-          </a:custGeom>
-          <a:blipFill>
-            <a:blip r:embed="rId2"/>
-            <a:stretch>
-              <a:fillRect l="-4616" t="0" r="-4616" b="0"/>
-            </a:stretch>
-          </a:blipFill>
-        </p:spPr>
-      </p:sp>
       <p:grpSp>
         <p:nvGrpSpPr>
-          <p:cNvPr name="Group 3" id="3"/>
+          <p:cNvPr name="Group 2" id="2"/>
           <p:cNvGrpSpPr/>
           <p:nvPr/>
         </p:nvGrpSpPr>
         <p:grpSpPr>
           <a:xfrm rot="0">
             <a:off x="1028700" y="1028700"/>
-            <a:ext cx="10135560" cy="2321124"/>
+            <a:ext cx="6385879" cy="2321124"/>
             <a:chOff x="0" y="0"/>
-            <a:chExt cx="13514080" cy="3094832"/>
+            <a:chExt cx="8514506" cy="3094832"/>
           </a:xfrm>
         </p:grpSpPr>
         <p:sp>
           <p:nvSpPr>
-            <p:cNvPr name="TextBox 4" id="4"/>
+            <p:cNvPr name="TextBox 3" id="3"/>
             <p:cNvSpPr txBox="true"/>
             <p:nvPr/>
           </p:nvSpPr>
           <p:spPr>
             <a:xfrm rot="0">
               <a:off x="0" y="76200"/>
-              <a:ext cx="13514080" cy="1552151"/>
+              <a:ext cx="8514506" cy="1552151"/>
             </a:xfrm>
             <a:prstGeom prst="rect">
               <a:avLst/>
@@ -10443,13 +12624,16 @@
             </a:bodyPr>
             <a:lstStyle/>
             <a:p>
-              <a:pPr algn="l">
+              <a:pPr algn="l" marL="0" indent="0" lvl="1">
                 <a:lnSpc>
                   <a:spcPts val="8816"/>
                 </a:lnSpc>
+                <a:spcBef>
+                  <a:spcPct val="0"/>
+                </a:spcBef>
               </a:pPr>
               <a:r>
-                <a:rPr lang="en-US" sz="8015" spc="-80">
+                <a:rPr lang="en-US" sz="8015" spc="-80" strike="noStrike" u="none">
                   <a:solidFill>
                     <a:srgbClr val="FFFFFF"/>
                   </a:solidFill>
@@ -10458,21 +12642,21 @@
                   <a:cs typeface="Muli Bold"/>
                   <a:sym typeface="Muli Bold"/>
                 </a:rPr>
-                <a:t>Subscribtion Type</a:t>
+                <a:t>Gender</a:t>
               </a:r>
             </a:p>
           </p:txBody>
         </p:sp>
         <p:sp>
           <p:nvSpPr>
-            <p:cNvPr name="TextBox 5" id="5"/>
+            <p:cNvPr name="TextBox 4" id="4"/>
             <p:cNvSpPr txBox="true"/>
             <p:nvPr/>
           </p:nvSpPr>
           <p:spPr>
             <a:xfrm rot="0">
-              <a:off x="0" y="2408064"/>
-              <a:ext cx="12154737" cy="686768"/>
+              <a:off x="0" y="2408065"/>
+              <a:ext cx="7658055" cy="686768"/>
             </a:xfrm>
             <a:prstGeom prst="rect">
               <a:avLst/>
@@ -10495,14 +12679,14 @@
       </p:grpSp>
       <p:sp>
         <p:nvSpPr>
-          <p:cNvPr name="TextBox 6" id="6"/>
+          <p:cNvPr name="TextBox 5" id="5"/>
           <p:cNvSpPr txBox="true"/>
           <p:nvPr/>
         </p:nvSpPr>
         <p:spPr>
           <a:xfrm rot="0">
-            <a:off x="1326377" y="3061497"/>
-            <a:ext cx="6673743" cy="3073132"/>
+            <a:off x="1028700" y="3901750"/>
+            <a:ext cx="6827257" cy="527972"/>
           </a:xfrm>
           <a:prstGeom prst="rect">
             <a:avLst/>
@@ -10514,15 +12698,18 @@
           </a:bodyPr>
           <a:lstStyle/>
           <a:p>
-            <a:pPr algn="ctr" marL="757930" indent="-378965" lvl="1">
+            <a:pPr algn="ctr" marL="693834" indent="-346917" lvl="1">
               <a:lnSpc>
-                <a:spcPts val="4914"/>
+                <a:spcPts val="4499"/>
               </a:lnSpc>
+              <a:spcBef>
+                <a:spcPct val="0"/>
+              </a:spcBef>
               <a:buFont typeface="Arial"/>
               <a:buChar char="•"/>
             </a:pPr>
             <a:r>
-              <a:rPr lang="en-US" sz="3510">
+              <a:rPr lang="en-US" sz="3213">
                 <a:solidFill>
                   <a:srgbClr val="FFFFFF"/>
                 </a:solidFill>
@@ -10531,24 +12718,109 @@
                 <a:cs typeface="Muli Regular Bold"/>
                 <a:sym typeface="Muli Regular Bold"/>
               </a:rPr>
-              <a:t>All the customers with standard subscription have churn out.</a:t>
-            </a:r>
-          </a:p>
+              <a:t>M</a:t>
+            </a:r>
+            <a:r>
+              <a:rPr lang="en-US" sz="3213" strike="noStrike" u="none">
+                <a:solidFill>
+                  <a:srgbClr val="FFFFFF"/>
+                </a:solidFill>
+                <a:latin typeface="Muli Regular Bold"/>
+                <a:ea typeface="Muli Regular Bold"/>
+                <a:cs typeface="Muli Regular Bold"/>
+                <a:sym typeface="Muli Regular Bold"/>
+              </a:rPr>
+              <a:t>ost of customers are Male</a:t>
+            </a:r>
+          </a:p>
+        </p:txBody>
+      </p:sp>
+      <p:sp>
+        <p:nvSpPr>
+          <p:cNvPr name="TextBox 6" id="6"/>
+          <p:cNvSpPr txBox="true"/>
+          <p:nvPr/>
+        </p:nvSpPr>
+        <p:spPr>
+          <a:xfrm rot="0">
+            <a:off x="10159564" y="1626116"/>
+            <a:ext cx="6827257" cy="563146"/>
+          </a:xfrm>
+          <a:prstGeom prst="rect">
+            <a:avLst/>
+          </a:prstGeom>
+        </p:spPr>
+        <p:txBody>
+          <a:bodyPr anchor="t" rtlCol="false" tIns="0" lIns="0" bIns="0" rIns="0">
+            <a:spAutoFit/>
+          </a:bodyPr>
+          <a:lstStyle/>
           <a:p>
             <a:pPr algn="ctr">
               <a:lnSpc>
-                <a:spcPts val="4914"/>
+                <a:spcPts val="4660"/>
               </a:lnSpc>
             </a:pPr>
-          </a:p>
-          <a:p>
-            <a:pPr algn="ctr">
-              <a:lnSpc>
-                <a:spcPts val="4914"/>
-              </a:lnSpc>
-            </a:pPr>
-          </a:p>
-        </p:txBody>
+            <a:r>
+              <a:rPr lang="en-US" sz="3328">
+                <a:solidFill>
+                  <a:srgbClr val="FFFFFF"/>
+                </a:solidFill>
+                <a:latin typeface="Muli Regular Bold"/>
+                <a:ea typeface="Muli Regular Bold"/>
+                <a:cs typeface="Muli Regular Bold"/>
+                <a:sym typeface="Muli Regular Bold"/>
+              </a:rPr>
+              <a:t>Customers Gender</a:t>
+            </a:r>
+          </a:p>
+        </p:txBody>
+      </p:sp>
+      <p:sp>
+        <p:nvSpPr>
+          <p:cNvPr name="Freeform 7" id="7"/>
+          <p:cNvSpPr/>
+          <p:nvPr/>
+        </p:nvSpPr>
+        <p:spPr>
+          <a:xfrm flipH="false" flipV="false" rot="0">
+            <a:off x="9887084" y="2537583"/>
+            <a:ext cx="7372216" cy="7069038"/>
+          </a:xfrm>
+          <a:custGeom>
+            <a:avLst/>
+            <a:gdLst/>
+            <a:ahLst/>
+            <a:cxnLst/>
+            <a:rect r="r" b="b" t="t" l="l"/>
+            <a:pathLst>
+              <a:path h="7069038" w="7372216">
+                <a:moveTo>
+                  <a:pt x="0" y="0"/>
+                </a:moveTo>
+                <a:lnTo>
+                  <a:pt x="7372216" y="0"/>
+                </a:lnTo>
+                <a:lnTo>
+                  <a:pt x="7372216" y="7069038"/>
+                </a:lnTo>
+                <a:lnTo>
+                  <a:pt x="0" y="7069038"/>
+                </a:lnTo>
+                <a:lnTo>
+                  <a:pt x="0" y="0"/>
+                </a:lnTo>
+                <a:close/>
+              </a:path>
+            </a:pathLst>
+          </a:custGeom>
+          <a:blipFill>
+            <a:blip r:embed="rId2"/>
+            <a:stretch>
+              <a:fillRect l="-15437" t="-5203" r="-16978" b="0"/>
+            </a:stretch>
+          </a:blipFill>
+        </p:spPr>
       </p:sp>
     </p:spTree>
   </p:cSld>
@@ -10584,145 +12856,14 @@
       </p:grpSpPr>
       <p:sp>
         <p:nvSpPr>
-          <p:cNvPr name="Freeform 2" id="2"/>
-          <p:cNvSpPr/>
-          <p:nvPr/>
-        </p:nvSpPr>
-        <p:spPr>
-          <a:xfrm flipH="false" flipV="false" rot="0">
-            <a:off x="8078025" y="2782666"/>
-            <a:ext cx="9570326" cy="5827690"/>
-          </a:xfrm>
-          <a:custGeom>
-            <a:avLst/>
-            <a:gdLst/>
-            <a:ahLst/>
-            <a:cxnLst/>
-            <a:rect r="r" b="b" t="t" l="l"/>
-            <a:pathLst>
-              <a:path h="5827690" w="9570326">
-                <a:moveTo>
-                  <a:pt x="0" y="0"/>
-                </a:moveTo>
-                <a:lnTo>
-                  <a:pt x="9570326" y="0"/>
-                </a:lnTo>
-                <a:lnTo>
-                  <a:pt x="9570326" y="5827690"/>
-                </a:lnTo>
-                <a:lnTo>
-                  <a:pt x="0" y="5827690"/>
-                </a:lnTo>
-                <a:lnTo>
-                  <a:pt x="0" y="0"/>
-                </a:lnTo>
-                <a:close/>
-              </a:path>
-            </a:pathLst>
-          </a:custGeom>
-          <a:blipFill>
-            <a:blip r:embed="rId2"/>
-            <a:stretch>
-              <a:fillRect l="-3330" t="0" r="-3330" b="-5876"/>
-            </a:stretch>
-          </a:blipFill>
-        </p:spPr>
-      </p:sp>
-      <p:grpSp>
-        <p:nvGrpSpPr>
-          <p:cNvPr name="Group 3" id="3"/>
-          <p:cNvGrpSpPr/>
-          <p:nvPr/>
-        </p:nvGrpSpPr>
-        <p:grpSpPr>
+          <p:cNvPr name="TextBox 2" id="2"/>
+          <p:cNvSpPr txBox="true"/>
+          <p:nvPr/>
+        </p:nvSpPr>
+        <p:spPr>
           <a:xfrm rot="0">
-            <a:off x="1028700" y="1028700"/>
-            <a:ext cx="10135560" cy="2321124"/>
-            <a:chOff x="0" y="0"/>
-            <a:chExt cx="13514080" cy="3094832"/>
-          </a:xfrm>
-        </p:grpSpPr>
-        <p:sp>
-          <p:nvSpPr>
-            <p:cNvPr name="TextBox 4" id="4"/>
-            <p:cNvSpPr txBox="true"/>
-            <p:nvPr/>
-          </p:nvSpPr>
-          <p:spPr>
-            <a:xfrm rot="0">
-              <a:off x="0" y="76200"/>
-              <a:ext cx="13514080" cy="1552151"/>
-            </a:xfrm>
-            <a:prstGeom prst="rect">
-              <a:avLst/>
-            </a:prstGeom>
-          </p:spPr>
-          <p:txBody>
-            <a:bodyPr anchor="t" rtlCol="false" tIns="0" lIns="0" bIns="0" rIns="0">
-              <a:spAutoFit/>
-            </a:bodyPr>
-            <a:lstStyle/>
-            <a:p>
-              <a:pPr algn="l">
-                <a:lnSpc>
-                  <a:spcPts val="8816"/>
-                </a:lnSpc>
-              </a:pPr>
-              <a:r>
-                <a:rPr lang="en-US" sz="8015" spc="-80">
-                  <a:solidFill>
-                    <a:srgbClr val="FFFFFF"/>
-                  </a:solidFill>
-                  <a:latin typeface="Muli Bold"/>
-                  <a:ea typeface="Muli Bold"/>
-                  <a:cs typeface="Muli Bold"/>
-                  <a:sym typeface="Muli Bold"/>
-                </a:rPr>
-                <a:t>Subscribtion Type</a:t>
-              </a:r>
-            </a:p>
-          </p:txBody>
-        </p:sp>
-        <p:sp>
-          <p:nvSpPr>
-            <p:cNvPr name="TextBox 5" id="5"/>
-            <p:cNvSpPr txBox="true"/>
-            <p:nvPr/>
-          </p:nvSpPr>
-          <p:spPr>
-            <a:xfrm rot="0">
-              <a:off x="0" y="2408064"/>
-              <a:ext cx="12154737" cy="686768"/>
-            </a:xfrm>
-            <a:prstGeom prst="rect">
-              <a:avLst/>
-            </a:prstGeom>
-          </p:spPr>
-          <p:txBody>
-            <a:bodyPr anchor="t" rtlCol="false" tIns="0" lIns="0" bIns="0" rIns="0">
-              <a:spAutoFit/>
-            </a:bodyPr>
-            <a:lstStyle/>
-            <a:p>
-              <a:pPr algn="l">
-                <a:lnSpc>
-                  <a:spcPts val="4363"/>
-                </a:lnSpc>
-              </a:pPr>
-            </a:p>
-          </p:txBody>
-        </p:sp>
-      </p:grpSp>
-      <p:sp>
-        <p:nvSpPr>
-          <p:cNvPr name="TextBox 6" id="6"/>
-          <p:cNvSpPr txBox="true"/>
-          <p:nvPr/>
-        </p:nvSpPr>
-        <p:spPr>
-          <a:xfrm rot="0">
-            <a:off x="1326377" y="3061497"/>
-            <a:ext cx="6673743" cy="3073132"/>
+            <a:off x="1028700" y="1104900"/>
+            <a:ext cx="6385879" cy="1145063"/>
           </a:xfrm>
           <a:prstGeom prst="rect">
             <a:avLst/>
@@ -10734,15 +12875,57 @@
           </a:bodyPr>
           <a:lstStyle/>
           <a:p>
-            <a:pPr algn="ctr" marL="757930" indent="-378965" lvl="1">
+            <a:pPr algn="l" marL="0" indent="0" lvl="1">
               <a:lnSpc>
-                <a:spcPts val="4914"/>
+                <a:spcPts val="8816"/>
               </a:lnSpc>
-              <a:buFont typeface="Arial"/>
-              <a:buChar char="•"/>
+              <a:spcBef>
+                <a:spcPct val="0"/>
+              </a:spcBef>
             </a:pPr>
             <a:r>
-              <a:rPr lang="en-US" sz="3510">
+              <a:rPr lang="en-US" sz="8015" spc="-80" strike="noStrike" u="none">
+                <a:solidFill>
+                  <a:srgbClr val="FFFFFF"/>
+                </a:solidFill>
+                <a:latin typeface="Muli Bold"/>
+                <a:ea typeface="Muli Bold"/>
+                <a:cs typeface="Muli Bold"/>
+                <a:sym typeface="Muli Bold"/>
+              </a:rPr>
+              <a:t>Gender</a:t>
+            </a:r>
+          </a:p>
+        </p:txBody>
+      </p:sp>
+      <p:sp>
+        <p:nvSpPr>
+          <p:cNvPr name="TextBox 3" id="3"/>
+          <p:cNvSpPr txBox="true"/>
+          <p:nvPr/>
+        </p:nvSpPr>
+        <p:spPr>
+          <a:xfrm rot="0">
+            <a:off x="10103374" y="1329184"/>
+            <a:ext cx="6827257" cy="563146"/>
+          </a:xfrm>
+          <a:prstGeom prst="rect">
+            <a:avLst/>
+          </a:prstGeom>
+        </p:spPr>
+        <p:txBody>
+          <a:bodyPr anchor="t" rtlCol="false" tIns="0" lIns="0" bIns="0" rIns="0">
+            <a:spAutoFit/>
+          </a:bodyPr>
+          <a:lstStyle/>
+          <a:p>
+            <a:pPr algn="ctr">
+              <a:lnSpc>
+                <a:spcPts val="4660"/>
+              </a:lnSpc>
+            </a:pPr>
+            <a:r>
+              <a:rPr lang="en-US" sz="3328">
                 <a:solidFill>
                   <a:srgbClr val="FFFFFF"/>
                 </a:solidFill>
@@ -10751,24 +12934,157 @@
                 <a:cs typeface="Muli Regular Bold"/>
                 <a:sym typeface="Muli Regular Bold"/>
               </a:rPr>
-              <a:t>Customers with standard subscription have the highest payment delay.</a:t>
-            </a:r>
-          </a:p>
-          <a:p>
-            <a:pPr algn="ctr">
+              <a:t>Churners Gender</a:t>
+            </a:r>
+          </a:p>
+        </p:txBody>
+      </p:sp>
+      <p:sp>
+        <p:nvSpPr>
+          <p:cNvPr name="TextBox 4" id="4"/>
+          <p:cNvSpPr txBox="true"/>
+          <p:nvPr/>
+        </p:nvSpPr>
+        <p:spPr>
+          <a:xfrm rot="0">
+            <a:off x="1028700" y="5183761"/>
+            <a:ext cx="6827257" cy="1153864"/>
+          </a:xfrm>
+          <a:prstGeom prst="rect">
+            <a:avLst/>
+          </a:prstGeom>
+        </p:spPr>
+        <p:txBody>
+          <a:bodyPr anchor="t" rtlCol="false" tIns="0" lIns="0" bIns="0" rIns="0">
+            <a:spAutoFit/>
+          </a:bodyPr>
+          <a:lstStyle/>
+          <a:p>
+            <a:pPr algn="ctr" marL="718709" indent="-359354" lvl="1">
               <a:lnSpc>
-                <a:spcPts val="4914"/>
+                <a:spcPts val="4660"/>
               </a:lnSpc>
+              <a:buFont typeface="Arial"/>
+              <a:buChar char="•"/>
             </a:pPr>
-          </a:p>
-          <a:p>
-            <a:pPr algn="ctr">
+            <a:r>
+              <a:rPr lang="en-US" sz="3328">
+                <a:solidFill>
+                  <a:srgbClr val="FFFFFF"/>
+                </a:solidFill>
+                <a:latin typeface="Muli Regular Bold"/>
+                <a:ea typeface="Muli Regular Bold"/>
+                <a:cs typeface="Muli Regular Bold"/>
+                <a:sym typeface="Muli Regular Bold"/>
+              </a:rPr>
+              <a:t>The most of churners are females customers</a:t>
+            </a:r>
+          </a:p>
+        </p:txBody>
+      </p:sp>
+      <p:sp>
+        <p:nvSpPr>
+          <p:cNvPr name="TextBox 5" id="5"/>
+          <p:cNvSpPr txBox="true"/>
+          <p:nvPr/>
+        </p:nvSpPr>
+        <p:spPr>
+          <a:xfrm rot="0">
+            <a:off x="1028700" y="3901750"/>
+            <a:ext cx="6827257" cy="527972"/>
+          </a:xfrm>
+          <a:prstGeom prst="rect">
+            <a:avLst/>
+          </a:prstGeom>
+        </p:spPr>
+        <p:txBody>
+          <a:bodyPr anchor="t" rtlCol="false" tIns="0" lIns="0" bIns="0" rIns="0">
+            <a:spAutoFit/>
+          </a:bodyPr>
+          <a:lstStyle/>
+          <a:p>
+            <a:pPr algn="ctr" marL="693834" indent="-346917" lvl="1">
               <a:lnSpc>
-                <a:spcPts val="4914"/>
+                <a:spcPts val="4499"/>
               </a:lnSpc>
+              <a:spcBef>
+                <a:spcPct val="0"/>
+              </a:spcBef>
+              <a:buFont typeface="Arial"/>
+              <a:buChar char="•"/>
             </a:pPr>
-          </a:p>
-        </p:txBody>
+            <a:r>
+              <a:rPr lang="en-US" sz="3213">
+                <a:solidFill>
+                  <a:srgbClr val="FFFFFF"/>
+                </a:solidFill>
+                <a:latin typeface="Muli Regular Bold"/>
+                <a:ea typeface="Muli Regular Bold"/>
+                <a:cs typeface="Muli Regular Bold"/>
+                <a:sym typeface="Muli Regular Bold"/>
+              </a:rPr>
+              <a:t>M</a:t>
+            </a:r>
+            <a:r>
+              <a:rPr lang="en-US" sz="3213" strike="noStrike" u="none">
+                <a:solidFill>
+                  <a:srgbClr val="FFFFFF"/>
+                </a:solidFill>
+                <a:latin typeface="Muli Regular Bold"/>
+                <a:ea typeface="Muli Regular Bold"/>
+                <a:cs typeface="Muli Regular Bold"/>
+                <a:sym typeface="Muli Regular Bold"/>
+              </a:rPr>
+              <a:t>ost of customers are Male</a:t>
+            </a:r>
+          </a:p>
+        </p:txBody>
+      </p:sp>
+      <p:sp>
+        <p:nvSpPr>
+          <p:cNvPr name="Freeform 6" id="6"/>
+          <p:cNvSpPr/>
+          <p:nvPr/>
+        </p:nvSpPr>
+        <p:spPr>
+          <a:xfrm flipH="false" flipV="false" rot="0">
+            <a:off x="9797925" y="2249963"/>
+            <a:ext cx="7438153" cy="7241408"/>
+          </a:xfrm>
+          <a:custGeom>
+            <a:avLst/>
+            <a:gdLst/>
+            <a:ahLst/>
+            <a:cxnLst/>
+            <a:rect r="r" b="b" t="t" l="l"/>
+            <a:pathLst>
+              <a:path h="7241408" w="7438153">
+                <a:moveTo>
+                  <a:pt x="0" y="0"/>
+                </a:moveTo>
+                <a:lnTo>
+                  <a:pt x="7438154" y="0"/>
+                </a:lnTo>
+                <a:lnTo>
+                  <a:pt x="7438154" y="7241409"/>
+                </a:lnTo>
+                <a:lnTo>
+                  <a:pt x="0" y="7241409"/>
+                </a:lnTo>
+                <a:lnTo>
+                  <a:pt x="0" y="0"/>
+                </a:lnTo>
+                <a:close/>
+              </a:path>
+            </a:pathLst>
+          </a:custGeom>
+          <a:blipFill>
+            <a:blip r:embed="rId2"/>
+            <a:stretch>
+              <a:fillRect l="-17127" t="-3848" r="-10259" b="0"/>
+            </a:stretch>
+          </a:blipFill>
+        </p:spPr>
       </p:sp>
     </p:spTree>
   </p:cSld>
